--- a/Präsentationen/04-DataVault/DataVault.pptx
+++ b/Präsentationen/04-DataVault/DataVault.pptx
@@ -8,7 +8,7 @@
     <p:notesMasterId r:id="rId13"/>
   </p:notesMasterIdLst>
   <p:sldIdLst>
-    <p:sldId id="256" r:id="rId2"/>
+    <p:sldId id="260" r:id="rId2"/>
     <p:sldId id="274" r:id="rId3"/>
     <p:sldId id="275" r:id="rId4"/>
     <p:sldId id="276" r:id="rId5"/>
@@ -234,7 +234,7 @@
           <a:p>
             <a:fld id="{EF3F0B1F-D673-4C4A-8728-8D2703E6B253}" type="datetimeFigureOut">
               <a:rPr lang="de-DE" smtClean="0"/>
-              <a:t>04.05.22</a:t>
+              <a:t>05.05.2022</a:t>
             </a:fld>
             <a:endParaRPr lang="de-DE"/>
           </a:p>
@@ -392,7 +392,7 @@
           <a:p>
             <a:fld id="{0DAB0C15-1D43-44C0-AE16-C827164FF4B1}" type="slidenum">
               <a:rPr lang="de-DE" smtClean="0"/>
-              <a:t>‹#›</a:t>
+              <a:t>‹Nr.›</a:t>
             </a:fld>
             <a:endParaRPr lang="de-DE"/>
           </a:p>
@@ -660,7 +660,7 @@
           <a:p>
             <a:fld id="{26D6A3BD-1351-47C2-BB80-28B172A8BC67}" type="datetime4">
               <a:rPr lang="en-US" smtClean="0"/>
-              <a:t>May 4, 2022</a:t>
+              <a:t>May 5, 2022</a:t>
             </a:fld>
             <a:endParaRPr lang="en-US"/>
           </a:p>
@@ -714,7 +714,7 @@
           <a:p>
             <a:fld id="{9D4AEF59-F28E-467C-9EA3-92D1CFAD475A}" type="slidenum">
               <a:rPr lang="en-US" smtClean="0"/>
-              <a:t>‹#›</a:t>
+              <a:t>‹Nr.›</a:t>
             </a:fld>
             <a:endParaRPr lang="en-US" dirty="0"/>
           </a:p>
@@ -836,7 +836,7 @@
           <a:p>
             <a:fld id="{E6CB15F1-7933-4E76-9137-72D8C9B28351}" type="datetime4">
               <a:rPr lang="en-US" smtClean="0"/>
-              <a:t>May 4, 2022</a:t>
+              <a:t>May 5, 2022</a:t>
             </a:fld>
             <a:endParaRPr lang="en-US"/>
           </a:p>
@@ -890,7 +890,7 @@
           <a:p>
             <a:fld id="{9D4AEF59-F28E-467C-9EA3-92D1CFAD475A}" type="slidenum">
               <a:rPr lang="en-US" smtClean="0"/>
-              <a:t>‹#›</a:t>
+              <a:t>‹Nr.›</a:t>
             </a:fld>
             <a:endParaRPr lang="en-US"/>
           </a:p>
@@ -1075,7 +1075,7 @@
           <a:p>
             <a:fld id="{62F543C8-886D-41FA-8E25-DE0948C190A0}" type="datetime4">
               <a:rPr lang="en-US" smtClean="0"/>
-              <a:t>May 4, 2022</a:t>
+              <a:t>May 5, 2022</a:t>
             </a:fld>
             <a:endParaRPr lang="en-US"/>
           </a:p>
@@ -1129,7 +1129,7 @@
           <a:p>
             <a:fld id="{9D4AEF59-F28E-467C-9EA3-92D1CFAD475A}" type="slidenum">
               <a:rPr lang="en-US" smtClean="0"/>
-              <a:t>‹#›</a:t>
+              <a:t>‹Nr.›</a:t>
             </a:fld>
             <a:endParaRPr lang="en-US"/>
           </a:p>
@@ -1280,7 +1280,7 @@
           <a:p>
             <a:fld id="{87477AD2-509E-4566-BA8A-4ECB08403BB1}" type="datetime4">
               <a:rPr lang="en-US" smtClean="0"/>
-              <a:t>May 4, 2022</a:t>
+              <a:t>May 5, 2022</a:t>
             </a:fld>
             <a:endParaRPr lang="en-US"/>
           </a:p>
@@ -1344,7 +1344,7 @@
           <a:p>
             <a:fld id="{9D4AEF59-F28E-467C-9EA3-92D1CFAD475A}" type="slidenum">
               <a:rPr lang="en-US" smtClean="0"/>
-              <a:t>‹#›</a:t>
+              <a:t>‹Nr.›</a:t>
             </a:fld>
             <a:endParaRPr lang="en-US" dirty="0"/>
           </a:p>
@@ -1570,7 +1570,7 @@
           <a:p>
             <a:fld id="{1DB299C2-03B0-4C72-B038-356E0B9D1651}" type="datetime4">
               <a:rPr lang="en-US" smtClean="0"/>
-              <a:t>May 4, 2022</a:t>
+              <a:t>May 5, 2022</a:t>
             </a:fld>
             <a:endParaRPr lang="en-US"/>
           </a:p>
@@ -1624,7 +1624,7 @@
           <a:p>
             <a:fld id="{9D4AEF59-F28E-467C-9EA3-92D1CFAD475A}" type="slidenum">
               <a:rPr lang="en-US" smtClean="0"/>
-              <a:t>‹#›</a:t>
+              <a:t>‹Nr.›</a:t>
             </a:fld>
             <a:endParaRPr lang="en-US"/>
           </a:p>
@@ -1860,7 +1860,7 @@
           <a:p>
             <a:fld id="{A2C3C639-3FA5-4EF5-B71F-72FB34E149C5}" type="datetime4">
               <a:rPr lang="en-US" smtClean="0"/>
-              <a:t>May 4, 2022</a:t>
+              <a:t>May 5, 2022</a:t>
             </a:fld>
             <a:endParaRPr lang="en-US" dirty="0"/>
           </a:p>
@@ -1919,7 +1919,7 @@
           <a:p>
             <a:fld id="{9D4AEF59-F28E-467C-9EA3-92D1CFAD475A}" type="slidenum">
               <a:rPr lang="en-US" smtClean="0"/>
-              <a:t>‹#›</a:t>
+              <a:t>‹Nr.›</a:t>
             </a:fld>
             <a:endParaRPr lang="en-US" dirty="0"/>
           </a:p>
@@ -2283,7 +2283,7 @@
           <a:p>
             <a:fld id="{D12C2768-39A0-4FF9-8B80-9C8AB2368080}" type="datetime4">
               <a:rPr lang="en-US" smtClean="0"/>
-              <a:t>May 4, 2022</a:t>
+              <a:t>May 5, 2022</a:t>
             </a:fld>
             <a:endParaRPr lang="en-US"/>
           </a:p>
@@ -2337,7 +2337,7 @@
           <a:p>
             <a:fld id="{9D4AEF59-F28E-467C-9EA3-92D1CFAD475A}" type="slidenum">
               <a:rPr lang="en-US" smtClean="0"/>
-              <a:t>‹#›</a:t>
+              <a:t>‹Nr.›</a:t>
             </a:fld>
             <a:endParaRPr lang="en-US"/>
           </a:p>
@@ -2425,7 +2425,7 @@
           <a:p>
             <a:fld id="{2AC58C00-7B94-441C-8745-12431DCFF69F}" type="datetime4">
               <a:rPr lang="en-US" smtClean="0"/>
-              <a:t>May 4, 2022</a:t>
+              <a:t>May 5, 2022</a:t>
             </a:fld>
             <a:endParaRPr lang="en-US"/>
           </a:p>
@@ -2479,7 +2479,7 @@
           <a:p>
             <a:fld id="{9D4AEF59-F28E-467C-9EA3-92D1CFAD475A}" type="slidenum">
               <a:rPr lang="en-US" smtClean="0"/>
-              <a:t>‹#›</a:t>
+              <a:t>‹Nr.›</a:t>
             </a:fld>
             <a:endParaRPr lang="en-US"/>
           </a:p>
@@ -2567,7 +2567,7 @@
           <a:p>
             <a:fld id="{FF6AF0F0-EBF4-4AD8-B090-33A31C685300}" type="datetime4">
               <a:rPr lang="en-US" smtClean="0"/>
-              <a:t>May 4, 2022</a:t>
+              <a:t>May 5, 2022</a:t>
             </a:fld>
             <a:endParaRPr lang="en-US"/>
           </a:p>
@@ -2626,7 +2626,7 @@
           <a:p>
             <a:fld id="{9D4AEF59-F28E-467C-9EA3-92D1CFAD475A}" type="slidenum">
               <a:rPr lang="en-US" smtClean="0"/>
-              <a:t>‹#›</a:t>
+              <a:t>‹Nr.›</a:t>
             </a:fld>
             <a:endParaRPr lang="en-US"/>
           </a:p>
@@ -2887,7 +2887,7 @@
           <a:p>
             <a:fld id="{2CCCEA74-5CF3-452C-9348-6086333827F5}" type="datetime4">
               <a:rPr lang="en-US" smtClean="0"/>
-              <a:t>May 4, 2022</a:t>
+              <a:t>May 5, 2022</a:t>
             </a:fld>
             <a:endParaRPr lang="en-US"/>
           </a:p>
@@ -2941,7 +2941,7 @@
           <a:p>
             <a:fld id="{9D4AEF59-F28E-467C-9EA3-92D1CFAD475A}" type="slidenum">
               <a:rPr lang="en-US" smtClean="0"/>
-              <a:t>‹#›</a:t>
+              <a:t>‹Nr.›</a:t>
             </a:fld>
             <a:endParaRPr lang="en-US"/>
           </a:p>
@@ -3180,7 +3180,7 @@
           <a:p>
             <a:fld id="{A9849EEA-9318-4930-859F-1ADE410F7D19}" type="datetime4">
               <a:rPr lang="en-US" smtClean="0"/>
-              <a:t>May 4, 2022</a:t>
+              <a:t>May 5, 2022</a:t>
             </a:fld>
             <a:endParaRPr lang="en-US"/>
           </a:p>
@@ -3234,7 +3234,7 @@
           <a:p>
             <a:fld id="{9D4AEF59-F28E-467C-9EA3-92D1CFAD475A}" type="slidenum">
               <a:rPr lang="en-US" smtClean="0"/>
-              <a:t>‹#›</a:t>
+              <a:t>‹Nr.›</a:t>
             </a:fld>
             <a:endParaRPr lang="en-US"/>
           </a:p>
@@ -3461,7 +3461,7 @@
           <a:p>
             <a:fld id="{D77D9FF4-8C7A-432E-977E-F55438F223C5}" type="datetime4">
               <a:rPr lang="en-US" smtClean="0"/>
-              <a:t>May 4, 2022</a:t>
+              <a:t>May 5, 2022</a:t>
             </a:fld>
             <a:endParaRPr lang="en-US" dirty="0">
               <a:latin typeface="+mn-lt"/>
@@ -3560,7 +3560,7 @@
             <a:fld id="{9D4AEF59-F28E-467C-9EA3-92D1CFAD475A}" type="slidenum">
               <a:rPr lang="en-US" smtClean="0"/>
               <a:pPr/>
-              <a:t>‹#›</a:t>
+              <a:t>‹Nr.›</a:t>
             </a:fld>
             <a:endParaRPr lang="en-US" dirty="0">
               <a:latin typeface="+mn-lt"/>
@@ -4018,22 +4018,521 @@
           <a:chExt cx="0" cy="0"/>
         </a:xfrm>
       </p:grpSpPr>
-      <p:sp>
-        <p:nvSpPr>
-          <p:cNvPr id="5" name="Textfeld 4">
-            <a:extLst>
-              <a:ext uri="{FF2B5EF4-FFF2-40B4-BE49-F238E27FC236}">
-                <a16:creationId xmlns:a16="http://schemas.microsoft.com/office/drawing/2014/main" id="{51048280-E235-CA2E-EDB5-C300844C53DC}"/>
-              </a:ext>
-            </a:extLst>
-          </p:cNvPr>
-          <p:cNvSpPr txBox="1"/>
+      <p:pic>
+        <p:nvPicPr>
+          <p:cNvPr id="34" name="Picture 3" descr="Personen, die an Ideen arbeiten">
+            <a:extLst>
+              <a:ext uri="{FF2B5EF4-FFF2-40B4-BE49-F238E27FC236}">
+                <a16:creationId xmlns:a16="http://schemas.microsoft.com/office/drawing/2014/main" id="{7B6B69A5-A372-4FF2-0435-7C422CC1F0E0}"/>
+              </a:ext>
+            </a:extLst>
+          </p:cNvPr>
+          <p:cNvPicPr>
+            <a:picLocks noChangeAspect="1"/>
+          </p:cNvPicPr>
           <p:nvPr/>
-        </p:nvSpPr>
+        </p:nvPicPr>
+        <p:blipFill rotWithShape="1">
+          <a:blip r:embed="rId2"/>
+          <a:srcRect l="24454" r="32063" b="-1"/>
+          <a:stretch/>
+        </p:blipFill>
         <p:spPr>
           <a:xfrm>
-            <a:off x="250370" y="2048327"/>
-            <a:ext cx="7736114" cy="2215991"/>
+            <a:off x="7616215" y="10886"/>
+            <a:ext cx="4575785" cy="6858000"/>
+          </a:xfrm>
+          <a:custGeom>
+            <a:avLst/>
+            <a:gdLst/>
+            <a:ahLst/>
+            <a:cxnLst/>
+            <a:rect l="l" t="t" r="r" b="b"/>
+            <a:pathLst>
+              <a:path w="4575785" h="6857999">
+                <a:moveTo>
+                  <a:pt x="517468" y="0"/>
+                </a:moveTo>
+                <a:lnTo>
+                  <a:pt x="4575785" y="0"/>
+                </a:lnTo>
+                <a:lnTo>
+                  <a:pt x="4575785" y="6857999"/>
+                </a:lnTo>
+                <a:lnTo>
+                  <a:pt x="960511" y="6857999"/>
+                </a:lnTo>
+                <a:lnTo>
+                  <a:pt x="942694" y="6843617"/>
+                </a:lnTo>
+                <a:cubicBezTo>
+                  <a:pt x="964945" y="6792705"/>
+                  <a:pt x="892574" y="6836929"/>
+                  <a:pt x="865960" y="6827318"/>
+                </a:cubicBezTo>
+                <a:lnTo>
+                  <a:pt x="861487" y="6823037"/>
+                </a:lnTo>
+                <a:lnTo>
+                  <a:pt x="859513" y="6806858"/>
+                </a:lnTo>
+                <a:lnTo>
+                  <a:pt x="860461" y="6800037"/>
+                </a:lnTo>
+                <a:cubicBezTo>
+                  <a:pt x="860484" y="6795612"/>
+                  <a:pt x="859691" y="6793024"/>
+                  <a:pt x="858251" y="6791626"/>
+                </a:cubicBezTo>
+                <a:lnTo>
+                  <a:pt x="857660" y="6791654"/>
+                </a:lnTo>
+                <a:lnTo>
+                  <a:pt x="856643" y="6783314"/>
+                </a:lnTo>
+                <a:cubicBezTo>
+                  <a:pt x="856157" y="6768705"/>
+                  <a:pt x="856848" y="6753980"/>
+                  <a:pt x="858459" y="6739543"/>
+                </a:cubicBezTo>
+                <a:cubicBezTo>
+                  <a:pt x="825704" y="6742272"/>
+                  <a:pt x="849542" y="6681110"/>
+                  <a:pt x="794118" y="6710916"/>
+                </a:cubicBezTo>
+                <a:cubicBezTo>
+                  <a:pt x="794610" y="6692179"/>
+                  <a:pt x="815573" y="6671806"/>
+                  <a:pt x="779817" y="6693690"/>
+                </a:cubicBezTo>
+                <a:cubicBezTo>
+                  <a:pt x="778915" y="6687990"/>
+                  <a:pt x="774885" y="6685995"/>
+                  <a:pt x="769310" y="6685745"/>
+                </a:cubicBezTo>
+                <a:lnTo>
+                  <a:pt x="766802" y="6686064"/>
+                </a:lnTo>
+                <a:cubicBezTo>
+                  <a:pt x="767473" y="6672038"/>
+                  <a:pt x="768145" y="6658011"/>
+                  <a:pt x="768816" y="6643985"/>
+                </a:cubicBezTo>
+                <a:lnTo>
+                  <a:pt x="764758" y="6640288"/>
+                </a:lnTo>
+                <a:lnTo>
+                  <a:pt x="771603" y="6610439"/>
+                </a:lnTo>
+                <a:cubicBezTo>
+                  <a:pt x="771799" y="6605729"/>
+                  <a:pt x="776328" y="6505678"/>
+                  <a:pt x="776524" y="6500968"/>
+                </a:cubicBezTo>
+                <a:lnTo>
+                  <a:pt x="716862" y="6252242"/>
+                </a:lnTo>
+                <a:cubicBezTo>
+                  <a:pt x="710358" y="6209033"/>
+                  <a:pt x="712158" y="6177416"/>
+                  <a:pt x="706006" y="6116988"/>
+                </a:cubicBezTo>
+                <a:cubicBezTo>
+                  <a:pt x="664744" y="6009788"/>
+                  <a:pt x="669134" y="5997889"/>
+                  <a:pt x="675681" y="5921438"/>
+                </a:cubicBezTo>
+                <a:cubicBezTo>
+                  <a:pt x="609567" y="5910253"/>
+                  <a:pt x="667197" y="5880778"/>
+                  <a:pt x="646967" y="5848021"/>
+                </a:cubicBezTo>
+                <a:cubicBezTo>
+                  <a:pt x="633539" y="5819166"/>
+                  <a:pt x="610193" y="5775630"/>
+                  <a:pt x="595120" y="5722308"/>
+                </a:cubicBezTo>
+                <a:cubicBezTo>
+                  <a:pt x="587517" y="5685814"/>
+                  <a:pt x="566330" y="5564010"/>
+                  <a:pt x="556522" y="5528087"/>
+                </a:cubicBezTo>
+                <a:cubicBezTo>
+                  <a:pt x="551310" y="5519174"/>
+                  <a:pt x="556171" y="5505252"/>
+                  <a:pt x="536270" y="5506770"/>
+                </a:cubicBezTo>
+                <a:cubicBezTo>
+                  <a:pt x="512052" y="5506489"/>
+                  <a:pt x="543356" y="5459435"/>
+                  <a:pt x="516612" y="5473320"/>
+                </a:cubicBezTo>
+                <a:cubicBezTo>
+                  <a:pt x="537947" y="5440196"/>
+                  <a:pt x="486731" y="5435838"/>
+                  <a:pt x="471989" y="5418523"/>
+                </a:cubicBezTo>
+                <a:cubicBezTo>
+                  <a:pt x="493820" y="5390817"/>
+                  <a:pt x="454363" y="5377479"/>
+                  <a:pt x="442299" y="5333204"/>
+                </a:cubicBezTo>
+                <a:cubicBezTo>
+                  <a:pt x="467689" y="5302287"/>
+                  <a:pt x="420786" y="5307848"/>
+                  <a:pt x="452960" y="5255192"/>
+                </a:cubicBezTo>
+                <a:cubicBezTo>
+                  <a:pt x="453300" y="5233631"/>
+                  <a:pt x="429983" y="5195187"/>
+                  <a:pt x="431339" y="5156169"/>
+                </a:cubicBezTo>
+                <a:cubicBezTo>
+                  <a:pt x="398945" y="5067566"/>
+                  <a:pt x="403718" y="5079988"/>
+                  <a:pt x="404757" y="5025421"/>
+                </a:cubicBezTo>
+                <a:cubicBezTo>
+                  <a:pt x="400018" y="4966103"/>
+                  <a:pt x="402758" y="4976631"/>
+                  <a:pt x="395660" y="4924394"/>
+                </a:cubicBezTo>
+                <a:cubicBezTo>
+                  <a:pt x="383838" y="4897752"/>
+                  <a:pt x="406451" y="4876973"/>
+                  <a:pt x="390158" y="4861232"/>
+                </a:cubicBezTo>
+                <a:cubicBezTo>
+                  <a:pt x="362582" y="4877952"/>
+                  <a:pt x="368360" y="4813711"/>
+                  <a:pt x="341238" y="4838615"/>
+                </a:cubicBezTo>
+                <a:cubicBezTo>
+                  <a:pt x="311503" y="4831441"/>
+                  <a:pt x="352577" y="4804970"/>
+                  <a:pt x="326273" y="4796524"/>
+                </a:cubicBezTo>
+                <a:lnTo>
+                  <a:pt x="284996" y="4672372"/>
+                </a:lnTo>
+                <a:cubicBezTo>
+                  <a:pt x="298118" y="4649489"/>
+                  <a:pt x="287003" y="4640074"/>
+                  <a:pt x="267970" y="4634255"/>
+                </a:cubicBezTo>
+                <a:cubicBezTo>
+                  <a:pt x="263754" y="4595383"/>
+                  <a:pt x="222766" y="4593405"/>
+                  <a:pt x="203275" y="4555830"/>
+                </a:cubicBezTo>
+                <a:cubicBezTo>
+                  <a:pt x="181514" y="4524570"/>
+                  <a:pt x="154438" y="4520149"/>
+                  <a:pt x="133797" y="4479914"/>
+                </a:cubicBezTo>
+                <a:cubicBezTo>
+                  <a:pt x="124082" y="4457346"/>
+                  <a:pt x="105185" y="4427564"/>
+                  <a:pt x="84156" y="4415916"/>
+                </a:cubicBezTo>
+                <a:lnTo>
+                  <a:pt x="83303" y="4414752"/>
+                </a:lnTo>
+                <a:lnTo>
+                  <a:pt x="72062" y="4388525"/>
+                </a:lnTo>
+                <a:lnTo>
+                  <a:pt x="75315" y="4375182"/>
+                </a:lnTo>
+                <a:cubicBezTo>
+                  <a:pt x="75941" y="4370194"/>
+                  <a:pt x="75530" y="4367154"/>
+                  <a:pt x="74333" y="4365355"/>
+                </a:cubicBezTo>
+                <a:lnTo>
+                  <a:pt x="68893" y="4364787"/>
+                </a:lnTo>
+                <a:cubicBezTo>
+                  <a:pt x="68887" y="4364737"/>
+                  <a:pt x="68881" y="4364686"/>
+                  <a:pt x="68875" y="4364636"/>
+                </a:cubicBezTo>
+                <a:cubicBezTo>
+                  <a:pt x="68620" y="4351507"/>
+                  <a:pt x="69309" y="4337030"/>
+                  <a:pt x="58168" y="4323582"/>
+                </a:cubicBezTo>
+                <a:cubicBezTo>
+                  <a:pt x="61811" y="4263350"/>
+                  <a:pt x="99263" y="4233013"/>
+                  <a:pt x="79972" y="4208494"/>
+                </a:cubicBezTo>
+                <a:cubicBezTo>
+                  <a:pt x="88758" y="4180446"/>
+                  <a:pt x="125844" y="4152085"/>
+                  <a:pt x="106280" y="4120638"/>
+                </a:cubicBezTo>
+                <a:cubicBezTo>
+                  <a:pt x="111598" y="4121936"/>
+                  <a:pt x="113804" y="4120147"/>
+                  <a:pt x="114398" y="4116558"/>
+                </a:cubicBezTo>
+                <a:cubicBezTo>
+                  <a:pt x="114157" y="4114248"/>
+                  <a:pt x="113917" y="4111937"/>
+                  <a:pt x="113677" y="4109627"/>
+                </a:cubicBezTo>
+                <a:lnTo>
+                  <a:pt x="105699" y="4105626"/>
+                </a:lnTo>
+                <a:cubicBezTo>
+                  <a:pt x="77890" y="4088880"/>
+                  <a:pt x="108987" y="4082598"/>
+                  <a:pt x="106408" y="4051443"/>
+                </a:cubicBezTo>
+                <a:cubicBezTo>
+                  <a:pt x="106858" y="4036630"/>
+                  <a:pt x="97032" y="3985550"/>
+                  <a:pt x="103822" y="3988496"/>
+                </a:cubicBezTo>
+                <a:lnTo>
+                  <a:pt x="75372" y="3857059"/>
+                </a:lnTo>
+                <a:cubicBezTo>
+                  <a:pt x="82817" y="3836376"/>
+                  <a:pt x="81742" y="3824520"/>
+                  <a:pt x="64937" y="3815652"/>
+                </a:cubicBezTo>
+                <a:cubicBezTo>
+                  <a:pt x="102287" y="3718925"/>
+                  <a:pt x="55573" y="3772320"/>
+                  <a:pt x="59080" y="3696747"/>
+                </a:cubicBezTo>
+                <a:cubicBezTo>
+                  <a:pt x="66269" y="3629648"/>
+                  <a:pt x="63240" y="3571908"/>
+                  <a:pt x="85623" y="3491441"/>
+                </a:cubicBezTo>
+                <a:cubicBezTo>
+                  <a:pt x="98410" y="3474059"/>
+                  <a:pt x="99525" y="3431012"/>
+                  <a:pt x="100691" y="3417526"/>
+                </a:cubicBezTo>
+                <a:cubicBezTo>
+                  <a:pt x="101857" y="3404040"/>
+                  <a:pt x="95556" y="3412369"/>
+                  <a:pt x="92620" y="3410525"/>
+                </a:cubicBezTo>
+                <a:cubicBezTo>
+                  <a:pt x="92153" y="3374230"/>
+                  <a:pt x="83244" y="3285268"/>
+                  <a:pt x="79737" y="3235496"/>
+                </a:cubicBezTo>
+                <a:cubicBezTo>
+                  <a:pt x="70953" y="3207448"/>
+                  <a:pt x="52012" y="3143347"/>
+                  <a:pt x="71576" y="3111898"/>
+                </a:cubicBezTo>
+                <a:cubicBezTo>
+                  <a:pt x="66408" y="3077014"/>
+                  <a:pt x="53542" y="3056489"/>
+                  <a:pt x="48725" y="3026189"/>
+                </a:cubicBezTo>
+                <a:cubicBezTo>
+                  <a:pt x="35029" y="3013335"/>
+                  <a:pt x="35295" y="2950066"/>
+                  <a:pt x="42673" y="2930099"/>
+                </a:cubicBezTo>
+                <a:cubicBezTo>
+                  <a:pt x="72765" y="2876461"/>
+                  <a:pt x="20837" y="2811743"/>
+                  <a:pt x="43260" y="2768401"/>
+                </a:cubicBezTo>
+                <a:cubicBezTo>
+                  <a:pt x="44784" y="2755816"/>
+                  <a:pt x="43709" y="2744724"/>
+                  <a:pt x="41022" y="2734617"/>
+                </a:cubicBezTo>
+                <a:lnTo>
+                  <a:pt x="29707" y="2708118"/>
+                </a:lnTo>
+                <a:lnTo>
+                  <a:pt x="18896" y="2704187"/>
+                </a:lnTo>
+                <a:lnTo>
+                  <a:pt x="16157" y="2686013"/>
+                </a:lnTo>
+                <a:lnTo>
+                  <a:pt x="0" y="2656506"/>
+                </a:lnTo>
+                <a:cubicBezTo>
+                  <a:pt x="46275" y="2648213"/>
+                  <a:pt x="-21852" y="2580542"/>
+                  <a:pt x="20000" y="2589495"/>
+                </a:cubicBezTo>
+                <a:cubicBezTo>
+                  <a:pt x="9004" y="2539865"/>
+                  <a:pt x="51725" y="2561406"/>
+                  <a:pt x="4503" y="2517909"/>
+                </a:cubicBezTo>
+                <a:cubicBezTo>
+                  <a:pt x="18312" y="2426183"/>
+                  <a:pt x="2043" y="2320005"/>
+                  <a:pt x="38580" y="2235940"/>
+                </a:cubicBezTo>
+                <a:cubicBezTo>
+                  <a:pt x="39530" y="2131535"/>
+                  <a:pt x="31342" y="1983035"/>
+                  <a:pt x="28357" y="1891475"/>
+                </a:cubicBezTo>
+                <a:cubicBezTo>
+                  <a:pt x="18536" y="1816240"/>
+                  <a:pt x="53985" y="1820215"/>
+                  <a:pt x="16422" y="1754299"/>
+                </a:cubicBezTo>
+                <a:cubicBezTo>
+                  <a:pt x="22523" y="1748800"/>
+                  <a:pt x="14115" y="1712020"/>
+                  <a:pt x="17619" y="1704948"/>
+                </a:cubicBezTo>
+                <a:lnTo>
+                  <a:pt x="11875" y="1640075"/>
+                </a:lnTo>
+                <a:lnTo>
+                  <a:pt x="10148" y="1637400"/>
+                </a:lnTo>
+                <a:cubicBezTo>
+                  <a:pt x="6571" y="1625366"/>
+                  <a:pt x="7662" y="1617809"/>
+                  <a:pt x="10809" y="1612250"/>
+                </a:cubicBezTo>
+                <a:lnTo>
+                  <a:pt x="30710" y="1498099"/>
+                </a:lnTo>
+                <a:lnTo>
+                  <a:pt x="28832" y="1497366"/>
+                </a:lnTo>
+                <a:lnTo>
+                  <a:pt x="25420" y="1490044"/>
+                </a:lnTo>
+                <a:lnTo>
+                  <a:pt x="36357" y="1429750"/>
+                </a:lnTo>
+                <a:cubicBezTo>
+                  <a:pt x="56105" y="1395764"/>
+                  <a:pt x="51096" y="1348657"/>
+                  <a:pt x="63323" y="1316453"/>
+                </a:cubicBezTo>
+                <a:cubicBezTo>
+                  <a:pt x="113953" y="1206017"/>
+                  <a:pt x="97314" y="1160971"/>
+                  <a:pt x="167299" y="1100758"/>
+                </a:cubicBezTo>
+                <a:cubicBezTo>
+                  <a:pt x="183322" y="1066821"/>
+                  <a:pt x="207320" y="1013057"/>
+                  <a:pt x="218971" y="997428"/>
+                </a:cubicBezTo>
+                <a:cubicBezTo>
+                  <a:pt x="225661" y="983599"/>
+                  <a:pt x="245059" y="996998"/>
+                  <a:pt x="249304" y="969068"/>
+                </a:cubicBezTo>
+                <a:cubicBezTo>
+                  <a:pt x="273910" y="912445"/>
+                  <a:pt x="257335" y="876944"/>
+                  <a:pt x="307518" y="815816"/>
+                </a:cubicBezTo>
+                <a:cubicBezTo>
+                  <a:pt x="319844" y="734499"/>
+                  <a:pt x="427269" y="648257"/>
+                  <a:pt x="438631" y="588216"/>
+                </a:cubicBezTo>
+                <a:cubicBezTo>
+                  <a:pt x="468336" y="534577"/>
+                  <a:pt x="480025" y="521047"/>
+                  <a:pt x="494548" y="466832"/>
+                </a:cubicBezTo>
+                <a:cubicBezTo>
+                  <a:pt x="513994" y="444023"/>
+                  <a:pt x="469014" y="421695"/>
+                  <a:pt x="512985" y="406165"/>
+                </a:cubicBezTo>
+                <a:cubicBezTo>
+                  <a:pt x="519819" y="312467"/>
+                  <a:pt x="496295" y="285415"/>
+                  <a:pt x="499246" y="226337"/>
+                </a:cubicBezTo>
+                <a:cubicBezTo>
+                  <a:pt x="511217" y="180655"/>
+                  <a:pt x="525793" y="85726"/>
+                  <a:pt x="530694" y="51692"/>
+                </a:cubicBezTo>
+                <a:cubicBezTo>
+                  <a:pt x="512001" y="39736"/>
+                  <a:pt x="522977" y="34428"/>
+                  <a:pt x="528655" y="22135"/>
+                </a:cubicBezTo>
+                <a:cubicBezTo>
+                  <a:pt x="511506" y="14446"/>
+                  <a:pt x="513258" y="7722"/>
+                  <a:pt x="516964" y="1039"/>
+                </a:cubicBezTo>
+                <a:close/>
+              </a:path>
+            </a:pathLst>
+          </a:custGeom>
+        </p:spPr>
+      </p:pic>
+      <p:sp>
+        <p:nvSpPr>
+          <p:cNvPr id="3" name="Foliennummernplatzhalter 2">
+            <a:extLst>
+              <a:ext uri="{FF2B5EF4-FFF2-40B4-BE49-F238E27FC236}">
+                <a16:creationId xmlns:a16="http://schemas.microsoft.com/office/drawing/2014/main" id="{632C2AA6-737B-5A45-5369-5FCA90710BFE}"/>
+              </a:ext>
+            </a:extLst>
+          </p:cNvPr>
+          <p:cNvSpPr>
+            <a:spLocks noGrp="1"/>
+          </p:cNvSpPr>
+          <p:nvPr>
+            <p:ph type="sldNum" sz="quarter" idx="12"/>
+          </p:nvPr>
+        </p:nvSpPr>
+        <p:spPr/>
+        <p:txBody>
+          <a:bodyPr/>
+          <a:lstStyle/>
+          <a:p>
+            <a:fld id="{9D4AEF59-F28E-467C-9EA3-92D1CFAD475A}" type="slidenum">
+              <a:rPr lang="en-US" smtClean="0"/>
+              <a:t>1</a:t>
+            </a:fld>
+            <a:endParaRPr lang="en-US"/>
+          </a:p>
+        </p:txBody>
+      </p:sp>
+      <p:sp>
+        <p:nvSpPr>
+          <p:cNvPr id="11" name="Titel 10">
+            <a:extLst>
+              <a:ext uri="{FF2B5EF4-FFF2-40B4-BE49-F238E27FC236}">
+                <a16:creationId xmlns:a16="http://schemas.microsoft.com/office/drawing/2014/main" id="{17F22C30-2D44-65DE-384C-06E243A6996A}"/>
+              </a:ext>
+            </a:extLst>
+          </p:cNvPr>
+          <p:cNvSpPr txBox="1">
+            <a:spLocks noGrp="1"/>
+          </p:cNvSpPr>
+          <p:nvPr>
+            <p:ph type="title"/>
+          </p:nvPr>
+        </p:nvSpPr>
+        <p:spPr>
+          <a:xfrm>
+            <a:off x="288924" y="2817871"/>
+            <a:ext cx="7112137" cy="1222258"/>
           </a:xfrm>
           <a:prstGeom prst="rect">
             <a:avLst/>
@@ -4047,7 +4546,7 @@
           <a:lstStyle/>
           <a:p>
             <a:r>
-              <a:rPr lang="de-DE" sz="6000" dirty="0" err="1">
+              <a:rPr lang="de-DE" sz="4800" dirty="0" err="1">
                 <a:solidFill>
                   <a:schemeClr val="tx1">
                     <a:lumMod val="85000"/>
@@ -4057,7 +4556,7 @@
               </a:rPr>
               <a:t>DataVault</a:t>
             </a:r>
-            <a:endParaRPr lang="de-DE" sz="6000" dirty="0">
+            <a:endParaRPr lang="de-DE" sz="4800" dirty="0">
               <a:solidFill>
                 <a:schemeClr val="tx1">
                   <a:lumMod val="85000"/>
@@ -4067,7 +4566,18 @@
             </a:endParaRPr>
           </a:p>
           <a:p>
-            <a:endParaRPr lang="de-DE" sz="3200" dirty="0">
+            <a:r>
+              <a:rPr lang="de-DE" sz="1800" dirty="0">
+                <a:solidFill>
+                  <a:schemeClr val="tx1">
+                    <a:lumMod val="85000"/>
+                    <a:lumOff val="15000"/>
+                  </a:schemeClr>
+                </a:solidFill>
+              </a:rPr>
+              <a:t>Data Engineering Bootcamp</a:t>
+            </a:r>
+            <a:endParaRPr lang="en-US" sz="1800" dirty="0">
               <a:solidFill>
                 <a:schemeClr val="tx1">
                   <a:lumMod val="85000"/>
@@ -4076,292 +4586,12 @@
               </a:solidFill>
             </a:endParaRPr>
           </a:p>
-          <a:p>
-            <a:r>
-              <a:rPr lang="de-DE" sz="3000" dirty="0">
-                <a:solidFill>
-                  <a:schemeClr val="tx1">
-                    <a:lumMod val="85000"/>
-                    <a:lumOff val="15000"/>
-                  </a:schemeClr>
-                </a:solidFill>
-              </a:rPr>
-              <a:t>Data Engineering Bootcamp</a:t>
-            </a:r>
-            <a:endParaRPr lang="en-US" sz="3000" dirty="0">
-              <a:solidFill>
-                <a:schemeClr val="tx1">
-                  <a:lumMod val="85000"/>
-                  <a:lumOff val="15000"/>
-                </a:schemeClr>
-              </a:solidFill>
-            </a:endParaRPr>
-          </a:p>
-          <a:p>
-            <a:r>
-              <a:rPr lang="en-US" sz="1600" dirty="0">
-                <a:solidFill>
-                  <a:schemeClr val="tx1">
-                    <a:lumMod val="85000"/>
-                    <a:lumOff val="15000"/>
-                  </a:schemeClr>
-                </a:solidFill>
-              </a:rPr>
-              <a:t>Data management and archiving in the research environment</a:t>
-            </a:r>
-            <a:endParaRPr lang="de-DE" sz="1600" dirty="0">
-              <a:solidFill>
-                <a:schemeClr val="tx1">
-                  <a:lumMod val="85000"/>
-                  <a:lumOff val="15000"/>
-                </a:schemeClr>
-              </a:solidFill>
-            </a:endParaRPr>
-          </a:p>
-        </p:txBody>
-      </p:sp>
-      <p:sp>
-        <p:nvSpPr>
-          <p:cNvPr id="18" name="Untertitel 2">
-            <a:extLst>
-              <a:ext uri="{FF2B5EF4-FFF2-40B4-BE49-F238E27FC236}">
-                <a16:creationId xmlns:a16="http://schemas.microsoft.com/office/drawing/2014/main" id="{A09A5460-6BFE-FF91-7668-C28F6FB0AE84}"/>
-              </a:ext>
-            </a:extLst>
-          </p:cNvPr>
-          <p:cNvSpPr txBox="1">
-            <a:spLocks/>
-          </p:cNvSpPr>
-          <p:nvPr/>
-        </p:nvSpPr>
-        <p:spPr>
-          <a:xfrm>
-            <a:off x="250370" y="6287148"/>
-            <a:ext cx="8354858" cy="984251"/>
-          </a:xfrm>
-          <a:prstGeom prst="rect">
-            <a:avLst/>
-          </a:prstGeom>
-        </p:spPr>
-        <p:txBody>
-          <a:bodyPr vert="horz" lIns="91440" tIns="45720" rIns="91440" bIns="45720" rtlCol="0" anchor="t">
-            <a:normAutofit/>
-          </a:bodyPr>
-          <a:lstStyle>
-            <a:lvl1pPr marL="0" indent="0" algn="ctr" defTabSz="914400" rtl="0" eaLnBrk="1" latinLnBrk="0" hangingPunct="1">
-              <a:lnSpc>
-                <a:spcPct val="100000"/>
-              </a:lnSpc>
-              <a:spcBef>
-                <a:spcPts val="1000"/>
-              </a:spcBef>
-              <a:buSzPct val="80000"/>
-              <a:buFont typeface="Arial" panose="020B0604020202020204" pitchFamily="34" charset="0"/>
-              <a:buNone/>
-              <a:defRPr sz="2000" i="0" kern="1200" spc="160" baseline="0">
-                <a:solidFill>
-                  <a:schemeClr val="tx1">
-                    <a:lumMod val="85000"/>
-                    <a:lumOff val="15000"/>
-                  </a:schemeClr>
-                </a:solidFill>
-                <a:latin typeface="+mn-lt"/>
-                <a:ea typeface="Batang" panose="02030600000101010101" pitchFamily="18" charset="-127"/>
-                <a:cs typeface="+mn-cs"/>
-              </a:defRPr>
-            </a:lvl1pPr>
-            <a:lvl2pPr marL="457200" indent="0" algn="ctr" defTabSz="914400" rtl="0" eaLnBrk="1" latinLnBrk="0" hangingPunct="1">
-              <a:lnSpc>
-                <a:spcPct val="100000"/>
-              </a:lnSpc>
-              <a:spcBef>
-                <a:spcPts val="500"/>
-              </a:spcBef>
-              <a:buFontTx/>
-              <a:buNone/>
-              <a:defRPr sz="2000" kern="1200" spc="50" baseline="0">
-                <a:solidFill>
-                  <a:schemeClr val="tx1">
-                    <a:lumMod val="85000"/>
-                    <a:lumOff val="15000"/>
-                  </a:schemeClr>
-                </a:solidFill>
-                <a:latin typeface="+mn-lt"/>
-                <a:ea typeface="Batang" panose="02030600000101010101" pitchFamily="18" charset="-127"/>
-                <a:cs typeface="+mn-cs"/>
-              </a:defRPr>
-            </a:lvl2pPr>
-            <a:lvl3pPr marL="914400" indent="0" algn="ctr" defTabSz="914400" rtl="0" eaLnBrk="1" latinLnBrk="0" hangingPunct="1">
-              <a:lnSpc>
-                <a:spcPct val="100000"/>
-              </a:lnSpc>
-              <a:spcBef>
-                <a:spcPts val="500"/>
-              </a:spcBef>
-              <a:buSzPct val="80000"/>
-              <a:buFont typeface="Arial" panose="020B0604020202020204" pitchFamily="34" charset="0"/>
-              <a:buNone/>
-              <a:defRPr sz="1800" kern="1200" spc="50" baseline="0">
-                <a:solidFill>
-                  <a:schemeClr val="tx1">
-                    <a:lumMod val="85000"/>
-                    <a:lumOff val="15000"/>
-                  </a:schemeClr>
-                </a:solidFill>
-                <a:latin typeface="+mn-lt"/>
-                <a:ea typeface="Batang" panose="02030600000101010101" pitchFamily="18" charset="-127"/>
-                <a:cs typeface="+mn-cs"/>
-              </a:defRPr>
-            </a:lvl3pPr>
-            <a:lvl4pPr marL="1371600" indent="0" algn="ctr" defTabSz="914400" rtl="0" eaLnBrk="1" latinLnBrk="0" hangingPunct="1">
-              <a:lnSpc>
-                <a:spcPct val="100000"/>
-              </a:lnSpc>
-              <a:spcBef>
-                <a:spcPts val="500"/>
-              </a:spcBef>
-              <a:buFontTx/>
-              <a:buNone/>
-              <a:defRPr sz="1600" kern="1200" spc="50" baseline="0">
-                <a:solidFill>
-                  <a:schemeClr val="tx1">
-                    <a:lumMod val="85000"/>
-                    <a:lumOff val="15000"/>
-                  </a:schemeClr>
-                </a:solidFill>
-                <a:latin typeface="+mn-lt"/>
-                <a:ea typeface="Batang" panose="02030600000101010101" pitchFamily="18" charset="-127"/>
-                <a:cs typeface="+mn-cs"/>
-              </a:defRPr>
-            </a:lvl4pPr>
-            <a:lvl5pPr marL="1828800" indent="0" algn="ctr" defTabSz="914400" rtl="0" eaLnBrk="1" latinLnBrk="0" hangingPunct="1">
-              <a:lnSpc>
-                <a:spcPct val="100000"/>
-              </a:lnSpc>
-              <a:spcBef>
-                <a:spcPts val="500"/>
-              </a:spcBef>
-              <a:buSzPct val="80000"/>
-              <a:buFont typeface="Arial" panose="020B0604020202020204" pitchFamily="34" charset="0"/>
-              <a:buNone/>
-              <a:defRPr sz="1600" kern="1200" spc="50" baseline="0">
-                <a:solidFill>
-                  <a:schemeClr val="tx1">
-                    <a:lumMod val="85000"/>
-                    <a:lumOff val="15000"/>
-                  </a:schemeClr>
-                </a:solidFill>
-                <a:latin typeface="+mn-lt"/>
-                <a:ea typeface="Batang" panose="02030600000101010101" pitchFamily="18" charset="-127"/>
-                <a:cs typeface="+mn-cs"/>
-              </a:defRPr>
-            </a:lvl5pPr>
-            <a:lvl6pPr marL="2286000" indent="0" algn="ctr" defTabSz="914400" rtl="0" eaLnBrk="1" latinLnBrk="0" hangingPunct="1">
-              <a:lnSpc>
-                <a:spcPct val="90000"/>
-              </a:lnSpc>
-              <a:spcBef>
-                <a:spcPts val="500"/>
-              </a:spcBef>
-              <a:buFont typeface="Arial" panose="020B0604020202020204" pitchFamily="34" charset="0"/>
-              <a:buNone/>
-              <a:defRPr sz="1600" kern="1200">
-                <a:solidFill>
-                  <a:schemeClr val="tx1"/>
-                </a:solidFill>
-                <a:latin typeface="+mn-lt"/>
-                <a:ea typeface="+mn-ea"/>
-                <a:cs typeface="+mn-cs"/>
-              </a:defRPr>
-            </a:lvl6pPr>
-            <a:lvl7pPr marL="2743200" indent="0" algn="ctr" defTabSz="914400" rtl="0" eaLnBrk="1" latinLnBrk="0" hangingPunct="1">
-              <a:lnSpc>
-                <a:spcPct val="90000"/>
-              </a:lnSpc>
-              <a:spcBef>
-                <a:spcPts val="500"/>
-              </a:spcBef>
-              <a:buFont typeface="Arial" panose="020B0604020202020204" pitchFamily="34" charset="0"/>
-              <a:buNone/>
-              <a:defRPr sz="1600" kern="1200">
-                <a:solidFill>
-                  <a:schemeClr val="tx1"/>
-                </a:solidFill>
-                <a:latin typeface="+mn-lt"/>
-                <a:ea typeface="+mn-ea"/>
-                <a:cs typeface="+mn-cs"/>
-              </a:defRPr>
-            </a:lvl7pPr>
-            <a:lvl8pPr marL="3200400" indent="0" algn="ctr" defTabSz="914400" rtl="0" eaLnBrk="1" latinLnBrk="0" hangingPunct="1">
-              <a:lnSpc>
-                <a:spcPct val="90000"/>
-              </a:lnSpc>
-              <a:spcBef>
-                <a:spcPts val="500"/>
-              </a:spcBef>
-              <a:buFont typeface="Arial" panose="020B0604020202020204" pitchFamily="34" charset="0"/>
-              <a:buNone/>
-              <a:defRPr sz="1600" kern="1200">
-                <a:solidFill>
-                  <a:schemeClr val="tx1"/>
-                </a:solidFill>
-                <a:latin typeface="+mn-lt"/>
-                <a:ea typeface="+mn-ea"/>
-                <a:cs typeface="+mn-cs"/>
-              </a:defRPr>
-            </a:lvl8pPr>
-            <a:lvl9pPr marL="3657600" indent="0" algn="ctr" defTabSz="914400" rtl="0" eaLnBrk="1" latinLnBrk="0" hangingPunct="1">
-              <a:lnSpc>
-                <a:spcPct val="90000"/>
-              </a:lnSpc>
-              <a:spcBef>
-                <a:spcPts val="500"/>
-              </a:spcBef>
-              <a:buFont typeface="Arial" panose="020B0604020202020204" pitchFamily="34" charset="0"/>
-              <a:buNone/>
-              <a:defRPr sz="1600" kern="1200">
-                <a:solidFill>
-                  <a:schemeClr val="tx1"/>
-                </a:solidFill>
-                <a:latin typeface="+mn-lt"/>
-                <a:ea typeface="+mn-ea"/>
-                <a:cs typeface="+mn-cs"/>
-              </a:defRPr>
-            </a:lvl9pPr>
-          </a:lstStyle>
-          <a:p>
-            <a:pPr algn="l"/>
-            <a:r>
-              <a:rPr lang="de-DE" sz="1800" dirty="0"/>
-              <a:t>By Niklas Büchner, Christian Singer, Ahmad Al-</a:t>
-            </a:r>
-            <a:r>
-              <a:rPr lang="de-DE" sz="1800" dirty="0" err="1"/>
-              <a:t>Taie</a:t>
-            </a:r>
-            <a:r>
-              <a:rPr lang="de-DE" sz="1800" dirty="0"/>
-              <a:t>, Mike Sickmüller</a:t>
-            </a:r>
-          </a:p>
-          <a:p>
-            <a:pPr algn="l"/>
-            <a:endParaRPr lang="de-DE" sz="1800" dirty="0"/>
-          </a:p>
-          <a:p>
-            <a:pPr algn="l"/>
-            <a:endParaRPr lang="de-DE" dirty="0"/>
-          </a:p>
-          <a:p>
-            <a:pPr algn="l"/>
-            <a:endParaRPr lang="de-DE" dirty="0"/>
-          </a:p>
         </p:txBody>
       </p:sp>
     </p:spTree>
     <p:extLst>
       <p:ext uri="{BB962C8B-B14F-4D97-AF65-F5344CB8AC3E}">
-        <p14:creationId xmlns:p14="http://schemas.microsoft.com/office/powerpoint/2010/main" val="2941810262"/>
+        <p14:creationId xmlns:p14="http://schemas.microsoft.com/office/powerpoint/2010/main" val="2271149996"/>
       </p:ext>
     </p:extLst>
   </p:cSld>

--- a/Präsentationen/04-DataVault/DataVault.pptx
+++ b/Präsentationen/04-DataVault/DataVault.pptx
@@ -5,20 +5,21 @@
     <p:sldMasterId id="2147483660" r:id="rId1"/>
   </p:sldMasterIdLst>
   <p:notesMasterIdLst>
-    <p:notesMasterId r:id="rId13"/>
+    <p:notesMasterId r:id="rId14"/>
   </p:notesMasterIdLst>
   <p:sldIdLst>
     <p:sldId id="260" r:id="rId2"/>
-    <p:sldId id="274" r:id="rId3"/>
-    <p:sldId id="275" r:id="rId4"/>
+    <p:sldId id="288" r:id="rId3"/>
+    <p:sldId id="274" r:id="rId4"/>
     <p:sldId id="276" r:id="rId5"/>
-    <p:sldId id="278" r:id="rId6"/>
-    <p:sldId id="279" r:id="rId7"/>
-    <p:sldId id="280" r:id="rId8"/>
-    <p:sldId id="281" r:id="rId9"/>
-    <p:sldId id="285" r:id="rId10"/>
-    <p:sldId id="286" r:id="rId11"/>
-    <p:sldId id="287" r:id="rId12"/>
+    <p:sldId id="279" r:id="rId6"/>
+    <p:sldId id="280" r:id="rId7"/>
+    <p:sldId id="281" r:id="rId8"/>
+    <p:sldId id="285" r:id="rId9"/>
+    <p:sldId id="286" r:id="rId10"/>
+    <p:sldId id="278" r:id="rId11"/>
+    <p:sldId id="289" r:id="rId12"/>
+    <p:sldId id="287" r:id="rId13"/>
   </p:sldIdLst>
   <p:sldSz cx="12192000" cy="6858000"/>
   <p:notesSz cx="6858000" cy="9144000"/>
@@ -234,7 +235,7 @@
           <a:p>
             <a:fld id="{EF3F0B1F-D673-4C4A-8728-8D2703E6B253}" type="datetimeFigureOut">
               <a:rPr lang="de-DE" smtClean="0"/>
-              <a:t>05.05.2022</a:t>
+              <a:t>11.05.22</a:t>
             </a:fld>
             <a:endParaRPr lang="de-DE"/>
           </a:p>
@@ -392,7 +393,7 @@
           <a:p>
             <a:fld id="{0DAB0C15-1D43-44C0-AE16-C827164FF4B1}" type="slidenum">
               <a:rPr lang="de-DE" smtClean="0"/>
-              <a:t>‹Nr.›</a:t>
+              <a:t>‹#›</a:t>
             </a:fld>
             <a:endParaRPr lang="de-DE"/>
           </a:p>
@@ -501,6 +502,93 @@
 </p:notesMaster>
 </file>
 
+<file path=ppt/notesSlides/notesSlide1.xml><?xml version="1.0" encoding="utf-8"?>
+<p:notes xmlns:a="http://schemas.openxmlformats.org/drawingml/2006/main" xmlns:r="http://schemas.openxmlformats.org/officeDocument/2006/relationships" xmlns:p="http://schemas.openxmlformats.org/presentationml/2006/main">
+  <p:cSld>
+    <p:spTree>
+      <p:nvGrpSpPr>
+        <p:cNvPr id="1" name=""/>
+        <p:cNvGrpSpPr/>
+        <p:nvPr/>
+      </p:nvGrpSpPr>
+      <p:grpSpPr>
+        <a:xfrm>
+          <a:off x="0" y="0"/>
+          <a:ext cx="0" cy="0"/>
+          <a:chOff x="0" y="0"/>
+          <a:chExt cx="0" cy="0"/>
+        </a:xfrm>
+      </p:grpSpPr>
+      <p:sp>
+        <p:nvSpPr>
+          <p:cNvPr id="2" name="Slide Image Placeholder 1"/>
+          <p:cNvSpPr>
+            <a:spLocks noGrp="1" noRot="1" noChangeAspect="1"/>
+          </p:cNvSpPr>
+          <p:nvPr>
+            <p:ph type="sldImg"/>
+          </p:nvPr>
+        </p:nvSpPr>
+        <p:spPr/>
+      </p:sp>
+      <p:sp>
+        <p:nvSpPr>
+          <p:cNvPr id="3" name="Notes Placeholder 2"/>
+          <p:cNvSpPr>
+            <a:spLocks noGrp="1"/>
+          </p:cNvSpPr>
+          <p:nvPr>
+            <p:ph type="body" idx="1"/>
+          </p:nvPr>
+        </p:nvSpPr>
+        <p:spPr/>
+        <p:txBody>
+          <a:bodyPr/>
+          <a:lstStyle/>
+          <a:p>
+            <a:r>
+              <a:rPr lang="en-DE" dirty="0"/>
+              <a:t> </a:t>
+            </a:r>
+          </a:p>
+        </p:txBody>
+      </p:sp>
+      <p:sp>
+        <p:nvSpPr>
+          <p:cNvPr id="4" name="Slide Number Placeholder 3"/>
+          <p:cNvSpPr>
+            <a:spLocks noGrp="1"/>
+          </p:cNvSpPr>
+          <p:nvPr>
+            <p:ph type="sldNum" sz="quarter" idx="5"/>
+          </p:nvPr>
+        </p:nvSpPr>
+        <p:spPr/>
+        <p:txBody>
+          <a:bodyPr/>
+          <a:lstStyle/>
+          <a:p>
+            <a:fld id="{0DAB0C15-1D43-44C0-AE16-C827164FF4B1}" type="slidenum">
+              <a:rPr lang="de-DE" smtClean="0"/>
+              <a:t>1</a:t>
+            </a:fld>
+            <a:endParaRPr lang="de-DE"/>
+          </a:p>
+        </p:txBody>
+      </p:sp>
+    </p:spTree>
+    <p:extLst>
+      <p:ext uri="{BB962C8B-B14F-4D97-AF65-F5344CB8AC3E}">
+        <p14:creationId xmlns:p14="http://schemas.microsoft.com/office/powerpoint/2010/main" val="1411696112"/>
+      </p:ext>
+    </p:extLst>
+  </p:cSld>
+  <p:clrMapOvr>
+    <a:masterClrMapping/>
+  </p:clrMapOvr>
+</p:notes>
+</file>
+
 <file path=ppt/slideLayouts/slideLayout1.xml><?xml version="1.0" encoding="utf-8"?>
 <p:sldLayout xmlns:a="http://schemas.openxmlformats.org/drawingml/2006/main" xmlns:r="http://schemas.openxmlformats.org/officeDocument/2006/relationships" xmlns:p="http://schemas.openxmlformats.org/presentationml/2006/main" type="title" preserve="1">
   <p:cSld name="Titelfolie">
@@ -660,7 +748,7 @@
           <a:p>
             <a:fld id="{26D6A3BD-1351-47C2-BB80-28B172A8BC67}" type="datetime4">
               <a:rPr lang="en-US" smtClean="0"/>
-              <a:t>May 5, 2022</a:t>
+              <a:t>May 11, 2022</a:t>
             </a:fld>
             <a:endParaRPr lang="en-US"/>
           </a:p>
@@ -714,7 +802,7 @@
           <a:p>
             <a:fld id="{9D4AEF59-F28E-467C-9EA3-92D1CFAD475A}" type="slidenum">
               <a:rPr lang="en-US" smtClean="0"/>
-              <a:t>‹Nr.›</a:t>
+              <a:t>‹#›</a:t>
             </a:fld>
             <a:endParaRPr lang="en-US" dirty="0"/>
           </a:p>
@@ -836,7 +924,7 @@
           <a:p>
             <a:fld id="{E6CB15F1-7933-4E76-9137-72D8C9B28351}" type="datetime4">
               <a:rPr lang="en-US" smtClean="0"/>
-              <a:t>May 5, 2022</a:t>
+              <a:t>May 11, 2022</a:t>
             </a:fld>
             <a:endParaRPr lang="en-US"/>
           </a:p>
@@ -890,7 +978,7 @@
           <a:p>
             <a:fld id="{9D4AEF59-F28E-467C-9EA3-92D1CFAD475A}" type="slidenum">
               <a:rPr lang="en-US" smtClean="0"/>
-              <a:t>‹Nr.›</a:t>
+              <a:t>‹#›</a:t>
             </a:fld>
             <a:endParaRPr lang="en-US"/>
           </a:p>
@@ -1075,7 +1163,7 @@
           <a:p>
             <a:fld id="{62F543C8-886D-41FA-8E25-DE0948C190A0}" type="datetime4">
               <a:rPr lang="en-US" smtClean="0"/>
-              <a:t>May 5, 2022</a:t>
+              <a:t>May 11, 2022</a:t>
             </a:fld>
             <a:endParaRPr lang="en-US"/>
           </a:p>
@@ -1129,7 +1217,7 @@
           <a:p>
             <a:fld id="{9D4AEF59-F28E-467C-9EA3-92D1CFAD475A}" type="slidenum">
               <a:rPr lang="en-US" smtClean="0"/>
-              <a:t>‹Nr.›</a:t>
+              <a:t>‹#›</a:t>
             </a:fld>
             <a:endParaRPr lang="en-US"/>
           </a:p>
@@ -1280,7 +1368,7 @@
           <a:p>
             <a:fld id="{87477AD2-509E-4566-BA8A-4ECB08403BB1}" type="datetime4">
               <a:rPr lang="en-US" smtClean="0"/>
-              <a:t>May 5, 2022</a:t>
+              <a:t>May 11, 2022</a:t>
             </a:fld>
             <a:endParaRPr lang="en-US"/>
           </a:p>
@@ -1344,7 +1432,7 @@
           <a:p>
             <a:fld id="{9D4AEF59-F28E-467C-9EA3-92D1CFAD475A}" type="slidenum">
               <a:rPr lang="en-US" smtClean="0"/>
-              <a:t>‹Nr.›</a:t>
+              <a:t>‹#›</a:t>
             </a:fld>
             <a:endParaRPr lang="en-US" dirty="0"/>
           </a:p>
@@ -1570,7 +1658,7 @@
           <a:p>
             <a:fld id="{1DB299C2-03B0-4C72-B038-356E0B9D1651}" type="datetime4">
               <a:rPr lang="en-US" smtClean="0"/>
-              <a:t>May 5, 2022</a:t>
+              <a:t>May 11, 2022</a:t>
             </a:fld>
             <a:endParaRPr lang="en-US"/>
           </a:p>
@@ -1624,7 +1712,7 @@
           <a:p>
             <a:fld id="{9D4AEF59-F28E-467C-9EA3-92D1CFAD475A}" type="slidenum">
               <a:rPr lang="en-US" smtClean="0"/>
-              <a:t>‹Nr.›</a:t>
+              <a:t>‹#›</a:t>
             </a:fld>
             <a:endParaRPr lang="en-US"/>
           </a:p>
@@ -1860,7 +1948,7 @@
           <a:p>
             <a:fld id="{A2C3C639-3FA5-4EF5-B71F-72FB34E149C5}" type="datetime4">
               <a:rPr lang="en-US" smtClean="0"/>
-              <a:t>May 5, 2022</a:t>
+              <a:t>May 11, 2022</a:t>
             </a:fld>
             <a:endParaRPr lang="en-US" dirty="0"/>
           </a:p>
@@ -1919,7 +2007,7 @@
           <a:p>
             <a:fld id="{9D4AEF59-F28E-467C-9EA3-92D1CFAD475A}" type="slidenum">
               <a:rPr lang="en-US" smtClean="0"/>
-              <a:t>‹Nr.›</a:t>
+              <a:t>‹#›</a:t>
             </a:fld>
             <a:endParaRPr lang="en-US" dirty="0"/>
           </a:p>
@@ -2283,7 +2371,7 @@
           <a:p>
             <a:fld id="{D12C2768-39A0-4FF9-8B80-9C8AB2368080}" type="datetime4">
               <a:rPr lang="en-US" smtClean="0"/>
-              <a:t>May 5, 2022</a:t>
+              <a:t>May 11, 2022</a:t>
             </a:fld>
             <a:endParaRPr lang="en-US"/>
           </a:p>
@@ -2337,7 +2425,7 @@
           <a:p>
             <a:fld id="{9D4AEF59-F28E-467C-9EA3-92D1CFAD475A}" type="slidenum">
               <a:rPr lang="en-US" smtClean="0"/>
-              <a:t>‹Nr.›</a:t>
+              <a:t>‹#›</a:t>
             </a:fld>
             <a:endParaRPr lang="en-US"/>
           </a:p>
@@ -2425,7 +2513,7 @@
           <a:p>
             <a:fld id="{2AC58C00-7B94-441C-8745-12431DCFF69F}" type="datetime4">
               <a:rPr lang="en-US" smtClean="0"/>
-              <a:t>May 5, 2022</a:t>
+              <a:t>May 11, 2022</a:t>
             </a:fld>
             <a:endParaRPr lang="en-US"/>
           </a:p>
@@ -2479,7 +2567,7 @@
           <a:p>
             <a:fld id="{9D4AEF59-F28E-467C-9EA3-92D1CFAD475A}" type="slidenum">
               <a:rPr lang="en-US" smtClean="0"/>
-              <a:t>‹Nr.›</a:t>
+              <a:t>‹#›</a:t>
             </a:fld>
             <a:endParaRPr lang="en-US"/>
           </a:p>
@@ -2567,7 +2655,7 @@
           <a:p>
             <a:fld id="{FF6AF0F0-EBF4-4AD8-B090-33A31C685300}" type="datetime4">
               <a:rPr lang="en-US" smtClean="0"/>
-              <a:t>May 5, 2022</a:t>
+              <a:t>May 11, 2022</a:t>
             </a:fld>
             <a:endParaRPr lang="en-US"/>
           </a:p>
@@ -2626,7 +2714,7 @@
           <a:p>
             <a:fld id="{9D4AEF59-F28E-467C-9EA3-92D1CFAD475A}" type="slidenum">
               <a:rPr lang="en-US" smtClean="0"/>
-              <a:t>‹Nr.›</a:t>
+              <a:t>‹#›</a:t>
             </a:fld>
             <a:endParaRPr lang="en-US"/>
           </a:p>
@@ -2887,7 +2975,7 @@
           <a:p>
             <a:fld id="{2CCCEA74-5CF3-452C-9348-6086333827F5}" type="datetime4">
               <a:rPr lang="en-US" smtClean="0"/>
-              <a:t>May 5, 2022</a:t>
+              <a:t>May 11, 2022</a:t>
             </a:fld>
             <a:endParaRPr lang="en-US"/>
           </a:p>
@@ -2941,7 +3029,7 @@
           <a:p>
             <a:fld id="{9D4AEF59-F28E-467C-9EA3-92D1CFAD475A}" type="slidenum">
               <a:rPr lang="en-US" smtClean="0"/>
-              <a:t>‹Nr.›</a:t>
+              <a:t>‹#›</a:t>
             </a:fld>
             <a:endParaRPr lang="en-US"/>
           </a:p>
@@ -3180,7 +3268,7 @@
           <a:p>
             <a:fld id="{A9849EEA-9318-4930-859F-1ADE410F7D19}" type="datetime4">
               <a:rPr lang="en-US" smtClean="0"/>
-              <a:t>May 5, 2022</a:t>
+              <a:t>May 11, 2022</a:t>
             </a:fld>
             <a:endParaRPr lang="en-US"/>
           </a:p>
@@ -3234,7 +3322,7 @@
           <a:p>
             <a:fld id="{9D4AEF59-F28E-467C-9EA3-92D1CFAD475A}" type="slidenum">
               <a:rPr lang="en-US" smtClean="0"/>
-              <a:t>‹Nr.›</a:t>
+              <a:t>‹#›</a:t>
             </a:fld>
             <a:endParaRPr lang="en-US"/>
           </a:p>
@@ -3461,7 +3549,7 @@
           <a:p>
             <a:fld id="{D77D9FF4-8C7A-432E-977E-F55438F223C5}" type="datetime4">
               <a:rPr lang="en-US" smtClean="0"/>
-              <a:t>May 5, 2022</a:t>
+              <a:t>May 11, 2022</a:t>
             </a:fld>
             <a:endParaRPr lang="en-US" dirty="0">
               <a:latin typeface="+mn-lt"/>
@@ -3560,7 +3648,7 @@
             <a:fld id="{9D4AEF59-F28E-467C-9EA3-92D1CFAD475A}" type="slidenum">
               <a:rPr lang="en-US" smtClean="0"/>
               <a:pPr/>
-              <a:t>‹Nr.›</a:t>
+              <a:t>‹#›</a:t>
             </a:fld>
             <a:endParaRPr lang="en-US" dirty="0">
               <a:latin typeface="+mn-lt"/>
@@ -4033,7 +4121,7 @@
           <p:nvPr/>
         </p:nvPicPr>
         <p:blipFill rotWithShape="1">
-          <a:blip r:embed="rId2"/>
+          <a:blip r:embed="rId3"/>
           <a:srcRect l="24454" r="32063" b="-1"/>
           <a:stretch/>
         </p:blipFill>
@@ -4623,7 +4711,7 @@
           <p:cNvPr id="2" name="Title 1">
             <a:extLst>
               <a:ext uri="{FF2B5EF4-FFF2-40B4-BE49-F238E27FC236}">
-                <a16:creationId xmlns:a16="http://schemas.microsoft.com/office/drawing/2014/main" id="{87EC17EC-C26A-FCFA-68A0-E5D8E8961CEB}"/>
+                <a16:creationId xmlns:a16="http://schemas.microsoft.com/office/drawing/2014/main" id="{16F7B72A-C2ED-291D-CBBF-2BE1B04F3959}"/>
               </a:ext>
             </a:extLst>
           </p:cNvPr>
@@ -4641,7 +4729,7 @@
           <a:p>
             <a:r>
               <a:rPr lang="en-DE" dirty="0"/>
-              <a:t>Remove A Column</a:t>
+              <a:t>Pros &amp; cons of a DataVault</a:t>
             </a:r>
           </a:p>
         </p:txBody>
@@ -4651,7 +4739,7 @@
           <p:cNvPr id="3" name="Content Placeholder 2">
             <a:extLst>
               <a:ext uri="{FF2B5EF4-FFF2-40B4-BE49-F238E27FC236}">
-                <a16:creationId xmlns:a16="http://schemas.microsoft.com/office/drawing/2014/main" id="{50589F6A-966D-EF30-9E90-833D3BA719A1}"/>
+                <a16:creationId xmlns:a16="http://schemas.microsoft.com/office/drawing/2014/main" id="{02771C8F-14A2-77FE-7D82-AB01DD53C99A}"/>
               </a:ext>
             </a:extLst>
           </p:cNvPr>
@@ -4664,18 +4752,68 @@
         </p:nvSpPr>
         <p:spPr/>
         <p:txBody>
-          <a:bodyPr/>
+          <a:bodyPr>
+            <a:normAutofit/>
+          </a:bodyPr>
           <a:lstStyle/>
           <a:p>
-            <a:r>
-              <a:rPr lang="en-DE" dirty="0"/>
-              <a:t>All Columns need to be nullable</a:t>
-            </a:r>
-          </a:p>
-          <a:p>
-            <a:r>
-              <a:rPr lang="en-DE" dirty="0"/>
-              <a:t>Therefore no further changes are needed.</a:t>
+            <a:pPr marL="0" indent="0">
+              <a:buNone/>
+            </a:pPr>
+            <a:r>
+              <a:rPr lang="en-GB" b="1" dirty="0"/>
+              <a:t>Pros:</a:t>
+            </a:r>
+          </a:p>
+          <a:p>
+            <a:r>
+              <a:rPr lang="en-GB" dirty="0"/>
+              <a:t>Long-term storage of data</a:t>
+            </a:r>
+          </a:p>
+          <a:p>
+            <a:r>
+              <a:rPr lang="en-GB" dirty="0"/>
+              <a:t>Tracking data changes</a:t>
+            </a:r>
+          </a:p>
+          <a:p>
+            <a:r>
+              <a:rPr lang="en-GB" dirty="0"/>
+              <a:t>Fast import of data</a:t>
+            </a:r>
+          </a:p>
+          <a:p>
+            <a:r>
+              <a:rPr lang="en-GB" dirty="0"/>
+              <a:t>Changes in data schemas do not necessarily required downstream ETL and analysis processes to be adjusted</a:t>
+            </a:r>
+          </a:p>
+          <a:p>
+            <a:pPr marL="0" indent="0">
+              <a:buNone/>
+            </a:pPr>
+            <a:endParaRPr lang="en-GB" dirty="0"/>
+          </a:p>
+          <a:p>
+            <a:pPr marL="0" indent="0">
+              <a:buNone/>
+            </a:pPr>
+            <a:r>
+              <a:rPr lang="en-GB" b="1" dirty="0"/>
+              <a:t>Cons:</a:t>
+            </a:r>
+          </a:p>
+          <a:p>
+            <a:r>
+              <a:rPr lang="en-GB" dirty="0"/>
+              <a:t>Not easy to query</a:t>
+            </a:r>
+          </a:p>
+          <a:p>
+            <a:r>
+              <a:rPr lang="en-GB" dirty="0"/>
+              <a:t>Large overhead</a:t>
             </a:r>
           </a:p>
         </p:txBody>
@@ -4685,7 +4823,7 @@
           <p:cNvPr id="4" name="Slide Number Placeholder 3">
             <a:extLst>
               <a:ext uri="{FF2B5EF4-FFF2-40B4-BE49-F238E27FC236}">
-                <a16:creationId xmlns:a16="http://schemas.microsoft.com/office/drawing/2014/main" id="{4FC5EDA9-6E0F-5A4E-0BF1-9C63183B147B}"/>
+                <a16:creationId xmlns:a16="http://schemas.microsoft.com/office/drawing/2014/main" id="{E4488B3D-13DD-F1C4-DAFA-C1B57C0D5E34}"/>
               </a:ext>
             </a:extLst>
           </p:cNvPr>
@@ -4712,7 +4850,455 @@
     </p:spTree>
     <p:extLst>
       <p:ext uri="{BB962C8B-B14F-4D97-AF65-F5344CB8AC3E}">
-        <p14:creationId xmlns:p14="http://schemas.microsoft.com/office/powerpoint/2010/main" val="2537709288"/>
+        <p14:creationId xmlns:p14="http://schemas.microsoft.com/office/powerpoint/2010/main" val="642313845"/>
+      </p:ext>
+    </p:extLst>
+  </p:cSld>
+  <p:clrMapOvr>
+    <a:masterClrMapping/>
+  </p:clrMapOvr>
+  <p:timing>
+    <p:tnLst>
+      <p:par>
+        <p:cTn id="1" dur="indefinite" restart="never" nodeType="tmRoot">
+          <p:childTnLst>
+            <p:seq concurrent="1" nextAc="seek">
+              <p:cTn id="2" dur="indefinite" nodeType="mainSeq">
+                <p:childTnLst>
+                  <p:par>
+                    <p:cTn id="3" fill="hold">
+                      <p:stCondLst>
+                        <p:cond delay="indefinite"/>
+                      </p:stCondLst>
+                      <p:childTnLst>
+                        <p:par>
+                          <p:cTn id="4" fill="hold">
+                            <p:stCondLst>
+                              <p:cond delay="0"/>
+                            </p:stCondLst>
+                            <p:childTnLst>
+                              <p:par>
+                                <p:cTn id="5" presetID="1" presetClass="entr" presetSubtype="0" fill="hold" nodeType="clickEffect">
+                                  <p:stCondLst>
+                                    <p:cond delay="0"/>
+                                  </p:stCondLst>
+                                  <p:childTnLst>
+                                    <p:set>
+                                      <p:cBhvr>
+                                        <p:cTn id="6" dur="1" fill="hold">
+                                          <p:stCondLst>
+                                            <p:cond delay="0"/>
+                                          </p:stCondLst>
+                                        </p:cTn>
+                                        <p:tgtEl>
+                                          <p:spTgt spid="3">
+                                            <p:txEl>
+                                              <p:pRg st="1" end="1"/>
+                                            </p:txEl>
+                                          </p:spTgt>
+                                        </p:tgtEl>
+                                        <p:attrNameLst>
+                                          <p:attrName>style.visibility</p:attrName>
+                                        </p:attrNameLst>
+                                      </p:cBhvr>
+                                      <p:to>
+                                        <p:strVal val="visible"/>
+                                      </p:to>
+                                    </p:set>
+                                  </p:childTnLst>
+                                </p:cTn>
+                              </p:par>
+                            </p:childTnLst>
+                          </p:cTn>
+                        </p:par>
+                      </p:childTnLst>
+                    </p:cTn>
+                  </p:par>
+                  <p:par>
+                    <p:cTn id="7" fill="hold">
+                      <p:stCondLst>
+                        <p:cond delay="indefinite"/>
+                      </p:stCondLst>
+                      <p:childTnLst>
+                        <p:par>
+                          <p:cTn id="8" fill="hold">
+                            <p:stCondLst>
+                              <p:cond delay="0"/>
+                            </p:stCondLst>
+                            <p:childTnLst>
+                              <p:par>
+                                <p:cTn id="9" presetID="1" presetClass="entr" presetSubtype="0" fill="hold" nodeType="clickEffect">
+                                  <p:stCondLst>
+                                    <p:cond delay="0"/>
+                                  </p:stCondLst>
+                                  <p:childTnLst>
+                                    <p:set>
+                                      <p:cBhvr>
+                                        <p:cTn id="10" dur="1" fill="hold">
+                                          <p:stCondLst>
+                                            <p:cond delay="0"/>
+                                          </p:stCondLst>
+                                        </p:cTn>
+                                        <p:tgtEl>
+                                          <p:spTgt spid="3">
+                                            <p:txEl>
+                                              <p:pRg st="2" end="2"/>
+                                            </p:txEl>
+                                          </p:spTgt>
+                                        </p:tgtEl>
+                                        <p:attrNameLst>
+                                          <p:attrName>style.visibility</p:attrName>
+                                        </p:attrNameLst>
+                                      </p:cBhvr>
+                                      <p:to>
+                                        <p:strVal val="visible"/>
+                                      </p:to>
+                                    </p:set>
+                                  </p:childTnLst>
+                                </p:cTn>
+                              </p:par>
+                            </p:childTnLst>
+                          </p:cTn>
+                        </p:par>
+                      </p:childTnLst>
+                    </p:cTn>
+                  </p:par>
+                  <p:par>
+                    <p:cTn id="11" fill="hold">
+                      <p:stCondLst>
+                        <p:cond delay="indefinite"/>
+                      </p:stCondLst>
+                      <p:childTnLst>
+                        <p:par>
+                          <p:cTn id="12" fill="hold">
+                            <p:stCondLst>
+                              <p:cond delay="0"/>
+                            </p:stCondLst>
+                            <p:childTnLst>
+                              <p:par>
+                                <p:cTn id="13" presetID="1" presetClass="entr" presetSubtype="0" fill="hold" nodeType="clickEffect">
+                                  <p:stCondLst>
+                                    <p:cond delay="0"/>
+                                  </p:stCondLst>
+                                  <p:childTnLst>
+                                    <p:set>
+                                      <p:cBhvr>
+                                        <p:cTn id="14" dur="1" fill="hold">
+                                          <p:stCondLst>
+                                            <p:cond delay="0"/>
+                                          </p:stCondLst>
+                                        </p:cTn>
+                                        <p:tgtEl>
+                                          <p:spTgt spid="3">
+                                            <p:txEl>
+                                              <p:pRg st="3" end="3"/>
+                                            </p:txEl>
+                                          </p:spTgt>
+                                        </p:tgtEl>
+                                        <p:attrNameLst>
+                                          <p:attrName>style.visibility</p:attrName>
+                                        </p:attrNameLst>
+                                      </p:cBhvr>
+                                      <p:to>
+                                        <p:strVal val="visible"/>
+                                      </p:to>
+                                    </p:set>
+                                  </p:childTnLst>
+                                </p:cTn>
+                              </p:par>
+                            </p:childTnLst>
+                          </p:cTn>
+                        </p:par>
+                      </p:childTnLst>
+                    </p:cTn>
+                  </p:par>
+                  <p:par>
+                    <p:cTn id="15" fill="hold">
+                      <p:stCondLst>
+                        <p:cond delay="indefinite"/>
+                      </p:stCondLst>
+                      <p:childTnLst>
+                        <p:par>
+                          <p:cTn id="16" fill="hold">
+                            <p:stCondLst>
+                              <p:cond delay="0"/>
+                            </p:stCondLst>
+                            <p:childTnLst>
+                              <p:par>
+                                <p:cTn id="17" presetID="1" presetClass="entr" presetSubtype="0" fill="hold" nodeType="clickEffect">
+                                  <p:stCondLst>
+                                    <p:cond delay="0"/>
+                                  </p:stCondLst>
+                                  <p:childTnLst>
+                                    <p:set>
+                                      <p:cBhvr>
+                                        <p:cTn id="18" dur="1" fill="hold">
+                                          <p:stCondLst>
+                                            <p:cond delay="0"/>
+                                          </p:stCondLst>
+                                        </p:cTn>
+                                        <p:tgtEl>
+                                          <p:spTgt spid="3">
+                                            <p:txEl>
+                                              <p:pRg st="4" end="4"/>
+                                            </p:txEl>
+                                          </p:spTgt>
+                                        </p:tgtEl>
+                                        <p:attrNameLst>
+                                          <p:attrName>style.visibility</p:attrName>
+                                        </p:attrNameLst>
+                                      </p:cBhvr>
+                                      <p:to>
+                                        <p:strVal val="visible"/>
+                                      </p:to>
+                                    </p:set>
+                                  </p:childTnLst>
+                                </p:cTn>
+                              </p:par>
+                            </p:childTnLst>
+                          </p:cTn>
+                        </p:par>
+                      </p:childTnLst>
+                    </p:cTn>
+                  </p:par>
+                  <p:par>
+                    <p:cTn id="19" fill="hold">
+                      <p:stCondLst>
+                        <p:cond delay="indefinite"/>
+                      </p:stCondLst>
+                      <p:childTnLst>
+                        <p:par>
+                          <p:cTn id="20" fill="hold">
+                            <p:stCondLst>
+                              <p:cond delay="0"/>
+                            </p:stCondLst>
+                            <p:childTnLst>
+                              <p:par>
+                                <p:cTn id="21" presetID="1" presetClass="entr" presetSubtype="0" fill="hold" nodeType="clickEffect">
+                                  <p:stCondLst>
+                                    <p:cond delay="0"/>
+                                  </p:stCondLst>
+                                  <p:childTnLst>
+                                    <p:set>
+                                      <p:cBhvr>
+                                        <p:cTn id="22" dur="1" fill="hold">
+                                          <p:stCondLst>
+                                            <p:cond delay="0"/>
+                                          </p:stCondLst>
+                                        </p:cTn>
+                                        <p:tgtEl>
+                                          <p:spTgt spid="3">
+                                            <p:txEl>
+                                              <p:pRg st="7" end="7"/>
+                                            </p:txEl>
+                                          </p:spTgt>
+                                        </p:tgtEl>
+                                        <p:attrNameLst>
+                                          <p:attrName>style.visibility</p:attrName>
+                                        </p:attrNameLst>
+                                      </p:cBhvr>
+                                      <p:to>
+                                        <p:strVal val="visible"/>
+                                      </p:to>
+                                    </p:set>
+                                  </p:childTnLst>
+                                </p:cTn>
+                              </p:par>
+                            </p:childTnLst>
+                          </p:cTn>
+                        </p:par>
+                      </p:childTnLst>
+                    </p:cTn>
+                  </p:par>
+                  <p:par>
+                    <p:cTn id="23" fill="hold">
+                      <p:stCondLst>
+                        <p:cond delay="indefinite"/>
+                      </p:stCondLst>
+                      <p:childTnLst>
+                        <p:par>
+                          <p:cTn id="24" fill="hold">
+                            <p:stCondLst>
+                              <p:cond delay="0"/>
+                            </p:stCondLst>
+                            <p:childTnLst>
+                              <p:par>
+                                <p:cTn id="25" presetID="1" presetClass="entr" presetSubtype="0" fill="hold" nodeType="clickEffect">
+                                  <p:stCondLst>
+                                    <p:cond delay="0"/>
+                                  </p:stCondLst>
+                                  <p:childTnLst>
+                                    <p:set>
+                                      <p:cBhvr>
+                                        <p:cTn id="26" dur="1" fill="hold">
+                                          <p:stCondLst>
+                                            <p:cond delay="0"/>
+                                          </p:stCondLst>
+                                        </p:cTn>
+                                        <p:tgtEl>
+                                          <p:spTgt spid="3">
+                                            <p:txEl>
+                                              <p:pRg st="8" end="8"/>
+                                            </p:txEl>
+                                          </p:spTgt>
+                                        </p:tgtEl>
+                                        <p:attrNameLst>
+                                          <p:attrName>style.visibility</p:attrName>
+                                        </p:attrNameLst>
+                                      </p:cBhvr>
+                                      <p:to>
+                                        <p:strVal val="visible"/>
+                                      </p:to>
+                                    </p:set>
+                                  </p:childTnLst>
+                                </p:cTn>
+                              </p:par>
+                            </p:childTnLst>
+                          </p:cTn>
+                        </p:par>
+                      </p:childTnLst>
+                    </p:cTn>
+                  </p:par>
+                </p:childTnLst>
+              </p:cTn>
+              <p:prevCondLst>
+                <p:cond evt="onPrev" delay="0">
+                  <p:tgtEl>
+                    <p:sldTgt/>
+                  </p:tgtEl>
+                </p:cond>
+              </p:prevCondLst>
+              <p:nextCondLst>
+                <p:cond evt="onNext" delay="0">
+                  <p:tgtEl>
+                    <p:sldTgt/>
+                  </p:tgtEl>
+                </p:cond>
+              </p:nextCondLst>
+            </p:seq>
+          </p:childTnLst>
+        </p:cTn>
+      </p:par>
+    </p:tnLst>
+  </p:timing>
+</p:sld>
+</file>
+
+<file path=ppt/slides/slide11.xml><?xml version="1.0" encoding="utf-8"?>
+<p:sld xmlns:a="http://schemas.openxmlformats.org/drawingml/2006/main" xmlns:r="http://schemas.openxmlformats.org/officeDocument/2006/relationships" xmlns:p="http://schemas.openxmlformats.org/presentationml/2006/main">
+  <p:cSld>
+    <p:spTree>
+      <p:nvGrpSpPr>
+        <p:cNvPr id="1" name=""/>
+        <p:cNvGrpSpPr/>
+        <p:nvPr/>
+      </p:nvGrpSpPr>
+      <p:grpSpPr>
+        <a:xfrm>
+          <a:off x="0" y="0"/>
+          <a:ext cx="0" cy="0"/>
+          <a:chOff x="0" y="0"/>
+          <a:chExt cx="0" cy="0"/>
+        </a:xfrm>
+      </p:grpSpPr>
+      <p:sp>
+        <p:nvSpPr>
+          <p:cNvPr id="2" name="Titel 1">
+            <a:extLst>
+              <a:ext uri="{FF2B5EF4-FFF2-40B4-BE49-F238E27FC236}">
+                <a16:creationId xmlns:a16="http://schemas.microsoft.com/office/drawing/2014/main" id="{F7C40B21-2CD5-5ADA-ACE5-D0DA6BDCF744}"/>
+              </a:ext>
+            </a:extLst>
+          </p:cNvPr>
+          <p:cNvSpPr>
+            <a:spLocks noGrp="1"/>
+          </p:cNvSpPr>
+          <p:nvPr>
+            <p:ph type="title"/>
+          </p:nvPr>
+        </p:nvSpPr>
+        <p:spPr>
+          <a:xfrm>
+            <a:off x="815929" y="2820988"/>
+            <a:ext cx="9810604" cy="1216024"/>
+          </a:xfrm>
+        </p:spPr>
+        <p:txBody>
+          <a:bodyPr/>
+          <a:lstStyle/>
+          <a:p>
+            <a:r>
+              <a:rPr lang="de-DE" dirty="0"/>
+              <a:t>HOW DO WE TRACK CHANGES </a:t>
+            </a:r>
+            <a:r>
+              <a:rPr lang="de-DE" dirty="0" err="1"/>
+              <a:t>of</a:t>
+            </a:r>
+            <a:r>
+              <a:rPr lang="de-DE" dirty="0"/>
+              <a:t> </a:t>
+            </a:r>
+            <a:r>
+              <a:rPr lang="de-DE" dirty="0" err="1"/>
+              <a:t>our</a:t>
+            </a:r>
+            <a:r>
+              <a:rPr lang="de-DE" dirty="0"/>
+              <a:t> source </a:t>
+            </a:r>
+            <a:r>
+              <a:rPr lang="de-DE" dirty="0" err="1"/>
+              <a:t>data</a:t>
+            </a:r>
+            <a:r>
+              <a:rPr lang="de-DE" dirty="0"/>
+              <a:t> </a:t>
+            </a:r>
+            <a:r>
+              <a:rPr lang="de-DE" dirty="0" err="1"/>
+              <a:t>over</a:t>
+            </a:r>
+            <a:r>
+              <a:rPr lang="de-DE" dirty="0"/>
+              <a:t> time?</a:t>
+            </a:r>
+          </a:p>
+        </p:txBody>
+      </p:sp>
+      <p:sp>
+        <p:nvSpPr>
+          <p:cNvPr id="5" name="Foliennummernplatzhalter 4">
+            <a:extLst>
+              <a:ext uri="{FF2B5EF4-FFF2-40B4-BE49-F238E27FC236}">
+                <a16:creationId xmlns:a16="http://schemas.microsoft.com/office/drawing/2014/main" id="{5D4F889F-FC74-0388-F08F-091050383C02}"/>
+              </a:ext>
+            </a:extLst>
+          </p:cNvPr>
+          <p:cNvSpPr>
+            <a:spLocks noGrp="1"/>
+          </p:cNvSpPr>
+          <p:nvPr>
+            <p:ph type="sldNum" sz="quarter" idx="12"/>
+          </p:nvPr>
+        </p:nvSpPr>
+        <p:spPr/>
+        <p:txBody>
+          <a:bodyPr/>
+          <a:lstStyle/>
+          <a:p>
+            <a:fld id="{9D4AEF59-F28E-467C-9EA3-92D1CFAD475A}" type="slidenum">
+              <a:rPr lang="en-US" smtClean="0"/>
+              <a:t>11</a:t>
+            </a:fld>
+            <a:endParaRPr lang="en-US" dirty="0"/>
+          </a:p>
+        </p:txBody>
+      </p:sp>
+    </p:spTree>
+    <p:extLst>
+      <p:ext uri="{BB962C8B-B14F-4D97-AF65-F5344CB8AC3E}">
+        <p14:creationId xmlns:p14="http://schemas.microsoft.com/office/powerpoint/2010/main" val="1562482602"/>
       </p:ext>
     </p:extLst>
   </p:cSld>
@@ -4722,7 +5308,7 @@
 </p:sld>
 </file>
 
-<file path=ppt/slides/slide11.xml><?xml version="1.0" encoding="utf-8"?>
+<file path=ppt/slides/slide12.xml><?xml version="1.0" encoding="utf-8"?>
 <p:sld xmlns:a="http://schemas.openxmlformats.org/drawingml/2006/main" xmlns:r="http://schemas.openxmlformats.org/officeDocument/2006/relationships" xmlns:p="http://schemas.openxmlformats.org/presentationml/2006/main">
   <p:cSld>
     <p:spTree>
@@ -4982,7 +5568,7 @@
     </p:spTree>
     <p:extLst>
       <p:ext uri="{BB962C8B-B14F-4D97-AF65-F5344CB8AC3E}">
-        <p14:creationId xmlns:p14="http://schemas.microsoft.com/office/powerpoint/2010/main" val="3393222124"/>
+        <p14:creationId xmlns:p14="http://schemas.microsoft.com/office/powerpoint/2010/main" val="3087161205"/>
       </p:ext>
     </p:extLst>
   </p:cSld>
@@ -5025,14 +5611,23 @@
             <p:ph type="title"/>
           </p:nvPr>
         </p:nvSpPr>
-        <p:spPr/>
+        <p:spPr>
+          <a:xfrm>
+            <a:off x="815929" y="2820988"/>
+            <a:ext cx="9810604" cy="1216024"/>
+          </a:xfrm>
+        </p:spPr>
         <p:txBody>
           <a:bodyPr/>
           <a:lstStyle/>
           <a:p>
             <a:r>
+              <a:rPr lang="de-DE" dirty="0"/>
+              <a:t>HOW DO WE TRACK CHANGES </a:t>
+            </a:r>
+            <a:r>
               <a:rPr lang="de-DE" dirty="0" err="1"/>
-              <a:t>What</a:t>
+              <a:t>of</a:t>
             </a:r>
             <a:r>
               <a:rPr lang="de-DE" dirty="0"/>
@@ -5040,11 +5635,19 @@
             </a:r>
             <a:r>
               <a:rPr lang="de-DE" dirty="0" err="1"/>
-              <a:t>is</a:t>
+              <a:t>our</a:t>
             </a:r>
             <a:r>
               <a:rPr lang="de-DE" dirty="0"/>
-              <a:t> ETL ?</a:t>
+              <a:t> source </a:t>
+            </a:r>
+            <a:r>
+              <a:rPr lang="de-DE" dirty="0" err="1"/>
+              <a:t>datA</a:t>
+            </a:r>
+            <a:r>
+              <a:rPr lang="de-DE" dirty="0"/>
+              <a:t> Over time?</a:t>
             </a:r>
           </a:p>
         </p:txBody>
@@ -5073,6 +5676,113 @@
             <a:fld id="{9D4AEF59-F28E-467C-9EA3-92D1CFAD475A}" type="slidenum">
               <a:rPr lang="en-US" smtClean="0"/>
               <a:t>3</a:t>
+            </a:fld>
+            <a:endParaRPr lang="en-US" dirty="0"/>
+          </a:p>
+        </p:txBody>
+      </p:sp>
+    </p:spTree>
+    <p:extLst>
+      <p:ext uri="{BB962C8B-B14F-4D97-AF65-F5344CB8AC3E}">
+        <p14:creationId xmlns:p14="http://schemas.microsoft.com/office/powerpoint/2010/main" val="3393222124"/>
+      </p:ext>
+    </p:extLst>
+  </p:cSld>
+  <p:clrMapOvr>
+    <a:masterClrMapping/>
+  </p:clrMapOvr>
+</p:sld>
+</file>
+
+<file path=ppt/slides/slide4.xml><?xml version="1.0" encoding="utf-8"?>
+<p:sld xmlns:a="http://schemas.openxmlformats.org/drawingml/2006/main" xmlns:r="http://schemas.openxmlformats.org/officeDocument/2006/relationships" xmlns:p="http://schemas.openxmlformats.org/presentationml/2006/main">
+  <p:cSld>
+    <p:spTree>
+      <p:nvGrpSpPr>
+        <p:cNvPr id="1" name=""/>
+        <p:cNvGrpSpPr/>
+        <p:nvPr/>
+      </p:nvGrpSpPr>
+      <p:grpSpPr>
+        <a:xfrm>
+          <a:off x="0" y="0"/>
+          <a:ext cx="0" cy="0"/>
+          <a:chOff x="0" y="0"/>
+          <a:chExt cx="0" cy="0"/>
+        </a:xfrm>
+      </p:grpSpPr>
+      <p:sp>
+        <p:nvSpPr>
+          <p:cNvPr id="2" name="Titel 1">
+            <a:extLst>
+              <a:ext uri="{FF2B5EF4-FFF2-40B4-BE49-F238E27FC236}">
+                <a16:creationId xmlns:a16="http://schemas.microsoft.com/office/drawing/2014/main" id="{F7C40B21-2CD5-5ADA-ACE5-D0DA6BDCF744}"/>
+              </a:ext>
+            </a:extLst>
+          </p:cNvPr>
+          <p:cNvSpPr>
+            <a:spLocks noGrp="1"/>
+          </p:cNvSpPr>
+          <p:nvPr>
+            <p:ph type="title"/>
+          </p:nvPr>
+        </p:nvSpPr>
+        <p:spPr/>
+        <p:txBody>
+          <a:bodyPr/>
+          <a:lstStyle/>
+          <a:p>
+            <a:r>
+              <a:rPr lang="de-DE" dirty="0" err="1"/>
+              <a:t>What</a:t>
+            </a:r>
+            <a:r>
+              <a:rPr lang="de-DE" dirty="0"/>
+              <a:t> </a:t>
+            </a:r>
+            <a:r>
+              <a:rPr lang="de-DE" dirty="0" err="1"/>
+              <a:t>is</a:t>
+            </a:r>
+            <a:r>
+              <a:rPr lang="de-DE" dirty="0"/>
+              <a:t> A </a:t>
+            </a:r>
+            <a:r>
+              <a:rPr lang="de-DE" dirty="0" err="1"/>
+              <a:t>Datavault</a:t>
+            </a:r>
+            <a:r>
+              <a:rPr lang="de-DE" dirty="0"/>
+              <a:t> ?</a:t>
+            </a:r>
+          </a:p>
+        </p:txBody>
+      </p:sp>
+      <p:sp>
+        <p:nvSpPr>
+          <p:cNvPr id="5" name="Foliennummernplatzhalter 4">
+            <a:extLst>
+              <a:ext uri="{FF2B5EF4-FFF2-40B4-BE49-F238E27FC236}">
+                <a16:creationId xmlns:a16="http://schemas.microsoft.com/office/drawing/2014/main" id="{5D4F889F-FC74-0388-F08F-091050383C02}"/>
+              </a:ext>
+            </a:extLst>
+          </p:cNvPr>
+          <p:cNvSpPr>
+            <a:spLocks noGrp="1"/>
+          </p:cNvSpPr>
+          <p:nvPr>
+            <p:ph type="sldNum" sz="quarter" idx="12"/>
+          </p:nvPr>
+        </p:nvSpPr>
+        <p:spPr/>
+        <p:txBody>
+          <a:bodyPr/>
+          <a:lstStyle/>
+          <a:p>
+            <a:fld id="{9D4AEF59-F28E-467C-9EA3-92D1CFAD475A}" type="slidenum">
+              <a:rPr lang="en-US" smtClean="0"/>
+              <a:t>4</a:t>
             </a:fld>
             <a:endParaRPr lang="en-US" dirty="0"/>
           </a:p>
@@ -5335,528 +6045,6 @@
           </p:cNvPicPr>
           <p:nvPr/>
         </p:nvPicPr>
-        <p:blipFill>
-          <a:blip r:embed="rId3">
-            <a:extLst>
-              <a:ext uri="{28A0092B-C50C-407E-A947-70E740481C1C}">
-                <a14:useLocalDpi xmlns:a14="http://schemas.microsoft.com/office/drawing/2010/main" val="0"/>
-              </a:ext>
-            </a:extLst>
-          </a:blip>
-          <a:srcRect/>
-          <a:stretch>
-            <a:fillRect/>
-          </a:stretch>
-        </p:blipFill>
-        <p:spPr bwMode="auto">
-          <a:xfrm>
-            <a:off x="1143000" y="2345862"/>
-            <a:ext cx="7842250" cy="2686514"/>
-          </a:xfrm>
-          <a:prstGeom prst="rect">
-            <a:avLst/>
-          </a:prstGeom>
-          <a:noFill/>
-          <a:extLst>
-            <a:ext uri="{909E8E84-426E-40DD-AFC4-6F175D3DCCD1}">
-              <a14:hiddenFill xmlns:a14="http://schemas.microsoft.com/office/drawing/2010/main">
-                <a:solidFill>
-                  <a:srgbClr val="FFFFFF"/>
-                </a:solidFill>
-              </a14:hiddenFill>
-            </a:ext>
-          </a:extLst>
-        </p:spPr>
-      </p:pic>
-      <p:sp>
-        <p:nvSpPr>
-          <p:cNvPr id="6" name="TextBox 5">
-            <a:extLst>
-              <a:ext uri="{FF2B5EF4-FFF2-40B4-BE49-F238E27FC236}">
-                <a16:creationId xmlns:a16="http://schemas.microsoft.com/office/drawing/2014/main" id="{CF1B8F59-7BEF-7FE7-9169-55AC454613FA}"/>
-              </a:ext>
-            </a:extLst>
-          </p:cNvPr>
-          <p:cNvSpPr txBox="1"/>
-          <p:nvPr/>
-        </p:nvSpPr>
-        <p:spPr>
-          <a:xfrm>
-            <a:off x="5759450" y="5229447"/>
-            <a:ext cx="2025650" cy="646331"/>
-          </a:xfrm>
-          <a:prstGeom prst="rect">
-            <a:avLst/>
-          </a:prstGeom>
-          <a:noFill/>
-        </p:spPr>
-        <p:txBody>
-          <a:bodyPr wrap="square" rtlCol="0">
-            <a:spAutoFit/>
-          </a:bodyPr>
-          <a:lstStyle/>
-          <a:p>
-            <a:r>
-              <a:rPr lang="en-DE" dirty="0"/>
-              <a:t>Data is lost and permanently altered</a:t>
-            </a:r>
-          </a:p>
-        </p:txBody>
-      </p:sp>
-      <p:cxnSp>
-        <p:nvCxnSpPr>
-          <p:cNvPr id="11" name="Curved Connector 10">
-            <a:extLst>
-              <a:ext uri="{FF2B5EF4-FFF2-40B4-BE49-F238E27FC236}">
-                <a16:creationId xmlns:a16="http://schemas.microsoft.com/office/drawing/2014/main" id="{D99081B4-1A14-6179-1DD3-CB15A72CBB14}"/>
-              </a:ext>
-            </a:extLst>
-          </p:cNvPr>
-          <p:cNvCxnSpPr>
-            <a:cxnSpLocks/>
-            <a:stCxn id="6" idx="1"/>
-          </p:cNvCxnSpPr>
-          <p:nvPr/>
-        </p:nvCxnSpPr>
-        <p:spPr>
-          <a:xfrm rot="10800000">
-            <a:off x="4972050" y="4483101"/>
-            <a:ext cx="787400" cy="1069513"/>
-          </a:xfrm>
-          <a:prstGeom prst="curvedConnector2">
-            <a:avLst/>
-          </a:prstGeom>
-          <a:ln>
-            <a:tailEnd type="triangle"/>
-          </a:ln>
-        </p:spPr>
-        <p:style>
-          <a:lnRef idx="3">
-            <a:schemeClr val="accent2"/>
-          </a:lnRef>
-          <a:fillRef idx="0">
-            <a:schemeClr val="accent2"/>
-          </a:fillRef>
-          <a:effectRef idx="2">
-            <a:schemeClr val="accent2"/>
-          </a:effectRef>
-          <a:fontRef idx="minor">
-            <a:schemeClr val="tx1"/>
-          </a:fontRef>
-        </p:style>
-      </p:cxnSp>
-      <p:sp>
-        <p:nvSpPr>
-          <p:cNvPr id="14" name="TextBox 13">
-            <a:extLst>
-              <a:ext uri="{FF2B5EF4-FFF2-40B4-BE49-F238E27FC236}">
-                <a16:creationId xmlns:a16="http://schemas.microsoft.com/office/drawing/2014/main" id="{B8F93198-B177-4425-8685-2E9602C95B1B}"/>
-              </a:ext>
-            </a:extLst>
-          </p:cNvPr>
-          <p:cNvSpPr txBox="1"/>
-          <p:nvPr/>
-        </p:nvSpPr>
-        <p:spPr>
-          <a:xfrm>
-            <a:off x="190500" y="6439721"/>
-            <a:ext cx="2880725" cy="276999"/>
-          </a:xfrm>
-          <a:prstGeom prst="rect">
-            <a:avLst/>
-          </a:prstGeom>
-          <a:noFill/>
-        </p:spPr>
-        <p:txBody>
-          <a:bodyPr wrap="none" rtlCol="0">
-            <a:spAutoFit/>
-          </a:bodyPr>
-          <a:lstStyle/>
-          <a:p>
-            <a:r>
-              <a:rPr lang="en-DE" sz="1200" dirty="0"/>
-              <a:t>Image: </a:t>
-            </a:r>
-            <a:r>
-              <a:rPr lang="en-GB" sz="1200" dirty="0"/>
-              <a:t>https://</a:t>
-            </a:r>
-            <a:r>
-              <a:rPr lang="en-GB" sz="1200" dirty="0" err="1"/>
-              <a:t>panoply.io</a:t>
-            </a:r>
-            <a:r>
-              <a:rPr lang="en-GB" sz="1200" dirty="0"/>
-              <a:t>/uploads/etl-1.png</a:t>
-            </a:r>
-            <a:endParaRPr lang="en-DE" sz="1200" dirty="0"/>
-          </a:p>
-        </p:txBody>
-      </p:sp>
-    </p:spTree>
-    <p:extLst>
-      <p:ext uri="{BB962C8B-B14F-4D97-AF65-F5344CB8AC3E}">
-        <p14:creationId xmlns:p14="http://schemas.microsoft.com/office/powerpoint/2010/main" val="2323389833"/>
-      </p:ext>
-    </p:extLst>
-  </p:cSld>
-  <p:clrMapOvr>
-    <a:masterClrMapping/>
-  </p:clrMapOvr>
-</p:sld>
-</file>
-
-<file path=ppt/slides/slide4.xml><?xml version="1.0" encoding="utf-8"?>
-<p:sld xmlns:a="http://schemas.openxmlformats.org/drawingml/2006/main" xmlns:r="http://schemas.openxmlformats.org/officeDocument/2006/relationships" xmlns:p="http://schemas.openxmlformats.org/presentationml/2006/main">
-  <p:cSld>
-    <p:spTree>
-      <p:nvGrpSpPr>
-        <p:cNvPr id="1" name=""/>
-        <p:cNvGrpSpPr/>
-        <p:nvPr/>
-      </p:nvGrpSpPr>
-      <p:grpSpPr>
-        <a:xfrm>
-          <a:off x="0" y="0"/>
-          <a:ext cx="0" cy="0"/>
-          <a:chOff x="0" y="0"/>
-          <a:chExt cx="0" cy="0"/>
-        </a:xfrm>
-      </p:grpSpPr>
-      <p:sp>
-        <p:nvSpPr>
-          <p:cNvPr id="2" name="Titel 1">
-            <a:extLst>
-              <a:ext uri="{FF2B5EF4-FFF2-40B4-BE49-F238E27FC236}">
-                <a16:creationId xmlns:a16="http://schemas.microsoft.com/office/drawing/2014/main" id="{F7C40B21-2CD5-5ADA-ACE5-D0DA6BDCF744}"/>
-              </a:ext>
-            </a:extLst>
-          </p:cNvPr>
-          <p:cNvSpPr>
-            <a:spLocks noGrp="1"/>
-          </p:cNvSpPr>
-          <p:nvPr>
-            <p:ph type="title"/>
-          </p:nvPr>
-        </p:nvSpPr>
-        <p:spPr/>
-        <p:txBody>
-          <a:bodyPr/>
-          <a:lstStyle/>
-          <a:p>
-            <a:r>
-              <a:rPr lang="de-DE" dirty="0" err="1"/>
-              <a:t>What</a:t>
-            </a:r>
-            <a:r>
-              <a:rPr lang="de-DE" dirty="0"/>
-              <a:t> </a:t>
-            </a:r>
-            <a:r>
-              <a:rPr lang="de-DE" dirty="0" err="1"/>
-              <a:t>is</a:t>
-            </a:r>
-            <a:r>
-              <a:rPr lang="de-DE" dirty="0"/>
-              <a:t> A </a:t>
-            </a:r>
-            <a:r>
-              <a:rPr lang="de-DE" dirty="0" err="1"/>
-              <a:t>Datavault</a:t>
-            </a:r>
-            <a:r>
-              <a:rPr lang="de-DE" dirty="0"/>
-              <a:t> ?</a:t>
-            </a:r>
-          </a:p>
-        </p:txBody>
-      </p:sp>
-      <p:sp>
-        <p:nvSpPr>
-          <p:cNvPr id="5" name="Foliennummernplatzhalter 4">
-            <a:extLst>
-              <a:ext uri="{FF2B5EF4-FFF2-40B4-BE49-F238E27FC236}">
-                <a16:creationId xmlns:a16="http://schemas.microsoft.com/office/drawing/2014/main" id="{5D4F889F-FC74-0388-F08F-091050383C02}"/>
-              </a:ext>
-            </a:extLst>
-          </p:cNvPr>
-          <p:cNvSpPr>
-            <a:spLocks noGrp="1"/>
-          </p:cNvSpPr>
-          <p:nvPr>
-            <p:ph type="sldNum" sz="quarter" idx="12"/>
-          </p:nvPr>
-        </p:nvSpPr>
-        <p:spPr/>
-        <p:txBody>
-          <a:bodyPr/>
-          <a:lstStyle/>
-          <a:p>
-            <a:fld id="{9D4AEF59-F28E-467C-9EA3-92D1CFAD475A}" type="slidenum">
-              <a:rPr lang="en-US" smtClean="0"/>
-              <a:t>4</a:t>
-            </a:fld>
-            <a:endParaRPr lang="en-US" dirty="0"/>
-          </a:p>
-        </p:txBody>
-      </p:sp>
-      <p:pic>
-        <p:nvPicPr>
-          <p:cNvPr id="12" name="Grafik 11">
-            <a:extLst>
-              <a:ext uri="{FF2B5EF4-FFF2-40B4-BE49-F238E27FC236}">
-                <a16:creationId xmlns:a16="http://schemas.microsoft.com/office/drawing/2014/main" id="{CF4F7C16-390D-CE0B-3B40-A21D34950F3F}"/>
-              </a:ext>
-            </a:extLst>
-          </p:cNvPr>
-          <p:cNvPicPr>
-            <a:picLocks noChangeAspect="1"/>
-          </p:cNvPicPr>
-          <p:nvPr/>
-        </p:nvPicPr>
-        <p:blipFill rotWithShape="1">
-          <a:blip r:embed="rId2">
-            <a:extLst>
-              <a:ext uri="{28A0092B-C50C-407E-A947-70E740481C1C}">
-                <a14:useLocalDpi xmlns:a14="http://schemas.microsoft.com/office/drawing/2010/main" val="0"/>
-              </a:ext>
-            </a:extLst>
-          </a:blip>
-          <a:srcRect t="35599" r="28697"/>
-          <a:stretch/>
-        </p:blipFill>
-        <p:spPr>
-          <a:xfrm>
-            <a:off x="7988833" y="609601"/>
-            <a:ext cx="2677451" cy="1460498"/>
-          </a:xfrm>
-          <a:prstGeom prst="rect">
-            <a:avLst/>
-          </a:prstGeom>
-        </p:spPr>
-      </p:pic>
-      <p:sp>
-        <p:nvSpPr>
-          <p:cNvPr id="4" name="Rectangle 3">
-            <a:extLst>
-              <a:ext uri="{FF2B5EF4-FFF2-40B4-BE49-F238E27FC236}">
-                <a16:creationId xmlns:a16="http://schemas.microsoft.com/office/drawing/2014/main" id="{60A11645-0EDA-2643-C054-690CAC81BADB}"/>
-              </a:ext>
-            </a:extLst>
-          </p:cNvPr>
-          <p:cNvSpPr/>
-          <p:nvPr/>
-        </p:nvSpPr>
-        <p:spPr>
-          <a:xfrm rot="3022554">
-            <a:off x="9680711" y="387392"/>
-            <a:ext cx="435887" cy="342399"/>
-          </a:xfrm>
-          <a:prstGeom prst="rect">
-            <a:avLst/>
-          </a:prstGeom>
-          <a:solidFill>
-            <a:schemeClr val="bg1"/>
-          </a:solidFill>
-          <a:ln>
-            <a:noFill/>
-          </a:ln>
-        </p:spPr>
-        <p:style>
-          <a:lnRef idx="2">
-            <a:schemeClr val="accent1">
-              <a:shade val="50000"/>
-            </a:schemeClr>
-          </a:lnRef>
-          <a:fillRef idx="1">
-            <a:schemeClr val="accent1"/>
-          </a:fillRef>
-          <a:effectRef idx="0">
-            <a:schemeClr val="accent1"/>
-          </a:effectRef>
-          <a:fontRef idx="minor">
-            <a:schemeClr val="lt1"/>
-          </a:fontRef>
-        </p:style>
-        <p:txBody>
-          <a:bodyPr rtlCol="0" anchor="ctr"/>
-          <a:lstStyle/>
-          <a:p>
-            <a:pPr algn="ctr"/>
-            <a:endParaRPr lang="en-DE" dirty="0"/>
-          </a:p>
-        </p:txBody>
-      </p:sp>
-      <p:sp>
-        <p:nvSpPr>
-          <p:cNvPr id="7" name="Rectangle 6">
-            <a:extLst>
-              <a:ext uri="{FF2B5EF4-FFF2-40B4-BE49-F238E27FC236}">
-                <a16:creationId xmlns:a16="http://schemas.microsoft.com/office/drawing/2014/main" id="{58FCB3CC-291A-CF84-955F-53FFA6F022A9}"/>
-              </a:ext>
-            </a:extLst>
-          </p:cNvPr>
-          <p:cNvSpPr/>
-          <p:nvPr/>
-        </p:nvSpPr>
-        <p:spPr>
-          <a:xfrm rot="2522694">
-            <a:off x="10179997" y="496476"/>
-            <a:ext cx="579591" cy="342399"/>
-          </a:xfrm>
-          <a:prstGeom prst="rect">
-            <a:avLst/>
-          </a:prstGeom>
-          <a:solidFill>
-            <a:schemeClr val="bg1"/>
-          </a:solidFill>
-          <a:ln>
-            <a:noFill/>
-          </a:ln>
-        </p:spPr>
-        <p:style>
-          <a:lnRef idx="2">
-            <a:schemeClr val="accent1">
-              <a:shade val="50000"/>
-            </a:schemeClr>
-          </a:lnRef>
-          <a:fillRef idx="1">
-            <a:schemeClr val="accent1"/>
-          </a:fillRef>
-          <a:effectRef idx="0">
-            <a:schemeClr val="accent1"/>
-          </a:effectRef>
-          <a:fontRef idx="minor">
-            <a:schemeClr val="lt1"/>
-          </a:fontRef>
-        </p:style>
-        <p:txBody>
-          <a:bodyPr rtlCol="0" anchor="ctr"/>
-          <a:lstStyle/>
-          <a:p>
-            <a:pPr algn="ctr"/>
-            <a:endParaRPr lang="en-DE" dirty="0"/>
-          </a:p>
-        </p:txBody>
-      </p:sp>
-      <p:sp>
-        <p:nvSpPr>
-          <p:cNvPr id="8" name="Rectangle 7">
-            <a:extLst>
-              <a:ext uri="{FF2B5EF4-FFF2-40B4-BE49-F238E27FC236}">
-                <a16:creationId xmlns:a16="http://schemas.microsoft.com/office/drawing/2014/main" id="{755A2FAF-18C4-EF2C-9BB1-0F5DB4CCCEB1}"/>
-              </a:ext>
-            </a:extLst>
-          </p:cNvPr>
-          <p:cNvSpPr/>
-          <p:nvPr/>
-        </p:nvSpPr>
-        <p:spPr>
-          <a:xfrm>
-            <a:off x="10443174" y="957842"/>
-            <a:ext cx="289795" cy="261595"/>
-          </a:xfrm>
-          <a:prstGeom prst="rect">
-            <a:avLst/>
-          </a:prstGeom>
-          <a:solidFill>
-            <a:schemeClr val="bg1"/>
-          </a:solidFill>
-          <a:ln>
-            <a:noFill/>
-          </a:ln>
-        </p:spPr>
-        <p:style>
-          <a:lnRef idx="2">
-            <a:schemeClr val="accent1">
-              <a:shade val="50000"/>
-            </a:schemeClr>
-          </a:lnRef>
-          <a:fillRef idx="1">
-            <a:schemeClr val="accent1"/>
-          </a:fillRef>
-          <a:effectRef idx="0">
-            <a:schemeClr val="accent1"/>
-          </a:effectRef>
-          <a:fontRef idx="minor">
-            <a:schemeClr val="lt1"/>
-          </a:fontRef>
-        </p:style>
-        <p:txBody>
-          <a:bodyPr rtlCol="0" anchor="ctr"/>
-          <a:lstStyle/>
-          <a:p>
-            <a:pPr algn="ctr"/>
-            <a:endParaRPr lang="en-DE" dirty="0"/>
-          </a:p>
-        </p:txBody>
-      </p:sp>
-      <p:sp>
-        <p:nvSpPr>
-          <p:cNvPr id="9" name="Rectangle 8">
-            <a:extLst>
-              <a:ext uri="{FF2B5EF4-FFF2-40B4-BE49-F238E27FC236}">
-                <a16:creationId xmlns:a16="http://schemas.microsoft.com/office/drawing/2014/main" id="{9CC206AE-B2CF-2A7C-48F9-8127583AAF21}"/>
-              </a:ext>
-            </a:extLst>
-          </p:cNvPr>
-          <p:cNvSpPr/>
-          <p:nvPr/>
-        </p:nvSpPr>
-        <p:spPr>
-          <a:xfrm rot="19086268">
-            <a:off x="10521386" y="957843"/>
-            <a:ext cx="289795" cy="261595"/>
-          </a:xfrm>
-          <a:prstGeom prst="rect">
-            <a:avLst/>
-          </a:prstGeom>
-          <a:solidFill>
-            <a:schemeClr val="bg1"/>
-          </a:solidFill>
-          <a:ln>
-            <a:noFill/>
-          </a:ln>
-        </p:spPr>
-        <p:style>
-          <a:lnRef idx="2">
-            <a:schemeClr val="accent1">
-              <a:shade val="50000"/>
-            </a:schemeClr>
-          </a:lnRef>
-          <a:fillRef idx="1">
-            <a:schemeClr val="accent1"/>
-          </a:fillRef>
-          <a:effectRef idx="0">
-            <a:schemeClr val="accent1"/>
-          </a:effectRef>
-          <a:fontRef idx="minor">
-            <a:schemeClr val="lt1"/>
-          </a:fontRef>
-        </p:style>
-        <p:txBody>
-          <a:bodyPr rtlCol="0" anchor="ctr"/>
-          <a:lstStyle/>
-          <a:p>
-            <a:pPr algn="ctr"/>
-            <a:endParaRPr lang="en-DE" dirty="0"/>
-          </a:p>
-        </p:txBody>
-      </p:sp>
-      <p:pic>
-        <p:nvPicPr>
-          <p:cNvPr id="2050" name="Picture 2" descr="3 Ways to Build An ETL Process with Examples | Panoply">
-            <a:extLst>
-              <a:ext uri="{FF2B5EF4-FFF2-40B4-BE49-F238E27FC236}">
-                <a16:creationId xmlns:a16="http://schemas.microsoft.com/office/drawing/2014/main" id="{DDB3D72E-4B5F-40DD-1AC4-0FFE19BA92B3}"/>
-              </a:ext>
-            </a:extLst>
-          </p:cNvPr>
-          <p:cNvPicPr>
-            <a:picLocks noChangeAspect="1" noChangeArrowheads="1"/>
-          </p:cNvPicPr>
-          <p:nvPr/>
-        </p:nvPicPr>
         <p:blipFill rotWithShape="1">
           <a:blip r:embed="rId3">
             <a:extLst>
@@ -6113,7 +6301,7 @@
           <p:cNvPr id="2" name="Title 1">
             <a:extLst>
               <a:ext uri="{FF2B5EF4-FFF2-40B4-BE49-F238E27FC236}">
-                <a16:creationId xmlns:a16="http://schemas.microsoft.com/office/drawing/2014/main" id="{16F7B72A-C2ED-291D-CBBF-2BE1B04F3959}"/>
+                <a16:creationId xmlns:a16="http://schemas.microsoft.com/office/drawing/2014/main" id="{958FB1EE-1163-C220-C2C4-EDC8965ED894}"/>
               </a:ext>
             </a:extLst>
           </p:cNvPr>
@@ -6131,7 +6319,7 @@
           <a:p>
             <a:r>
               <a:rPr lang="en-DE" dirty="0"/>
-              <a:t>Pros &amp; cons of a DataVault</a:t>
+              <a:t>Model</a:t>
             </a:r>
           </a:p>
         </p:txBody>
@@ -6141,7 +6329,7 @@
           <p:cNvPr id="3" name="Content Placeholder 2">
             <a:extLst>
               <a:ext uri="{FF2B5EF4-FFF2-40B4-BE49-F238E27FC236}">
-                <a16:creationId xmlns:a16="http://schemas.microsoft.com/office/drawing/2014/main" id="{02771C8F-14A2-77FE-7D82-AB01DD53C99A}"/>
+                <a16:creationId xmlns:a16="http://schemas.microsoft.com/office/drawing/2014/main" id="{D8B320F9-A6E9-9162-102B-CCC5BB9C2922}"/>
               </a:ext>
             </a:extLst>
           </p:cNvPr>
@@ -6160,63 +6348,287 @@
           <a:lstStyle/>
           <a:p>
             <a:pPr marL="0" indent="0">
+              <a:spcBef>
+                <a:spcPts val="300"/>
+              </a:spcBef>
               <a:buNone/>
             </a:pPr>
             <a:r>
-              <a:rPr lang="en-GB" b="1" dirty="0"/>
-              <a:t>Pros:</a:t>
-            </a:r>
-          </a:p>
-          <a:p>
-            <a:r>
-              <a:rPr lang="en-GB" dirty="0"/>
-              <a:t>Long-term storage of data</a:t>
-            </a:r>
-          </a:p>
-          <a:p>
-            <a:r>
-              <a:rPr lang="en-GB" dirty="0"/>
-              <a:t>Tracking data changes</a:t>
-            </a:r>
-          </a:p>
-          <a:p>
-            <a:r>
-              <a:rPr lang="en-GB" dirty="0"/>
-              <a:t>Fast import of data</a:t>
-            </a:r>
-          </a:p>
-          <a:p>
-            <a:r>
-              <a:rPr lang="en-GB" dirty="0"/>
-              <a:t>Changes in data schemas do not necessarily required downstream ETL and analysis processes to be adjusted</a:t>
+              <a:rPr lang="en-GB" sz="1200" dirty="0">
+                <a:latin typeface="Consolas" panose="020B0609020204030204" pitchFamily="49" charset="0"/>
+                <a:cs typeface="Consolas" panose="020B0609020204030204" pitchFamily="49" charset="0"/>
+              </a:rPr>
+              <a:t>crops:</a:t>
             </a:r>
           </a:p>
           <a:p>
             <a:pPr marL="0" indent="0">
+              <a:spcBef>
+                <a:spcPts val="300"/>
+              </a:spcBef>
               <a:buNone/>
             </a:pPr>
-            <a:endParaRPr lang="en-GB" dirty="0"/>
+            <a:r>
+              <a:rPr lang="en-GB" sz="1200" dirty="0">
+                <a:latin typeface="Consolas" panose="020B0609020204030204" pitchFamily="49" charset="0"/>
+                <a:cs typeface="Consolas" panose="020B0609020204030204" pitchFamily="49" charset="0"/>
+              </a:rPr>
+              <a:t>+------+----------+-------------------+</a:t>
+            </a:r>
           </a:p>
           <a:p>
             <a:pPr marL="0" indent="0">
+              <a:spcBef>
+                <a:spcPts val="300"/>
+              </a:spcBef>
               <a:buNone/>
             </a:pPr>
             <a:r>
-              <a:rPr lang="en-GB" b="1" dirty="0"/>
-              <a:t>Cons:</a:t>
-            </a:r>
-          </a:p>
-          <a:p>
-            <a:r>
-              <a:rPr lang="en-GB" dirty="0"/>
-              <a:t>Not easy to query</a:t>
-            </a:r>
-          </a:p>
-          <a:p>
-            <a:r>
-              <a:rPr lang="en-GB" dirty="0"/>
-              <a:t>Large overhead</a:t>
-            </a:r>
+              <a:rPr lang="en-GB" sz="1200" dirty="0">
+                <a:latin typeface="Consolas" panose="020B0609020204030204" pitchFamily="49" charset="0"/>
+                <a:cs typeface="Consolas" panose="020B0609020204030204" pitchFamily="49" charset="0"/>
+              </a:rPr>
+              <a:t>| id   | crop     | </a:t>
+            </a:r>
+            <a:r>
+              <a:rPr lang="en-GB" sz="1200" dirty="0" err="1">
+                <a:latin typeface="Consolas" panose="020B0609020204030204" pitchFamily="49" charset="0"/>
+                <a:cs typeface="Consolas" panose="020B0609020204030204" pitchFamily="49" charset="0"/>
+              </a:rPr>
+              <a:t>water_consumption</a:t>
+            </a:r>
+            <a:r>
+              <a:rPr lang="en-GB" sz="1200" dirty="0">
+                <a:latin typeface="Consolas" panose="020B0609020204030204" pitchFamily="49" charset="0"/>
+                <a:cs typeface="Consolas" panose="020B0609020204030204" pitchFamily="49" charset="0"/>
+              </a:rPr>
+              <a:t> |</a:t>
+            </a:r>
+          </a:p>
+          <a:p>
+            <a:pPr marL="0" indent="0">
+              <a:spcBef>
+                <a:spcPts val="300"/>
+              </a:spcBef>
+              <a:buNone/>
+            </a:pPr>
+            <a:r>
+              <a:rPr lang="en-GB" sz="1200" dirty="0">
+                <a:latin typeface="Consolas" panose="020B0609020204030204" pitchFamily="49" charset="0"/>
+                <a:cs typeface="Consolas" panose="020B0609020204030204" pitchFamily="49" charset="0"/>
+              </a:rPr>
+              <a:t>+------+----------+-------------------+</a:t>
+            </a:r>
+          </a:p>
+          <a:p>
+            <a:pPr marL="0" indent="0">
+              <a:spcBef>
+                <a:spcPts val="300"/>
+              </a:spcBef>
+              <a:buNone/>
+            </a:pPr>
+            <a:r>
+              <a:rPr lang="en-GB" sz="1200" dirty="0">
+                <a:latin typeface="Consolas" panose="020B0609020204030204" pitchFamily="49" charset="0"/>
+                <a:cs typeface="Consolas" panose="020B0609020204030204" pitchFamily="49" charset="0"/>
+              </a:rPr>
+              <a:t>| C-1  | tomato   | 10                |</a:t>
+            </a:r>
+          </a:p>
+          <a:p>
+            <a:pPr marL="0" indent="0">
+              <a:spcBef>
+                <a:spcPts val="300"/>
+              </a:spcBef>
+              <a:buNone/>
+            </a:pPr>
+            <a:r>
+              <a:rPr lang="en-GB" sz="1200" dirty="0">
+                <a:latin typeface="Consolas" panose="020B0609020204030204" pitchFamily="49" charset="0"/>
+                <a:cs typeface="Consolas" panose="020B0609020204030204" pitchFamily="49" charset="0"/>
+              </a:rPr>
+              <a:t>+------+----------+-------------------+</a:t>
+            </a:r>
+          </a:p>
+          <a:p>
+            <a:pPr marL="0" indent="0">
+              <a:spcBef>
+                <a:spcPts val="300"/>
+              </a:spcBef>
+              <a:buNone/>
+            </a:pPr>
+            <a:r>
+              <a:rPr lang="en-GB" sz="1200" dirty="0">
+                <a:latin typeface="Consolas" panose="020B0609020204030204" pitchFamily="49" charset="0"/>
+                <a:cs typeface="Consolas" panose="020B0609020204030204" pitchFamily="49" charset="0"/>
+              </a:rPr>
+              <a:t>| C-2  | cucumber | 15                |</a:t>
+            </a:r>
+          </a:p>
+          <a:p>
+            <a:pPr marL="0" indent="0">
+              <a:spcBef>
+                <a:spcPts val="300"/>
+              </a:spcBef>
+              <a:buNone/>
+            </a:pPr>
+            <a:r>
+              <a:rPr lang="en-GB" sz="1200" dirty="0">
+                <a:latin typeface="Consolas" panose="020B0609020204030204" pitchFamily="49" charset="0"/>
+                <a:cs typeface="Consolas" panose="020B0609020204030204" pitchFamily="49" charset="0"/>
+              </a:rPr>
+              <a:t>+------+----------+-------------------+</a:t>
+            </a:r>
+          </a:p>
+          <a:p>
+            <a:pPr marL="0" indent="0">
+              <a:spcBef>
+                <a:spcPts val="300"/>
+              </a:spcBef>
+              <a:buNone/>
+            </a:pPr>
+            <a:endParaRPr lang="en-GB" sz="1200" dirty="0">
+              <a:latin typeface="Consolas" panose="020B0609020204030204" pitchFamily="49" charset="0"/>
+              <a:cs typeface="Consolas" panose="020B0609020204030204" pitchFamily="49" charset="0"/>
+            </a:endParaRPr>
+          </a:p>
+          <a:p>
+            <a:pPr marL="0" indent="0">
+              <a:spcBef>
+                <a:spcPts val="300"/>
+              </a:spcBef>
+              <a:buNone/>
+            </a:pPr>
+            <a:r>
+              <a:rPr lang="en-GB" sz="1200" dirty="0">
+                <a:latin typeface="Consolas" panose="020B0609020204030204" pitchFamily="49" charset="0"/>
+                <a:cs typeface="Consolas" panose="020B0609020204030204" pitchFamily="49" charset="0"/>
+              </a:rPr>
+              <a:t>fields:</a:t>
+            </a:r>
+          </a:p>
+          <a:p>
+            <a:pPr marL="0" indent="0">
+              <a:spcBef>
+                <a:spcPts val="300"/>
+              </a:spcBef>
+              <a:buNone/>
+            </a:pPr>
+            <a:r>
+              <a:rPr lang="en-GB" sz="1200" dirty="0">
+                <a:latin typeface="Consolas" panose="020B0609020204030204" pitchFamily="49" charset="0"/>
+                <a:cs typeface="Consolas" panose="020B0609020204030204" pitchFamily="49" charset="0"/>
+              </a:rPr>
+              <a:t>+------+-------+----------+</a:t>
+            </a:r>
+          </a:p>
+          <a:p>
+            <a:pPr marL="0" indent="0">
+              <a:spcBef>
+                <a:spcPts val="300"/>
+              </a:spcBef>
+              <a:buNone/>
+            </a:pPr>
+            <a:r>
+              <a:rPr lang="en-GB" sz="1200" dirty="0">
+                <a:latin typeface="Consolas" panose="020B0609020204030204" pitchFamily="49" charset="0"/>
+                <a:cs typeface="Consolas" panose="020B0609020204030204" pitchFamily="49" charset="0"/>
+              </a:rPr>
+              <a:t>| id   | field | </a:t>
+            </a:r>
+            <a:r>
+              <a:rPr lang="en-GB" sz="1200" dirty="0" err="1">
+                <a:latin typeface="Consolas" panose="020B0609020204030204" pitchFamily="49" charset="0"/>
+                <a:cs typeface="Consolas" panose="020B0609020204030204" pitchFamily="49" charset="0"/>
+              </a:rPr>
+              <a:t>crop_id</a:t>
+            </a:r>
+            <a:r>
+              <a:rPr lang="en-GB" sz="1200" dirty="0">
+                <a:latin typeface="Consolas" panose="020B0609020204030204" pitchFamily="49" charset="0"/>
+                <a:cs typeface="Consolas" panose="020B0609020204030204" pitchFamily="49" charset="0"/>
+              </a:rPr>
+              <a:t>  |</a:t>
+            </a:r>
+          </a:p>
+          <a:p>
+            <a:pPr marL="0" indent="0">
+              <a:spcBef>
+                <a:spcPts val="300"/>
+              </a:spcBef>
+              <a:buNone/>
+            </a:pPr>
+            <a:r>
+              <a:rPr lang="en-GB" sz="1200" dirty="0">
+                <a:latin typeface="Consolas" panose="020B0609020204030204" pitchFamily="49" charset="0"/>
+                <a:cs typeface="Consolas" panose="020B0609020204030204" pitchFamily="49" charset="0"/>
+              </a:rPr>
+              <a:t>+------+-------+----------+</a:t>
+            </a:r>
+          </a:p>
+          <a:p>
+            <a:pPr marL="0" indent="0">
+              <a:spcBef>
+                <a:spcPts val="300"/>
+              </a:spcBef>
+              <a:buNone/>
+            </a:pPr>
+            <a:r>
+              <a:rPr lang="en-GB" sz="1200" dirty="0">
+                <a:latin typeface="Consolas" panose="020B0609020204030204" pitchFamily="49" charset="0"/>
+                <a:cs typeface="Consolas" panose="020B0609020204030204" pitchFamily="49" charset="0"/>
+              </a:rPr>
+              <a:t>| F-5  | small | 2        |</a:t>
+            </a:r>
+          </a:p>
+          <a:p>
+            <a:pPr marL="0" indent="0">
+              <a:spcBef>
+                <a:spcPts val="300"/>
+              </a:spcBef>
+              <a:buNone/>
+            </a:pPr>
+            <a:r>
+              <a:rPr lang="en-GB" sz="1200" dirty="0">
+                <a:latin typeface="Consolas" panose="020B0609020204030204" pitchFamily="49" charset="0"/>
+                <a:cs typeface="Consolas" panose="020B0609020204030204" pitchFamily="49" charset="0"/>
+              </a:rPr>
+              <a:t>+------+-------+----------+</a:t>
+            </a:r>
+          </a:p>
+          <a:p>
+            <a:pPr marL="0" indent="0">
+              <a:spcBef>
+                <a:spcPts val="300"/>
+              </a:spcBef>
+              <a:buNone/>
+            </a:pPr>
+            <a:r>
+              <a:rPr lang="en-GB" sz="1200" dirty="0">
+                <a:latin typeface="Consolas" panose="020B0609020204030204" pitchFamily="49" charset="0"/>
+                <a:cs typeface="Consolas" panose="020B0609020204030204" pitchFamily="49" charset="0"/>
+              </a:rPr>
+              <a:t>| F-6  | big   | 1        |</a:t>
+            </a:r>
+          </a:p>
+          <a:p>
+            <a:pPr marL="0" indent="0">
+              <a:spcBef>
+                <a:spcPts val="300"/>
+              </a:spcBef>
+              <a:buNone/>
+            </a:pPr>
+            <a:r>
+              <a:rPr lang="en-GB" sz="1200" dirty="0">
+                <a:latin typeface="Consolas" panose="020B0609020204030204" pitchFamily="49" charset="0"/>
+                <a:cs typeface="Consolas" panose="020B0609020204030204" pitchFamily="49" charset="0"/>
+              </a:rPr>
+              <a:t>+------+-------+----------+</a:t>
+            </a:r>
+            <a:endParaRPr lang="en-DE" sz="1200" dirty="0">
+              <a:latin typeface="Consolas" panose="020B0609020204030204" pitchFamily="49" charset="0"/>
+              <a:cs typeface="Consolas" panose="020B0609020204030204" pitchFamily="49" charset="0"/>
+            </a:endParaRPr>
           </a:p>
         </p:txBody>
       </p:sp>
@@ -6225,7 +6637,7 @@
           <p:cNvPr id="4" name="Slide Number Placeholder 3">
             <a:extLst>
               <a:ext uri="{FF2B5EF4-FFF2-40B4-BE49-F238E27FC236}">
-                <a16:creationId xmlns:a16="http://schemas.microsoft.com/office/drawing/2014/main" id="{E4488B3D-13DD-F1C4-DAFA-C1B57C0D5E34}"/>
+                <a16:creationId xmlns:a16="http://schemas.microsoft.com/office/drawing/2014/main" id="{C80BB05B-FEE3-4D8C-8E10-856797D53C68}"/>
               </a:ext>
             </a:extLst>
           </p:cNvPr>
@@ -6249,16 +6661,207 @@
           </a:p>
         </p:txBody>
       </p:sp>
+      <p:sp>
+        <p:nvSpPr>
+          <p:cNvPr id="5" name="TextBox 4">
+            <a:extLst>
+              <a:ext uri="{FF2B5EF4-FFF2-40B4-BE49-F238E27FC236}">
+                <a16:creationId xmlns:a16="http://schemas.microsoft.com/office/drawing/2014/main" id="{6AD89E97-E40C-DC86-FE63-C2AAFA62B7FE}"/>
+              </a:ext>
+            </a:extLst>
+          </p:cNvPr>
+          <p:cNvSpPr txBox="1"/>
+          <p:nvPr/>
+        </p:nvSpPr>
+        <p:spPr>
+          <a:xfrm>
+            <a:off x="6375400" y="2025650"/>
+            <a:ext cx="4203700" cy="1754326"/>
+          </a:xfrm>
+          <a:prstGeom prst="rect">
+            <a:avLst/>
+          </a:prstGeom>
+          <a:noFill/>
+        </p:spPr>
+        <p:txBody>
+          <a:bodyPr wrap="square" rtlCol="0">
+            <a:spAutoFit/>
+          </a:bodyPr>
+          <a:lstStyle/>
+          <a:p>
+            <a:r>
+              <a:rPr lang="en-DE" dirty="0"/>
+              <a:t>Tomatos now have a water consumption of 12 liters/day.</a:t>
+            </a:r>
+          </a:p>
+          <a:p>
+            <a:endParaRPr lang="en-DE" dirty="0"/>
+          </a:p>
+          <a:p>
+            <a:r>
+              <a:rPr lang="en-DE" dirty="0"/>
+              <a:t>How can we communicate our stakeholders that yesterdays analysis contained a different value?</a:t>
+            </a:r>
+          </a:p>
+        </p:txBody>
+      </p:sp>
+      <p:cxnSp>
+        <p:nvCxnSpPr>
+          <p:cNvPr id="7" name="Straight Arrow Connector 6">
+            <a:extLst>
+              <a:ext uri="{FF2B5EF4-FFF2-40B4-BE49-F238E27FC236}">
+                <a16:creationId xmlns:a16="http://schemas.microsoft.com/office/drawing/2014/main" id="{3214DECE-B9D6-2525-6DA0-6EB527B1E933}"/>
+              </a:ext>
+            </a:extLst>
+          </p:cNvPr>
+          <p:cNvCxnSpPr>
+            <a:cxnSpLocks/>
+            <a:stCxn id="5" idx="1"/>
+          </p:cNvCxnSpPr>
+          <p:nvPr/>
+        </p:nvCxnSpPr>
+        <p:spPr>
+          <a:xfrm flipH="1">
+            <a:off x="5003800" y="2902813"/>
+            <a:ext cx="1371600" cy="0"/>
+          </a:xfrm>
+          <a:prstGeom prst="straightConnector1">
+            <a:avLst/>
+          </a:prstGeom>
+          <a:ln w="76200">
+            <a:tailEnd type="triangle"/>
+          </a:ln>
+        </p:spPr>
+        <p:style>
+          <a:lnRef idx="1">
+            <a:schemeClr val="accent1"/>
+          </a:lnRef>
+          <a:fillRef idx="0">
+            <a:schemeClr val="accent1"/>
+          </a:fillRef>
+          <a:effectRef idx="0">
+            <a:schemeClr val="accent1"/>
+          </a:effectRef>
+          <a:fontRef idx="minor">
+            <a:schemeClr val="tx1"/>
+          </a:fontRef>
+        </p:style>
+      </p:cxnSp>
     </p:spTree>
     <p:extLst>
       <p:ext uri="{BB962C8B-B14F-4D97-AF65-F5344CB8AC3E}">
-        <p14:creationId xmlns:p14="http://schemas.microsoft.com/office/powerpoint/2010/main" val="642313845"/>
+        <p14:creationId xmlns:p14="http://schemas.microsoft.com/office/powerpoint/2010/main" val="2742393770"/>
       </p:ext>
     </p:extLst>
   </p:cSld>
   <p:clrMapOvr>
     <a:masterClrMapping/>
   </p:clrMapOvr>
+  <p:timing>
+    <p:tnLst>
+      <p:par>
+        <p:cTn id="1" dur="indefinite" restart="never" nodeType="tmRoot">
+          <p:childTnLst>
+            <p:seq concurrent="1" nextAc="seek">
+              <p:cTn id="2" dur="indefinite" nodeType="mainSeq">
+                <p:childTnLst>
+                  <p:par>
+                    <p:cTn id="3" fill="hold">
+                      <p:stCondLst>
+                        <p:cond delay="indefinite"/>
+                      </p:stCondLst>
+                      <p:childTnLst>
+                        <p:par>
+                          <p:cTn id="4" fill="hold">
+                            <p:stCondLst>
+                              <p:cond delay="0"/>
+                            </p:stCondLst>
+                            <p:childTnLst>
+                              <p:par>
+                                <p:cTn id="5" presetID="1" presetClass="entr" presetSubtype="0" fill="hold" nodeType="clickEffect">
+                                  <p:stCondLst>
+                                    <p:cond delay="0"/>
+                                  </p:stCondLst>
+                                  <p:childTnLst>
+                                    <p:set>
+                                      <p:cBhvr>
+                                        <p:cTn id="6" dur="1" fill="hold">
+                                          <p:stCondLst>
+                                            <p:cond delay="0"/>
+                                          </p:stCondLst>
+                                        </p:cTn>
+                                        <p:tgtEl>
+                                          <p:spTgt spid="7"/>
+                                        </p:tgtEl>
+                                        <p:attrNameLst>
+                                          <p:attrName>style.visibility</p:attrName>
+                                        </p:attrNameLst>
+                                      </p:cBhvr>
+                                      <p:to>
+                                        <p:strVal val="visible"/>
+                                      </p:to>
+                                    </p:set>
+                                  </p:childTnLst>
+                                </p:cTn>
+                              </p:par>
+                              <p:par>
+                                <p:cTn id="7" presetID="1" presetClass="entr" presetSubtype="0" fill="hold" grpId="0" nodeType="withEffect">
+                                  <p:stCondLst>
+                                    <p:cond delay="0"/>
+                                  </p:stCondLst>
+                                  <p:childTnLst>
+                                    <p:set>
+                                      <p:cBhvr>
+                                        <p:cTn id="8" dur="1" fill="hold">
+                                          <p:stCondLst>
+                                            <p:cond delay="0"/>
+                                          </p:stCondLst>
+                                        </p:cTn>
+                                        <p:tgtEl>
+                                          <p:spTgt spid="5"/>
+                                        </p:tgtEl>
+                                        <p:attrNameLst>
+                                          <p:attrName>style.visibility</p:attrName>
+                                        </p:attrNameLst>
+                                      </p:cBhvr>
+                                      <p:to>
+                                        <p:strVal val="visible"/>
+                                      </p:to>
+                                    </p:set>
+                                  </p:childTnLst>
+                                </p:cTn>
+                              </p:par>
+                            </p:childTnLst>
+                          </p:cTn>
+                        </p:par>
+                      </p:childTnLst>
+                    </p:cTn>
+                  </p:par>
+                </p:childTnLst>
+              </p:cTn>
+              <p:prevCondLst>
+                <p:cond evt="onPrev" delay="0">
+                  <p:tgtEl>
+                    <p:sldTgt/>
+                  </p:tgtEl>
+                </p:cond>
+              </p:prevCondLst>
+              <p:nextCondLst>
+                <p:cond evt="onNext" delay="0">
+                  <p:tgtEl>
+                    <p:sldTgt/>
+                  </p:tgtEl>
+                </p:cond>
+              </p:nextCondLst>
+            </p:seq>
+          </p:childTnLst>
+        </p:cTn>
+      </p:par>
+    </p:tnLst>
+    <p:bldLst>
+      <p:bldP spid="5" grpId="0"/>
+    </p:bldLst>
+  </p:timing>
 </p:sld>
 </file>
 
@@ -6284,7 +6887,7 @@
           <p:cNvPr id="2" name="Title 1">
             <a:extLst>
               <a:ext uri="{FF2B5EF4-FFF2-40B4-BE49-F238E27FC236}">
-                <a16:creationId xmlns:a16="http://schemas.microsoft.com/office/drawing/2014/main" id="{958FB1EE-1163-C220-C2C4-EDC8965ED894}"/>
+                <a16:creationId xmlns:a16="http://schemas.microsoft.com/office/drawing/2014/main" id="{A253CA53-1EA1-D634-85D0-463E848F8E1E}"/>
               </a:ext>
             </a:extLst>
           </p:cNvPr>
@@ -6302,7 +6905,7 @@
           <a:p>
             <a:r>
               <a:rPr lang="en-DE" dirty="0"/>
-              <a:t>Model</a:t>
+              <a:t>Satelite</a:t>
             </a:r>
           </a:p>
         </p:txBody>
@@ -6312,7 +6915,7 @@
           <p:cNvPr id="3" name="Content Placeholder 2">
             <a:extLst>
               <a:ext uri="{FF2B5EF4-FFF2-40B4-BE49-F238E27FC236}">
-                <a16:creationId xmlns:a16="http://schemas.microsoft.com/office/drawing/2014/main" id="{D8B320F9-A6E9-9162-102B-CCC5BB9C2922}"/>
+                <a16:creationId xmlns:a16="http://schemas.microsoft.com/office/drawing/2014/main" id="{108D48BA-4AFC-2A5C-214B-673090FF462C}"/>
               </a:ext>
             </a:extLst>
           </p:cNvPr>
@@ -6326,14 +6929,11 @@
         <p:spPr/>
         <p:txBody>
           <a:bodyPr>
-            <a:normAutofit/>
+            <a:noAutofit/>
           </a:bodyPr>
           <a:lstStyle/>
           <a:p>
             <a:pPr marL="0" indent="0">
-              <a:spcBef>
-                <a:spcPts val="300"/>
-              </a:spcBef>
               <a:buNone/>
             </a:pPr>
             <a:r>
@@ -6341,14 +6941,25 @@
                 <a:latin typeface="Consolas" panose="020B0609020204030204" pitchFamily="49" charset="0"/>
                 <a:cs typeface="Consolas" panose="020B0609020204030204" pitchFamily="49" charset="0"/>
               </a:rPr>
-              <a:t>crops:</a:t>
+              <a:t>crops </a:t>
+            </a:r>
+            <a:r>
+              <a:rPr lang="en-GB" sz="1200" dirty="0" err="1">
+                <a:latin typeface="Consolas" panose="020B0609020204030204" pitchFamily="49" charset="0"/>
+                <a:cs typeface="Consolas" panose="020B0609020204030204" pitchFamily="49" charset="0"/>
+              </a:rPr>
+              <a:t>satelite</a:t>
+            </a:r>
+            <a:r>
+              <a:rPr lang="en-GB" sz="1200" dirty="0">
+                <a:latin typeface="Consolas" panose="020B0609020204030204" pitchFamily="49" charset="0"/>
+                <a:cs typeface="Consolas" panose="020B0609020204030204" pitchFamily="49" charset="0"/>
+              </a:rPr>
+              <a:t>:</a:t>
             </a:r>
           </a:p>
           <a:p>
             <a:pPr marL="0" indent="0">
-              <a:spcBef>
-                <a:spcPts val="300"/>
-              </a:spcBef>
               <a:buNone/>
             </a:pPr>
             <a:r>
@@ -6356,14 +6967,11 @@
                 <a:latin typeface="Consolas" panose="020B0609020204030204" pitchFamily="49" charset="0"/>
                 <a:cs typeface="Consolas" panose="020B0609020204030204" pitchFamily="49" charset="0"/>
               </a:rPr>
-              <a:t>+------+----------+-------------------+</a:t>
+              <a:t>+---------------+----------+-------------------+------------+----------+---------------+-----------+</a:t>
             </a:r>
           </a:p>
           <a:p>
             <a:pPr marL="0" indent="0">
-              <a:spcBef>
-                <a:spcPts val="300"/>
-              </a:spcBef>
               <a:buNone/>
             </a:pPr>
             <a:r>
@@ -6371,13 +6979,27 @@
                 <a:latin typeface="Consolas" panose="020B0609020204030204" pitchFamily="49" charset="0"/>
                 <a:cs typeface="Consolas" panose="020B0609020204030204" pitchFamily="49" charset="0"/>
               </a:rPr>
-              <a:t>| id   | crop     | </a:t>
+              <a:t>| </a:t>
             </a:r>
             <a:r>
               <a:rPr lang="en-GB" sz="1200" dirty="0" err="1">
                 <a:latin typeface="Consolas" panose="020B0609020204030204" pitchFamily="49" charset="0"/>
                 <a:cs typeface="Consolas" panose="020B0609020204030204" pitchFamily="49" charset="0"/>
               </a:rPr>
+              <a:t>crop_hash_key</a:t>
+            </a:r>
+            <a:r>
+              <a:rPr lang="en-GB" sz="1200" dirty="0">
+                <a:latin typeface="Consolas" panose="020B0609020204030204" pitchFamily="49" charset="0"/>
+                <a:cs typeface="Consolas" panose="020B0609020204030204" pitchFamily="49" charset="0"/>
+              </a:rPr>
+              <a:t> | crop     | </a:t>
+            </a:r>
+            <a:r>
+              <a:rPr lang="en-GB" sz="1200" dirty="0" err="1">
+                <a:latin typeface="Consolas" panose="020B0609020204030204" pitchFamily="49" charset="0"/>
+                <a:cs typeface="Consolas" panose="020B0609020204030204" pitchFamily="49" charset="0"/>
+              </a:rPr>
               <a:t>water_consumption</a:t>
             </a:r>
             <a:r>
@@ -6385,14 +7007,67 @@
                 <a:latin typeface="Consolas" panose="020B0609020204030204" pitchFamily="49" charset="0"/>
                 <a:cs typeface="Consolas" panose="020B0609020204030204" pitchFamily="49" charset="0"/>
               </a:rPr>
+              <a:t> | </a:t>
+            </a:r>
+            <a:r>
+              <a:rPr lang="en-GB" sz="1200" dirty="0" err="1">
+                <a:latin typeface="Consolas" panose="020B0609020204030204" pitchFamily="49" charset="0"/>
+                <a:cs typeface="Consolas" panose="020B0609020204030204" pitchFamily="49" charset="0"/>
+              </a:rPr>
+              <a:t>load_date</a:t>
+            </a:r>
+            <a:r>
+              <a:rPr lang="en-GB" sz="1200" dirty="0">
+                <a:latin typeface="Consolas" panose="020B0609020204030204" pitchFamily="49" charset="0"/>
+                <a:cs typeface="Consolas" panose="020B0609020204030204" pitchFamily="49" charset="0"/>
+              </a:rPr>
+              <a:t>  | </a:t>
+            </a:r>
+            <a:r>
+              <a:rPr lang="en-GB" sz="1200" dirty="0" err="1">
+                <a:latin typeface="Consolas" panose="020B0609020204030204" pitchFamily="49" charset="0"/>
+                <a:cs typeface="Consolas" panose="020B0609020204030204" pitchFamily="49" charset="0"/>
+              </a:rPr>
+              <a:t>end_date</a:t>
+            </a:r>
+            <a:r>
+              <a:rPr lang="en-GB" sz="1200" dirty="0">
+                <a:latin typeface="Consolas" panose="020B0609020204030204" pitchFamily="49" charset="0"/>
+                <a:cs typeface="Consolas" panose="020B0609020204030204" pitchFamily="49" charset="0"/>
+              </a:rPr>
+              <a:t> | </a:t>
+            </a:r>
+            <a:r>
+              <a:rPr lang="en-GB" sz="1200" dirty="0" err="1">
+                <a:latin typeface="Consolas" panose="020B0609020204030204" pitchFamily="49" charset="0"/>
+                <a:cs typeface="Consolas" panose="020B0609020204030204" pitchFamily="49" charset="0"/>
+              </a:rPr>
+              <a:t>record_source</a:t>
+            </a:r>
+            <a:r>
+              <a:rPr lang="en-GB" sz="1200" dirty="0">
+                <a:latin typeface="Consolas" panose="020B0609020204030204" pitchFamily="49" charset="0"/>
+                <a:cs typeface="Consolas" panose="020B0609020204030204" pitchFamily="49" charset="0"/>
+              </a:rPr>
+              <a:t> | </a:t>
+            </a:r>
+            <a:r>
+              <a:rPr lang="en-GB" sz="1200" dirty="0" err="1">
+                <a:latin typeface="Consolas" panose="020B0609020204030204" pitchFamily="49" charset="0"/>
+                <a:cs typeface="Consolas" panose="020B0609020204030204" pitchFamily="49" charset="0"/>
+              </a:rPr>
+              <a:t>hash_diff</a:t>
+            </a:r>
+            <a:r>
+              <a:rPr lang="en-GB" sz="1200" dirty="0">
+                <a:latin typeface="Consolas" panose="020B0609020204030204" pitchFamily="49" charset="0"/>
+                <a:cs typeface="Consolas" panose="020B0609020204030204" pitchFamily="49" charset="0"/>
+              </a:rPr>
               <a:t> |</a:t>
             </a:r>
           </a:p>
           <a:p>
             <a:pPr marL="0" indent="0">
-              <a:spcBef>
-                <a:spcPts val="300"/>
-              </a:spcBef>
               <a:buNone/>
             </a:pPr>
             <a:r>
@@ -6400,14 +7075,11 @@
                 <a:latin typeface="Consolas" panose="020B0609020204030204" pitchFamily="49" charset="0"/>
                 <a:cs typeface="Consolas" panose="020B0609020204030204" pitchFamily="49" charset="0"/>
               </a:rPr>
-              <a:t>+------+----------+-------------------+</a:t>
+              <a:t>+---------------+----------+-------------------+------------+----------+---------------+-----------+</a:t>
             </a:r>
           </a:p>
           <a:p>
             <a:pPr marL="0" indent="0">
-              <a:spcBef>
-                <a:spcPts val="300"/>
-              </a:spcBef>
               <a:buNone/>
             </a:pPr>
             <a:r>
@@ -6415,14 +7087,25 @@
                 <a:latin typeface="Consolas" panose="020B0609020204030204" pitchFamily="49" charset="0"/>
                 <a:cs typeface="Consolas" panose="020B0609020204030204" pitchFamily="49" charset="0"/>
               </a:rPr>
-              <a:t>| C-1  | tomato   | 10                |</a:t>
+              <a:t>| b519e         | </a:t>
+            </a:r>
+            <a:r>
+              <a:rPr lang="en-GB" sz="1200" dirty="0" err="1">
+                <a:latin typeface="Consolas" panose="020B0609020204030204" pitchFamily="49" charset="0"/>
+                <a:cs typeface="Consolas" panose="020B0609020204030204" pitchFamily="49" charset="0"/>
+              </a:rPr>
+              <a:t>tomate</a:t>
+            </a:r>
+            <a:r>
+              <a:rPr lang="en-GB" sz="1200" dirty="0">
+                <a:latin typeface="Consolas" panose="020B0609020204030204" pitchFamily="49" charset="0"/>
+                <a:cs typeface="Consolas" panose="020B0609020204030204" pitchFamily="49" charset="0"/>
+              </a:rPr>
+              <a:t>   | 10                | 2022-05-01 | NULL     | ERP           | 8a3f0     |</a:t>
             </a:r>
           </a:p>
           <a:p>
             <a:pPr marL="0" indent="0">
-              <a:spcBef>
-                <a:spcPts val="300"/>
-              </a:spcBef>
               <a:buNone/>
             </a:pPr>
             <a:r>
@@ -6430,14 +7113,11 @@
                 <a:latin typeface="Consolas" panose="020B0609020204030204" pitchFamily="49" charset="0"/>
                 <a:cs typeface="Consolas" panose="020B0609020204030204" pitchFamily="49" charset="0"/>
               </a:rPr>
-              <a:t>+------+----------+-------------------+</a:t>
+              <a:t>+---------------+----------+-------------------+------------+----------+---------------+-----------+</a:t>
             </a:r>
           </a:p>
           <a:p>
             <a:pPr marL="0" indent="0">
-              <a:spcBef>
-                <a:spcPts val="300"/>
-              </a:spcBef>
               <a:buNone/>
             </a:pPr>
             <a:r>
@@ -6445,14 +7125,11 @@
                 <a:latin typeface="Consolas" panose="020B0609020204030204" pitchFamily="49" charset="0"/>
                 <a:cs typeface="Consolas" panose="020B0609020204030204" pitchFamily="49" charset="0"/>
               </a:rPr>
-              <a:t>| C-2  | cucumber | 15                |</a:t>
+              <a:t>| 5f763         | cucumber | 15                | 2022-05-01 | NULL     | ERP           | c345a     |</a:t>
             </a:r>
           </a:p>
           <a:p>
             <a:pPr marL="0" indent="0">
-              <a:spcBef>
-                <a:spcPts val="300"/>
-              </a:spcBef>
               <a:buNone/>
             </a:pPr>
             <a:r>
@@ -6460,14 +7137,11 @@
                 <a:latin typeface="Consolas" panose="020B0609020204030204" pitchFamily="49" charset="0"/>
                 <a:cs typeface="Consolas" panose="020B0609020204030204" pitchFamily="49" charset="0"/>
               </a:rPr>
-              <a:t>+------+----------+-------------------+</a:t>
+              <a:t>+---------------+----------+-------------------+------------+----------+---------------+-----------+</a:t>
             </a:r>
           </a:p>
           <a:p>
             <a:pPr marL="0" indent="0">
-              <a:spcBef>
-                <a:spcPts val="300"/>
-              </a:spcBef>
               <a:buNone/>
             </a:pPr>
             <a:endParaRPr lang="en-GB" sz="1200" dirty="0">
@@ -6477,137 +7151,134 @@
           </a:p>
           <a:p>
             <a:pPr marL="0" indent="0">
-              <a:spcBef>
-                <a:spcPts val="300"/>
-              </a:spcBef>
               <a:buNone/>
             </a:pPr>
             <a:r>
               <a:rPr lang="en-GB" sz="1200" dirty="0">
-                <a:latin typeface="Consolas" panose="020B0609020204030204" pitchFamily="49" charset="0"/>
-                <a:cs typeface="Consolas" panose="020B0609020204030204" pitchFamily="49" charset="0"/>
-              </a:rPr>
-              <a:t>fields:</a:t>
+                <a:solidFill>
+                  <a:schemeClr val="bg1">
+                    <a:lumMod val="65000"/>
+                  </a:schemeClr>
+                </a:solidFill>
+                <a:latin typeface="Consolas" panose="020B0609020204030204" pitchFamily="49" charset="0"/>
+                <a:cs typeface="Consolas" panose="020B0609020204030204" pitchFamily="49" charset="0"/>
+              </a:rPr>
+              <a:t>crops:</a:t>
             </a:r>
           </a:p>
           <a:p>
             <a:pPr marL="0" indent="0">
-              <a:spcBef>
-                <a:spcPts val="300"/>
-              </a:spcBef>
               <a:buNone/>
             </a:pPr>
             <a:r>
               <a:rPr lang="en-GB" sz="1200" dirty="0">
-                <a:latin typeface="Consolas" panose="020B0609020204030204" pitchFamily="49" charset="0"/>
-                <a:cs typeface="Consolas" panose="020B0609020204030204" pitchFamily="49" charset="0"/>
-              </a:rPr>
-              <a:t>+------+-------+----------+</a:t>
+                <a:solidFill>
+                  <a:schemeClr val="bg1">
+                    <a:lumMod val="65000"/>
+                  </a:schemeClr>
+                </a:solidFill>
+                <a:latin typeface="Consolas" panose="020B0609020204030204" pitchFamily="49" charset="0"/>
+                <a:cs typeface="Consolas" panose="020B0609020204030204" pitchFamily="49" charset="0"/>
+              </a:rPr>
+              <a:t>+------+----------+-------------------+</a:t>
             </a:r>
           </a:p>
           <a:p>
             <a:pPr marL="0" indent="0">
-              <a:spcBef>
-                <a:spcPts val="300"/>
-              </a:spcBef>
               <a:buNone/>
             </a:pPr>
             <a:r>
               <a:rPr lang="en-GB" sz="1200" dirty="0">
-                <a:latin typeface="Consolas" panose="020B0609020204030204" pitchFamily="49" charset="0"/>
-                <a:cs typeface="Consolas" panose="020B0609020204030204" pitchFamily="49" charset="0"/>
-              </a:rPr>
-              <a:t>| id   | field | </a:t>
+                <a:solidFill>
+                  <a:schemeClr val="bg1">
+                    <a:lumMod val="65000"/>
+                  </a:schemeClr>
+                </a:solidFill>
+                <a:latin typeface="Consolas" panose="020B0609020204030204" pitchFamily="49" charset="0"/>
+                <a:cs typeface="Consolas" panose="020B0609020204030204" pitchFamily="49" charset="0"/>
+              </a:rPr>
+              <a:t>| id   | crop     | </a:t>
             </a:r>
             <a:r>
               <a:rPr lang="en-GB" sz="1200" dirty="0" err="1">
-                <a:latin typeface="Consolas" panose="020B0609020204030204" pitchFamily="49" charset="0"/>
-                <a:cs typeface="Consolas" panose="020B0609020204030204" pitchFamily="49" charset="0"/>
-              </a:rPr>
-              <a:t>crop_id</a:t>
+                <a:solidFill>
+                  <a:schemeClr val="bg1">
+                    <a:lumMod val="65000"/>
+                  </a:schemeClr>
+                </a:solidFill>
+                <a:latin typeface="Consolas" panose="020B0609020204030204" pitchFamily="49" charset="0"/>
+                <a:cs typeface="Consolas" panose="020B0609020204030204" pitchFamily="49" charset="0"/>
+              </a:rPr>
+              <a:t>water_consumption</a:t>
             </a:r>
             <a:r>
               <a:rPr lang="en-GB" sz="1200" dirty="0">
-                <a:latin typeface="Consolas" panose="020B0609020204030204" pitchFamily="49" charset="0"/>
-                <a:cs typeface="Consolas" panose="020B0609020204030204" pitchFamily="49" charset="0"/>
-              </a:rPr>
-              <a:t>  |</a:t>
+                <a:solidFill>
+                  <a:schemeClr val="bg1">
+                    <a:lumMod val="65000"/>
+                  </a:schemeClr>
+                </a:solidFill>
+                <a:latin typeface="Consolas" panose="020B0609020204030204" pitchFamily="49" charset="0"/>
+                <a:cs typeface="Consolas" panose="020B0609020204030204" pitchFamily="49" charset="0"/>
+              </a:rPr>
+              <a:t> |</a:t>
             </a:r>
           </a:p>
           <a:p>
             <a:pPr marL="0" indent="0">
-              <a:spcBef>
-                <a:spcPts val="300"/>
-              </a:spcBef>
               <a:buNone/>
             </a:pPr>
             <a:r>
               <a:rPr lang="en-GB" sz="1200" dirty="0">
-                <a:latin typeface="Consolas" panose="020B0609020204030204" pitchFamily="49" charset="0"/>
-                <a:cs typeface="Consolas" panose="020B0609020204030204" pitchFamily="49" charset="0"/>
-              </a:rPr>
-              <a:t>+------+-------+----------+</a:t>
+                <a:solidFill>
+                  <a:schemeClr val="bg1">
+                    <a:lumMod val="65000"/>
+                  </a:schemeClr>
+                </a:solidFill>
+                <a:latin typeface="Consolas" panose="020B0609020204030204" pitchFamily="49" charset="0"/>
+                <a:cs typeface="Consolas" panose="020B0609020204030204" pitchFamily="49" charset="0"/>
+              </a:rPr>
+              <a:t>+------+----------+-------------------+</a:t>
             </a:r>
           </a:p>
           <a:p>
             <a:pPr marL="0" indent="0">
-              <a:spcBef>
-                <a:spcPts val="300"/>
-              </a:spcBef>
               <a:buNone/>
             </a:pPr>
             <a:r>
               <a:rPr lang="en-GB" sz="1200" dirty="0">
-                <a:latin typeface="Consolas" panose="020B0609020204030204" pitchFamily="49" charset="0"/>
-                <a:cs typeface="Consolas" panose="020B0609020204030204" pitchFamily="49" charset="0"/>
-              </a:rPr>
-              <a:t>| F-5  | small | 2        |</a:t>
+                <a:solidFill>
+                  <a:schemeClr val="bg1">
+                    <a:lumMod val="65000"/>
+                  </a:schemeClr>
+                </a:solidFill>
+                <a:latin typeface="Consolas" panose="020B0609020204030204" pitchFamily="49" charset="0"/>
+                <a:cs typeface="Consolas" panose="020B0609020204030204" pitchFamily="49" charset="0"/>
+              </a:rPr>
+              <a:t>...</a:t>
             </a:r>
           </a:p>
           <a:p>
             <a:pPr marL="0" indent="0">
-              <a:spcBef>
-                <a:spcPts val="300"/>
-              </a:spcBef>
               <a:buNone/>
             </a:pPr>
             <a:r>
               <a:rPr lang="en-GB" sz="1200" dirty="0">
-                <a:latin typeface="Consolas" panose="020B0609020204030204" pitchFamily="49" charset="0"/>
-                <a:cs typeface="Consolas" panose="020B0609020204030204" pitchFamily="49" charset="0"/>
-              </a:rPr>
-              <a:t>+------+-------+----------+</a:t>
+                <a:solidFill>
+                  <a:schemeClr val="bg1">
+                    <a:lumMod val="65000"/>
+                  </a:schemeClr>
+                </a:solidFill>
+                <a:latin typeface="Consolas" panose="020B0609020204030204" pitchFamily="49" charset="0"/>
+                <a:cs typeface="Consolas" panose="020B0609020204030204" pitchFamily="49" charset="0"/>
+              </a:rPr>
+              <a:t>+------+----------+-------------------+</a:t>
             </a:r>
           </a:p>
           <a:p>
             <a:pPr marL="0" indent="0">
-              <a:spcBef>
-                <a:spcPts val="300"/>
-              </a:spcBef>
               <a:buNone/>
             </a:pPr>
-            <a:r>
-              <a:rPr lang="en-GB" sz="1200" dirty="0">
-                <a:latin typeface="Consolas" panose="020B0609020204030204" pitchFamily="49" charset="0"/>
-                <a:cs typeface="Consolas" panose="020B0609020204030204" pitchFamily="49" charset="0"/>
-              </a:rPr>
-              <a:t>| F-6  | big   | 1        |</a:t>
-            </a:r>
-          </a:p>
-          <a:p>
-            <a:pPr marL="0" indent="0">
-              <a:spcBef>
-                <a:spcPts val="300"/>
-              </a:spcBef>
-              <a:buNone/>
-            </a:pPr>
-            <a:r>
-              <a:rPr lang="en-GB" sz="1200" dirty="0">
-                <a:latin typeface="Consolas" panose="020B0609020204030204" pitchFamily="49" charset="0"/>
-                <a:cs typeface="Consolas" panose="020B0609020204030204" pitchFamily="49" charset="0"/>
-              </a:rPr>
-              <a:t>+------+-------+----------+</a:t>
-            </a:r>
             <a:endParaRPr lang="en-DE" sz="1200" dirty="0">
               <a:latin typeface="Consolas" panose="020B0609020204030204" pitchFamily="49" charset="0"/>
               <a:cs typeface="Consolas" panose="020B0609020204030204" pitchFamily="49" charset="0"/>
@@ -6620,7 +7291,7 @@
           <p:cNvPr id="4" name="Slide Number Placeholder 3">
             <a:extLst>
               <a:ext uri="{FF2B5EF4-FFF2-40B4-BE49-F238E27FC236}">
-                <a16:creationId xmlns:a16="http://schemas.microsoft.com/office/drawing/2014/main" id="{C80BB05B-FEE3-4D8C-8E10-856797D53C68}"/>
+                <a16:creationId xmlns:a16="http://schemas.microsoft.com/office/drawing/2014/main" id="{2A8B2F59-0AB3-6770-DBA3-506875D2D8DE}"/>
               </a:ext>
             </a:extLst>
           </p:cNvPr>
@@ -6647,7 +7318,7 @@
     </p:spTree>
     <p:extLst>
       <p:ext uri="{BB962C8B-B14F-4D97-AF65-F5344CB8AC3E}">
-        <p14:creationId xmlns:p14="http://schemas.microsoft.com/office/powerpoint/2010/main" val="2742393770"/>
+        <p14:creationId xmlns:p14="http://schemas.microsoft.com/office/powerpoint/2010/main" val="3869940865"/>
       </p:ext>
     </p:extLst>
   </p:cSld>
@@ -6697,7 +7368,7 @@
           <a:p>
             <a:r>
               <a:rPr lang="en-DE" dirty="0"/>
-              <a:t>Satelite</a:t>
+              <a:t>Alter data</a:t>
             </a:r>
           </a:p>
         </p:txBody>
@@ -6759,7 +7430,7 @@
                 <a:latin typeface="Consolas" panose="020B0609020204030204" pitchFamily="49" charset="0"/>
                 <a:cs typeface="Consolas" panose="020B0609020204030204" pitchFamily="49" charset="0"/>
               </a:rPr>
-              <a:t>+---------------+----------+-------------------+------------+----------+---------------+-----------+</a:t>
+              <a:t>+---------------+----------+-------------------+------------+------------+---------------+-----------+</a:t>
             </a:r>
           </a:p>
           <a:p>
@@ -6827,6 +7498,20 @@
                 <a:latin typeface="Consolas" panose="020B0609020204030204" pitchFamily="49" charset="0"/>
                 <a:cs typeface="Consolas" panose="020B0609020204030204" pitchFamily="49" charset="0"/>
               </a:rPr>
+              <a:t>   | </a:t>
+            </a:r>
+            <a:r>
+              <a:rPr lang="en-GB" sz="1200" dirty="0" err="1">
+                <a:latin typeface="Consolas" panose="020B0609020204030204" pitchFamily="49" charset="0"/>
+                <a:cs typeface="Consolas" panose="020B0609020204030204" pitchFamily="49" charset="0"/>
+              </a:rPr>
+              <a:t>record_source</a:t>
+            </a:r>
+            <a:r>
+              <a:rPr lang="en-GB" sz="1200" dirty="0">
+                <a:latin typeface="Consolas" panose="020B0609020204030204" pitchFamily="49" charset="0"/>
+                <a:cs typeface="Consolas" panose="020B0609020204030204" pitchFamily="49" charset="0"/>
+              </a:rPr>
               <a:t> | </a:t>
             </a:r>
             <a:r>
@@ -6834,28 +7519,52 @@
                 <a:latin typeface="Consolas" panose="020B0609020204030204" pitchFamily="49" charset="0"/>
                 <a:cs typeface="Consolas" panose="020B0609020204030204" pitchFamily="49" charset="0"/>
               </a:rPr>
-              <a:t>record_source</a:t>
+              <a:t>hash_diff</a:t>
             </a:r>
             <a:r>
               <a:rPr lang="en-GB" sz="1200" dirty="0">
                 <a:latin typeface="Consolas" panose="020B0609020204030204" pitchFamily="49" charset="0"/>
                 <a:cs typeface="Consolas" panose="020B0609020204030204" pitchFamily="49" charset="0"/>
               </a:rPr>
-              <a:t> | </a:t>
+              <a:t> |</a:t>
+            </a:r>
+          </a:p>
+          <a:p>
+            <a:pPr marL="0" indent="0">
+              <a:buNone/>
+            </a:pPr>
+            <a:r>
+              <a:rPr lang="en-GB" sz="1200" dirty="0">
+                <a:latin typeface="Consolas" panose="020B0609020204030204" pitchFamily="49" charset="0"/>
+                <a:cs typeface="Consolas" panose="020B0609020204030204" pitchFamily="49" charset="0"/>
+              </a:rPr>
+              <a:t>+---------------+----------+-------------------+------------+------------+---------------+-----------+</a:t>
+            </a:r>
+          </a:p>
+          <a:p>
+            <a:pPr marL="0" indent="0">
+              <a:buNone/>
+            </a:pPr>
+            <a:r>
+              <a:rPr lang="en-GB" sz="1200" dirty="0">
+                <a:latin typeface="Consolas" panose="020B0609020204030204" pitchFamily="49" charset="0"/>
+                <a:cs typeface="Consolas" panose="020B0609020204030204" pitchFamily="49" charset="0"/>
+              </a:rPr>
+              <a:t>| b519e         | </a:t>
             </a:r>
             <a:r>
               <a:rPr lang="en-GB" sz="1200" dirty="0" err="1">
                 <a:latin typeface="Consolas" panose="020B0609020204030204" pitchFamily="49" charset="0"/>
                 <a:cs typeface="Consolas" panose="020B0609020204030204" pitchFamily="49" charset="0"/>
               </a:rPr>
-              <a:t>hash_diff</a:t>
+              <a:t>tomate</a:t>
             </a:r>
             <a:r>
               <a:rPr lang="en-GB" sz="1200" dirty="0">
                 <a:latin typeface="Consolas" panose="020B0609020204030204" pitchFamily="49" charset="0"/>
                 <a:cs typeface="Consolas" panose="020B0609020204030204" pitchFamily="49" charset="0"/>
               </a:rPr>
-              <a:t> |</a:t>
+              <a:t>   | 10                | 2022-05-01 | 2022-05-02 | ERP           | 8a3f0     |</a:t>
             </a:r>
           </a:p>
           <a:p>
@@ -6867,7 +7576,7 @@
                 <a:latin typeface="Consolas" panose="020B0609020204030204" pitchFamily="49" charset="0"/>
                 <a:cs typeface="Consolas" panose="020B0609020204030204" pitchFamily="49" charset="0"/>
               </a:rPr>
-              <a:t>+---------------+----------+-------------------+------------+----------+---------------+-----------+</a:t>
+              <a:t>+---------------+----------+-------------------+------------+------------+---------------+-----------+</a:t>
             </a:r>
           </a:p>
           <a:p>
@@ -6879,6 +7588,30 @@
                 <a:latin typeface="Consolas" panose="020B0609020204030204" pitchFamily="49" charset="0"/>
                 <a:cs typeface="Consolas" panose="020B0609020204030204" pitchFamily="49" charset="0"/>
               </a:rPr>
+              <a:t>...</a:t>
+            </a:r>
+          </a:p>
+          <a:p>
+            <a:pPr marL="0" indent="0">
+              <a:buNone/>
+            </a:pPr>
+            <a:r>
+              <a:rPr lang="en-GB" sz="1200" dirty="0">
+                <a:latin typeface="Consolas" panose="020B0609020204030204" pitchFamily="49" charset="0"/>
+                <a:cs typeface="Consolas" panose="020B0609020204030204" pitchFamily="49" charset="0"/>
+              </a:rPr>
+              <a:t>+---------------+----------+-------------------+------------+------------+---------------+-----------+</a:t>
+            </a:r>
+          </a:p>
+          <a:p>
+            <a:pPr marL="0" indent="0">
+              <a:buNone/>
+            </a:pPr>
+            <a:r>
+              <a:rPr lang="en-GB" sz="1200" dirty="0">
+                <a:latin typeface="Consolas" panose="020B0609020204030204" pitchFamily="49" charset="0"/>
+                <a:cs typeface="Consolas" panose="020B0609020204030204" pitchFamily="49" charset="0"/>
+              </a:rPr>
               <a:t>| b519e         | </a:t>
             </a:r>
             <a:r>
@@ -6893,7 +7626,7 @@
                 <a:latin typeface="Consolas" panose="020B0609020204030204" pitchFamily="49" charset="0"/>
                 <a:cs typeface="Consolas" panose="020B0609020204030204" pitchFamily="49" charset="0"/>
               </a:rPr>
-              <a:t>   | 10                | 2022-05-01 | NULL     | ERP           | 8a3f0     |</a:t>
+              <a:t>   | 12                | 2022-05-02 | NULL       | ERP           | 8a3f0     |</a:t>
             </a:r>
           </a:p>
           <a:p>
@@ -6905,166 +7638,7 @@
                 <a:latin typeface="Consolas" panose="020B0609020204030204" pitchFamily="49" charset="0"/>
                 <a:cs typeface="Consolas" panose="020B0609020204030204" pitchFamily="49" charset="0"/>
               </a:rPr>
-              <a:t>+---------------+----------+-------------------+------------+----------+---------------+-----------+</a:t>
-            </a:r>
-          </a:p>
-          <a:p>
-            <a:pPr marL="0" indent="0">
-              <a:buNone/>
-            </a:pPr>
-            <a:r>
-              <a:rPr lang="en-GB" sz="1200" dirty="0">
-                <a:latin typeface="Consolas" panose="020B0609020204030204" pitchFamily="49" charset="0"/>
-                <a:cs typeface="Consolas" panose="020B0609020204030204" pitchFamily="49" charset="0"/>
-              </a:rPr>
-              <a:t>| 5f763         | cucumber | 15                | 2022-05-01 | NULL     | ERP           | c345a     |</a:t>
-            </a:r>
-          </a:p>
-          <a:p>
-            <a:pPr marL="0" indent="0">
-              <a:buNone/>
-            </a:pPr>
-            <a:r>
-              <a:rPr lang="en-GB" sz="1200" dirty="0">
-                <a:latin typeface="Consolas" panose="020B0609020204030204" pitchFamily="49" charset="0"/>
-                <a:cs typeface="Consolas" panose="020B0609020204030204" pitchFamily="49" charset="0"/>
-              </a:rPr>
-              <a:t>+---------------+----------+-------------------+------------+----------+---------------+-----------+</a:t>
-            </a:r>
-          </a:p>
-          <a:p>
-            <a:pPr marL="0" indent="0">
-              <a:buNone/>
-            </a:pPr>
-            <a:endParaRPr lang="en-GB" sz="1200" dirty="0">
-              <a:latin typeface="Consolas" panose="020B0609020204030204" pitchFamily="49" charset="0"/>
-              <a:cs typeface="Consolas" panose="020B0609020204030204" pitchFamily="49" charset="0"/>
-            </a:endParaRPr>
-          </a:p>
-          <a:p>
-            <a:pPr marL="0" indent="0">
-              <a:buNone/>
-            </a:pPr>
-            <a:r>
-              <a:rPr lang="en-GB" sz="1200" dirty="0">
-                <a:solidFill>
-                  <a:schemeClr val="bg1">
-                    <a:lumMod val="65000"/>
-                  </a:schemeClr>
-                </a:solidFill>
-                <a:latin typeface="Consolas" panose="020B0609020204030204" pitchFamily="49" charset="0"/>
-                <a:cs typeface="Consolas" panose="020B0609020204030204" pitchFamily="49" charset="0"/>
-              </a:rPr>
-              <a:t>crops:</a:t>
-            </a:r>
-          </a:p>
-          <a:p>
-            <a:pPr marL="0" indent="0">
-              <a:buNone/>
-            </a:pPr>
-            <a:r>
-              <a:rPr lang="en-GB" sz="1200" dirty="0">
-                <a:solidFill>
-                  <a:schemeClr val="bg1">
-                    <a:lumMod val="65000"/>
-                  </a:schemeClr>
-                </a:solidFill>
-                <a:latin typeface="Consolas" panose="020B0609020204030204" pitchFamily="49" charset="0"/>
-                <a:cs typeface="Consolas" panose="020B0609020204030204" pitchFamily="49" charset="0"/>
-              </a:rPr>
-              <a:t>+------+----------+-------------------+</a:t>
-            </a:r>
-          </a:p>
-          <a:p>
-            <a:pPr marL="0" indent="0">
-              <a:buNone/>
-            </a:pPr>
-            <a:r>
-              <a:rPr lang="en-GB" sz="1200" dirty="0">
-                <a:solidFill>
-                  <a:schemeClr val="bg1">
-                    <a:lumMod val="65000"/>
-                  </a:schemeClr>
-                </a:solidFill>
-                <a:latin typeface="Consolas" panose="020B0609020204030204" pitchFamily="49" charset="0"/>
-                <a:cs typeface="Consolas" panose="020B0609020204030204" pitchFamily="49" charset="0"/>
-              </a:rPr>
-              <a:t>| id   | crop     | </a:t>
-            </a:r>
-            <a:r>
-              <a:rPr lang="en-GB" sz="1200" dirty="0" err="1">
-                <a:solidFill>
-                  <a:schemeClr val="bg1">
-                    <a:lumMod val="65000"/>
-                  </a:schemeClr>
-                </a:solidFill>
-                <a:latin typeface="Consolas" panose="020B0609020204030204" pitchFamily="49" charset="0"/>
-                <a:cs typeface="Consolas" panose="020B0609020204030204" pitchFamily="49" charset="0"/>
-              </a:rPr>
-              <a:t>water_consumption</a:t>
-            </a:r>
-            <a:r>
-              <a:rPr lang="en-GB" sz="1200" dirty="0">
-                <a:solidFill>
-                  <a:schemeClr val="bg1">
-                    <a:lumMod val="65000"/>
-                  </a:schemeClr>
-                </a:solidFill>
-                <a:latin typeface="Consolas" panose="020B0609020204030204" pitchFamily="49" charset="0"/>
-                <a:cs typeface="Consolas" panose="020B0609020204030204" pitchFamily="49" charset="0"/>
-              </a:rPr>
-              <a:t> |</a:t>
-            </a:r>
-          </a:p>
-          <a:p>
-            <a:pPr marL="0" indent="0">
-              <a:buNone/>
-            </a:pPr>
-            <a:r>
-              <a:rPr lang="en-GB" sz="1200" dirty="0">
-                <a:solidFill>
-                  <a:schemeClr val="bg1">
-                    <a:lumMod val="65000"/>
-                  </a:schemeClr>
-                </a:solidFill>
-                <a:latin typeface="Consolas" panose="020B0609020204030204" pitchFamily="49" charset="0"/>
-                <a:cs typeface="Consolas" panose="020B0609020204030204" pitchFamily="49" charset="0"/>
-              </a:rPr>
-              <a:t>+------+----------+-------------------+</a:t>
-            </a:r>
-          </a:p>
-          <a:p>
-            <a:pPr marL="0" indent="0">
-              <a:buNone/>
-            </a:pPr>
-            <a:r>
-              <a:rPr lang="en-GB" sz="1200" dirty="0">
-                <a:solidFill>
-                  <a:schemeClr val="bg1">
-                    <a:lumMod val="65000"/>
-                  </a:schemeClr>
-                </a:solidFill>
-                <a:latin typeface="Consolas" panose="020B0609020204030204" pitchFamily="49" charset="0"/>
-                <a:cs typeface="Consolas" panose="020B0609020204030204" pitchFamily="49" charset="0"/>
-              </a:rPr>
-              <a:t>...</a:t>
-            </a:r>
-          </a:p>
-          <a:p>
-            <a:pPr marL="0" indent="0">
-              <a:buNone/>
-            </a:pPr>
-            <a:r>
-              <a:rPr lang="en-GB" sz="1200" dirty="0">
-                <a:solidFill>
-                  <a:schemeClr val="bg1">
-                    <a:lumMod val="65000"/>
-                  </a:schemeClr>
-                </a:solidFill>
-                <a:latin typeface="Consolas" panose="020B0609020204030204" pitchFamily="49" charset="0"/>
-                <a:cs typeface="Consolas" panose="020B0609020204030204" pitchFamily="49" charset="0"/>
-              </a:rPr>
-              <a:t>+------+----------+-------------------+</a:t>
+              <a:t>+---------------+----------+-------------------+------------+------------+---------------+-----------+</a:t>
             </a:r>
           </a:p>
           <a:p>
@@ -7076,6 +7650,47 @@
               <a:cs typeface="Consolas" panose="020B0609020204030204" pitchFamily="49" charset="0"/>
             </a:endParaRPr>
           </a:p>
+          <a:p>
+            <a:r>
+              <a:rPr lang="en-DE" sz="1200" dirty="0">
+                <a:latin typeface="Consolas" panose="020B0609020204030204" pitchFamily="49" charset="0"/>
+                <a:cs typeface="Consolas" panose="020B0609020204030204" pitchFamily="49" charset="0"/>
+              </a:rPr>
+              <a:t>✅ </a:t>
+            </a:r>
+            <a:r>
+              <a:rPr lang="en-GB" sz="1200" dirty="0">
+                <a:latin typeface="Consolas" panose="020B0609020204030204" pitchFamily="49" charset="0"/>
+                <a:cs typeface="Consolas" panose="020B0609020204030204" pitchFamily="49" charset="0"/>
+              </a:rPr>
+              <a:t>Tracking data changes</a:t>
+            </a:r>
+          </a:p>
+          <a:p>
+            <a:r>
+              <a:rPr lang="en-DE" sz="1200" dirty="0">
+                <a:latin typeface="Consolas" panose="020B0609020204030204" pitchFamily="49" charset="0"/>
+                <a:cs typeface="Consolas" panose="020B0609020204030204" pitchFamily="49" charset="0"/>
+              </a:rPr>
+              <a:t>✅ </a:t>
+            </a:r>
+            <a:r>
+              <a:rPr lang="en-GB" sz="1200" dirty="0">
+                <a:latin typeface="Consolas" panose="020B0609020204030204" pitchFamily="49" charset="0"/>
+                <a:cs typeface="Consolas" panose="020B0609020204030204" pitchFamily="49" charset="0"/>
+              </a:rPr>
+              <a:t>Only import differences</a:t>
+            </a:r>
+          </a:p>
+          <a:p>
+            <a:pPr marL="0" indent="0">
+              <a:buNone/>
+            </a:pPr>
+            <a:endParaRPr lang="en-DE" sz="1200" dirty="0">
+              <a:latin typeface="Consolas" panose="020B0609020204030204" pitchFamily="49" charset="0"/>
+              <a:cs typeface="Consolas" panose="020B0609020204030204" pitchFamily="49" charset="0"/>
+            </a:endParaRPr>
+          </a:p>
         </p:txBody>
       </p:sp>
       <p:sp>
@@ -7110,13 +7725,141 @@
     </p:spTree>
     <p:extLst>
       <p:ext uri="{BB962C8B-B14F-4D97-AF65-F5344CB8AC3E}">
-        <p14:creationId xmlns:p14="http://schemas.microsoft.com/office/powerpoint/2010/main" val="3869940865"/>
+        <p14:creationId xmlns:p14="http://schemas.microsoft.com/office/powerpoint/2010/main" val="2303750363"/>
       </p:ext>
     </p:extLst>
   </p:cSld>
   <p:clrMapOvr>
     <a:masterClrMapping/>
   </p:clrMapOvr>
+  <p:timing>
+    <p:tnLst>
+      <p:par>
+        <p:cTn id="1" dur="indefinite" restart="never" nodeType="tmRoot">
+          <p:childTnLst>
+            <p:seq concurrent="1" nextAc="seek">
+              <p:cTn id="2" dur="indefinite" nodeType="mainSeq">
+                <p:childTnLst>
+                  <p:par>
+                    <p:cTn id="3" fill="hold">
+                      <p:stCondLst>
+                        <p:cond delay="indefinite"/>
+                      </p:stCondLst>
+                      <p:childTnLst>
+                        <p:par>
+                          <p:cTn id="4" fill="hold">
+                            <p:stCondLst>
+                              <p:cond delay="0"/>
+                            </p:stCondLst>
+                            <p:childTnLst>
+                              <p:par>
+                                <p:cTn id="5" presetID="1" presetClass="entr" presetSubtype="0" fill="hold" nodeType="clickEffect">
+                                  <p:stCondLst>
+                                    <p:cond delay="0"/>
+                                  </p:stCondLst>
+                                  <p:childTnLst>
+                                    <p:set>
+                                      <p:cBhvr>
+                                        <p:cTn id="6" dur="1" fill="hold">
+                                          <p:stCondLst>
+                                            <p:cond delay="0"/>
+                                          </p:stCondLst>
+                                        </p:cTn>
+                                        <p:tgtEl>
+                                          <p:spTgt spid="3">
+                                            <p:txEl>
+                                              <p:pRg st="11" end="11"/>
+                                            </p:txEl>
+                                          </p:spTgt>
+                                        </p:tgtEl>
+                                        <p:attrNameLst>
+                                          <p:attrName>style.visibility</p:attrName>
+                                        </p:attrNameLst>
+                                      </p:cBhvr>
+                                      <p:to>
+                                        <p:strVal val="visible"/>
+                                      </p:to>
+                                    </p:set>
+                                  </p:childTnLst>
+                                </p:cTn>
+                              </p:par>
+                            </p:childTnLst>
+                          </p:cTn>
+                        </p:par>
+                      </p:childTnLst>
+                    </p:cTn>
+                  </p:par>
+                  <p:par>
+                    <p:cTn id="7" fill="hold">
+                      <p:stCondLst>
+                        <p:cond delay="indefinite"/>
+                      </p:stCondLst>
+                      <p:childTnLst>
+                        <p:par>
+                          <p:cTn id="8" fill="hold">
+                            <p:stCondLst>
+                              <p:cond delay="0"/>
+                            </p:stCondLst>
+                            <p:childTnLst>
+                              <p:par>
+                                <p:cTn id="9" presetID="1" presetClass="entr" presetSubtype="0" fill="hold" nodeType="clickEffect">
+                                  <p:stCondLst>
+                                    <p:cond delay="0"/>
+                                  </p:stCondLst>
+                                  <p:childTnLst>
+                                    <p:set>
+                                      <p:cBhvr>
+                                        <p:cTn id="10" dur="1" fill="hold">
+                                          <p:stCondLst>
+                                            <p:cond delay="0"/>
+                                          </p:stCondLst>
+                                        </p:cTn>
+                                        <p:tgtEl>
+                                          <p:spTgt spid="3">
+                                            <p:txEl>
+                                              <p:pRg st="12" end="12"/>
+                                            </p:txEl>
+                                          </p:spTgt>
+                                        </p:tgtEl>
+                                        <p:attrNameLst>
+                                          <p:attrName>style.visibility</p:attrName>
+                                        </p:attrNameLst>
+                                      </p:cBhvr>
+                                      <p:to>
+                                        <p:strVal val="visible"/>
+                                      </p:to>
+                                    </p:set>
+                                  </p:childTnLst>
+                                </p:cTn>
+                              </p:par>
+                            </p:childTnLst>
+                          </p:cTn>
+                        </p:par>
+                      </p:childTnLst>
+                    </p:cTn>
+                  </p:par>
+                </p:childTnLst>
+              </p:cTn>
+              <p:prevCondLst>
+                <p:cond evt="onPrev" delay="0">
+                  <p:tgtEl>
+                    <p:sldTgt/>
+                  </p:tgtEl>
+                </p:cond>
+              </p:prevCondLst>
+              <p:nextCondLst>
+                <p:cond evt="onNext" delay="0">
+                  <p:tgtEl>
+                    <p:sldTgt/>
+                  </p:tgtEl>
+                </p:cond>
+              </p:nextCondLst>
+            </p:seq>
+          </p:childTnLst>
+        </p:cTn>
+      </p:par>
+    </p:tnLst>
+  </p:timing>
 </p:sld>
 </file>
 
@@ -7160,7 +7903,7 @@
           <a:p>
             <a:r>
               <a:rPr lang="en-DE" dirty="0"/>
-              <a:t>Alter data</a:t>
+              <a:t>Add Column</a:t>
             </a:r>
           </a:p>
         </p:txBody>
@@ -7189,6 +7932,9 @@
           <a:lstStyle/>
           <a:p>
             <a:pPr marL="0" indent="0">
+              <a:spcBef>
+                <a:spcPts val="300"/>
+              </a:spcBef>
               <a:buNone/>
             </a:pPr>
             <a:r>
@@ -7196,7 +7942,7 @@
                 <a:latin typeface="Consolas" panose="020B0609020204030204" pitchFamily="49" charset="0"/>
                 <a:cs typeface="Consolas" panose="020B0609020204030204" pitchFamily="49" charset="0"/>
               </a:rPr>
-              <a:t>crops </a:t>
+              <a:t>crops height </a:t>
             </a:r>
             <a:r>
               <a:rPr lang="en-GB" sz="1200" dirty="0" err="1">
@@ -7215,6 +7961,9 @@
           </a:p>
           <a:p>
             <a:pPr marL="0" indent="0">
+              <a:spcBef>
+                <a:spcPts val="300"/>
+              </a:spcBef>
               <a:buNone/>
             </a:pPr>
             <a:r>
@@ -7222,11 +7971,14 @@
                 <a:latin typeface="Consolas" panose="020B0609020204030204" pitchFamily="49" charset="0"/>
                 <a:cs typeface="Consolas" panose="020B0609020204030204" pitchFamily="49" charset="0"/>
               </a:rPr>
-              <a:t>+---------------+----------+-------------------+------------+------------+---------------+-----------+</a:t>
+              <a:t>+-----------------+-------------+------------+----------+---------------+-----------+</a:t>
             </a:r>
           </a:p>
           <a:p>
             <a:pPr marL="0" indent="0">
+              <a:spcBef>
+                <a:spcPts val="300"/>
+              </a:spcBef>
               <a:buNone/>
             </a:pPr>
             <a:r>
@@ -7241,6 +7993,236 @@
                 <a:latin typeface="Consolas" panose="020B0609020204030204" pitchFamily="49" charset="0"/>
                 <a:cs typeface="Consolas" panose="020B0609020204030204" pitchFamily="49" charset="0"/>
               </a:rPr>
+              <a:t>height_hash_key</a:t>
+            </a:r>
+            <a:r>
+              <a:rPr lang="en-GB" sz="1200" dirty="0">
+                <a:latin typeface="Consolas" panose="020B0609020204030204" pitchFamily="49" charset="0"/>
+                <a:cs typeface="Consolas" panose="020B0609020204030204" pitchFamily="49" charset="0"/>
+              </a:rPr>
+              <a:t> | </a:t>
+            </a:r>
+            <a:r>
+              <a:rPr lang="en-GB" sz="1200" dirty="0" err="1">
+                <a:latin typeface="Consolas" panose="020B0609020204030204" pitchFamily="49" charset="0"/>
+                <a:cs typeface="Consolas" panose="020B0609020204030204" pitchFamily="49" charset="0"/>
+              </a:rPr>
+              <a:t>crop_height</a:t>
+            </a:r>
+            <a:r>
+              <a:rPr lang="en-GB" sz="1200" dirty="0">
+                <a:latin typeface="Consolas" panose="020B0609020204030204" pitchFamily="49" charset="0"/>
+                <a:cs typeface="Consolas" panose="020B0609020204030204" pitchFamily="49" charset="0"/>
+              </a:rPr>
+              <a:t> | </a:t>
+            </a:r>
+            <a:r>
+              <a:rPr lang="en-GB" sz="1200" dirty="0" err="1">
+                <a:latin typeface="Consolas" panose="020B0609020204030204" pitchFamily="49" charset="0"/>
+                <a:cs typeface="Consolas" panose="020B0609020204030204" pitchFamily="49" charset="0"/>
+              </a:rPr>
+              <a:t>load_date</a:t>
+            </a:r>
+            <a:r>
+              <a:rPr lang="en-GB" sz="1200" dirty="0">
+                <a:latin typeface="Consolas" panose="020B0609020204030204" pitchFamily="49" charset="0"/>
+                <a:cs typeface="Consolas" panose="020B0609020204030204" pitchFamily="49" charset="0"/>
+              </a:rPr>
+              <a:t>  | </a:t>
+            </a:r>
+            <a:r>
+              <a:rPr lang="en-GB" sz="1200" dirty="0" err="1">
+                <a:latin typeface="Consolas" panose="020B0609020204030204" pitchFamily="49" charset="0"/>
+                <a:cs typeface="Consolas" panose="020B0609020204030204" pitchFamily="49" charset="0"/>
+              </a:rPr>
+              <a:t>end_date</a:t>
+            </a:r>
+            <a:r>
+              <a:rPr lang="en-GB" sz="1200" dirty="0">
+                <a:latin typeface="Consolas" panose="020B0609020204030204" pitchFamily="49" charset="0"/>
+                <a:cs typeface="Consolas" panose="020B0609020204030204" pitchFamily="49" charset="0"/>
+              </a:rPr>
+              <a:t> | </a:t>
+            </a:r>
+            <a:r>
+              <a:rPr lang="en-GB" sz="1200" dirty="0" err="1">
+                <a:latin typeface="Consolas" panose="020B0609020204030204" pitchFamily="49" charset="0"/>
+                <a:cs typeface="Consolas" panose="020B0609020204030204" pitchFamily="49" charset="0"/>
+              </a:rPr>
+              <a:t>record_source</a:t>
+            </a:r>
+            <a:r>
+              <a:rPr lang="en-GB" sz="1200" dirty="0">
+                <a:latin typeface="Consolas" panose="020B0609020204030204" pitchFamily="49" charset="0"/>
+                <a:cs typeface="Consolas" panose="020B0609020204030204" pitchFamily="49" charset="0"/>
+              </a:rPr>
+              <a:t> | </a:t>
+            </a:r>
+            <a:r>
+              <a:rPr lang="en-GB" sz="1200" dirty="0" err="1">
+                <a:latin typeface="Consolas" panose="020B0609020204030204" pitchFamily="49" charset="0"/>
+                <a:cs typeface="Consolas" panose="020B0609020204030204" pitchFamily="49" charset="0"/>
+              </a:rPr>
+              <a:t>hash_diff</a:t>
+            </a:r>
+            <a:r>
+              <a:rPr lang="en-GB" sz="1200" dirty="0">
+                <a:latin typeface="Consolas" panose="020B0609020204030204" pitchFamily="49" charset="0"/>
+                <a:cs typeface="Consolas" panose="020B0609020204030204" pitchFamily="49" charset="0"/>
+              </a:rPr>
+              <a:t> |</a:t>
+            </a:r>
+          </a:p>
+          <a:p>
+            <a:pPr marL="0" indent="0">
+              <a:spcBef>
+                <a:spcPts val="300"/>
+              </a:spcBef>
+              <a:buNone/>
+            </a:pPr>
+            <a:r>
+              <a:rPr lang="en-GB" sz="1200" dirty="0">
+                <a:latin typeface="Consolas" panose="020B0609020204030204" pitchFamily="49" charset="0"/>
+                <a:cs typeface="Consolas" panose="020B0609020204030204" pitchFamily="49" charset="0"/>
+              </a:rPr>
+              <a:t>+-----------------+-------------+------------+----------+---------------+-----------+</a:t>
+            </a:r>
+          </a:p>
+          <a:p>
+            <a:pPr marL="0" indent="0">
+              <a:spcBef>
+                <a:spcPts val="300"/>
+              </a:spcBef>
+              <a:buNone/>
+            </a:pPr>
+            <a:r>
+              <a:rPr lang="en-GB" sz="1200" dirty="0">
+                <a:latin typeface="Consolas" panose="020B0609020204030204" pitchFamily="49" charset="0"/>
+                <a:cs typeface="Consolas" panose="020B0609020204030204" pitchFamily="49" charset="0"/>
+              </a:rPr>
+              <a:t>| 74f10           | 30          | 2022-05-03 | NULL     | ERP           | a8c94     |</a:t>
+            </a:r>
+          </a:p>
+          <a:p>
+            <a:pPr marL="0" indent="0">
+              <a:spcBef>
+                <a:spcPts val="300"/>
+              </a:spcBef>
+              <a:buNone/>
+            </a:pPr>
+            <a:r>
+              <a:rPr lang="en-GB" sz="1200" dirty="0">
+                <a:latin typeface="Consolas" panose="020B0609020204030204" pitchFamily="49" charset="0"/>
+                <a:cs typeface="Consolas" panose="020B0609020204030204" pitchFamily="49" charset="0"/>
+              </a:rPr>
+              <a:t>+-----------------+-------------+------------+----------+---------------+-----------+</a:t>
+            </a:r>
+          </a:p>
+          <a:p>
+            <a:pPr marL="0" indent="0">
+              <a:spcBef>
+                <a:spcPts val="300"/>
+              </a:spcBef>
+              <a:buNone/>
+            </a:pPr>
+            <a:r>
+              <a:rPr lang="en-GB" sz="1200" dirty="0">
+                <a:latin typeface="Consolas" panose="020B0609020204030204" pitchFamily="49" charset="0"/>
+                <a:cs typeface="Consolas" panose="020B0609020204030204" pitchFamily="49" charset="0"/>
+              </a:rPr>
+              <a:t>| d9570           | 15          | 2022-05-03 | NULL     | ERP           | ef3a9     |</a:t>
+            </a:r>
+          </a:p>
+          <a:p>
+            <a:pPr marL="0" indent="0">
+              <a:spcBef>
+                <a:spcPts val="300"/>
+              </a:spcBef>
+              <a:buNone/>
+            </a:pPr>
+            <a:r>
+              <a:rPr lang="en-GB" sz="1200" dirty="0">
+                <a:latin typeface="Consolas" panose="020B0609020204030204" pitchFamily="49" charset="0"/>
+                <a:cs typeface="Consolas" panose="020B0609020204030204" pitchFamily="49" charset="0"/>
+              </a:rPr>
+              <a:t>+-----------------+-------------+------------+----------+---------------+-----------+</a:t>
+            </a:r>
+          </a:p>
+          <a:p>
+            <a:pPr marL="0" indent="0">
+              <a:spcBef>
+                <a:spcPts val="300"/>
+              </a:spcBef>
+              <a:buNone/>
+            </a:pPr>
+            <a:endParaRPr lang="en-GB" sz="1200" dirty="0">
+              <a:latin typeface="Consolas" panose="020B0609020204030204" pitchFamily="49" charset="0"/>
+              <a:cs typeface="Consolas" panose="020B0609020204030204" pitchFamily="49" charset="0"/>
+            </a:endParaRPr>
+          </a:p>
+          <a:p>
+            <a:pPr marL="0" indent="0">
+              <a:spcBef>
+                <a:spcPts val="300"/>
+              </a:spcBef>
+              <a:buNone/>
+            </a:pPr>
+            <a:r>
+              <a:rPr lang="en-GB" sz="1200" dirty="0">
+                <a:latin typeface="Consolas" panose="020B0609020204030204" pitchFamily="49" charset="0"/>
+                <a:cs typeface="Consolas" panose="020B0609020204030204" pitchFamily="49" charset="0"/>
+              </a:rPr>
+              <a:t>crops - crops height link:</a:t>
+            </a:r>
+          </a:p>
+          <a:p>
+            <a:pPr marL="0" indent="0">
+              <a:spcBef>
+                <a:spcPts val="300"/>
+              </a:spcBef>
+              <a:buNone/>
+            </a:pPr>
+            <a:r>
+              <a:rPr lang="en-GB" sz="1200" dirty="0">
+                <a:latin typeface="Consolas" panose="020B0609020204030204" pitchFamily="49" charset="0"/>
+                <a:cs typeface="Consolas" panose="020B0609020204030204" pitchFamily="49" charset="0"/>
+              </a:rPr>
+              <a:t>+---------------------------+---------------+----------------------+------------+---------------+</a:t>
+            </a:r>
+          </a:p>
+          <a:p>
+            <a:pPr marL="0" indent="0">
+              <a:spcBef>
+                <a:spcPts val="300"/>
+              </a:spcBef>
+              <a:buNone/>
+            </a:pPr>
+            <a:r>
+              <a:rPr lang="en-GB" sz="1200" dirty="0">
+                <a:latin typeface="Consolas" panose="020B0609020204030204" pitchFamily="49" charset="0"/>
+                <a:cs typeface="Consolas" panose="020B0609020204030204" pitchFamily="49" charset="0"/>
+              </a:rPr>
+              <a:t>| </a:t>
+            </a:r>
+            <a:r>
+              <a:rPr lang="en-GB" sz="1200" dirty="0" err="1">
+                <a:latin typeface="Consolas" panose="020B0609020204030204" pitchFamily="49" charset="0"/>
+                <a:cs typeface="Consolas" panose="020B0609020204030204" pitchFamily="49" charset="0"/>
+              </a:rPr>
+              <a:t>crop_crop_height_hash_key</a:t>
+            </a:r>
+            <a:r>
+              <a:rPr lang="en-GB" sz="1200" dirty="0">
+                <a:latin typeface="Consolas" panose="020B0609020204030204" pitchFamily="49" charset="0"/>
+                <a:cs typeface="Consolas" panose="020B0609020204030204" pitchFamily="49" charset="0"/>
+              </a:rPr>
+              <a:t> | </a:t>
+            </a:r>
+            <a:r>
+              <a:rPr lang="en-GB" sz="1200" dirty="0" err="1">
+                <a:latin typeface="Consolas" panose="020B0609020204030204" pitchFamily="49" charset="0"/>
+                <a:cs typeface="Consolas" panose="020B0609020204030204" pitchFamily="49" charset="0"/>
+              </a:rPr>
               <a:t>crop_hash_key</a:t>
             </a:r>
             <a:r>
@@ -7248,14 +8230,14 @@
                 <a:latin typeface="Consolas" panose="020B0609020204030204" pitchFamily="49" charset="0"/>
                 <a:cs typeface="Consolas" panose="020B0609020204030204" pitchFamily="49" charset="0"/>
               </a:rPr>
-              <a:t> | crop     | </a:t>
+              <a:t> | </a:t>
             </a:r>
             <a:r>
               <a:rPr lang="en-GB" sz="1200" dirty="0" err="1">
                 <a:latin typeface="Consolas" panose="020B0609020204030204" pitchFamily="49" charset="0"/>
                 <a:cs typeface="Consolas" panose="020B0609020204030204" pitchFamily="49" charset="0"/>
               </a:rPr>
-              <a:t>water_consumption</a:t>
+              <a:t>crop_height_hash_key</a:t>
             </a:r>
             <a:r>
               <a:rPr lang="en-GB" sz="1200" dirty="0">
@@ -7283,46 +8265,51 @@
                 <a:latin typeface="Consolas" panose="020B0609020204030204" pitchFamily="49" charset="0"/>
                 <a:cs typeface="Consolas" panose="020B0609020204030204" pitchFamily="49" charset="0"/>
               </a:rPr>
-              <a:t>end_date</a:t>
+              <a:t>record_source</a:t>
             </a:r>
             <a:r>
               <a:rPr lang="en-GB" sz="1200" dirty="0">
                 <a:latin typeface="Consolas" panose="020B0609020204030204" pitchFamily="49" charset="0"/>
                 <a:cs typeface="Consolas" panose="020B0609020204030204" pitchFamily="49" charset="0"/>
               </a:rPr>
-              <a:t>   | </a:t>
-            </a:r>
-            <a:r>
-              <a:rPr lang="en-GB" sz="1200" dirty="0" err="1">
-                <a:latin typeface="Consolas" panose="020B0609020204030204" pitchFamily="49" charset="0"/>
-                <a:cs typeface="Consolas" panose="020B0609020204030204" pitchFamily="49" charset="0"/>
-              </a:rPr>
-              <a:t>record_source</a:t>
-            </a:r>
+              <a:t> |</a:t>
+            </a:r>
+          </a:p>
+          <a:p>
+            <a:pPr marL="0" indent="0">
+              <a:spcBef>
+                <a:spcPts val="300"/>
+              </a:spcBef>
+              <a:buNone/>
+            </a:pPr>
             <a:r>
               <a:rPr lang="en-GB" sz="1200" dirty="0">
                 <a:latin typeface="Consolas" panose="020B0609020204030204" pitchFamily="49" charset="0"/>
                 <a:cs typeface="Consolas" panose="020B0609020204030204" pitchFamily="49" charset="0"/>
               </a:rPr>
-              <a:t> | </a:t>
-            </a:r>
-            <a:r>
-              <a:rPr lang="en-GB" sz="1200" dirty="0" err="1">
-                <a:latin typeface="Consolas" panose="020B0609020204030204" pitchFamily="49" charset="0"/>
-                <a:cs typeface="Consolas" panose="020B0609020204030204" pitchFamily="49" charset="0"/>
-              </a:rPr>
-              <a:t>hash_diff</a:t>
-            </a:r>
+              <a:t>+---------------------------+---------------+----------------------+------------+---------------+</a:t>
+            </a:r>
+          </a:p>
+          <a:p>
+            <a:pPr marL="0" indent="0">
+              <a:spcBef>
+                <a:spcPts val="300"/>
+              </a:spcBef>
+              <a:buNone/>
+            </a:pPr>
             <a:r>
               <a:rPr lang="en-GB" sz="1200" dirty="0">
                 <a:latin typeface="Consolas" panose="020B0609020204030204" pitchFamily="49" charset="0"/>
                 <a:cs typeface="Consolas" panose="020B0609020204030204" pitchFamily="49" charset="0"/>
               </a:rPr>
-              <a:t> |</a:t>
+              <a:t>| 05610                     | b519e         | 74f10                | 2022-05-03 | ERP           |</a:t>
             </a:r>
           </a:p>
           <a:p>
             <a:pPr marL="0" indent="0">
+              <a:spcBef>
+                <a:spcPts val="300"/>
+              </a:spcBef>
               <a:buNone/>
             </a:pPr>
             <a:r>
@@ -7330,11 +8317,14 @@
                 <a:latin typeface="Consolas" panose="020B0609020204030204" pitchFamily="49" charset="0"/>
                 <a:cs typeface="Consolas" panose="020B0609020204030204" pitchFamily="49" charset="0"/>
               </a:rPr>
-              <a:t>+---------------+----------+-------------------+------------+------------+---------------+-----------+</a:t>
+              <a:t>+---------------------------+---------------+----------------------+------------+---------------+</a:t>
             </a:r>
           </a:p>
           <a:p>
             <a:pPr marL="0" indent="0">
+              <a:spcBef>
+                <a:spcPts val="300"/>
+              </a:spcBef>
               <a:buNone/>
             </a:pPr>
             <a:r>
@@ -7342,99 +8332,33 @@
                 <a:latin typeface="Consolas" panose="020B0609020204030204" pitchFamily="49" charset="0"/>
                 <a:cs typeface="Consolas" panose="020B0609020204030204" pitchFamily="49" charset="0"/>
               </a:rPr>
-              <a:t>| b519e         | </a:t>
-            </a:r>
-            <a:r>
-              <a:rPr lang="en-GB" sz="1200" dirty="0" err="1">
-                <a:latin typeface="Consolas" panose="020B0609020204030204" pitchFamily="49" charset="0"/>
-                <a:cs typeface="Consolas" panose="020B0609020204030204" pitchFamily="49" charset="0"/>
-              </a:rPr>
-              <a:t>tomate</a:t>
-            </a:r>
+              <a:t>| 2c61c                     | 5f763         | d9570                | 2022-05-03 | ERP           |</a:t>
+            </a:r>
+          </a:p>
+          <a:p>
+            <a:pPr marL="0" indent="0">
+              <a:spcBef>
+                <a:spcPts val="300"/>
+              </a:spcBef>
+              <a:buNone/>
+            </a:pPr>
             <a:r>
               <a:rPr lang="en-GB" sz="1200" dirty="0">
                 <a:latin typeface="Consolas" panose="020B0609020204030204" pitchFamily="49" charset="0"/>
                 <a:cs typeface="Consolas" panose="020B0609020204030204" pitchFamily="49" charset="0"/>
               </a:rPr>
-              <a:t>   | 10                | 2022-05-01 | 2022-05-02 | ERP           | 8a3f0     |</a:t>
-            </a:r>
+              <a:t>+---------------------------+---------------+----------------------+------------+---------------+</a:t>
+            </a:r>
+            <a:endParaRPr lang="en-DE" sz="1200" dirty="0">
+              <a:latin typeface="Consolas" panose="020B0609020204030204" pitchFamily="49" charset="0"/>
+              <a:cs typeface="Consolas" panose="020B0609020204030204" pitchFamily="49" charset="0"/>
+            </a:endParaRPr>
           </a:p>
           <a:p>
             <a:pPr marL="0" indent="0">
-              <a:buNone/>
-            </a:pPr>
-            <a:r>
-              <a:rPr lang="en-GB" sz="1200" dirty="0">
-                <a:latin typeface="Consolas" panose="020B0609020204030204" pitchFamily="49" charset="0"/>
-                <a:cs typeface="Consolas" panose="020B0609020204030204" pitchFamily="49" charset="0"/>
-              </a:rPr>
-              <a:t>+---------------+----------+-------------------+------------+------------+---------------+-----------+</a:t>
-            </a:r>
-          </a:p>
-          <a:p>
-            <a:pPr marL="0" indent="0">
-              <a:buNone/>
-            </a:pPr>
-            <a:r>
-              <a:rPr lang="en-GB" sz="1200" dirty="0">
-                <a:latin typeface="Consolas" panose="020B0609020204030204" pitchFamily="49" charset="0"/>
-                <a:cs typeface="Consolas" panose="020B0609020204030204" pitchFamily="49" charset="0"/>
-              </a:rPr>
-              <a:t>...</a:t>
-            </a:r>
-          </a:p>
-          <a:p>
-            <a:pPr marL="0" indent="0">
-              <a:buNone/>
-            </a:pPr>
-            <a:r>
-              <a:rPr lang="en-GB" sz="1200" dirty="0">
-                <a:latin typeface="Consolas" panose="020B0609020204030204" pitchFamily="49" charset="0"/>
-                <a:cs typeface="Consolas" panose="020B0609020204030204" pitchFamily="49" charset="0"/>
-              </a:rPr>
-              <a:t>+---------------+----------+-------------------+------------+------------+---------------+-----------+</a:t>
-            </a:r>
-          </a:p>
-          <a:p>
-            <a:pPr marL="0" indent="0">
-              <a:buNone/>
-            </a:pPr>
-            <a:r>
-              <a:rPr lang="en-GB" sz="1200" dirty="0">
-                <a:latin typeface="Consolas" panose="020B0609020204030204" pitchFamily="49" charset="0"/>
-                <a:cs typeface="Consolas" panose="020B0609020204030204" pitchFamily="49" charset="0"/>
-              </a:rPr>
-              <a:t>| b519e         | </a:t>
-            </a:r>
-            <a:r>
-              <a:rPr lang="en-GB" sz="1200" dirty="0" err="1">
-                <a:latin typeface="Consolas" panose="020B0609020204030204" pitchFamily="49" charset="0"/>
-                <a:cs typeface="Consolas" panose="020B0609020204030204" pitchFamily="49" charset="0"/>
-              </a:rPr>
-              <a:t>tomate</a:t>
-            </a:r>
-            <a:r>
-              <a:rPr lang="en-GB" sz="1200" dirty="0">
-                <a:latin typeface="Consolas" panose="020B0609020204030204" pitchFamily="49" charset="0"/>
-                <a:cs typeface="Consolas" panose="020B0609020204030204" pitchFamily="49" charset="0"/>
-              </a:rPr>
-              <a:t>   | 12                | 2022-05-02 | NULL       | ERP           | 8a3f0     |</a:t>
-            </a:r>
-          </a:p>
-          <a:p>
-            <a:pPr marL="0" indent="0">
-              <a:buNone/>
-            </a:pPr>
-            <a:r>
-              <a:rPr lang="en-GB" sz="1200" dirty="0">
-                <a:latin typeface="Consolas" panose="020B0609020204030204" pitchFamily="49" charset="0"/>
-                <a:cs typeface="Consolas" panose="020B0609020204030204" pitchFamily="49" charset="0"/>
-              </a:rPr>
-              <a:t>+---------------+----------+-------------------+------------+------------+---------------+-----------+</a:t>
-            </a:r>
-          </a:p>
-          <a:p>
-            <a:pPr marL="0" indent="0">
+              <a:spcBef>
+                <a:spcPts val="300"/>
+              </a:spcBef>
               <a:buNone/>
             </a:pPr>
             <a:endParaRPr lang="en-DE" sz="1200" dirty="0">
@@ -7443,6 +8367,11 @@
             </a:endParaRPr>
           </a:p>
           <a:p>
+            <a:pPr>
+              <a:spcBef>
+                <a:spcPts val="300"/>
+              </a:spcBef>
+            </a:pPr>
             <a:r>
               <a:rPr lang="en-DE" sz="1200" dirty="0">
                 <a:latin typeface="Consolas" panose="020B0609020204030204" pitchFamily="49" charset="0"/>
@@ -7455,10 +8384,15 @@
                 <a:latin typeface="Consolas" panose="020B0609020204030204" pitchFamily="49" charset="0"/>
                 <a:cs typeface="Consolas" panose="020B0609020204030204" pitchFamily="49" charset="0"/>
               </a:rPr>
-              <a:t>Tracking data changes</a:t>
-            </a:r>
-          </a:p>
-          <a:p>
+              <a:t>Tracking schema changes</a:t>
+            </a:r>
+          </a:p>
+          <a:p>
+            <a:pPr>
+              <a:spcBef>
+                <a:spcPts val="300"/>
+              </a:spcBef>
+            </a:pPr>
             <a:r>
               <a:rPr lang="en-DE" sz="1200" dirty="0">
                 <a:latin typeface="Consolas" panose="020B0609020204030204" pitchFamily="49" charset="0"/>
@@ -7471,17 +8405,8 @@
                 <a:latin typeface="Consolas" panose="020B0609020204030204" pitchFamily="49" charset="0"/>
                 <a:cs typeface="Consolas" panose="020B0609020204030204" pitchFamily="49" charset="0"/>
               </a:rPr>
-              <a:t>Only import differences</a:t>
-            </a:r>
-          </a:p>
-          <a:p>
-            <a:pPr marL="0" indent="0">
-              <a:buNone/>
-            </a:pPr>
-            <a:endParaRPr lang="en-DE" sz="1200" dirty="0">
-              <a:latin typeface="Consolas" panose="020B0609020204030204" pitchFamily="49" charset="0"/>
-              <a:cs typeface="Consolas" panose="020B0609020204030204" pitchFamily="49" charset="0"/>
-            </a:endParaRPr>
+              <a:t>Downstream ETL processes do not need to be adjusted if they don't need the new information</a:t>
+            </a:r>
           </a:p>
         </p:txBody>
       </p:sp>
@@ -7517,13 +8442,673 @@
     </p:spTree>
     <p:extLst>
       <p:ext uri="{BB962C8B-B14F-4D97-AF65-F5344CB8AC3E}">
-        <p14:creationId xmlns:p14="http://schemas.microsoft.com/office/powerpoint/2010/main" val="2303750363"/>
+        <p14:creationId xmlns:p14="http://schemas.microsoft.com/office/powerpoint/2010/main" val="3268474039"/>
       </p:ext>
     </p:extLst>
   </p:cSld>
   <p:clrMapOvr>
     <a:masterClrMapping/>
   </p:clrMapOvr>
+  <p:timing>
+    <p:tnLst>
+      <p:par>
+        <p:cTn id="1" dur="indefinite" restart="never" nodeType="tmRoot">
+          <p:childTnLst>
+            <p:seq concurrent="1" nextAc="seek">
+              <p:cTn id="2" dur="indefinite" nodeType="mainSeq">
+                <p:childTnLst>
+                  <p:par>
+                    <p:cTn id="3" fill="hold">
+                      <p:stCondLst>
+                        <p:cond delay="indefinite"/>
+                      </p:stCondLst>
+                      <p:childTnLst>
+                        <p:par>
+                          <p:cTn id="4" fill="hold">
+                            <p:stCondLst>
+                              <p:cond delay="0"/>
+                            </p:stCondLst>
+                            <p:childTnLst>
+                              <p:par>
+                                <p:cTn id="5" presetID="1" presetClass="entr" presetSubtype="0" fill="hold" nodeType="clickEffect">
+                                  <p:stCondLst>
+                                    <p:cond delay="0"/>
+                                  </p:stCondLst>
+                                  <p:childTnLst>
+                                    <p:set>
+                                      <p:cBhvr>
+                                        <p:cTn id="6" dur="1" fill="hold">
+                                          <p:stCondLst>
+                                            <p:cond delay="0"/>
+                                          </p:stCondLst>
+                                        </p:cTn>
+                                        <p:tgtEl>
+                                          <p:spTgt spid="3">
+                                            <p:txEl>
+                                              <p:pRg st="0" end="0"/>
+                                            </p:txEl>
+                                          </p:spTgt>
+                                        </p:tgtEl>
+                                        <p:attrNameLst>
+                                          <p:attrName>style.visibility</p:attrName>
+                                        </p:attrNameLst>
+                                      </p:cBhvr>
+                                      <p:to>
+                                        <p:strVal val="visible"/>
+                                      </p:to>
+                                    </p:set>
+                                  </p:childTnLst>
+                                </p:cTn>
+                              </p:par>
+                              <p:par>
+                                <p:cTn id="7" presetID="1" presetClass="entr" presetSubtype="0" fill="hold" nodeType="withEffect">
+                                  <p:stCondLst>
+                                    <p:cond delay="0"/>
+                                  </p:stCondLst>
+                                  <p:childTnLst>
+                                    <p:set>
+                                      <p:cBhvr>
+                                        <p:cTn id="8" dur="1" fill="hold">
+                                          <p:stCondLst>
+                                            <p:cond delay="0"/>
+                                          </p:stCondLst>
+                                        </p:cTn>
+                                        <p:tgtEl>
+                                          <p:spTgt spid="3">
+                                            <p:txEl>
+                                              <p:pRg st="1" end="1"/>
+                                            </p:txEl>
+                                          </p:spTgt>
+                                        </p:tgtEl>
+                                        <p:attrNameLst>
+                                          <p:attrName>style.visibility</p:attrName>
+                                        </p:attrNameLst>
+                                      </p:cBhvr>
+                                      <p:to>
+                                        <p:strVal val="visible"/>
+                                      </p:to>
+                                    </p:set>
+                                  </p:childTnLst>
+                                </p:cTn>
+                              </p:par>
+                              <p:par>
+                                <p:cTn id="9" presetID="1" presetClass="entr" presetSubtype="0" fill="hold" nodeType="withEffect">
+                                  <p:stCondLst>
+                                    <p:cond delay="0"/>
+                                  </p:stCondLst>
+                                  <p:childTnLst>
+                                    <p:set>
+                                      <p:cBhvr>
+                                        <p:cTn id="10" dur="1" fill="hold">
+                                          <p:stCondLst>
+                                            <p:cond delay="0"/>
+                                          </p:stCondLst>
+                                        </p:cTn>
+                                        <p:tgtEl>
+                                          <p:spTgt spid="3">
+                                            <p:txEl>
+                                              <p:pRg st="2" end="2"/>
+                                            </p:txEl>
+                                          </p:spTgt>
+                                        </p:tgtEl>
+                                        <p:attrNameLst>
+                                          <p:attrName>style.visibility</p:attrName>
+                                        </p:attrNameLst>
+                                      </p:cBhvr>
+                                      <p:to>
+                                        <p:strVal val="visible"/>
+                                      </p:to>
+                                    </p:set>
+                                  </p:childTnLst>
+                                </p:cTn>
+                              </p:par>
+                              <p:par>
+                                <p:cTn id="11" presetID="1" presetClass="entr" presetSubtype="0" fill="hold" nodeType="withEffect">
+                                  <p:stCondLst>
+                                    <p:cond delay="0"/>
+                                  </p:stCondLst>
+                                  <p:childTnLst>
+                                    <p:set>
+                                      <p:cBhvr>
+                                        <p:cTn id="12" dur="1" fill="hold">
+                                          <p:stCondLst>
+                                            <p:cond delay="0"/>
+                                          </p:stCondLst>
+                                        </p:cTn>
+                                        <p:tgtEl>
+                                          <p:spTgt spid="3">
+                                            <p:txEl>
+                                              <p:pRg st="3" end="3"/>
+                                            </p:txEl>
+                                          </p:spTgt>
+                                        </p:tgtEl>
+                                        <p:attrNameLst>
+                                          <p:attrName>style.visibility</p:attrName>
+                                        </p:attrNameLst>
+                                      </p:cBhvr>
+                                      <p:to>
+                                        <p:strVal val="visible"/>
+                                      </p:to>
+                                    </p:set>
+                                  </p:childTnLst>
+                                </p:cTn>
+                              </p:par>
+                              <p:par>
+                                <p:cTn id="13" presetID="1" presetClass="entr" presetSubtype="0" fill="hold" nodeType="withEffect">
+                                  <p:stCondLst>
+                                    <p:cond delay="0"/>
+                                  </p:stCondLst>
+                                  <p:childTnLst>
+                                    <p:set>
+                                      <p:cBhvr>
+                                        <p:cTn id="14" dur="1" fill="hold">
+                                          <p:stCondLst>
+                                            <p:cond delay="0"/>
+                                          </p:stCondLst>
+                                        </p:cTn>
+                                        <p:tgtEl>
+                                          <p:spTgt spid="3">
+                                            <p:txEl>
+                                              <p:pRg st="4" end="4"/>
+                                            </p:txEl>
+                                          </p:spTgt>
+                                        </p:tgtEl>
+                                        <p:attrNameLst>
+                                          <p:attrName>style.visibility</p:attrName>
+                                        </p:attrNameLst>
+                                      </p:cBhvr>
+                                      <p:to>
+                                        <p:strVal val="visible"/>
+                                      </p:to>
+                                    </p:set>
+                                  </p:childTnLst>
+                                </p:cTn>
+                              </p:par>
+                              <p:par>
+                                <p:cTn id="15" presetID="1" presetClass="entr" presetSubtype="0" fill="hold" nodeType="withEffect">
+                                  <p:stCondLst>
+                                    <p:cond delay="0"/>
+                                  </p:stCondLst>
+                                  <p:childTnLst>
+                                    <p:set>
+                                      <p:cBhvr>
+                                        <p:cTn id="16" dur="1" fill="hold">
+                                          <p:stCondLst>
+                                            <p:cond delay="0"/>
+                                          </p:stCondLst>
+                                        </p:cTn>
+                                        <p:tgtEl>
+                                          <p:spTgt spid="3">
+                                            <p:txEl>
+                                              <p:pRg st="5" end="5"/>
+                                            </p:txEl>
+                                          </p:spTgt>
+                                        </p:tgtEl>
+                                        <p:attrNameLst>
+                                          <p:attrName>style.visibility</p:attrName>
+                                        </p:attrNameLst>
+                                      </p:cBhvr>
+                                      <p:to>
+                                        <p:strVal val="visible"/>
+                                      </p:to>
+                                    </p:set>
+                                  </p:childTnLst>
+                                </p:cTn>
+                              </p:par>
+                              <p:par>
+                                <p:cTn id="17" presetID="1" presetClass="entr" presetSubtype="0" fill="hold" nodeType="withEffect">
+                                  <p:stCondLst>
+                                    <p:cond delay="0"/>
+                                  </p:stCondLst>
+                                  <p:childTnLst>
+                                    <p:set>
+                                      <p:cBhvr>
+                                        <p:cTn id="18" dur="1" fill="hold">
+                                          <p:stCondLst>
+                                            <p:cond delay="0"/>
+                                          </p:stCondLst>
+                                        </p:cTn>
+                                        <p:tgtEl>
+                                          <p:spTgt spid="3">
+                                            <p:txEl>
+                                              <p:pRg st="6" end="6"/>
+                                            </p:txEl>
+                                          </p:spTgt>
+                                        </p:tgtEl>
+                                        <p:attrNameLst>
+                                          <p:attrName>style.visibility</p:attrName>
+                                        </p:attrNameLst>
+                                      </p:cBhvr>
+                                      <p:to>
+                                        <p:strVal val="visible"/>
+                                      </p:to>
+                                    </p:set>
+                                  </p:childTnLst>
+                                </p:cTn>
+                              </p:par>
+                              <p:par>
+                                <p:cTn id="19" presetID="1" presetClass="entr" presetSubtype="0" fill="hold" nodeType="withEffect">
+                                  <p:stCondLst>
+                                    <p:cond delay="0"/>
+                                  </p:stCondLst>
+                                  <p:childTnLst>
+                                    <p:set>
+                                      <p:cBhvr>
+                                        <p:cTn id="20" dur="1" fill="hold">
+                                          <p:stCondLst>
+                                            <p:cond delay="0"/>
+                                          </p:stCondLst>
+                                        </p:cTn>
+                                        <p:tgtEl>
+                                          <p:spTgt spid="3">
+                                            <p:txEl>
+                                              <p:pRg st="7" end="7"/>
+                                            </p:txEl>
+                                          </p:spTgt>
+                                        </p:tgtEl>
+                                        <p:attrNameLst>
+                                          <p:attrName>style.visibility</p:attrName>
+                                        </p:attrNameLst>
+                                      </p:cBhvr>
+                                      <p:to>
+                                        <p:strVal val="visible"/>
+                                      </p:to>
+                                    </p:set>
+                                  </p:childTnLst>
+                                </p:cTn>
+                              </p:par>
+                            </p:childTnLst>
+                          </p:cTn>
+                        </p:par>
+                      </p:childTnLst>
+                    </p:cTn>
+                  </p:par>
+                  <p:par>
+                    <p:cTn id="21" fill="hold">
+                      <p:stCondLst>
+                        <p:cond delay="indefinite"/>
+                      </p:stCondLst>
+                      <p:childTnLst>
+                        <p:par>
+                          <p:cTn id="22" fill="hold">
+                            <p:stCondLst>
+                              <p:cond delay="0"/>
+                            </p:stCondLst>
+                            <p:childTnLst>
+                              <p:par>
+                                <p:cTn id="23" presetID="1" presetClass="entr" presetSubtype="0" fill="hold" nodeType="clickEffect">
+                                  <p:stCondLst>
+                                    <p:cond delay="0"/>
+                                  </p:stCondLst>
+                                  <p:childTnLst>
+                                    <p:set>
+                                      <p:cBhvr>
+                                        <p:cTn id="24" dur="1" fill="hold">
+                                          <p:stCondLst>
+                                            <p:cond delay="0"/>
+                                          </p:stCondLst>
+                                        </p:cTn>
+                                        <p:tgtEl>
+                                          <p:spTgt spid="3">
+                                            <p:txEl>
+                                              <p:pRg st="9" end="9"/>
+                                            </p:txEl>
+                                          </p:spTgt>
+                                        </p:tgtEl>
+                                        <p:attrNameLst>
+                                          <p:attrName>style.visibility</p:attrName>
+                                        </p:attrNameLst>
+                                      </p:cBhvr>
+                                      <p:to>
+                                        <p:strVal val="visible"/>
+                                      </p:to>
+                                    </p:set>
+                                  </p:childTnLst>
+                                </p:cTn>
+                              </p:par>
+                              <p:par>
+                                <p:cTn id="25" presetID="1" presetClass="entr" presetSubtype="0" fill="hold" nodeType="withEffect">
+                                  <p:stCondLst>
+                                    <p:cond delay="0"/>
+                                  </p:stCondLst>
+                                  <p:childTnLst>
+                                    <p:set>
+                                      <p:cBhvr>
+                                        <p:cTn id="26" dur="1" fill="hold">
+                                          <p:stCondLst>
+                                            <p:cond delay="0"/>
+                                          </p:stCondLst>
+                                        </p:cTn>
+                                        <p:tgtEl>
+                                          <p:spTgt spid="3">
+                                            <p:txEl>
+                                              <p:pRg st="10" end="10"/>
+                                            </p:txEl>
+                                          </p:spTgt>
+                                        </p:tgtEl>
+                                        <p:attrNameLst>
+                                          <p:attrName>style.visibility</p:attrName>
+                                        </p:attrNameLst>
+                                      </p:cBhvr>
+                                      <p:to>
+                                        <p:strVal val="visible"/>
+                                      </p:to>
+                                    </p:set>
+                                  </p:childTnLst>
+                                </p:cTn>
+                              </p:par>
+                              <p:par>
+                                <p:cTn id="27" presetID="1" presetClass="entr" presetSubtype="0" fill="hold" nodeType="withEffect">
+                                  <p:stCondLst>
+                                    <p:cond delay="0"/>
+                                  </p:stCondLst>
+                                  <p:childTnLst>
+                                    <p:set>
+                                      <p:cBhvr>
+                                        <p:cTn id="28" dur="1" fill="hold">
+                                          <p:stCondLst>
+                                            <p:cond delay="0"/>
+                                          </p:stCondLst>
+                                        </p:cTn>
+                                        <p:tgtEl>
+                                          <p:spTgt spid="3">
+                                            <p:txEl>
+                                              <p:pRg st="11" end="11"/>
+                                            </p:txEl>
+                                          </p:spTgt>
+                                        </p:tgtEl>
+                                        <p:attrNameLst>
+                                          <p:attrName>style.visibility</p:attrName>
+                                        </p:attrNameLst>
+                                      </p:cBhvr>
+                                      <p:to>
+                                        <p:strVal val="visible"/>
+                                      </p:to>
+                                    </p:set>
+                                  </p:childTnLst>
+                                </p:cTn>
+                              </p:par>
+                              <p:par>
+                                <p:cTn id="29" presetID="1" presetClass="entr" presetSubtype="0" fill="hold" nodeType="withEffect">
+                                  <p:stCondLst>
+                                    <p:cond delay="0"/>
+                                  </p:stCondLst>
+                                  <p:childTnLst>
+                                    <p:set>
+                                      <p:cBhvr>
+                                        <p:cTn id="30" dur="1" fill="hold">
+                                          <p:stCondLst>
+                                            <p:cond delay="0"/>
+                                          </p:stCondLst>
+                                        </p:cTn>
+                                        <p:tgtEl>
+                                          <p:spTgt spid="3">
+                                            <p:txEl>
+                                              <p:pRg st="12" end="12"/>
+                                            </p:txEl>
+                                          </p:spTgt>
+                                        </p:tgtEl>
+                                        <p:attrNameLst>
+                                          <p:attrName>style.visibility</p:attrName>
+                                        </p:attrNameLst>
+                                      </p:cBhvr>
+                                      <p:to>
+                                        <p:strVal val="visible"/>
+                                      </p:to>
+                                    </p:set>
+                                  </p:childTnLst>
+                                </p:cTn>
+                              </p:par>
+                              <p:par>
+                                <p:cTn id="31" presetID="1" presetClass="entr" presetSubtype="0" fill="hold" nodeType="withEffect">
+                                  <p:stCondLst>
+                                    <p:cond delay="0"/>
+                                  </p:stCondLst>
+                                  <p:childTnLst>
+                                    <p:set>
+                                      <p:cBhvr>
+                                        <p:cTn id="32" dur="1" fill="hold">
+                                          <p:stCondLst>
+                                            <p:cond delay="0"/>
+                                          </p:stCondLst>
+                                        </p:cTn>
+                                        <p:tgtEl>
+                                          <p:spTgt spid="3">
+                                            <p:txEl>
+                                              <p:pRg st="13" end="13"/>
+                                            </p:txEl>
+                                          </p:spTgt>
+                                        </p:tgtEl>
+                                        <p:attrNameLst>
+                                          <p:attrName>style.visibility</p:attrName>
+                                        </p:attrNameLst>
+                                      </p:cBhvr>
+                                      <p:to>
+                                        <p:strVal val="visible"/>
+                                      </p:to>
+                                    </p:set>
+                                  </p:childTnLst>
+                                </p:cTn>
+                              </p:par>
+                              <p:par>
+                                <p:cTn id="33" presetID="1" presetClass="entr" presetSubtype="0" fill="hold" nodeType="withEffect">
+                                  <p:stCondLst>
+                                    <p:cond delay="0"/>
+                                  </p:stCondLst>
+                                  <p:childTnLst>
+                                    <p:set>
+                                      <p:cBhvr>
+                                        <p:cTn id="34" dur="1" fill="hold">
+                                          <p:stCondLst>
+                                            <p:cond delay="0"/>
+                                          </p:stCondLst>
+                                        </p:cTn>
+                                        <p:tgtEl>
+                                          <p:spTgt spid="3">
+                                            <p:txEl>
+                                              <p:pRg st="14" end="14"/>
+                                            </p:txEl>
+                                          </p:spTgt>
+                                        </p:tgtEl>
+                                        <p:attrNameLst>
+                                          <p:attrName>style.visibility</p:attrName>
+                                        </p:attrNameLst>
+                                      </p:cBhvr>
+                                      <p:to>
+                                        <p:strVal val="visible"/>
+                                      </p:to>
+                                    </p:set>
+                                  </p:childTnLst>
+                                </p:cTn>
+                              </p:par>
+                              <p:par>
+                                <p:cTn id="35" presetID="1" presetClass="entr" presetSubtype="0" fill="hold" nodeType="withEffect">
+                                  <p:stCondLst>
+                                    <p:cond delay="0"/>
+                                  </p:stCondLst>
+                                  <p:childTnLst>
+                                    <p:set>
+                                      <p:cBhvr>
+                                        <p:cTn id="36" dur="1" fill="hold">
+                                          <p:stCondLst>
+                                            <p:cond delay="0"/>
+                                          </p:stCondLst>
+                                        </p:cTn>
+                                        <p:tgtEl>
+                                          <p:spTgt spid="3">
+                                            <p:txEl>
+                                              <p:pRg st="15" end="15"/>
+                                            </p:txEl>
+                                          </p:spTgt>
+                                        </p:tgtEl>
+                                        <p:attrNameLst>
+                                          <p:attrName>style.visibility</p:attrName>
+                                        </p:attrNameLst>
+                                      </p:cBhvr>
+                                      <p:to>
+                                        <p:strVal val="visible"/>
+                                      </p:to>
+                                    </p:set>
+                                  </p:childTnLst>
+                                </p:cTn>
+                              </p:par>
+                              <p:par>
+                                <p:cTn id="37" presetID="1" presetClass="entr" presetSubtype="0" fill="hold" nodeType="withEffect">
+                                  <p:stCondLst>
+                                    <p:cond delay="0"/>
+                                  </p:stCondLst>
+                                  <p:childTnLst>
+                                    <p:set>
+                                      <p:cBhvr>
+                                        <p:cTn id="38" dur="1" fill="hold">
+                                          <p:stCondLst>
+                                            <p:cond delay="0"/>
+                                          </p:stCondLst>
+                                        </p:cTn>
+                                        <p:tgtEl>
+                                          <p:spTgt spid="3">
+                                            <p:txEl>
+                                              <p:pRg st="16" end="16"/>
+                                            </p:txEl>
+                                          </p:spTgt>
+                                        </p:tgtEl>
+                                        <p:attrNameLst>
+                                          <p:attrName>style.visibility</p:attrName>
+                                        </p:attrNameLst>
+                                      </p:cBhvr>
+                                      <p:to>
+                                        <p:strVal val="visible"/>
+                                      </p:to>
+                                    </p:set>
+                                  </p:childTnLst>
+                                </p:cTn>
+                              </p:par>
+                            </p:childTnLst>
+                          </p:cTn>
+                        </p:par>
+                      </p:childTnLst>
+                    </p:cTn>
+                  </p:par>
+                  <p:par>
+                    <p:cTn id="39" fill="hold">
+                      <p:stCondLst>
+                        <p:cond delay="indefinite"/>
+                      </p:stCondLst>
+                      <p:childTnLst>
+                        <p:par>
+                          <p:cTn id="40" fill="hold">
+                            <p:stCondLst>
+                              <p:cond delay="0"/>
+                            </p:stCondLst>
+                            <p:childTnLst>
+                              <p:par>
+                                <p:cTn id="41" presetID="1" presetClass="entr" presetSubtype="0" fill="hold" nodeType="clickEffect">
+                                  <p:stCondLst>
+                                    <p:cond delay="0"/>
+                                  </p:stCondLst>
+                                  <p:childTnLst>
+                                    <p:set>
+                                      <p:cBhvr>
+                                        <p:cTn id="42" dur="1" fill="hold">
+                                          <p:stCondLst>
+                                            <p:cond delay="0"/>
+                                          </p:stCondLst>
+                                        </p:cTn>
+                                        <p:tgtEl>
+                                          <p:spTgt spid="3">
+                                            <p:txEl>
+                                              <p:pRg st="18" end="18"/>
+                                            </p:txEl>
+                                          </p:spTgt>
+                                        </p:tgtEl>
+                                        <p:attrNameLst>
+                                          <p:attrName>style.visibility</p:attrName>
+                                        </p:attrNameLst>
+                                      </p:cBhvr>
+                                      <p:to>
+                                        <p:strVal val="visible"/>
+                                      </p:to>
+                                    </p:set>
+                                  </p:childTnLst>
+                                </p:cTn>
+                              </p:par>
+                            </p:childTnLst>
+                          </p:cTn>
+                        </p:par>
+                      </p:childTnLst>
+                    </p:cTn>
+                  </p:par>
+                  <p:par>
+                    <p:cTn id="43" fill="hold">
+                      <p:stCondLst>
+                        <p:cond delay="indefinite"/>
+                      </p:stCondLst>
+                      <p:childTnLst>
+                        <p:par>
+                          <p:cTn id="44" fill="hold">
+                            <p:stCondLst>
+                              <p:cond delay="0"/>
+                            </p:stCondLst>
+                            <p:childTnLst>
+                              <p:par>
+                                <p:cTn id="45" presetID="1" presetClass="entr" presetSubtype="0" fill="hold" nodeType="clickEffect">
+                                  <p:stCondLst>
+                                    <p:cond delay="0"/>
+                                  </p:stCondLst>
+                                  <p:childTnLst>
+                                    <p:set>
+                                      <p:cBhvr>
+                                        <p:cTn id="46" dur="1" fill="hold">
+                                          <p:stCondLst>
+                                            <p:cond delay="0"/>
+                                          </p:stCondLst>
+                                        </p:cTn>
+                                        <p:tgtEl>
+                                          <p:spTgt spid="3">
+                                            <p:txEl>
+                                              <p:pRg st="19" end="19"/>
+                                            </p:txEl>
+                                          </p:spTgt>
+                                        </p:tgtEl>
+                                        <p:attrNameLst>
+                                          <p:attrName>style.visibility</p:attrName>
+                                        </p:attrNameLst>
+                                      </p:cBhvr>
+                                      <p:to>
+                                        <p:strVal val="visible"/>
+                                      </p:to>
+                                    </p:set>
+                                  </p:childTnLst>
+                                </p:cTn>
+                              </p:par>
+                            </p:childTnLst>
+                          </p:cTn>
+                        </p:par>
+                      </p:childTnLst>
+                    </p:cTn>
+                  </p:par>
+                </p:childTnLst>
+              </p:cTn>
+              <p:prevCondLst>
+                <p:cond evt="onPrev" delay="0">
+                  <p:tgtEl>
+                    <p:sldTgt/>
+                  </p:tgtEl>
+                </p:cond>
+              </p:prevCondLst>
+              <p:nextCondLst>
+                <p:cond evt="onNext" delay="0">
+                  <p:tgtEl>
+                    <p:sldTgt/>
+                  </p:tgtEl>
+                </p:cond>
+              </p:nextCondLst>
+            </p:seq>
+          </p:childTnLst>
+        </p:cTn>
+      </p:par>
+    </p:tnLst>
+  </p:timing>
 </p:sld>
 </file>
 
@@ -7549,7 +9134,7 @@
           <p:cNvPr id="2" name="Title 1">
             <a:extLst>
               <a:ext uri="{FF2B5EF4-FFF2-40B4-BE49-F238E27FC236}">
-                <a16:creationId xmlns:a16="http://schemas.microsoft.com/office/drawing/2014/main" id="{A253CA53-1EA1-D634-85D0-463E848F8E1E}"/>
+                <a16:creationId xmlns:a16="http://schemas.microsoft.com/office/drawing/2014/main" id="{87EC17EC-C26A-FCFA-68A0-E5D8E8961CEB}"/>
               </a:ext>
             </a:extLst>
           </p:cNvPr>
@@ -7567,7 +9152,7 @@
           <a:p>
             <a:r>
               <a:rPr lang="en-DE" dirty="0"/>
-              <a:t>Add Column</a:t>
+              <a:t>Remove A Column</a:t>
             </a:r>
           </a:p>
         </p:txBody>
@@ -7577,7 +9162,7 @@
           <p:cNvPr id="3" name="Content Placeholder 2">
             <a:extLst>
               <a:ext uri="{FF2B5EF4-FFF2-40B4-BE49-F238E27FC236}">
-                <a16:creationId xmlns:a16="http://schemas.microsoft.com/office/drawing/2014/main" id="{108D48BA-4AFC-2A5C-214B-673090FF462C}"/>
+                <a16:creationId xmlns:a16="http://schemas.microsoft.com/office/drawing/2014/main" id="{50589F6A-966D-EF30-9E90-833D3BA719A1}"/>
               </a:ext>
             </a:extLst>
           </p:cNvPr>
@@ -7590,486 +9175,18 @@
         </p:nvSpPr>
         <p:spPr/>
         <p:txBody>
-          <a:bodyPr>
-            <a:noAutofit/>
-          </a:bodyPr>
+          <a:bodyPr/>
           <a:lstStyle/>
           <a:p>
-            <a:pPr marL="0" indent="0">
-              <a:spcBef>
-                <a:spcPts val="300"/>
-              </a:spcBef>
-              <a:buNone/>
-            </a:pPr>
-            <a:r>
-              <a:rPr lang="en-GB" sz="1200" dirty="0">
-                <a:latin typeface="Consolas" panose="020B0609020204030204" pitchFamily="49" charset="0"/>
-                <a:cs typeface="Consolas" panose="020B0609020204030204" pitchFamily="49" charset="0"/>
-              </a:rPr>
-              <a:t>crops height </a:t>
-            </a:r>
-            <a:r>
-              <a:rPr lang="en-GB" sz="1200" dirty="0" err="1">
-                <a:latin typeface="Consolas" panose="020B0609020204030204" pitchFamily="49" charset="0"/>
-                <a:cs typeface="Consolas" panose="020B0609020204030204" pitchFamily="49" charset="0"/>
-              </a:rPr>
-              <a:t>satelite</a:t>
-            </a:r>
-            <a:r>
-              <a:rPr lang="en-GB" sz="1200" dirty="0">
-                <a:latin typeface="Consolas" panose="020B0609020204030204" pitchFamily="49" charset="0"/>
-                <a:cs typeface="Consolas" panose="020B0609020204030204" pitchFamily="49" charset="0"/>
-              </a:rPr>
-              <a:t>:</a:t>
-            </a:r>
-          </a:p>
-          <a:p>
-            <a:pPr marL="0" indent="0">
-              <a:spcBef>
-                <a:spcPts val="300"/>
-              </a:spcBef>
-              <a:buNone/>
-            </a:pPr>
-            <a:r>
-              <a:rPr lang="en-GB" sz="1200" dirty="0">
-                <a:latin typeface="Consolas" panose="020B0609020204030204" pitchFamily="49" charset="0"/>
-                <a:cs typeface="Consolas" panose="020B0609020204030204" pitchFamily="49" charset="0"/>
-              </a:rPr>
-              <a:t>+-----------------+-------------+------------+----------+---------------+-----------+</a:t>
-            </a:r>
-          </a:p>
-          <a:p>
-            <a:pPr marL="0" indent="0">
-              <a:spcBef>
-                <a:spcPts val="300"/>
-              </a:spcBef>
-              <a:buNone/>
-            </a:pPr>
-            <a:r>
-              <a:rPr lang="en-GB" sz="1200" dirty="0">
-                <a:latin typeface="Consolas" panose="020B0609020204030204" pitchFamily="49" charset="0"/>
-                <a:cs typeface="Consolas" panose="020B0609020204030204" pitchFamily="49" charset="0"/>
-              </a:rPr>
-              <a:t>| </a:t>
-            </a:r>
-            <a:r>
-              <a:rPr lang="en-GB" sz="1200" dirty="0" err="1">
-                <a:latin typeface="Consolas" panose="020B0609020204030204" pitchFamily="49" charset="0"/>
-                <a:cs typeface="Consolas" panose="020B0609020204030204" pitchFamily="49" charset="0"/>
-              </a:rPr>
-              <a:t>height_hash_key</a:t>
-            </a:r>
-            <a:r>
-              <a:rPr lang="en-GB" sz="1200" dirty="0">
-                <a:latin typeface="Consolas" panose="020B0609020204030204" pitchFamily="49" charset="0"/>
-                <a:cs typeface="Consolas" panose="020B0609020204030204" pitchFamily="49" charset="0"/>
-              </a:rPr>
-              <a:t> | </a:t>
-            </a:r>
-            <a:r>
-              <a:rPr lang="en-GB" sz="1200" dirty="0" err="1">
-                <a:latin typeface="Consolas" panose="020B0609020204030204" pitchFamily="49" charset="0"/>
-                <a:cs typeface="Consolas" panose="020B0609020204030204" pitchFamily="49" charset="0"/>
-              </a:rPr>
-              <a:t>crop_height</a:t>
-            </a:r>
-            <a:r>
-              <a:rPr lang="en-GB" sz="1200" dirty="0">
-                <a:latin typeface="Consolas" panose="020B0609020204030204" pitchFamily="49" charset="0"/>
-                <a:cs typeface="Consolas" panose="020B0609020204030204" pitchFamily="49" charset="0"/>
-              </a:rPr>
-              <a:t> | </a:t>
-            </a:r>
-            <a:r>
-              <a:rPr lang="en-GB" sz="1200" dirty="0" err="1">
-                <a:latin typeface="Consolas" panose="020B0609020204030204" pitchFamily="49" charset="0"/>
-                <a:cs typeface="Consolas" panose="020B0609020204030204" pitchFamily="49" charset="0"/>
-              </a:rPr>
-              <a:t>load_date</a:t>
-            </a:r>
-            <a:r>
-              <a:rPr lang="en-GB" sz="1200" dirty="0">
-                <a:latin typeface="Consolas" panose="020B0609020204030204" pitchFamily="49" charset="0"/>
-                <a:cs typeface="Consolas" panose="020B0609020204030204" pitchFamily="49" charset="0"/>
-              </a:rPr>
-              <a:t>  | </a:t>
-            </a:r>
-            <a:r>
-              <a:rPr lang="en-GB" sz="1200" dirty="0" err="1">
-                <a:latin typeface="Consolas" panose="020B0609020204030204" pitchFamily="49" charset="0"/>
-                <a:cs typeface="Consolas" panose="020B0609020204030204" pitchFamily="49" charset="0"/>
-              </a:rPr>
-              <a:t>end_date</a:t>
-            </a:r>
-            <a:r>
-              <a:rPr lang="en-GB" sz="1200" dirty="0">
-                <a:latin typeface="Consolas" panose="020B0609020204030204" pitchFamily="49" charset="0"/>
-                <a:cs typeface="Consolas" panose="020B0609020204030204" pitchFamily="49" charset="0"/>
-              </a:rPr>
-              <a:t> | </a:t>
-            </a:r>
-            <a:r>
-              <a:rPr lang="en-GB" sz="1200" dirty="0" err="1">
-                <a:latin typeface="Consolas" panose="020B0609020204030204" pitchFamily="49" charset="0"/>
-                <a:cs typeface="Consolas" panose="020B0609020204030204" pitchFamily="49" charset="0"/>
-              </a:rPr>
-              <a:t>record_source</a:t>
-            </a:r>
-            <a:r>
-              <a:rPr lang="en-GB" sz="1200" dirty="0">
-                <a:latin typeface="Consolas" panose="020B0609020204030204" pitchFamily="49" charset="0"/>
-                <a:cs typeface="Consolas" panose="020B0609020204030204" pitchFamily="49" charset="0"/>
-              </a:rPr>
-              <a:t> | </a:t>
-            </a:r>
-            <a:r>
-              <a:rPr lang="en-GB" sz="1200" dirty="0" err="1">
-                <a:latin typeface="Consolas" panose="020B0609020204030204" pitchFamily="49" charset="0"/>
-                <a:cs typeface="Consolas" panose="020B0609020204030204" pitchFamily="49" charset="0"/>
-              </a:rPr>
-              <a:t>hash_diff</a:t>
-            </a:r>
-            <a:r>
-              <a:rPr lang="en-GB" sz="1200" dirty="0">
-                <a:latin typeface="Consolas" panose="020B0609020204030204" pitchFamily="49" charset="0"/>
-                <a:cs typeface="Consolas" panose="020B0609020204030204" pitchFamily="49" charset="0"/>
-              </a:rPr>
-              <a:t> |</a:t>
-            </a:r>
-          </a:p>
-          <a:p>
-            <a:pPr marL="0" indent="0">
-              <a:spcBef>
-                <a:spcPts val="300"/>
-              </a:spcBef>
-              <a:buNone/>
-            </a:pPr>
-            <a:r>
-              <a:rPr lang="en-GB" sz="1200" dirty="0">
-                <a:latin typeface="Consolas" panose="020B0609020204030204" pitchFamily="49" charset="0"/>
-                <a:cs typeface="Consolas" panose="020B0609020204030204" pitchFamily="49" charset="0"/>
-              </a:rPr>
-              <a:t>+-----------------+-------------+------------+----------+---------------+-----------+</a:t>
-            </a:r>
-          </a:p>
-          <a:p>
-            <a:pPr marL="0" indent="0">
-              <a:spcBef>
-                <a:spcPts val="300"/>
-              </a:spcBef>
-              <a:buNone/>
-            </a:pPr>
-            <a:r>
-              <a:rPr lang="en-GB" sz="1200" dirty="0">
-                <a:latin typeface="Consolas" panose="020B0609020204030204" pitchFamily="49" charset="0"/>
-                <a:cs typeface="Consolas" panose="020B0609020204030204" pitchFamily="49" charset="0"/>
-              </a:rPr>
-              <a:t>| 74f10           | 30          | 2022-05-03 | NULL     | ERP           | a8c94     |</a:t>
-            </a:r>
-          </a:p>
-          <a:p>
-            <a:pPr marL="0" indent="0">
-              <a:spcBef>
-                <a:spcPts val="300"/>
-              </a:spcBef>
-              <a:buNone/>
-            </a:pPr>
-            <a:r>
-              <a:rPr lang="en-GB" sz="1200" dirty="0">
-                <a:latin typeface="Consolas" panose="020B0609020204030204" pitchFamily="49" charset="0"/>
-                <a:cs typeface="Consolas" panose="020B0609020204030204" pitchFamily="49" charset="0"/>
-              </a:rPr>
-              <a:t>+-----------------+-------------+------------+----------+---------------+-----------+</a:t>
-            </a:r>
-          </a:p>
-          <a:p>
-            <a:pPr marL="0" indent="0">
-              <a:spcBef>
-                <a:spcPts val="300"/>
-              </a:spcBef>
-              <a:buNone/>
-            </a:pPr>
-            <a:r>
-              <a:rPr lang="en-GB" sz="1200" dirty="0">
-                <a:latin typeface="Consolas" panose="020B0609020204030204" pitchFamily="49" charset="0"/>
-                <a:cs typeface="Consolas" panose="020B0609020204030204" pitchFamily="49" charset="0"/>
-              </a:rPr>
-              <a:t>| d9570           | 15          | 2022-05-03 | NULL     | ERP           | ef3a9     |</a:t>
-            </a:r>
-          </a:p>
-          <a:p>
-            <a:pPr marL="0" indent="0">
-              <a:spcBef>
-                <a:spcPts val="300"/>
-              </a:spcBef>
-              <a:buNone/>
-            </a:pPr>
-            <a:r>
-              <a:rPr lang="en-GB" sz="1200" dirty="0">
-                <a:latin typeface="Consolas" panose="020B0609020204030204" pitchFamily="49" charset="0"/>
-                <a:cs typeface="Consolas" panose="020B0609020204030204" pitchFamily="49" charset="0"/>
-              </a:rPr>
-              <a:t>+-----------------+-------------+------------+----------+---------------+-----------+</a:t>
-            </a:r>
-          </a:p>
-          <a:p>
-            <a:pPr marL="0" indent="0">
-              <a:spcBef>
-                <a:spcPts val="300"/>
-              </a:spcBef>
-              <a:buNone/>
-            </a:pPr>
-            <a:endParaRPr lang="en-GB" sz="1200" dirty="0">
-              <a:latin typeface="Consolas" panose="020B0609020204030204" pitchFamily="49" charset="0"/>
-              <a:cs typeface="Consolas" panose="020B0609020204030204" pitchFamily="49" charset="0"/>
-            </a:endParaRPr>
-          </a:p>
-          <a:p>
-            <a:pPr marL="0" indent="0">
-              <a:spcBef>
-                <a:spcPts val="300"/>
-              </a:spcBef>
-              <a:buNone/>
-            </a:pPr>
-            <a:r>
-              <a:rPr lang="en-GB" sz="1200" dirty="0">
-                <a:latin typeface="Consolas" panose="020B0609020204030204" pitchFamily="49" charset="0"/>
-                <a:cs typeface="Consolas" panose="020B0609020204030204" pitchFamily="49" charset="0"/>
-              </a:rPr>
-              <a:t>crops - crops height link:</a:t>
-            </a:r>
-          </a:p>
-          <a:p>
-            <a:pPr marL="0" indent="0">
-              <a:spcBef>
-                <a:spcPts val="300"/>
-              </a:spcBef>
-              <a:buNone/>
-            </a:pPr>
-            <a:r>
-              <a:rPr lang="en-GB" sz="1200" dirty="0">
-                <a:latin typeface="Consolas" panose="020B0609020204030204" pitchFamily="49" charset="0"/>
-                <a:cs typeface="Consolas" panose="020B0609020204030204" pitchFamily="49" charset="0"/>
-              </a:rPr>
-              <a:t>+---------------------------+---------------+----------------------+------------+---------------+</a:t>
-            </a:r>
-          </a:p>
-          <a:p>
-            <a:pPr marL="0" indent="0">
-              <a:spcBef>
-                <a:spcPts val="300"/>
-              </a:spcBef>
-              <a:buNone/>
-            </a:pPr>
-            <a:r>
-              <a:rPr lang="en-GB" sz="1200" dirty="0">
-                <a:latin typeface="Consolas" panose="020B0609020204030204" pitchFamily="49" charset="0"/>
-                <a:cs typeface="Consolas" panose="020B0609020204030204" pitchFamily="49" charset="0"/>
-              </a:rPr>
-              <a:t>| </a:t>
-            </a:r>
-            <a:r>
-              <a:rPr lang="en-GB" sz="1200" dirty="0" err="1">
-                <a:latin typeface="Consolas" panose="020B0609020204030204" pitchFamily="49" charset="0"/>
-                <a:cs typeface="Consolas" panose="020B0609020204030204" pitchFamily="49" charset="0"/>
-              </a:rPr>
-              <a:t>crop_crop_height_hash_key</a:t>
-            </a:r>
-            <a:r>
-              <a:rPr lang="en-GB" sz="1200" dirty="0">
-                <a:latin typeface="Consolas" panose="020B0609020204030204" pitchFamily="49" charset="0"/>
-                <a:cs typeface="Consolas" panose="020B0609020204030204" pitchFamily="49" charset="0"/>
-              </a:rPr>
-              <a:t> | </a:t>
-            </a:r>
-            <a:r>
-              <a:rPr lang="en-GB" sz="1200" dirty="0" err="1">
-                <a:latin typeface="Consolas" panose="020B0609020204030204" pitchFamily="49" charset="0"/>
-                <a:cs typeface="Consolas" panose="020B0609020204030204" pitchFamily="49" charset="0"/>
-              </a:rPr>
-              <a:t>crop_hash_key</a:t>
-            </a:r>
-            <a:r>
-              <a:rPr lang="en-GB" sz="1200" dirty="0">
-                <a:latin typeface="Consolas" panose="020B0609020204030204" pitchFamily="49" charset="0"/>
-                <a:cs typeface="Consolas" panose="020B0609020204030204" pitchFamily="49" charset="0"/>
-              </a:rPr>
-              <a:t> | </a:t>
-            </a:r>
-            <a:r>
-              <a:rPr lang="en-GB" sz="1200" dirty="0" err="1">
-                <a:latin typeface="Consolas" panose="020B0609020204030204" pitchFamily="49" charset="0"/>
-                <a:cs typeface="Consolas" panose="020B0609020204030204" pitchFamily="49" charset="0"/>
-              </a:rPr>
-              <a:t>crop_height_hash_key</a:t>
-            </a:r>
-            <a:r>
-              <a:rPr lang="en-GB" sz="1200" dirty="0">
-                <a:latin typeface="Consolas" panose="020B0609020204030204" pitchFamily="49" charset="0"/>
-                <a:cs typeface="Consolas" panose="020B0609020204030204" pitchFamily="49" charset="0"/>
-              </a:rPr>
-              <a:t> | </a:t>
-            </a:r>
-            <a:r>
-              <a:rPr lang="en-GB" sz="1200" dirty="0" err="1">
-                <a:latin typeface="Consolas" panose="020B0609020204030204" pitchFamily="49" charset="0"/>
-                <a:cs typeface="Consolas" panose="020B0609020204030204" pitchFamily="49" charset="0"/>
-              </a:rPr>
-              <a:t>load_date</a:t>
-            </a:r>
-            <a:r>
-              <a:rPr lang="en-GB" sz="1200" dirty="0">
-                <a:latin typeface="Consolas" panose="020B0609020204030204" pitchFamily="49" charset="0"/>
-                <a:cs typeface="Consolas" panose="020B0609020204030204" pitchFamily="49" charset="0"/>
-              </a:rPr>
-              <a:t>  | </a:t>
-            </a:r>
-            <a:r>
-              <a:rPr lang="en-GB" sz="1200" dirty="0" err="1">
-                <a:latin typeface="Consolas" panose="020B0609020204030204" pitchFamily="49" charset="0"/>
-                <a:cs typeface="Consolas" panose="020B0609020204030204" pitchFamily="49" charset="0"/>
-              </a:rPr>
-              <a:t>record_source</a:t>
-            </a:r>
-            <a:r>
-              <a:rPr lang="en-GB" sz="1200" dirty="0">
-                <a:latin typeface="Consolas" panose="020B0609020204030204" pitchFamily="49" charset="0"/>
-                <a:cs typeface="Consolas" panose="020B0609020204030204" pitchFamily="49" charset="0"/>
-              </a:rPr>
-              <a:t> |</a:t>
-            </a:r>
-          </a:p>
-          <a:p>
-            <a:pPr marL="0" indent="0">
-              <a:spcBef>
-                <a:spcPts val="300"/>
-              </a:spcBef>
-              <a:buNone/>
-            </a:pPr>
-            <a:r>
-              <a:rPr lang="en-GB" sz="1200" dirty="0">
-                <a:latin typeface="Consolas" panose="020B0609020204030204" pitchFamily="49" charset="0"/>
-                <a:cs typeface="Consolas" panose="020B0609020204030204" pitchFamily="49" charset="0"/>
-              </a:rPr>
-              <a:t>+---------------------------+---------------+----------------------+------------+---------------+</a:t>
-            </a:r>
-          </a:p>
-          <a:p>
-            <a:pPr marL="0" indent="0">
-              <a:spcBef>
-                <a:spcPts val="300"/>
-              </a:spcBef>
-              <a:buNone/>
-            </a:pPr>
-            <a:r>
-              <a:rPr lang="en-GB" sz="1200" dirty="0">
-                <a:latin typeface="Consolas" panose="020B0609020204030204" pitchFamily="49" charset="0"/>
-                <a:cs typeface="Consolas" panose="020B0609020204030204" pitchFamily="49" charset="0"/>
-              </a:rPr>
-              <a:t>| 05610                     | b519e         | 74f10                | 2022-05-03 | ERP           |</a:t>
-            </a:r>
-          </a:p>
-          <a:p>
-            <a:pPr marL="0" indent="0">
-              <a:spcBef>
-                <a:spcPts val="300"/>
-              </a:spcBef>
-              <a:buNone/>
-            </a:pPr>
-            <a:r>
-              <a:rPr lang="en-GB" sz="1200" dirty="0">
-                <a:latin typeface="Consolas" panose="020B0609020204030204" pitchFamily="49" charset="0"/>
-                <a:cs typeface="Consolas" panose="020B0609020204030204" pitchFamily="49" charset="0"/>
-              </a:rPr>
-              <a:t>+---------------------------+---------------+----------------------+------------+---------------+</a:t>
-            </a:r>
-          </a:p>
-          <a:p>
-            <a:pPr marL="0" indent="0">
-              <a:spcBef>
-                <a:spcPts val="300"/>
-              </a:spcBef>
-              <a:buNone/>
-            </a:pPr>
-            <a:r>
-              <a:rPr lang="en-GB" sz="1200" dirty="0">
-                <a:latin typeface="Consolas" panose="020B0609020204030204" pitchFamily="49" charset="0"/>
-                <a:cs typeface="Consolas" panose="020B0609020204030204" pitchFamily="49" charset="0"/>
-              </a:rPr>
-              <a:t>| 2c61c                     | 5f763         | d9570                | 2022-05-03 | ERP           |</a:t>
-            </a:r>
-          </a:p>
-          <a:p>
-            <a:pPr marL="0" indent="0">
-              <a:spcBef>
-                <a:spcPts val="300"/>
-              </a:spcBef>
-              <a:buNone/>
-            </a:pPr>
-            <a:r>
-              <a:rPr lang="en-GB" sz="1200" dirty="0">
-                <a:latin typeface="Consolas" panose="020B0609020204030204" pitchFamily="49" charset="0"/>
-                <a:cs typeface="Consolas" panose="020B0609020204030204" pitchFamily="49" charset="0"/>
-              </a:rPr>
-              <a:t>+---------------------------+---------------+----------------------+------------+---------------+</a:t>
-            </a:r>
-            <a:endParaRPr lang="en-DE" sz="1200" dirty="0">
-              <a:latin typeface="Consolas" panose="020B0609020204030204" pitchFamily="49" charset="0"/>
-              <a:cs typeface="Consolas" panose="020B0609020204030204" pitchFamily="49" charset="0"/>
-            </a:endParaRPr>
-          </a:p>
-          <a:p>
-            <a:pPr marL="0" indent="0">
-              <a:spcBef>
-                <a:spcPts val="300"/>
-              </a:spcBef>
-              <a:buNone/>
-            </a:pPr>
-            <a:endParaRPr lang="en-DE" sz="1200" dirty="0">
-              <a:latin typeface="Consolas" panose="020B0609020204030204" pitchFamily="49" charset="0"/>
-              <a:cs typeface="Consolas" panose="020B0609020204030204" pitchFamily="49" charset="0"/>
-            </a:endParaRPr>
-          </a:p>
-          <a:p>
-            <a:pPr>
-              <a:spcBef>
-                <a:spcPts val="300"/>
-              </a:spcBef>
-            </a:pPr>
-            <a:r>
-              <a:rPr lang="en-DE" sz="1200" dirty="0">
-                <a:latin typeface="Consolas" panose="020B0609020204030204" pitchFamily="49" charset="0"/>
-                <a:cs typeface="Consolas" panose="020B0609020204030204" pitchFamily="49" charset="0"/>
-              </a:rPr>
-              <a:t>✅ </a:t>
-            </a:r>
-            <a:r>
-              <a:rPr lang="en-GB" sz="1200" dirty="0">
-                <a:latin typeface="Consolas" panose="020B0609020204030204" pitchFamily="49" charset="0"/>
-                <a:cs typeface="Consolas" panose="020B0609020204030204" pitchFamily="49" charset="0"/>
-              </a:rPr>
-              <a:t>Tracking schema changes</a:t>
-            </a:r>
-          </a:p>
-          <a:p>
-            <a:pPr>
-              <a:spcBef>
-                <a:spcPts val="300"/>
-              </a:spcBef>
-            </a:pPr>
-            <a:r>
-              <a:rPr lang="en-DE" sz="1200" dirty="0">
-                <a:latin typeface="Consolas" panose="020B0609020204030204" pitchFamily="49" charset="0"/>
-                <a:cs typeface="Consolas" panose="020B0609020204030204" pitchFamily="49" charset="0"/>
-              </a:rPr>
-              <a:t>✅ </a:t>
-            </a:r>
-            <a:r>
-              <a:rPr lang="en-GB" sz="1200" dirty="0">
-                <a:latin typeface="Consolas" panose="020B0609020204030204" pitchFamily="49" charset="0"/>
-                <a:cs typeface="Consolas" panose="020B0609020204030204" pitchFamily="49" charset="0"/>
-              </a:rPr>
-              <a:t>Downstream ETL processes do not need to be adjusted if they don't need the new information</a:t>
+            <a:r>
+              <a:rPr lang="en-DE" dirty="0"/>
+              <a:t>All Columns need to be nullable</a:t>
+            </a:r>
+          </a:p>
+          <a:p>
+            <a:r>
+              <a:rPr lang="en-DE" dirty="0"/>
+              <a:t>Therefore no further changes are needed.</a:t>
             </a:r>
           </a:p>
         </p:txBody>
@@ -8079,7 +9196,7 @@
           <p:cNvPr id="4" name="Slide Number Placeholder 3">
             <a:extLst>
               <a:ext uri="{FF2B5EF4-FFF2-40B4-BE49-F238E27FC236}">
-                <a16:creationId xmlns:a16="http://schemas.microsoft.com/office/drawing/2014/main" id="{2A8B2F59-0AB3-6770-DBA3-506875D2D8DE}"/>
+                <a16:creationId xmlns:a16="http://schemas.microsoft.com/office/drawing/2014/main" id="{4FC5EDA9-6E0F-5A4E-0BF1-9C63183B147B}"/>
               </a:ext>
             </a:extLst>
           </p:cNvPr>
@@ -8106,13 +9223,141 @@
     </p:spTree>
     <p:extLst>
       <p:ext uri="{BB962C8B-B14F-4D97-AF65-F5344CB8AC3E}">
-        <p14:creationId xmlns:p14="http://schemas.microsoft.com/office/powerpoint/2010/main" val="3268474039"/>
+        <p14:creationId xmlns:p14="http://schemas.microsoft.com/office/powerpoint/2010/main" val="2537709288"/>
       </p:ext>
     </p:extLst>
   </p:cSld>
   <p:clrMapOvr>
     <a:masterClrMapping/>
   </p:clrMapOvr>
+  <p:timing>
+    <p:tnLst>
+      <p:par>
+        <p:cTn id="1" dur="indefinite" restart="never" nodeType="tmRoot">
+          <p:childTnLst>
+            <p:seq concurrent="1" nextAc="seek">
+              <p:cTn id="2" dur="indefinite" nodeType="mainSeq">
+                <p:childTnLst>
+                  <p:par>
+                    <p:cTn id="3" fill="hold">
+                      <p:stCondLst>
+                        <p:cond delay="indefinite"/>
+                      </p:stCondLst>
+                      <p:childTnLst>
+                        <p:par>
+                          <p:cTn id="4" fill="hold">
+                            <p:stCondLst>
+                              <p:cond delay="0"/>
+                            </p:stCondLst>
+                            <p:childTnLst>
+                              <p:par>
+                                <p:cTn id="5" presetID="1" presetClass="entr" presetSubtype="0" fill="hold" nodeType="clickEffect">
+                                  <p:stCondLst>
+                                    <p:cond delay="0"/>
+                                  </p:stCondLst>
+                                  <p:childTnLst>
+                                    <p:set>
+                                      <p:cBhvr>
+                                        <p:cTn id="6" dur="1" fill="hold">
+                                          <p:stCondLst>
+                                            <p:cond delay="0"/>
+                                          </p:stCondLst>
+                                        </p:cTn>
+                                        <p:tgtEl>
+                                          <p:spTgt spid="3">
+                                            <p:txEl>
+                                              <p:pRg st="0" end="0"/>
+                                            </p:txEl>
+                                          </p:spTgt>
+                                        </p:tgtEl>
+                                        <p:attrNameLst>
+                                          <p:attrName>style.visibility</p:attrName>
+                                        </p:attrNameLst>
+                                      </p:cBhvr>
+                                      <p:to>
+                                        <p:strVal val="visible"/>
+                                      </p:to>
+                                    </p:set>
+                                  </p:childTnLst>
+                                </p:cTn>
+                              </p:par>
+                            </p:childTnLst>
+                          </p:cTn>
+                        </p:par>
+                      </p:childTnLst>
+                    </p:cTn>
+                  </p:par>
+                  <p:par>
+                    <p:cTn id="7" fill="hold">
+                      <p:stCondLst>
+                        <p:cond delay="indefinite"/>
+                      </p:stCondLst>
+                      <p:childTnLst>
+                        <p:par>
+                          <p:cTn id="8" fill="hold">
+                            <p:stCondLst>
+                              <p:cond delay="0"/>
+                            </p:stCondLst>
+                            <p:childTnLst>
+                              <p:par>
+                                <p:cTn id="9" presetID="1" presetClass="entr" presetSubtype="0" fill="hold" nodeType="clickEffect">
+                                  <p:stCondLst>
+                                    <p:cond delay="0"/>
+                                  </p:stCondLst>
+                                  <p:childTnLst>
+                                    <p:set>
+                                      <p:cBhvr>
+                                        <p:cTn id="10" dur="1" fill="hold">
+                                          <p:stCondLst>
+                                            <p:cond delay="0"/>
+                                          </p:stCondLst>
+                                        </p:cTn>
+                                        <p:tgtEl>
+                                          <p:spTgt spid="3">
+                                            <p:txEl>
+                                              <p:pRg st="1" end="1"/>
+                                            </p:txEl>
+                                          </p:spTgt>
+                                        </p:tgtEl>
+                                        <p:attrNameLst>
+                                          <p:attrName>style.visibility</p:attrName>
+                                        </p:attrNameLst>
+                                      </p:cBhvr>
+                                      <p:to>
+                                        <p:strVal val="visible"/>
+                                      </p:to>
+                                    </p:set>
+                                  </p:childTnLst>
+                                </p:cTn>
+                              </p:par>
+                            </p:childTnLst>
+                          </p:cTn>
+                        </p:par>
+                      </p:childTnLst>
+                    </p:cTn>
+                  </p:par>
+                </p:childTnLst>
+              </p:cTn>
+              <p:prevCondLst>
+                <p:cond evt="onPrev" delay="0">
+                  <p:tgtEl>
+                    <p:sldTgt/>
+                  </p:tgtEl>
+                </p:cond>
+              </p:prevCondLst>
+              <p:nextCondLst>
+                <p:cond evt="onNext" delay="0">
+                  <p:tgtEl>
+                    <p:sldTgt/>
+                  </p:tgtEl>
+                </p:cond>
+              </p:nextCondLst>
+            </p:seq>
+          </p:childTnLst>
+        </p:cTn>
+      </p:par>
+    </p:tnLst>
+  </p:timing>
 </p:sld>
 </file>
 

--- a/Präsentationen/04-DataVault/DataVault.pptx
+++ b/Präsentationen/04-DataVault/DataVault.pptx
@@ -5,21 +5,24 @@
     <p:sldMasterId id="2147483660" r:id="rId1"/>
   </p:sldMasterIdLst>
   <p:notesMasterIdLst>
-    <p:notesMasterId r:id="rId14"/>
+    <p:notesMasterId r:id="rId17"/>
   </p:notesMasterIdLst>
   <p:sldIdLst>
     <p:sldId id="260" r:id="rId2"/>
     <p:sldId id="288" r:id="rId3"/>
-    <p:sldId id="274" r:id="rId4"/>
-    <p:sldId id="276" r:id="rId5"/>
-    <p:sldId id="279" r:id="rId6"/>
-    <p:sldId id="280" r:id="rId7"/>
-    <p:sldId id="281" r:id="rId8"/>
-    <p:sldId id="285" r:id="rId9"/>
-    <p:sldId id="286" r:id="rId10"/>
-    <p:sldId id="278" r:id="rId11"/>
-    <p:sldId id="289" r:id="rId12"/>
-    <p:sldId id="287" r:id="rId13"/>
+    <p:sldId id="290" r:id="rId4"/>
+    <p:sldId id="291" r:id="rId5"/>
+    <p:sldId id="274" r:id="rId6"/>
+    <p:sldId id="292" r:id="rId7"/>
+    <p:sldId id="276" r:id="rId8"/>
+    <p:sldId id="279" r:id="rId9"/>
+    <p:sldId id="280" r:id="rId10"/>
+    <p:sldId id="281" r:id="rId11"/>
+    <p:sldId id="285" r:id="rId12"/>
+    <p:sldId id="286" r:id="rId13"/>
+    <p:sldId id="278" r:id="rId14"/>
+    <p:sldId id="289" r:id="rId15"/>
+    <p:sldId id="287" r:id="rId16"/>
   </p:sldIdLst>
   <p:sldSz cx="12192000" cy="6858000"/>
   <p:notesSz cx="6858000" cy="9144000"/>
@@ -235,7 +238,7 @@
           <a:p>
             <a:fld id="{EF3F0B1F-D673-4C4A-8728-8D2703E6B253}" type="datetimeFigureOut">
               <a:rPr lang="de-DE" smtClean="0"/>
-              <a:t>11.05.22</a:t>
+              <a:t>12.05.22</a:t>
             </a:fld>
             <a:endParaRPr lang="de-DE"/>
           </a:p>
@@ -589,6 +592,93 @@
 </p:notes>
 </file>
 
+<file path=ppt/notesSlides/notesSlide2.xml><?xml version="1.0" encoding="utf-8"?>
+<p:notes xmlns:a="http://schemas.openxmlformats.org/drawingml/2006/main" xmlns:r="http://schemas.openxmlformats.org/officeDocument/2006/relationships" xmlns:p="http://schemas.openxmlformats.org/presentationml/2006/main">
+  <p:cSld>
+    <p:spTree>
+      <p:nvGrpSpPr>
+        <p:cNvPr id="1" name=""/>
+        <p:cNvGrpSpPr/>
+        <p:nvPr/>
+      </p:nvGrpSpPr>
+      <p:grpSpPr>
+        <a:xfrm>
+          <a:off x="0" y="0"/>
+          <a:ext cx="0" cy="0"/>
+          <a:chOff x="0" y="0"/>
+          <a:chExt cx="0" cy="0"/>
+        </a:xfrm>
+      </p:grpSpPr>
+      <p:sp>
+        <p:nvSpPr>
+          <p:cNvPr id="2" name="Slide Image Placeholder 1"/>
+          <p:cNvSpPr>
+            <a:spLocks noGrp="1" noRot="1" noChangeAspect="1"/>
+          </p:cNvSpPr>
+          <p:nvPr>
+            <p:ph type="sldImg"/>
+          </p:nvPr>
+        </p:nvSpPr>
+        <p:spPr/>
+      </p:sp>
+      <p:sp>
+        <p:nvSpPr>
+          <p:cNvPr id="3" name="Notes Placeholder 2"/>
+          <p:cNvSpPr>
+            <a:spLocks noGrp="1"/>
+          </p:cNvSpPr>
+          <p:nvPr>
+            <p:ph type="body" idx="1"/>
+          </p:nvPr>
+        </p:nvSpPr>
+        <p:spPr/>
+        <p:txBody>
+          <a:bodyPr/>
+          <a:lstStyle/>
+          <a:p>
+            <a:r>
+              <a:rPr lang="en-DE" dirty="0"/>
+              <a:t> </a:t>
+            </a:r>
+          </a:p>
+        </p:txBody>
+      </p:sp>
+      <p:sp>
+        <p:nvSpPr>
+          <p:cNvPr id="4" name="Slide Number Placeholder 3"/>
+          <p:cNvSpPr>
+            <a:spLocks noGrp="1"/>
+          </p:cNvSpPr>
+          <p:nvPr>
+            <p:ph type="sldNum" sz="quarter" idx="5"/>
+          </p:nvPr>
+        </p:nvSpPr>
+        <p:spPr/>
+        <p:txBody>
+          <a:bodyPr/>
+          <a:lstStyle/>
+          <a:p>
+            <a:fld id="{0DAB0C15-1D43-44C0-AE16-C827164FF4B1}" type="slidenum">
+              <a:rPr lang="de-DE" smtClean="0"/>
+              <a:t>6</a:t>
+            </a:fld>
+            <a:endParaRPr lang="de-DE"/>
+          </a:p>
+        </p:txBody>
+      </p:sp>
+    </p:spTree>
+    <p:extLst>
+      <p:ext uri="{BB962C8B-B14F-4D97-AF65-F5344CB8AC3E}">
+        <p14:creationId xmlns:p14="http://schemas.microsoft.com/office/powerpoint/2010/main" val="579565354"/>
+      </p:ext>
+    </p:extLst>
+  </p:cSld>
+  <p:clrMapOvr>
+    <a:masterClrMapping/>
+  </p:clrMapOvr>
+</p:notes>
+</file>
+
 <file path=ppt/slideLayouts/slideLayout1.xml><?xml version="1.0" encoding="utf-8"?>
 <p:sldLayout xmlns:a="http://schemas.openxmlformats.org/drawingml/2006/main" xmlns:r="http://schemas.openxmlformats.org/officeDocument/2006/relationships" xmlns:p="http://schemas.openxmlformats.org/presentationml/2006/main" type="title" preserve="1">
   <p:cSld name="Titelfolie">
@@ -748,7 +838,7 @@
           <a:p>
             <a:fld id="{26D6A3BD-1351-47C2-BB80-28B172A8BC67}" type="datetime4">
               <a:rPr lang="en-US" smtClean="0"/>
-              <a:t>May 11, 2022</a:t>
+              <a:t>May 12, 2022</a:t>
             </a:fld>
             <a:endParaRPr lang="en-US"/>
           </a:p>
@@ -924,7 +1014,7 @@
           <a:p>
             <a:fld id="{E6CB15F1-7933-4E76-9137-72D8C9B28351}" type="datetime4">
               <a:rPr lang="en-US" smtClean="0"/>
-              <a:t>May 11, 2022</a:t>
+              <a:t>May 12, 2022</a:t>
             </a:fld>
             <a:endParaRPr lang="en-US"/>
           </a:p>
@@ -1163,7 +1253,7 @@
           <a:p>
             <a:fld id="{62F543C8-886D-41FA-8E25-DE0948C190A0}" type="datetime4">
               <a:rPr lang="en-US" smtClean="0"/>
-              <a:t>May 11, 2022</a:t>
+              <a:t>May 12, 2022</a:t>
             </a:fld>
             <a:endParaRPr lang="en-US"/>
           </a:p>
@@ -1368,7 +1458,7 @@
           <a:p>
             <a:fld id="{87477AD2-509E-4566-BA8A-4ECB08403BB1}" type="datetime4">
               <a:rPr lang="en-US" smtClean="0"/>
-              <a:t>May 11, 2022</a:t>
+              <a:t>May 12, 2022</a:t>
             </a:fld>
             <a:endParaRPr lang="en-US"/>
           </a:p>
@@ -1658,7 +1748,7 @@
           <a:p>
             <a:fld id="{1DB299C2-03B0-4C72-B038-356E0B9D1651}" type="datetime4">
               <a:rPr lang="en-US" smtClean="0"/>
-              <a:t>May 11, 2022</a:t>
+              <a:t>May 12, 2022</a:t>
             </a:fld>
             <a:endParaRPr lang="en-US"/>
           </a:p>
@@ -1948,7 +2038,7 @@
           <a:p>
             <a:fld id="{A2C3C639-3FA5-4EF5-B71F-72FB34E149C5}" type="datetime4">
               <a:rPr lang="en-US" smtClean="0"/>
-              <a:t>May 11, 2022</a:t>
+              <a:t>May 12, 2022</a:t>
             </a:fld>
             <a:endParaRPr lang="en-US" dirty="0"/>
           </a:p>
@@ -2371,7 +2461,7 @@
           <a:p>
             <a:fld id="{D12C2768-39A0-4FF9-8B80-9C8AB2368080}" type="datetime4">
               <a:rPr lang="en-US" smtClean="0"/>
-              <a:t>May 11, 2022</a:t>
+              <a:t>May 12, 2022</a:t>
             </a:fld>
             <a:endParaRPr lang="en-US"/>
           </a:p>
@@ -2513,7 +2603,7 @@
           <a:p>
             <a:fld id="{2AC58C00-7B94-441C-8745-12431DCFF69F}" type="datetime4">
               <a:rPr lang="en-US" smtClean="0"/>
-              <a:t>May 11, 2022</a:t>
+              <a:t>May 12, 2022</a:t>
             </a:fld>
             <a:endParaRPr lang="en-US"/>
           </a:p>
@@ -2655,7 +2745,7 @@
           <a:p>
             <a:fld id="{FF6AF0F0-EBF4-4AD8-B090-33A31C685300}" type="datetime4">
               <a:rPr lang="en-US" smtClean="0"/>
-              <a:t>May 11, 2022</a:t>
+              <a:t>May 12, 2022</a:t>
             </a:fld>
             <a:endParaRPr lang="en-US"/>
           </a:p>
@@ -2975,7 +3065,7 @@
           <a:p>
             <a:fld id="{2CCCEA74-5CF3-452C-9348-6086333827F5}" type="datetime4">
               <a:rPr lang="en-US" smtClean="0"/>
-              <a:t>May 11, 2022</a:t>
+              <a:t>May 12, 2022</a:t>
             </a:fld>
             <a:endParaRPr lang="en-US"/>
           </a:p>
@@ -3268,7 +3358,7 @@
           <a:p>
             <a:fld id="{A9849EEA-9318-4930-859F-1ADE410F7D19}" type="datetime4">
               <a:rPr lang="en-US" smtClean="0"/>
-              <a:t>May 11, 2022</a:t>
+              <a:t>May 12, 2022</a:t>
             </a:fld>
             <a:endParaRPr lang="en-US"/>
           </a:p>
@@ -3549,7 +3639,7 @@
           <a:p>
             <a:fld id="{D77D9FF4-8C7A-432E-977E-F55438F223C5}" type="datetime4">
               <a:rPr lang="en-US" smtClean="0"/>
-              <a:t>May 11, 2022</a:t>
+              <a:t>May 12, 2022</a:t>
             </a:fld>
             <a:endParaRPr lang="en-US" dirty="0">
               <a:latin typeface="+mn-lt"/>
@@ -4711,7 +4801,7 @@
           <p:cNvPr id="2" name="Title 1">
             <a:extLst>
               <a:ext uri="{FF2B5EF4-FFF2-40B4-BE49-F238E27FC236}">
-                <a16:creationId xmlns:a16="http://schemas.microsoft.com/office/drawing/2014/main" id="{16F7B72A-C2ED-291D-CBBF-2BE1B04F3959}"/>
+                <a16:creationId xmlns:a16="http://schemas.microsoft.com/office/drawing/2014/main" id="{A253CA53-1EA1-D634-85D0-463E848F8E1E}"/>
               </a:ext>
             </a:extLst>
           </p:cNvPr>
@@ -4729,7 +4819,7 @@
           <a:p>
             <a:r>
               <a:rPr lang="en-DE" dirty="0"/>
-              <a:t>Pros &amp; cons of a DataVault</a:t>
+              <a:t>Alter data</a:t>
             </a:r>
           </a:p>
         </p:txBody>
@@ -4739,7 +4829,7 @@
           <p:cNvPr id="3" name="Content Placeholder 2">
             <a:extLst>
               <a:ext uri="{FF2B5EF4-FFF2-40B4-BE49-F238E27FC236}">
-                <a16:creationId xmlns:a16="http://schemas.microsoft.com/office/drawing/2014/main" id="{02771C8F-14A2-77FE-7D82-AB01DD53C99A}"/>
+                <a16:creationId xmlns:a16="http://schemas.microsoft.com/office/drawing/2014/main" id="{108D48BA-4AFC-2A5C-214B-673090FF462C}"/>
               </a:ext>
             </a:extLst>
           </p:cNvPr>
@@ -4753,7 +4843,7 @@
         <p:spPr/>
         <p:txBody>
           <a:bodyPr>
-            <a:normAutofit/>
+            <a:noAutofit/>
           </a:bodyPr>
           <a:lstStyle/>
           <a:p>
@@ -4761,60 +4851,296 @@
               <a:buNone/>
             </a:pPr>
             <a:r>
-              <a:rPr lang="en-GB" b="1" dirty="0"/>
-              <a:t>Pros:</a:t>
-            </a:r>
-          </a:p>
-          <a:p>
-            <a:r>
-              <a:rPr lang="en-GB" dirty="0"/>
-              <a:t>Long-term storage of data</a:t>
-            </a:r>
-          </a:p>
-          <a:p>
-            <a:r>
-              <a:rPr lang="en-GB" dirty="0"/>
+              <a:rPr lang="en-GB" sz="1200" dirty="0">
+                <a:latin typeface="Consolas" panose="020B0609020204030204" pitchFamily="49" charset="0"/>
+                <a:cs typeface="Consolas" panose="020B0609020204030204" pitchFamily="49" charset="0"/>
+              </a:rPr>
+              <a:t>crops </a:t>
+            </a:r>
+            <a:r>
+              <a:rPr lang="en-GB" sz="1200" dirty="0" err="1">
+                <a:latin typeface="Consolas" panose="020B0609020204030204" pitchFamily="49" charset="0"/>
+                <a:cs typeface="Consolas" panose="020B0609020204030204" pitchFamily="49" charset="0"/>
+              </a:rPr>
+              <a:t>satelite</a:t>
+            </a:r>
+            <a:r>
+              <a:rPr lang="en-GB" sz="1200" dirty="0">
+                <a:latin typeface="Consolas" panose="020B0609020204030204" pitchFamily="49" charset="0"/>
+                <a:cs typeface="Consolas" panose="020B0609020204030204" pitchFamily="49" charset="0"/>
+              </a:rPr>
+              <a:t>:</a:t>
+            </a:r>
+          </a:p>
+          <a:p>
+            <a:pPr marL="0" indent="0">
+              <a:buNone/>
+            </a:pPr>
+            <a:r>
+              <a:rPr lang="en-GB" sz="1200" dirty="0">
+                <a:latin typeface="Consolas" panose="020B0609020204030204" pitchFamily="49" charset="0"/>
+                <a:cs typeface="Consolas" panose="020B0609020204030204" pitchFamily="49" charset="0"/>
+              </a:rPr>
+              <a:t>+---------------+----------+-------------------+------------+------------+---------------+-----------+</a:t>
+            </a:r>
+          </a:p>
+          <a:p>
+            <a:pPr marL="0" indent="0">
+              <a:buNone/>
+            </a:pPr>
+            <a:r>
+              <a:rPr lang="en-GB" sz="1200" dirty="0">
+                <a:latin typeface="Consolas" panose="020B0609020204030204" pitchFamily="49" charset="0"/>
+                <a:cs typeface="Consolas" panose="020B0609020204030204" pitchFamily="49" charset="0"/>
+              </a:rPr>
+              <a:t>| </a:t>
+            </a:r>
+            <a:r>
+              <a:rPr lang="en-GB" sz="1200" dirty="0" err="1">
+                <a:latin typeface="Consolas" panose="020B0609020204030204" pitchFamily="49" charset="0"/>
+                <a:cs typeface="Consolas" panose="020B0609020204030204" pitchFamily="49" charset="0"/>
+              </a:rPr>
+              <a:t>crop_hash_key</a:t>
+            </a:r>
+            <a:r>
+              <a:rPr lang="en-GB" sz="1200" dirty="0">
+                <a:latin typeface="Consolas" panose="020B0609020204030204" pitchFamily="49" charset="0"/>
+                <a:cs typeface="Consolas" panose="020B0609020204030204" pitchFamily="49" charset="0"/>
+              </a:rPr>
+              <a:t> | crop     | </a:t>
+            </a:r>
+            <a:r>
+              <a:rPr lang="en-GB" sz="1200" dirty="0" err="1">
+                <a:latin typeface="Consolas" panose="020B0609020204030204" pitchFamily="49" charset="0"/>
+                <a:cs typeface="Consolas" panose="020B0609020204030204" pitchFamily="49" charset="0"/>
+              </a:rPr>
+              <a:t>water_consumption</a:t>
+            </a:r>
+            <a:r>
+              <a:rPr lang="en-GB" sz="1200" dirty="0">
+                <a:latin typeface="Consolas" panose="020B0609020204030204" pitchFamily="49" charset="0"/>
+                <a:cs typeface="Consolas" panose="020B0609020204030204" pitchFamily="49" charset="0"/>
+              </a:rPr>
+              <a:t> | </a:t>
+            </a:r>
+            <a:r>
+              <a:rPr lang="en-GB" sz="1200" dirty="0" err="1">
+                <a:latin typeface="Consolas" panose="020B0609020204030204" pitchFamily="49" charset="0"/>
+                <a:cs typeface="Consolas" panose="020B0609020204030204" pitchFamily="49" charset="0"/>
+              </a:rPr>
+              <a:t>load_date</a:t>
+            </a:r>
+            <a:r>
+              <a:rPr lang="en-GB" sz="1200" dirty="0">
+                <a:latin typeface="Consolas" panose="020B0609020204030204" pitchFamily="49" charset="0"/>
+                <a:cs typeface="Consolas" panose="020B0609020204030204" pitchFamily="49" charset="0"/>
+              </a:rPr>
+              <a:t>  | </a:t>
+            </a:r>
+            <a:r>
+              <a:rPr lang="en-GB" sz="1200" dirty="0" err="1">
+                <a:latin typeface="Consolas" panose="020B0609020204030204" pitchFamily="49" charset="0"/>
+                <a:cs typeface="Consolas" panose="020B0609020204030204" pitchFamily="49" charset="0"/>
+              </a:rPr>
+              <a:t>end_date</a:t>
+            </a:r>
+            <a:r>
+              <a:rPr lang="en-GB" sz="1200" dirty="0">
+                <a:latin typeface="Consolas" panose="020B0609020204030204" pitchFamily="49" charset="0"/>
+                <a:cs typeface="Consolas" panose="020B0609020204030204" pitchFamily="49" charset="0"/>
+              </a:rPr>
+              <a:t>   | </a:t>
+            </a:r>
+            <a:r>
+              <a:rPr lang="en-GB" sz="1200" dirty="0" err="1">
+                <a:latin typeface="Consolas" panose="020B0609020204030204" pitchFamily="49" charset="0"/>
+                <a:cs typeface="Consolas" panose="020B0609020204030204" pitchFamily="49" charset="0"/>
+              </a:rPr>
+              <a:t>record_source</a:t>
+            </a:r>
+            <a:r>
+              <a:rPr lang="en-GB" sz="1200" dirty="0">
+                <a:latin typeface="Consolas" panose="020B0609020204030204" pitchFamily="49" charset="0"/>
+                <a:cs typeface="Consolas" panose="020B0609020204030204" pitchFamily="49" charset="0"/>
+              </a:rPr>
+              <a:t> | </a:t>
+            </a:r>
+            <a:r>
+              <a:rPr lang="en-GB" sz="1200" dirty="0" err="1">
+                <a:latin typeface="Consolas" panose="020B0609020204030204" pitchFamily="49" charset="0"/>
+                <a:cs typeface="Consolas" panose="020B0609020204030204" pitchFamily="49" charset="0"/>
+              </a:rPr>
+              <a:t>hash_diff</a:t>
+            </a:r>
+            <a:r>
+              <a:rPr lang="en-GB" sz="1200" dirty="0">
+                <a:latin typeface="Consolas" panose="020B0609020204030204" pitchFamily="49" charset="0"/>
+                <a:cs typeface="Consolas" panose="020B0609020204030204" pitchFamily="49" charset="0"/>
+              </a:rPr>
+              <a:t> |</a:t>
+            </a:r>
+          </a:p>
+          <a:p>
+            <a:pPr marL="0" indent="0">
+              <a:buNone/>
+            </a:pPr>
+            <a:r>
+              <a:rPr lang="en-GB" sz="1200" dirty="0">
+                <a:latin typeface="Consolas" panose="020B0609020204030204" pitchFamily="49" charset="0"/>
+                <a:cs typeface="Consolas" panose="020B0609020204030204" pitchFamily="49" charset="0"/>
+              </a:rPr>
+              <a:t>+---------------+----------+-------------------+------------+------------+---------------+-----------+</a:t>
+            </a:r>
+          </a:p>
+          <a:p>
+            <a:pPr marL="0" indent="0">
+              <a:buNone/>
+            </a:pPr>
+            <a:r>
+              <a:rPr lang="en-GB" sz="1200" dirty="0">
+                <a:latin typeface="Consolas" panose="020B0609020204030204" pitchFamily="49" charset="0"/>
+                <a:cs typeface="Consolas" panose="020B0609020204030204" pitchFamily="49" charset="0"/>
+              </a:rPr>
+              <a:t>| b519e         | </a:t>
+            </a:r>
+            <a:r>
+              <a:rPr lang="en-GB" sz="1200" dirty="0" err="1">
+                <a:latin typeface="Consolas" panose="020B0609020204030204" pitchFamily="49" charset="0"/>
+                <a:cs typeface="Consolas" panose="020B0609020204030204" pitchFamily="49" charset="0"/>
+              </a:rPr>
+              <a:t>tomate</a:t>
+            </a:r>
+            <a:r>
+              <a:rPr lang="en-GB" sz="1200" dirty="0">
+                <a:latin typeface="Consolas" panose="020B0609020204030204" pitchFamily="49" charset="0"/>
+                <a:cs typeface="Consolas" panose="020B0609020204030204" pitchFamily="49" charset="0"/>
+              </a:rPr>
+              <a:t>   | 10                | 2022-05-01 | 2022-05-02 | ERP           | 8a3f0     |</a:t>
+            </a:r>
+          </a:p>
+          <a:p>
+            <a:pPr marL="0" indent="0">
+              <a:buNone/>
+            </a:pPr>
+            <a:r>
+              <a:rPr lang="en-GB" sz="1200" dirty="0">
+                <a:latin typeface="Consolas" panose="020B0609020204030204" pitchFamily="49" charset="0"/>
+                <a:cs typeface="Consolas" panose="020B0609020204030204" pitchFamily="49" charset="0"/>
+              </a:rPr>
+              <a:t>+---------------+----------+-------------------+------------+------------+---------------+-----------+</a:t>
+            </a:r>
+          </a:p>
+          <a:p>
+            <a:pPr marL="0" indent="0">
+              <a:buNone/>
+            </a:pPr>
+            <a:r>
+              <a:rPr lang="en-GB" sz="1200" dirty="0">
+                <a:latin typeface="Consolas" panose="020B0609020204030204" pitchFamily="49" charset="0"/>
+                <a:cs typeface="Consolas" panose="020B0609020204030204" pitchFamily="49" charset="0"/>
+              </a:rPr>
+              <a:t>...</a:t>
+            </a:r>
+          </a:p>
+          <a:p>
+            <a:pPr marL="0" indent="0">
+              <a:buNone/>
+            </a:pPr>
+            <a:r>
+              <a:rPr lang="en-GB" sz="1200" dirty="0">
+                <a:latin typeface="Consolas" panose="020B0609020204030204" pitchFamily="49" charset="0"/>
+                <a:cs typeface="Consolas" panose="020B0609020204030204" pitchFamily="49" charset="0"/>
+              </a:rPr>
+              <a:t>+---------------+----------+-------------------+------------+------------+---------------+-----------+</a:t>
+            </a:r>
+          </a:p>
+          <a:p>
+            <a:pPr marL="0" indent="0">
+              <a:buNone/>
+            </a:pPr>
+            <a:r>
+              <a:rPr lang="en-GB" sz="1200" dirty="0">
+                <a:latin typeface="Consolas" panose="020B0609020204030204" pitchFamily="49" charset="0"/>
+                <a:cs typeface="Consolas" panose="020B0609020204030204" pitchFamily="49" charset="0"/>
+              </a:rPr>
+              <a:t>| b519e         | </a:t>
+            </a:r>
+            <a:r>
+              <a:rPr lang="en-GB" sz="1200" dirty="0" err="1">
+                <a:latin typeface="Consolas" panose="020B0609020204030204" pitchFamily="49" charset="0"/>
+                <a:cs typeface="Consolas" panose="020B0609020204030204" pitchFamily="49" charset="0"/>
+              </a:rPr>
+              <a:t>tomate</a:t>
+            </a:r>
+            <a:r>
+              <a:rPr lang="en-GB" sz="1200" dirty="0">
+                <a:latin typeface="Consolas" panose="020B0609020204030204" pitchFamily="49" charset="0"/>
+                <a:cs typeface="Consolas" panose="020B0609020204030204" pitchFamily="49" charset="0"/>
+              </a:rPr>
+              <a:t>   | 12                | 2022-05-02 | NULL       | ERP           | 8a3f0     |</a:t>
+            </a:r>
+          </a:p>
+          <a:p>
+            <a:pPr marL="0" indent="0">
+              <a:buNone/>
+            </a:pPr>
+            <a:r>
+              <a:rPr lang="en-GB" sz="1200" dirty="0">
+                <a:latin typeface="Consolas" panose="020B0609020204030204" pitchFamily="49" charset="0"/>
+                <a:cs typeface="Consolas" panose="020B0609020204030204" pitchFamily="49" charset="0"/>
+              </a:rPr>
+              <a:t>+---------------+----------+-------------------+------------+------------+---------------+-----------+</a:t>
+            </a:r>
+          </a:p>
+          <a:p>
+            <a:pPr marL="0" indent="0">
+              <a:buNone/>
+            </a:pPr>
+            <a:endParaRPr lang="en-DE" sz="1200" dirty="0">
+              <a:latin typeface="Consolas" panose="020B0609020204030204" pitchFamily="49" charset="0"/>
+              <a:cs typeface="Consolas" panose="020B0609020204030204" pitchFamily="49" charset="0"/>
+            </a:endParaRPr>
+          </a:p>
+          <a:p>
+            <a:r>
+              <a:rPr lang="en-DE" sz="1200" dirty="0">
+                <a:latin typeface="Consolas" panose="020B0609020204030204" pitchFamily="49" charset="0"/>
+                <a:cs typeface="Consolas" panose="020B0609020204030204" pitchFamily="49" charset="0"/>
+              </a:rPr>
+              <a:t>✅ </a:t>
+            </a:r>
+            <a:r>
+              <a:rPr lang="en-GB" sz="1200" dirty="0">
+                <a:latin typeface="Consolas" panose="020B0609020204030204" pitchFamily="49" charset="0"/>
+                <a:cs typeface="Consolas" panose="020B0609020204030204" pitchFamily="49" charset="0"/>
+              </a:rPr>
               <a:t>Tracking data changes</a:t>
             </a:r>
           </a:p>
           <a:p>
             <a:r>
-              <a:rPr lang="en-GB" dirty="0"/>
-              <a:t>Fast import of data</a:t>
-            </a:r>
-          </a:p>
-          <a:p>
-            <a:r>
-              <a:rPr lang="en-GB" dirty="0"/>
-              <a:t>Changes in data schemas do not necessarily required downstream ETL and analysis processes to be adjusted</a:t>
+              <a:rPr lang="en-DE" sz="1200" dirty="0">
+                <a:latin typeface="Consolas" panose="020B0609020204030204" pitchFamily="49" charset="0"/>
+                <a:cs typeface="Consolas" panose="020B0609020204030204" pitchFamily="49" charset="0"/>
+              </a:rPr>
+              <a:t>✅ </a:t>
+            </a:r>
+            <a:r>
+              <a:rPr lang="en-GB" sz="1200" dirty="0">
+                <a:latin typeface="Consolas" panose="020B0609020204030204" pitchFamily="49" charset="0"/>
+                <a:cs typeface="Consolas" panose="020B0609020204030204" pitchFamily="49" charset="0"/>
+              </a:rPr>
+              <a:t>Only import differences</a:t>
             </a:r>
           </a:p>
           <a:p>
             <a:pPr marL="0" indent="0">
               <a:buNone/>
             </a:pPr>
-            <a:endParaRPr lang="en-GB" dirty="0"/>
-          </a:p>
-          <a:p>
-            <a:pPr marL="0" indent="0">
-              <a:buNone/>
-            </a:pPr>
-            <a:r>
-              <a:rPr lang="en-GB" b="1" dirty="0"/>
-              <a:t>Cons:</a:t>
-            </a:r>
-          </a:p>
-          <a:p>
-            <a:r>
-              <a:rPr lang="en-GB" dirty="0"/>
-              <a:t>Not easy to query</a:t>
-            </a:r>
-          </a:p>
-          <a:p>
-            <a:r>
-              <a:rPr lang="en-GB" dirty="0"/>
-              <a:t>Large overhead</a:t>
-            </a:r>
+            <a:endParaRPr lang="en-DE" sz="1200" dirty="0">
+              <a:latin typeface="Consolas" panose="020B0609020204030204" pitchFamily="49" charset="0"/>
+              <a:cs typeface="Consolas" panose="020B0609020204030204" pitchFamily="49" charset="0"/>
+            </a:endParaRPr>
           </a:p>
         </p:txBody>
       </p:sp>
@@ -4823,7 +5149,7 @@
           <p:cNvPr id="4" name="Slide Number Placeholder 3">
             <a:extLst>
               <a:ext uri="{FF2B5EF4-FFF2-40B4-BE49-F238E27FC236}">
-                <a16:creationId xmlns:a16="http://schemas.microsoft.com/office/drawing/2014/main" id="{E4488B3D-13DD-F1C4-DAFA-C1B57C0D5E34}"/>
+                <a16:creationId xmlns:a16="http://schemas.microsoft.com/office/drawing/2014/main" id="{2A8B2F59-0AB3-6770-DBA3-506875D2D8DE}"/>
               </a:ext>
             </a:extLst>
           </p:cNvPr>
@@ -4842,2881 +5168,6 @@
             <a:fld id="{9D4AEF59-F28E-467C-9EA3-92D1CFAD475A}" type="slidenum">
               <a:rPr lang="en-US" smtClean="0"/>
               <a:t>10</a:t>
-            </a:fld>
-            <a:endParaRPr lang="en-US" dirty="0"/>
-          </a:p>
-        </p:txBody>
-      </p:sp>
-    </p:spTree>
-    <p:extLst>
-      <p:ext uri="{BB962C8B-B14F-4D97-AF65-F5344CB8AC3E}">
-        <p14:creationId xmlns:p14="http://schemas.microsoft.com/office/powerpoint/2010/main" val="642313845"/>
-      </p:ext>
-    </p:extLst>
-  </p:cSld>
-  <p:clrMapOvr>
-    <a:masterClrMapping/>
-  </p:clrMapOvr>
-  <p:timing>
-    <p:tnLst>
-      <p:par>
-        <p:cTn id="1" dur="indefinite" restart="never" nodeType="tmRoot">
-          <p:childTnLst>
-            <p:seq concurrent="1" nextAc="seek">
-              <p:cTn id="2" dur="indefinite" nodeType="mainSeq">
-                <p:childTnLst>
-                  <p:par>
-                    <p:cTn id="3" fill="hold">
-                      <p:stCondLst>
-                        <p:cond delay="indefinite"/>
-                      </p:stCondLst>
-                      <p:childTnLst>
-                        <p:par>
-                          <p:cTn id="4" fill="hold">
-                            <p:stCondLst>
-                              <p:cond delay="0"/>
-                            </p:stCondLst>
-                            <p:childTnLst>
-                              <p:par>
-                                <p:cTn id="5" presetID="1" presetClass="entr" presetSubtype="0" fill="hold" nodeType="clickEffect">
-                                  <p:stCondLst>
-                                    <p:cond delay="0"/>
-                                  </p:stCondLst>
-                                  <p:childTnLst>
-                                    <p:set>
-                                      <p:cBhvr>
-                                        <p:cTn id="6" dur="1" fill="hold">
-                                          <p:stCondLst>
-                                            <p:cond delay="0"/>
-                                          </p:stCondLst>
-                                        </p:cTn>
-                                        <p:tgtEl>
-                                          <p:spTgt spid="3">
-                                            <p:txEl>
-                                              <p:pRg st="1" end="1"/>
-                                            </p:txEl>
-                                          </p:spTgt>
-                                        </p:tgtEl>
-                                        <p:attrNameLst>
-                                          <p:attrName>style.visibility</p:attrName>
-                                        </p:attrNameLst>
-                                      </p:cBhvr>
-                                      <p:to>
-                                        <p:strVal val="visible"/>
-                                      </p:to>
-                                    </p:set>
-                                  </p:childTnLst>
-                                </p:cTn>
-                              </p:par>
-                            </p:childTnLst>
-                          </p:cTn>
-                        </p:par>
-                      </p:childTnLst>
-                    </p:cTn>
-                  </p:par>
-                  <p:par>
-                    <p:cTn id="7" fill="hold">
-                      <p:stCondLst>
-                        <p:cond delay="indefinite"/>
-                      </p:stCondLst>
-                      <p:childTnLst>
-                        <p:par>
-                          <p:cTn id="8" fill="hold">
-                            <p:stCondLst>
-                              <p:cond delay="0"/>
-                            </p:stCondLst>
-                            <p:childTnLst>
-                              <p:par>
-                                <p:cTn id="9" presetID="1" presetClass="entr" presetSubtype="0" fill="hold" nodeType="clickEffect">
-                                  <p:stCondLst>
-                                    <p:cond delay="0"/>
-                                  </p:stCondLst>
-                                  <p:childTnLst>
-                                    <p:set>
-                                      <p:cBhvr>
-                                        <p:cTn id="10" dur="1" fill="hold">
-                                          <p:stCondLst>
-                                            <p:cond delay="0"/>
-                                          </p:stCondLst>
-                                        </p:cTn>
-                                        <p:tgtEl>
-                                          <p:spTgt spid="3">
-                                            <p:txEl>
-                                              <p:pRg st="2" end="2"/>
-                                            </p:txEl>
-                                          </p:spTgt>
-                                        </p:tgtEl>
-                                        <p:attrNameLst>
-                                          <p:attrName>style.visibility</p:attrName>
-                                        </p:attrNameLst>
-                                      </p:cBhvr>
-                                      <p:to>
-                                        <p:strVal val="visible"/>
-                                      </p:to>
-                                    </p:set>
-                                  </p:childTnLst>
-                                </p:cTn>
-                              </p:par>
-                            </p:childTnLst>
-                          </p:cTn>
-                        </p:par>
-                      </p:childTnLst>
-                    </p:cTn>
-                  </p:par>
-                  <p:par>
-                    <p:cTn id="11" fill="hold">
-                      <p:stCondLst>
-                        <p:cond delay="indefinite"/>
-                      </p:stCondLst>
-                      <p:childTnLst>
-                        <p:par>
-                          <p:cTn id="12" fill="hold">
-                            <p:stCondLst>
-                              <p:cond delay="0"/>
-                            </p:stCondLst>
-                            <p:childTnLst>
-                              <p:par>
-                                <p:cTn id="13" presetID="1" presetClass="entr" presetSubtype="0" fill="hold" nodeType="clickEffect">
-                                  <p:stCondLst>
-                                    <p:cond delay="0"/>
-                                  </p:stCondLst>
-                                  <p:childTnLst>
-                                    <p:set>
-                                      <p:cBhvr>
-                                        <p:cTn id="14" dur="1" fill="hold">
-                                          <p:stCondLst>
-                                            <p:cond delay="0"/>
-                                          </p:stCondLst>
-                                        </p:cTn>
-                                        <p:tgtEl>
-                                          <p:spTgt spid="3">
-                                            <p:txEl>
-                                              <p:pRg st="3" end="3"/>
-                                            </p:txEl>
-                                          </p:spTgt>
-                                        </p:tgtEl>
-                                        <p:attrNameLst>
-                                          <p:attrName>style.visibility</p:attrName>
-                                        </p:attrNameLst>
-                                      </p:cBhvr>
-                                      <p:to>
-                                        <p:strVal val="visible"/>
-                                      </p:to>
-                                    </p:set>
-                                  </p:childTnLst>
-                                </p:cTn>
-                              </p:par>
-                            </p:childTnLst>
-                          </p:cTn>
-                        </p:par>
-                      </p:childTnLst>
-                    </p:cTn>
-                  </p:par>
-                  <p:par>
-                    <p:cTn id="15" fill="hold">
-                      <p:stCondLst>
-                        <p:cond delay="indefinite"/>
-                      </p:stCondLst>
-                      <p:childTnLst>
-                        <p:par>
-                          <p:cTn id="16" fill="hold">
-                            <p:stCondLst>
-                              <p:cond delay="0"/>
-                            </p:stCondLst>
-                            <p:childTnLst>
-                              <p:par>
-                                <p:cTn id="17" presetID="1" presetClass="entr" presetSubtype="0" fill="hold" nodeType="clickEffect">
-                                  <p:stCondLst>
-                                    <p:cond delay="0"/>
-                                  </p:stCondLst>
-                                  <p:childTnLst>
-                                    <p:set>
-                                      <p:cBhvr>
-                                        <p:cTn id="18" dur="1" fill="hold">
-                                          <p:stCondLst>
-                                            <p:cond delay="0"/>
-                                          </p:stCondLst>
-                                        </p:cTn>
-                                        <p:tgtEl>
-                                          <p:spTgt spid="3">
-                                            <p:txEl>
-                                              <p:pRg st="4" end="4"/>
-                                            </p:txEl>
-                                          </p:spTgt>
-                                        </p:tgtEl>
-                                        <p:attrNameLst>
-                                          <p:attrName>style.visibility</p:attrName>
-                                        </p:attrNameLst>
-                                      </p:cBhvr>
-                                      <p:to>
-                                        <p:strVal val="visible"/>
-                                      </p:to>
-                                    </p:set>
-                                  </p:childTnLst>
-                                </p:cTn>
-                              </p:par>
-                            </p:childTnLst>
-                          </p:cTn>
-                        </p:par>
-                      </p:childTnLst>
-                    </p:cTn>
-                  </p:par>
-                  <p:par>
-                    <p:cTn id="19" fill="hold">
-                      <p:stCondLst>
-                        <p:cond delay="indefinite"/>
-                      </p:stCondLst>
-                      <p:childTnLst>
-                        <p:par>
-                          <p:cTn id="20" fill="hold">
-                            <p:stCondLst>
-                              <p:cond delay="0"/>
-                            </p:stCondLst>
-                            <p:childTnLst>
-                              <p:par>
-                                <p:cTn id="21" presetID="1" presetClass="entr" presetSubtype="0" fill="hold" nodeType="clickEffect">
-                                  <p:stCondLst>
-                                    <p:cond delay="0"/>
-                                  </p:stCondLst>
-                                  <p:childTnLst>
-                                    <p:set>
-                                      <p:cBhvr>
-                                        <p:cTn id="22" dur="1" fill="hold">
-                                          <p:stCondLst>
-                                            <p:cond delay="0"/>
-                                          </p:stCondLst>
-                                        </p:cTn>
-                                        <p:tgtEl>
-                                          <p:spTgt spid="3">
-                                            <p:txEl>
-                                              <p:pRg st="7" end="7"/>
-                                            </p:txEl>
-                                          </p:spTgt>
-                                        </p:tgtEl>
-                                        <p:attrNameLst>
-                                          <p:attrName>style.visibility</p:attrName>
-                                        </p:attrNameLst>
-                                      </p:cBhvr>
-                                      <p:to>
-                                        <p:strVal val="visible"/>
-                                      </p:to>
-                                    </p:set>
-                                  </p:childTnLst>
-                                </p:cTn>
-                              </p:par>
-                            </p:childTnLst>
-                          </p:cTn>
-                        </p:par>
-                      </p:childTnLst>
-                    </p:cTn>
-                  </p:par>
-                  <p:par>
-                    <p:cTn id="23" fill="hold">
-                      <p:stCondLst>
-                        <p:cond delay="indefinite"/>
-                      </p:stCondLst>
-                      <p:childTnLst>
-                        <p:par>
-                          <p:cTn id="24" fill="hold">
-                            <p:stCondLst>
-                              <p:cond delay="0"/>
-                            </p:stCondLst>
-                            <p:childTnLst>
-                              <p:par>
-                                <p:cTn id="25" presetID="1" presetClass="entr" presetSubtype="0" fill="hold" nodeType="clickEffect">
-                                  <p:stCondLst>
-                                    <p:cond delay="0"/>
-                                  </p:stCondLst>
-                                  <p:childTnLst>
-                                    <p:set>
-                                      <p:cBhvr>
-                                        <p:cTn id="26" dur="1" fill="hold">
-                                          <p:stCondLst>
-                                            <p:cond delay="0"/>
-                                          </p:stCondLst>
-                                        </p:cTn>
-                                        <p:tgtEl>
-                                          <p:spTgt spid="3">
-                                            <p:txEl>
-                                              <p:pRg st="8" end="8"/>
-                                            </p:txEl>
-                                          </p:spTgt>
-                                        </p:tgtEl>
-                                        <p:attrNameLst>
-                                          <p:attrName>style.visibility</p:attrName>
-                                        </p:attrNameLst>
-                                      </p:cBhvr>
-                                      <p:to>
-                                        <p:strVal val="visible"/>
-                                      </p:to>
-                                    </p:set>
-                                  </p:childTnLst>
-                                </p:cTn>
-                              </p:par>
-                            </p:childTnLst>
-                          </p:cTn>
-                        </p:par>
-                      </p:childTnLst>
-                    </p:cTn>
-                  </p:par>
-                </p:childTnLst>
-              </p:cTn>
-              <p:prevCondLst>
-                <p:cond evt="onPrev" delay="0">
-                  <p:tgtEl>
-                    <p:sldTgt/>
-                  </p:tgtEl>
-                </p:cond>
-              </p:prevCondLst>
-              <p:nextCondLst>
-                <p:cond evt="onNext" delay="0">
-                  <p:tgtEl>
-                    <p:sldTgt/>
-                  </p:tgtEl>
-                </p:cond>
-              </p:nextCondLst>
-            </p:seq>
-          </p:childTnLst>
-        </p:cTn>
-      </p:par>
-    </p:tnLst>
-  </p:timing>
-</p:sld>
-</file>
-
-<file path=ppt/slides/slide11.xml><?xml version="1.0" encoding="utf-8"?>
-<p:sld xmlns:a="http://schemas.openxmlformats.org/drawingml/2006/main" xmlns:r="http://schemas.openxmlformats.org/officeDocument/2006/relationships" xmlns:p="http://schemas.openxmlformats.org/presentationml/2006/main">
-  <p:cSld>
-    <p:spTree>
-      <p:nvGrpSpPr>
-        <p:cNvPr id="1" name=""/>
-        <p:cNvGrpSpPr/>
-        <p:nvPr/>
-      </p:nvGrpSpPr>
-      <p:grpSpPr>
-        <a:xfrm>
-          <a:off x="0" y="0"/>
-          <a:ext cx="0" cy="0"/>
-          <a:chOff x="0" y="0"/>
-          <a:chExt cx="0" cy="0"/>
-        </a:xfrm>
-      </p:grpSpPr>
-      <p:sp>
-        <p:nvSpPr>
-          <p:cNvPr id="2" name="Titel 1">
-            <a:extLst>
-              <a:ext uri="{FF2B5EF4-FFF2-40B4-BE49-F238E27FC236}">
-                <a16:creationId xmlns:a16="http://schemas.microsoft.com/office/drawing/2014/main" id="{F7C40B21-2CD5-5ADA-ACE5-D0DA6BDCF744}"/>
-              </a:ext>
-            </a:extLst>
-          </p:cNvPr>
-          <p:cNvSpPr>
-            <a:spLocks noGrp="1"/>
-          </p:cNvSpPr>
-          <p:nvPr>
-            <p:ph type="title"/>
-          </p:nvPr>
-        </p:nvSpPr>
-        <p:spPr>
-          <a:xfrm>
-            <a:off x="815929" y="2820988"/>
-            <a:ext cx="9810604" cy="1216024"/>
-          </a:xfrm>
-        </p:spPr>
-        <p:txBody>
-          <a:bodyPr/>
-          <a:lstStyle/>
-          <a:p>
-            <a:r>
-              <a:rPr lang="de-DE" dirty="0"/>
-              <a:t>HOW DO WE TRACK CHANGES </a:t>
-            </a:r>
-            <a:r>
-              <a:rPr lang="de-DE" dirty="0" err="1"/>
-              <a:t>of</a:t>
-            </a:r>
-            <a:r>
-              <a:rPr lang="de-DE" dirty="0"/>
-              <a:t> </a:t>
-            </a:r>
-            <a:r>
-              <a:rPr lang="de-DE" dirty="0" err="1"/>
-              <a:t>our</a:t>
-            </a:r>
-            <a:r>
-              <a:rPr lang="de-DE" dirty="0"/>
-              <a:t> source </a:t>
-            </a:r>
-            <a:r>
-              <a:rPr lang="de-DE" dirty="0" err="1"/>
-              <a:t>data</a:t>
-            </a:r>
-            <a:r>
-              <a:rPr lang="de-DE" dirty="0"/>
-              <a:t> </a:t>
-            </a:r>
-            <a:r>
-              <a:rPr lang="de-DE" dirty="0" err="1"/>
-              <a:t>over</a:t>
-            </a:r>
-            <a:r>
-              <a:rPr lang="de-DE" dirty="0"/>
-              <a:t> time?</a:t>
-            </a:r>
-          </a:p>
-        </p:txBody>
-      </p:sp>
-      <p:sp>
-        <p:nvSpPr>
-          <p:cNvPr id="5" name="Foliennummernplatzhalter 4">
-            <a:extLst>
-              <a:ext uri="{FF2B5EF4-FFF2-40B4-BE49-F238E27FC236}">
-                <a16:creationId xmlns:a16="http://schemas.microsoft.com/office/drawing/2014/main" id="{5D4F889F-FC74-0388-F08F-091050383C02}"/>
-              </a:ext>
-            </a:extLst>
-          </p:cNvPr>
-          <p:cNvSpPr>
-            <a:spLocks noGrp="1"/>
-          </p:cNvSpPr>
-          <p:nvPr>
-            <p:ph type="sldNum" sz="quarter" idx="12"/>
-          </p:nvPr>
-        </p:nvSpPr>
-        <p:spPr/>
-        <p:txBody>
-          <a:bodyPr/>
-          <a:lstStyle/>
-          <a:p>
-            <a:fld id="{9D4AEF59-F28E-467C-9EA3-92D1CFAD475A}" type="slidenum">
-              <a:rPr lang="en-US" smtClean="0"/>
-              <a:t>11</a:t>
-            </a:fld>
-            <a:endParaRPr lang="en-US" dirty="0"/>
-          </a:p>
-        </p:txBody>
-      </p:sp>
-    </p:spTree>
-    <p:extLst>
-      <p:ext uri="{BB962C8B-B14F-4D97-AF65-F5344CB8AC3E}">
-        <p14:creationId xmlns:p14="http://schemas.microsoft.com/office/powerpoint/2010/main" val="1562482602"/>
-      </p:ext>
-    </p:extLst>
-  </p:cSld>
-  <p:clrMapOvr>
-    <a:masterClrMapping/>
-  </p:clrMapOvr>
-</p:sld>
-</file>
-
-<file path=ppt/slides/slide12.xml><?xml version="1.0" encoding="utf-8"?>
-<p:sld xmlns:a="http://schemas.openxmlformats.org/drawingml/2006/main" xmlns:r="http://schemas.openxmlformats.org/officeDocument/2006/relationships" xmlns:p="http://schemas.openxmlformats.org/presentationml/2006/main">
-  <p:cSld>
-    <p:spTree>
-      <p:nvGrpSpPr>
-        <p:cNvPr id="1" name=""/>
-        <p:cNvGrpSpPr/>
-        <p:nvPr/>
-      </p:nvGrpSpPr>
-      <p:grpSpPr>
-        <a:xfrm>
-          <a:off x="0" y="0"/>
-          <a:ext cx="0" cy="0"/>
-          <a:chOff x="0" y="0"/>
-          <a:chExt cx="0" cy="0"/>
-        </a:xfrm>
-      </p:grpSpPr>
-      <p:sp>
-        <p:nvSpPr>
-          <p:cNvPr id="2" name="Title 1">
-            <a:extLst>
-              <a:ext uri="{FF2B5EF4-FFF2-40B4-BE49-F238E27FC236}">
-                <a16:creationId xmlns:a16="http://schemas.microsoft.com/office/drawing/2014/main" id="{705D09EE-055F-6A87-4B56-7B5953608B72}"/>
-              </a:ext>
-            </a:extLst>
-          </p:cNvPr>
-          <p:cNvSpPr>
-            <a:spLocks noGrp="1"/>
-          </p:cNvSpPr>
-          <p:nvPr>
-            <p:ph type="ctrTitle"/>
-          </p:nvPr>
-        </p:nvSpPr>
-        <p:spPr/>
-        <p:txBody>
-          <a:bodyPr/>
-          <a:lstStyle/>
-          <a:p>
-            <a:r>
-              <a:rPr lang="en-DE" dirty="0"/>
-              <a:t>Thank You For your Attention</a:t>
-            </a:r>
-          </a:p>
-        </p:txBody>
-      </p:sp>
-      <p:sp>
-        <p:nvSpPr>
-          <p:cNvPr id="3" name="Subtitle 2">
-            <a:extLst>
-              <a:ext uri="{FF2B5EF4-FFF2-40B4-BE49-F238E27FC236}">
-                <a16:creationId xmlns:a16="http://schemas.microsoft.com/office/drawing/2014/main" id="{973F4440-2040-B59A-CFCF-7D877ECAF014}"/>
-              </a:ext>
-            </a:extLst>
-          </p:cNvPr>
-          <p:cNvSpPr>
-            <a:spLocks noGrp="1"/>
-          </p:cNvSpPr>
-          <p:nvPr>
-            <p:ph type="subTitle" idx="1"/>
-          </p:nvPr>
-        </p:nvSpPr>
-        <p:spPr/>
-        <p:txBody>
-          <a:bodyPr/>
-          <a:lstStyle/>
-          <a:p>
-            <a:endParaRPr lang="en-DE" dirty="0"/>
-          </a:p>
-        </p:txBody>
-      </p:sp>
-    </p:spTree>
-    <p:extLst>
-      <p:ext uri="{BB962C8B-B14F-4D97-AF65-F5344CB8AC3E}">
-        <p14:creationId xmlns:p14="http://schemas.microsoft.com/office/powerpoint/2010/main" val="2496082543"/>
-      </p:ext>
-    </p:extLst>
-  </p:cSld>
-  <p:clrMapOvr>
-    <a:masterClrMapping/>
-  </p:clrMapOvr>
-</p:sld>
-</file>
-
-<file path=ppt/slides/slide2.xml><?xml version="1.0" encoding="utf-8"?>
-<p:sld xmlns:a="http://schemas.openxmlformats.org/drawingml/2006/main" xmlns:r="http://schemas.openxmlformats.org/officeDocument/2006/relationships" xmlns:p="http://schemas.openxmlformats.org/presentationml/2006/main">
-  <p:cSld>
-    <p:spTree>
-      <p:nvGrpSpPr>
-        <p:cNvPr id="1" name=""/>
-        <p:cNvGrpSpPr/>
-        <p:nvPr/>
-      </p:nvGrpSpPr>
-      <p:grpSpPr>
-        <a:xfrm>
-          <a:off x="0" y="0"/>
-          <a:ext cx="0" cy="0"/>
-          <a:chOff x="0" y="0"/>
-          <a:chExt cx="0" cy="0"/>
-        </a:xfrm>
-      </p:grpSpPr>
-      <p:sp>
-        <p:nvSpPr>
-          <p:cNvPr id="2" name="Titel 1">
-            <a:extLst>
-              <a:ext uri="{FF2B5EF4-FFF2-40B4-BE49-F238E27FC236}">
-                <a16:creationId xmlns:a16="http://schemas.microsoft.com/office/drawing/2014/main" id="{F7C40B21-2CD5-5ADA-ACE5-D0DA6BDCF744}"/>
-              </a:ext>
-            </a:extLst>
-          </p:cNvPr>
-          <p:cNvSpPr>
-            <a:spLocks noGrp="1"/>
-          </p:cNvSpPr>
-          <p:nvPr>
-            <p:ph type="title"/>
-          </p:nvPr>
-        </p:nvSpPr>
-        <p:spPr/>
-        <p:txBody>
-          <a:bodyPr/>
-          <a:lstStyle/>
-          <a:p>
-            <a:r>
-              <a:rPr lang="de-DE" dirty="0" err="1"/>
-              <a:t>What</a:t>
-            </a:r>
-            <a:r>
-              <a:rPr lang="de-DE" dirty="0"/>
-              <a:t> </a:t>
-            </a:r>
-            <a:r>
-              <a:rPr lang="de-DE" dirty="0" err="1"/>
-              <a:t>is</a:t>
-            </a:r>
-            <a:r>
-              <a:rPr lang="de-DE" dirty="0"/>
-              <a:t> ETL ?</a:t>
-            </a:r>
-          </a:p>
-        </p:txBody>
-      </p:sp>
-      <p:sp>
-        <p:nvSpPr>
-          <p:cNvPr id="5" name="Foliennummernplatzhalter 4">
-            <a:extLst>
-              <a:ext uri="{FF2B5EF4-FFF2-40B4-BE49-F238E27FC236}">
-                <a16:creationId xmlns:a16="http://schemas.microsoft.com/office/drawing/2014/main" id="{5D4F889F-FC74-0388-F08F-091050383C02}"/>
-              </a:ext>
-            </a:extLst>
-          </p:cNvPr>
-          <p:cNvSpPr>
-            <a:spLocks noGrp="1"/>
-          </p:cNvSpPr>
-          <p:nvPr>
-            <p:ph type="sldNum" sz="quarter" idx="12"/>
-          </p:nvPr>
-        </p:nvSpPr>
-        <p:spPr/>
-        <p:txBody>
-          <a:bodyPr/>
-          <a:lstStyle/>
-          <a:p>
-            <a:fld id="{9D4AEF59-F28E-467C-9EA3-92D1CFAD475A}" type="slidenum">
-              <a:rPr lang="en-US" smtClean="0"/>
-              <a:t>2</a:t>
-            </a:fld>
-            <a:endParaRPr lang="en-US" dirty="0"/>
-          </a:p>
-        </p:txBody>
-      </p:sp>
-      <p:pic>
-        <p:nvPicPr>
-          <p:cNvPr id="12" name="Grafik 11">
-            <a:extLst>
-              <a:ext uri="{FF2B5EF4-FFF2-40B4-BE49-F238E27FC236}">
-                <a16:creationId xmlns:a16="http://schemas.microsoft.com/office/drawing/2014/main" id="{CF4F7C16-390D-CE0B-3B40-A21D34950F3F}"/>
-              </a:ext>
-            </a:extLst>
-          </p:cNvPr>
-          <p:cNvPicPr>
-            <a:picLocks noChangeAspect="1"/>
-          </p:cNvPicPr>
-          <p:nvPr/>
-        </p:nvPicPr>
-        <p:blipFill>
-          <a:blip r:embed="rId2">
-            <a:extLst>
-              <a:ext uri="{28A0092B-C50C-407E-A947-70E740481C1C}">
-                <a14:useLocalDpi xmlns:a14="http://schemas.microsoft.com/office/drawing/2010/main" val="0"/>
-              </a:ext>
-            </a:extLst>
-          </a:blip>
-          <a:stretch>
-            <a:fillRect/>
-          </a:stretch>
-        </p:blipFill>
-        <p:spPr>
-          <a:xfrm>
-            <a:off x="2161389" y="1495803"/>
-            <a:ext cx="7869221" cy="4752596"/>
-          </a:xfrm>
-          <a:prstGeom prst="rect">
-            <a:avLst/>
-          </a:prstGeom>
-        </p:spPr>
-      </p:pic>
-      <p:sp>
-        <p:nvSpPr>
-          <p:cNvPr id="3" name="Rectangle 2">
-            <a:extLst>
-              <a:ext uri="{FF2B5EF4-FFF2-40B4-BE49-F238E27FC236}">
-                <a16:creationId xmlns:a16="http://schemas.microsoft.com/office/drawing/2014/main" id="{C2FF1AAA-D704-0298-536A-CF4AEFC7CFFF}"/>
-              </a:ext>
-            </a:extLst>
-          </p:cNvPr>
-          <p:cNvSpPr/>
-          <p:nvPr/>
-        </p:nvSpPr>
-        <p:spPr>
-          <a:xfrm>
-            <a:off x="1869850" y="3043100"/>
-            <a:ext cx="5896800" cy="3446221"/>
-          </a:xfrm>
-          <a:prstGeom prst="rect">
-            <a:avLst/>
-          </a:prstGeom>
-          <a:noFill/>
-          <a:ln w="76200">
-            <a:solidFill>
-              <a:schemeClr val="accent1"/>
-            </a:solidFill>
-          </a:ln>
-        </p:spPr>
-        <p:style>
-          <a:lnRef idx="2">
-            <a:schemeClr val="accent1">
-              <a:shade val="50000"/>
-            </a:schemeClr>
-          </a:lnRef>
-          <a:fillRef idx="1">
-            <a:schemeClr val="accent1"/>
-          </a:fillRef>
-          <a:effectRef idx="0">
-            <a:schemeClr val="accent1"/>
-          </a:effectRef>
-          <a:fontRef idx="minor">
-            <a:schemeClr val="lt1"/>
-          </a:fontRef>
-        </p:style>
-        <p:txBody>
-          <a:bodyPr rtlCol="0" anchor="ctr"/>
-          <a:lstStyle/>
-          <a:p>
-            <a:pPr algn="ctr"/>
-            <a:endParaRPr lang="en-DE"/>
-          </a:p>
-        </p:txBody>
-      </p:sp>
-    </p:spTree>
-    <p:extLst>
-      <p:ext uri="{BB962C8B-B14F-4D97-AF65-F5344CB8AC3E}">
-        <p14:creationId xmlns:p14="http://schemas.microsoft.com/office/powerpoint/2010/main" val="3087161205"/>
-      </p:ext>
-    </p:extLst>
-  </p:cSld>
-  <p:clrMapOvr>
-    <a:masterClrMapping/>
-  </p:clrMapOvr>
-</p:sld>
-</file>
-
-<file path=ppt/slides/slide3.xml><?xml version="1.0" encoding="utf-8"?>
-<p:sld xmlns:a="http://schemas.openxmlformats.org/drawingml/2006/main" xmlns:r="http://schemas.openxmlformats.org/officeDocument/2006/relationships" xmlns:p="http://schemas.openxmlformats.org/presentationml/2006/main">
-  <p:cSld>
-    <p:spTree>
-      <p:nvGrpSpPr>
-        <p:cNvPr id="1" name=""/>
-        <p:cNvGrpSpPr/>
-        <p:nvPr/>
-      </p:nvGrpSpPr>
-      <p:grpSpPr>
-        <a:xfrm>
-          <a:off x="0" y="0"/>
-          <a:ext cx="0" cy="0"/>
-          <a:chOff x="0" y="0"/>
-          <a:chExt cx="0" cy="0"/>
-        </a:xfrm>
-      </p:grpSpPr>
-      <p:sp>
-        <p:nvSpPr>
-          <p:cNvPr id="2" name="Titel 1">
-            <a:extLst>
-              <a:ext uri="{FF2B5EF4-FFF2-40B4-BE49-F238E27FC236}">
-                <a16:creationId xmlns:a16="http://schemas.microsoft.com/office/drawing/2014/main" id="{F7C40B21-2CD5-5ADA-ACE5-D0DA6BDCF744}"/>
-              </a:ext>
-            </a:extLst>
-          </p:cNvPr>
-          <p:cNvSpPr>
-            <a:spLocks noGrp="1"/>
-          </p:cNvSpPr>
-          <p:nvPr>
-            <p:ph type="title"/>
-          </p:nvPr>
-        </p:nvSpPr>
-        <p:spPr>
-          <a:xfrm>
-            <a:off x="815929" y="2820988"/>
-            <a:ext cx="9810604" cy="1216024"/>
-          </a:xfrm>
-        </p:spPr>
-        <p:txBody>
-          <a:bodyPr/>
-          <a:lstStyle/>
-          <a:p>
-            <a:r>
-              <a:rPr lang="de-DE" dirty="0"/>
-              <a:t>HOW DO WE TRACK CHANGES </a:t>
-            </a:r>
-            <a:r>
-              <a:rPr lang="de-DE" dirty="0" err="1"/>
-              <a:t>of</a:t>
-            </a:r>
-            <a:r>
-              <a:rPr lang="de-DE" dirty="0"/>
-              <a:t> </a:t>
-            </a:r>
-            <a:r>
-              <a:rPr lang="de-DE" dirty="0" err="1"/>
-              <a:t>our</a:t>
-            </a:r>
-            <a:r>
-              <a:rPr lang="de-DE" dirty="0"/>
-              <a:t> source </a:t>
-            </a:r>
-            <a:r>
-              <a:rPr lang="de-DE" dirty="0" err="1"/>
-              <a:t>datA</a:t>
-            </a:r>
-            <a:r>
-              <a:rPr lang="de-DE" dirty="0"/>
-              <a:t> Over time?</a:t>
-            </a:r>
-          </a:p>
-        </p:txBody>
-      </p:sp>
-      <p:sp>
-        <p:nvSpPr>
-          <p:cNvPr id="5" name="Foliennummernplatzhalter 4">
-            <a:extLst>
-              <a:ext uri="{FF2B5EF4-FFF2-40B4-BE49-F238E27FC236}">
-                <a16:creationId xmlns:a16="http://schemas.microsoft.com/office/drawing/2014/main" id="{5D4F889F-FC74-0388-F08F-091050383C02}"/>
-              </a:ext>
-            </a:extLst>
-          </p:cNvPr>
-          <p:cNvSpPr>
-            <a:spLocks noGrp="1"/>
-          </p:cNvSpPr>
-          <p:nvPr>
-            <p:ph type="sldNum" sz="quarter" idx="12"/>
-          </p:nvPr>
-        </p:nvSpPr>
-        <p:spPr/>
-        <p:txBody>
-          <a:bodyPr/>
-          <a:lstStyle/>
-          <a:p>
-            <a:fld id="{9D4AEF59-F28E-467C-9EA3-92D1CFAD475A}" type="slidenum">
-              <a:rPr lang="en-US" smtClean="0"/>
-              <a:t>3</a:t>
-            </a:fld>
-            <a:endParaRPr lang="en-US" dirty="0"/>
-          </a:p>
-        </p:txBody>
-      </p:sp>
-    </p:spTree>
-    <p:extLst>
-      <p:ext uri="{BB962C8B-B14F-4D97-AF65-F5344CB8AC3E}">
-        <p14:creationId xmlns:p14="http://schemas.microsoft.com/office/powerpoint/2010/main" val="3393222124"/>
-      </p:ext>
-    </p:extLst>
-  </p:cSld>
-  <p:clrMapOvr>
-    <a:masterClrMapping/>
-  </p:clrMapOvr>
-</p:sld>
-</file>
-
-<file path=ppt/slides/slide4.xml><?xml version="1.0" encoding="utf-8"?>
-<p:sld xmlns:a="http://schemas.openxmlformats.org/drawingml/2006/main" xmlns:r="http://schemas.openxmlformats.org/officeDocument/2006/relationships" xmlns:p="http://schemas.openxmlformats.org/presentationml/2006/main">
-  <p:cSld>
-    <p:spTree>
-      <p:nvGrpSpPr>
-        <p:cNvPr id="1" name=""/>
-        <p:cNvGrpSpPr/>
-        <p:nvPr/>
-      </p:nvGrpSpPr>
-      <p:grpSpPr>
-        <a:xfrm>
-          <a:off x="0" y="0"/>
-          <a:ext cx="0" cy="0"/>
-          <a:chOff x="0" y="0"/>
-          <a:chExt cx="0" cy="0"/>
-        </a:xfrm>
-      </p:grpSpPr>
-      <p:sp>
-        <p:nvSpPr>
-          <p:cNvPr id="2" name="Titel 1">
-            <a:extLst>
-              <a:ext uri="{FF2B5EF4-FFF2-40B4-BE49-F238E27FC236}">
-                <a16:creationId xmlns:a16="http://schemas.microsoft.com/office/drawing/2014/main" id="{F7C40B21-2CD5-5ADA-ACE5-D0DA6BDCF744}"/>
-              </a:ext>
-            </a:extLst>
-          </p:cNvPr>
-          <p:cNvSpPr>
-            <a:spLocks noGrp="1"/>
-          </p:cNvSpPr>
-          <p:nvPr>
-            <p:ph type="title"/>
-          </p:nvPr>
-        </p:nvSpPr>
-        <p:spPr/>
-        <p:txBody>
-          <a:bodyPr/>
-          <a:lstStyle/>
-          <a:p>
-            <a:r>
-              <a:rPr lang="de-DE" dirty="0" err="1"/>
-              <a:t>What</a:t>
-            </a:r>
-            <a:r>
-              <a:rPr lang="de-DE" dirty="0"/>
-              <a:t> </a:t>
-            </a:r>
-            <a:r>
-              <a:rPr lang="de-DE" dirty="0" err="1"/>
-              <a:t>is</a:t>
-            </a:r>
-            <a:r>
-              <a:rPr lang="de-DE" dirty="0"/>
-              <a:t> A </a:t>
-            </a:r>
-            <a:r>
-              <a:rPr lang="de-DE" dirty="0" err="1"/>
-              <a:t>Datavault</a:t>
-            </a:r>
-            <a:r>
-              <a:rPr lang="de-DE" dirty="0"/>
-              <a:t> ?</a:t>
-            </a:r>
-          </a:p>
-        </p:txBody>
-      </p:sp>
-      <p:sp>
-        <p:nvSpPr>
-          <p:cNvPr id="5" name="Foliennummernplatzhalter 4">
-            <a:extLst>
-              <a:ext uri="{FF2B5EF4-FFF2-40B4-BE49-F238E27FC236}">
-                <a16:creationId xmlns:a16="http://schemas.microsoft.com/office/drawing/2014/main" id="{5D4F889F-FC74-0388-F08F-091050383C02}"/>
-              </a:ext>
-            </a:extLst>
-          </p:cNvPr>
-          <p:cNvSpPr>
-            <a:spLocks noGrp="1"/>
-          </p:cNvSpPr>
-          <p:nvPr>
-            <p:ph type="sldNum" sz="quarter" idx="12"/>
-          </p:nvPr>
-        </p:nvSpPr>
-        <p:spPr/>
-        <p:txBody>
-          <a:bodyPr/>
-          <a:lstStyle/>
-          <a:p>
-            <a:fld id="{9D4AEF59-F28E-467C-9EA3-92D1CFAD475A}" type="slidenum">
-              <a:rPr lang="en-US" smtClean="0"/>
-              <a:t>4</a:t>
-            </a:fld>
-            <a:endParaRPr lang="en-US" dirty="0"/>
-          </a:p>
-        </p:txBody>
-      </p:sp>
-      <p:pic>
-        <p:nvPicPr>
-          <p:cNvPr id="12" name="Grafik 11">
-            <a:extLst>
-              <a:ext uri="{FF2B5EF4-FFF2-40B4-BE49-F238E27FC236}">
-                <a16:creationId xmlns:a16="http://schemas.microsoft.com/office/drawing/2014/main" id="{CF4F7C16-390D-CE0B-3B40-A21D34950F3F}"/>
-              </a:ext>
-            </a:extLst>
-          </p:cNvPr>
-          <p:cNvPicPr>
-            <a:picLocks noChangeAspect="1"/>
-          </p:cNvPicPr>
-          <p:nvPr/>
-        </p:nvPicPr>
-        <p:blipFill rotWithShape="1">
-          <a:blip r:embed="rId2">
-            <a:extLst>
-              <a:ext uri="{28A0092B-C50C-407E-A947-70E740481C1C}">
-                <a14:useLocalDpi xmlns:a14="http://schemas.microsoft.com/office/drawing/2010/main" val="0"/>
-              </a:ext>
-            </a:extLst>
-          </a:blip>
-          <a:srcRect t="35599" r="28697"/>
-          <a:stretch/>
-        </p:blipFill>
-        <p:spPr>
-          <a:xfrm>
-            <a:off x="7988833" y="609601"/>
-            <a:ext cx="2677451" cy="1460498"/>
-          </a:xfrm>
-          <a:prstGeom prst="rect">
-            <a:avLst/>
-          </a:prstGeom>
-        </p:spPr>
-      </p:pic>
-      <p:sp>
-        <p:nvSpPr>
-          <p:cNvPr id="4" name="Rectangle 3">
-            <a:extLst>
-              <a:ext uri="{FF2B5EF4-FFF2-40B4-BE49-F238E27FC236}">
-                <a16:creationId xmlns:a16="http://schemas.microsoft.com/office/drawing/2014/main" id="{60A11645-0EDA-2643-C054-690CAC81BADB}"/>
-              </a:ext>
-            </a:extLst>
-          </p:cNvPr>
-          <p:cNvSpPr/>
-          <p:nvPr/>
-        </p:nvSpPr>
-        <p:spPr>
-          <a:xfrm rot="3022554">
-            <a:off x="9680711" y="387392"/>
-            <a:ext cx="435887" cy="342399"/>
-          </a:xfrm>
-          <a:prstGeom prst="rect">
-            <a:avLst/>
-          </a:prstGeom>
-          <a:solidFill>
-            <a:schemeClr val="bg1"/>
-          </a:solidFill>
-          <a:ln>
-            <a:noFill/>
-          </a:ln>
-        </p:spPr>
-        <p:style>
-          <a:lnRef idx="2">
-            <a:schemeClr val="accent1">
-              <a:shade val="50000"/>
-            </a:schemeClr>
-          </a:lnRef>
-          <a:fillRef idx="1">
-            <a:schemeClr val="accent1"/>
-          </a:fillRef>
-          <a:effectRef idx="0">
-            <a:schemeClr val="accent1"/>
-          </a:effectRef>
-          <a:fontRef idx="minor">
-            <a:schemeClr val="lt1"/>
-          </a:fontRef>
-        </p:style>
-        <p:txBody>
-          <a:bodyPr rtlCol="0" anchor="ctr"/>
-          <a:lstStyle/>
-          <a:p>
-            <a:pPr algn="ctr"/>
-            <a:endParaRPr lang="en-DE" dirty="0"/>
-          </a:p>
-        </p:txBody>
-      </p:sp>
-      <p:sp>
-        <p:nvSpPr>
-          <p:cNvPr id="7" name="Rectangle 6">
-            <a:extLst>
-              <a:ext uri="{FF2B5EF4-FFF2-40B4-BE49-F238E27FC236}">
-                <a16:creationId xmlns:a16="http://schemas.microsoft.com/office/drawing/2014/main" id="{58FCB3CC-291A-CF84-955F-53FFA6F022A9}"/>
-              </a:ext>
-            </a:extLst>
-          </p:cNvPr>
-          <p:cNvSpPr/>
-          <p:nvPr/>
-        </p:nvSpPr>
-        <p:spPr>
-          <a:xfrm rot="2522694">
-            <a:off x="10179997" y="496476"/>
-            <a:ext cx="579591" cy="342399"/>
-          </a:xfrm>
-          <a:prstGeom prst="rect">
-            <a:avLst/>
-          </a:prstGeom>
-          <a:solidFill>
-            <a:schemeClr val="bg1"/>
-          </a:solidFill>
-          <a:ln>
-            <a:noFill/>
-          </a:ln>
-        </p:spPr>
-        <p:style>
-          <a:lnRef idx="2">
-            <a:schemeClr val="accent1">
-              <a:shade val="50000"/>
-            </a:schemeClr>
-          </a:lnRef>
-          <a:fillRef idx="1">
-            <a:schemeClr val="accent1"/>
-          </a:fillRef>
-          <a:effectRef idx="0">
-            <a:schemeClr val="accent1"/>
-          </a:effectRef>
-          <a:fontRef idx="minor">
-            <a:schemeClr val="lt1"/>
-          </a:fontRef>
-        </p:style>
-        <p:txBody>
-          <a:bodyPr rtlCol="0" anchor="ctr"/>
-          <a:lstStyle/>
-          <a:p>
-            <a:pPr algn="ctr"/>
-            <a:endParaRPr lang="en-DE" dirty="0"/>
-          </a:p>
-        </p:txBody>
-      </p:sp>
-      <p:sp>
-        <p:nvSpPr>
-          <p:cNvPr id="8" name="Rectangle 7">
-            <a:extLst>
-              <a:ext uri="{FF2B5EF4-FFF2-40B4-BE49-F238E27FC236}">
-                <a16:creationId xmlns:a16="http://schemas.microsoft.com/office/drawing/2014/main" id="{755A2FAF-18C4-EF2C-9BB1-0F5DB4CCCEB1}"/>
-              </a:ext>
-            </a:extLst>
-          </p:cNvPr>
-          <p:cNvSpPr/>
-          <p:nvPr/>
-        </p:nvSpPr>
-        <p:spPr>
-          <a:xfrm>
-            <a:off x="10443174" y="957842"/>
-            <a:ext cx="289795" cy="261595"/>
-          </a:xfrm>
-          <a:prstGeom prst="rect">
-            <a:avLst/>
-          </a:prstGeom>
-          <a:solidFill>
-            <a:schemeClr val="bg1"/>
-          </a:solidFill>
-          <a:ln>
-            <a:noFill/>
-          </a:ln>
-        </p:spPr>
-        <p:style>
-          <a:lnRef idx="2">
-            <a:schemeClr val="accent1">
-              <a:shade val="50000"/>
-            </a:schemeClr>
-          </a:lnRef>
-          <a:fillRef idx="1">
-            <a:schemeClr val="accent1"/>
-          </a:fillRef>
-          <a:effectRef idx="0">
-            <a:schemeClr val="accent1"/>
-          </a:effectRef>
-          <a:fontRef idx="minor">
-            <a:schemeClr val="lt1"/>
-          </a:fontRef>
-        </p:style>
-        <p:txBody>
-          <a:bodyPr rtlCol="0" anchor="ctr"/>
-          <a:lstStyle/>
-          <a:p>
-            <a:pPr algn="ctr"/>
-            <a:endParaRPr lang="en-DE" dirty="0"/>
-          </a:p>
-        </p:txBody>
-      </p:sp>
-      <p:sp>
-        <p:nvSpPr>
-          <p:cNvPr id="9" name="Rectangle 8">
-            <a:extLst>
-              <a:ext uri="{FF2B5EF4-FFF2-40B4-BE49-F238E27FC236}">
-                <a16:creationId xmlns:a16="http://schemas.microsoft.com/office/drawing/2014/main" id="{9CC206AE-B2CF-2A7C-48F9-8127583AAF21}"/>
-              </a:ext>
-            </a:extLst>
-          </p:cNvPr>
-          <p:cNvSpPr/>
-          <p:nvPr/>
-        </p:nvSpPr>
-        <p:spPr>
-          <a:xfrm rot="19086268">
-            <a:off x="10521386" y="957843"/>
-            <a:ext cx="289795" cy="261595"/>
-          </a:xfrm>
-          <a:prstGeom prst="rect">
-            <a:avLst/>
-          </a:prstGeom>
-          <a:solidFill>
-            <a:schemeClr val="bg1"/>
-          </a:solidFill>
-          <a:ln>
-            <a:noFill/>
-          </a:ln>
-        </p:spPr>
-        <p:style>
-          <a:lnRef idx="2">
-            <a:schemeClr val="accent1">
-              <a:shade val="50000"/>
-            </a:schemeClr>
-          </a:lnRef>
-          <a:fillRef idx="1">
-            <a:schemeClr val="accent1"/>
-          </a:fillRef>
-          <a:effectRef idx="0">
-            <a:schemeClr val="accent1"/>
-          </a:effectRef>
-          <a:fontRef idx="minor">
-            <a:schemeClr val="lt1"/>
-          </a:fontRef>
-        </p:style>
-        <p:txBody>
-          <a:bodyPr rtlCol="0" anchor="ctr"/>
-          <a:lstStyle/>
-          <a:p>
-            <a:pPr algn="ctr"/>
-            <a:endParaRPr lang="en-DE" dirty="0"/>
-          </a:p>
-        </p:txBody>
-      </p:sp>
-      <p:pic>
-        <p:nvPicPr>
-          <p:cNvPr id="2050" name="Picture 2" descr="3 Ways to Build An ETL Process with Examples | Panoply">
-            <a:extLst>
-              <a:ext uri="{FF2B5EF4-FFF2-40B4-BE49-F238E27FC236}">
-                <a16:creationId xmlns:a16="http://schemas.microsoft.com/office/drawing/2014/main" id="{DDB3D72E-4B5F-40DD-1AC4-0FFE19BA92B3}"/>
-              </a:ext>
-            </a:extLst>
-          </p:cNvPr>
-          <p:cNvPicPr>
-            <a:picLocks noChangeAspect="1" noChangeArrowheads="1"/>
-          </p:cNvPicPr>
-          <p:nvPr/>
-        </p:nvPicPr>
-        <p:blipFill rotWithShape="1">
-          <a:blip r:embed="rId3">
-            <a:extLst>
-              <a:ext uri="{28A0092B-C50C-407E-A947-70E740481C1C}">
-                <a14:useLocalDpi xmlns:a14="http://schemas.microsoft.com/office/drawing/2010/main" val="0"/>
-              </a:ext>
-            </a:extLst>
-          </a:blip>
-          <a:srcRect r="55304"/>
-          <a:stretch/>
-        </p:blipFill>
-        <p:spPr bwMode="auto">
-          <a:xfrm>
-            <a:off x="1446536" y="2952750"/>
-            <a:ext cx="2183039" cy="1673161"/>
-          </a:xfrm>
-          <a:prstGeom prst="rect">
-            <a:avLst/>
-          </a:prstGeom>
-          <a:noFill/>
-          <a:extLst>
-            <a:ext uri="{909E8E84-426E-40DD-AFC4-6F175D3DCCD1}">
-              <a14:hiddenFill xmlns:a14="http://schemas.microsoft.com/office/drawing/2010/main">
-                <a:solidFill>
-                  <a:srgbClr val="FFFFFF"/>
-                </a:solidFill>
-              </a14:hiddenFill>
-            </a:ext>
-          </a:extLst>
-        </p:spPr>
-      </p:pic>
-      <p:pic>
-        <p:nvPicPr>
-          <p:cNvPr id="13" name="Picture 2" descr="3 Ways to Build An ETL Process with Examples | Panoply">
-            <a:extLst>
-              <a:ext uri="{FF2B5EF4-FFF2-40B4-BE49-F238E27FC236}">
-                <a16:creationId xmlns:a16="http://schemas.microsoft.com/office/drawing/2014/main" id="{19AD32B9-2353-4EED-B2E9-C5729A48D9E1}"/>
-              </a:ext>
-            </a:extLst>
-          </p:cNvPr>
-          <p:cNvPicPr>
-            <a:picLocks noChangeAspect="1" noChangeArrowheads="1"/>
-          </p:cNvPicPr>
-          <p:nvPr/>
-        </p:nvPicPr>
-        <p:blipFill rotWithShape="1">
-          <a:blip r:embed="rId3">
-            <a:extLst>
-              <a:ext uri="{28A0092B-C50C-407E-A947-70E740481C1C}">
-                <a14:useLocalDpi xmlns:a14="http://schemas.microsoft.com/office/drawing/2010/main" val="0"/>
-              </a:ext>
-            </a:extLst>
-          </a:blip>
-          <a:srcRect l="74588"/>
-          <a:stretch/>
-        </p:blipFill>
-        <p:spPr bwMode="auto">
-          <a:xfrm>
-            <a:off x="3788882" y="2952750"/>
-            <a:ext cx="1311823" cy="1768411"/>
-          </a:xfrm>
-          <a:prstGeom prst="rect">
-            <a:avLst/>
-          </a:prstGeom>
-          <a:noFill/>
-          <a:extLst>
-            <a:ext uri="{909E8E84-426E-40DD-AFC4-6F175D3DCCD1}">
-              <a14:hiddenFill xmlns:a14="http://schemas.microsoft.com/office/drawing/2010/main">
-                <a:solidFill>
-                  <a:srgbClr val="FFFFFF"/>
-                </a:solidFill>
-              </a14:hiddenFill>
-            </a:ext>
-          </a:extLst>
-        </p:spPr>
-      </p:pic>
-      <p:sp>
-        <p:nvSpPr>
-          <p:cNvPr id="14" name="Rectangle 13">
-            <a:extLst>
-              <a:ext uri="{FF2B5EF4-FFF2-40B4-BE49-F238E27FC236}">
-                <a16:creationId xmlns:a16="http://schemas.microsoft.com/office/drawing/2014/main" id="{3CF4B695-324C-3B8F-0F32-798F54F06F28}"/>
-              </a:ext>
-            </a:extLst>
-          </p:cNvPr>
-          <p:cNvSpPr/>
-          <p:nvPr/>
-        </p:nvSpPr>
-        <p:spPr>
-          <a:xfrm>
-            <a:off x="2917666" y="2742192"/>
-            <a:ext cx="805297" cy="559808"/>
-          </a:xfrm>
-          <a:prstGeom prst="rect">
-            <a:avLst/>
-          </a:prstGeom>
-          <a:solidFill>
-            <a:schemeClr val="bg1"/>
-          </a:solidFill>
-          <a:ln>
-            <a:noFill/>
-          </a:ln>
-        </p:spPr>
-        <p:style>
-          <a:lnRef idx="2">
-            <a:schemeClr val="accent1">
-              <a:shade val="50000"/>
-            </a:schemeClr>
-          </a:lnRef>
-          <a:fillRef idx="1">
-            <a:schemeClr val="accent1"/>
-          </a:fillRef>
-          <a:effectRef idx="0">
-            <a:schemeClr val="accent1"/>
-          </a:effectRef>
-          <a:fontRef idx="minor">
-            <a:schemeClr val="lt1"/>
-          </a:fontRef>
-        </p:style>
-        <p:txBody>
-          <a:bodyPr rtlCol="0" anchor="ctr"/>
-          <a:lstStyle/>
-          <a:p>
-            <a:pPr algn="ctr"/>
-            <a:endParaRPr lang="en-DE" dirty="0"/>
-          </a:p>
-        </p:txBody>
-      </p:sp>
-      <p:pic>
-        <p:nvPicPr>
-          <p:cNvPr id="15" name="Picture 2" descr="3 Ways to Build An ETL Process with Examples | Panoply">
-            <a:extLst>
-              <a:ext uri="{FF2B5EF4-FFF2-40B4-BE49-F238E27FC236}">
-                <a16:creationId xmlns:a16="http://schemas.microsoft.com/office/drawing/2014/main" id="{87810C14-4581-201B-9F5F-73E698FBF5BE}"/>
-              </a:ext>
-            </a:extLst>
-          </p:cNvPr>
-          <p:cNvPicPr>
-            <a:picLocks noChangeAspect="1" noChangeArrowheads="1"/>
-          </p:cNvPicPr>
-          <p:nvPr/>
-        </p:nvPicPr>
-        <p:blipFill rotWithShape="1">
-          <a:blip r:embed="rId3">
-            <a:extLst>
-              <a:ext uri="{28A0092B-C50C-407E-A947-70E740481C1C}">
-                <a14:useLocalDpi xmlns:a14="http://schemas.microsoft.com/office/drawing/2010/main" val="0"/>
-              </a:ext>
-            </a:extLst>
-          </a:blip>
-          <a:srcRect l="16519"/>
-          <a:stretch/>
-        </p:blipFill>
-        <p:spPr bwMode="auto">
-          <a:xfrm>
-            <a:off x="5260012" y="2952750"/>
-            <a:ext cx="4254500" cy="1768411"/>
-          </a:xfrm>
-          <a:prstGeom prst="rect">
-            <a:avLst/>
-          </a:prstGeom>
-          <a:noFill/>
-          <a:extLst>
-            <a:ext uri="{909E8E84-426E-40DD-AFC4-6F175D3DCCD1}">
-              <a14:hiddenFill xmlns:a14="http://schemas.microsoft.com/office/drawing/2010/main">
-                <a:solidFill>
-                  <a:srgbClr val="FFFFFF"/>
-                </a:solidFill>
-              </a14:hiddenFill>
-            </a:ext>
-          </a:extLst>
-        </p:spPr>
-      </p:pic>
-      <p:sp>
-        <p:nvSpPr>
-          <p:cNvPr id="16" name="TextBox 15">
-            <a:extLst>
-              <a:ext uri="{FF2B5EF4-FFF2-40B4-BE49-F238E27FC236}">
-                <a16:creationId xmlns:a16="http://schemas.microsoft.com/office/drawing/2014/main" id="{2C7EF62F-8527-4E13-5EBA-E92D6869DCCD}"/>
-              </a:ext>
-            </a:extLst>
-          </p:cNvPr>
-          <p:cNvSpPr txBox="1"/>
-          <p:nvPr/>
-        </p:nvSpPr>
-        <p:spPr>
-          <a:xfrm>
-            <a:off x="190500" y="6439721"/>
-            <a:ext cx="2880725" cy="276999"/>
-          </a:xfrm>
-          <a:prstGeom prst="rect">
-            <a:avLst/>
-          </a:prstGeom>
-          <a:noFill/>
-        </p:spPr>
-        <p:txBody>
-          <a:bodyPr wrap="none" rtlCol="0">
-            <a:spAutoFit/>
-          </a:bodyPr>
-          <a:lstStyle/>
-          <a:p>
-            <a:r>
-              <a:rPr lang="en-DE" sz="1200" dirty="0"/>
-              <a:t>Image: </a:t>
-            </a:r>
-            <a:r>
-              <a:rPr lang="en-GB" sz="1200" dirty="0"/>
-              <a:t>https://</a:t>
-            </a:r>
-            <a:r>
-              <a:rPr lang="en-GB" sz="1200" dirty="0" err="1"/>
-              <a:t>panoply.io</a:t>
-            </a:r>
-            <a:r>
-              <a:rPr lang="en-GB" sz="1200" dirty="0"/>
-              <a:t>/uploads/etl-1.png</a:t>
-            </a:r>
-            <a:endParaRPr lang="en-DE" sz="1200" dirty="0"/>
-          </a:p>
-        </p:txBody>
-      </p:sp>
-    </p:spTree>
-    <p:extLst>
-      <p:ext uri="{BB962C8B-B14F-4D97-AF65-F5344CB8AC3E}">
-        <p14:creationId xmlns:p14="http://schemas.microsoft.com/office/powerpoint/2010/main" val="2763938427"/>
-      </p:ext>
-    </p:extLst>
-  </p:cSld>
-  <p:clrMapOvr>
-    <a:masterClrMapping/>
-  </p:clrMapOvr>
-</p:sld>
-</file>
-
-<file path=ppt/slides/slide5.xml><?xml version="1.0" encoding="utf-8"?>
-<p:sld xmlns:a="http://schemas.openxmlformats.org/drawingml/2006/main" xmlns:r="http://schemas.openxmlformats.org/officeDocument/2006/relationships" xmlns:p="http://schemas.openxmlformats.org/presentationml/2006/main">
-  <p:cSld>
-    <p:spTree>
-      <p:nvGrpSpPr>
-        <p:cNvPr id="1" name=""/>
-        <p:cNvGrpSpPr/>
-        <p:nvPr/>
-      </p:nvGrpSpPr>
-      <p:grpSpPr>
-        <a:xfrm>
-          <a:off x="0" y="0"/>
-          <a:ext cx="0" cy="0"/>
-          <a:chOff x="0" y="0"/>
-          <a:chExt cx="0" cy="0"/>
-        </a:xfrm>
-      </p:grpSpPr>
-      <p:sp>
-        <p:nvSpPr>
-          <p:cNvPr id="2" name="Title 1">
-            <a:extLst>
-              <a:ext uri="{FF2B5EF4-FFF2-40B4-BE49-F238E27FC236}">
-                <a16:creationId xmlns:a16="http://schemas.microsoft.com/office/drawing/2014/main" id="{958FB1EE-1163-C220-C2C4-EDC8965ED894}"/>
-              </a:ext>
-            </a:extLst>
-          </p:cNvPr>
-          <p:cNvSpPr>
-            <a:spLocks noGrp="1"/>
-          </p:cNvSpPr>
-          <p:nvPr>
-            <p:ph type="title"/>
-          </p:nvPr>
-        </p:nvSpPr>
-        <p:spPr/>
-        <p:txBody>
-          <a:bodyPr/>
-          <a:lstStyle/>
-          <a:p>
-            <a:r>
-              <a:rPr lang="en-DE" dirty="0"/>
-              <a:t>Model</a:t>
-            </a:r>
-          </a:p>
-        </p:txBody>
-      </p:sp>
-      <p:sp>
-        <p:nvSpPr>
-          <p:cNvPr id="3" name="Content Placeholder 2">
-            <a:extLst>
-              <a:ext uri="{FF2B5EF4-FFF2-40B4-BE49-F238E27FC236}">
-                <a16:creationId xmlns:a16="http://schemas.microsoft.com/office/drawing/2014/main" id="{D8B320F9-A6E9-9162-102B-CCC5BB9C2922}"/>
-              </a:ext>
-            </a:extLst>
-          </p:cNvPr>
-          <p:cNvSpPr>
-            <a:spLocks noGrp="1"/>
-          </p:cNvSpPr>
-          <p:nvPr>
-            <p:ph idx="1"/>
-          </p:nvPr>
-        </p:nvSpPr>
-        <p:spPr/>
-        <p:txBody>
-          <a:bodyPr>
-            <a:normAutofit/>
-          </a:bodyPr>
-          <a:lstStyle/>
-          <a:p>
-            <a:pPr marL="0" indent="0">
-              <a:spcBef>
-                <a:spcPts val="300"/>
-              </a:spcBef>
-              <a:buNone/>
-            </a:pPr>
-            <a:r>
-              <a:rPr lang="en-GB" sz="1200" dirty="0">
-                <a:latin typeface="Consolas" panose="020B0609020204030204" pitchFamily="49" charset="0"/>
-                <a:cs typeface="Consolas" panose="020B0609020204030204" pitchFamily="49" charset="0"/>
-              </a:rPr>
-              <a:t>crops:</a:t>
-            </a:r>
-          </a:p>
-          <a:p>
-            <a:pPr marL="0" indent="0">
-              <a:spcBef>
-                <a:spcPts val="300"/>
-              </a:spcBef>
-              <a:buNone/>
-            </a:pPr>
-            <a:r>
-              <a:rPr lang="en-GB" sz="1200" dirty="0">
-                <a:latin typeface="Consolas" panose="020B0609020204030204" pitchFamily="49" charset="0"/>
-                <a:cs typeface="Consolas" panose="020B0609020204030204" pitchFamily="49" charset="0"/>
-              </a:rPr>
-              <a:t>+------+----------+-------------------+</a:t>
-            </a:r>
-          </a:p>
-          <a:p>
-            <a:pPr marL="0" indent="0">
-              <a:spcBef>
-                <a:spcPts val="300"/>
-              </a:spcBef>
-              <a:buNone/>
-            </a:pPr>
-            <a:r>
-              <a:rPr lang="en-GB" sz="1200" dirty="0">
-                <a:latin typeface="Consolas" panose="020B0609020204030204" pitchFamily="49" charset="0"/>
-                <a:cs typeface="Consolas" panose="020B0609020204030204" pitchFamily="49" charset="0"/>
-              </a:rPr>
-              <a:t>| id   | crop     | </a:t>
-            </a:r>
-            <a:r>
-              <a:rPr lang="en-GB" sz="1200" dirty="0" err="1">
-                <a:latin typeface="Consolas" panose="020B0609020204030204" pitchFamily="49" charset="0"/>
-                <a:cs typeface="Consolas" panose="020B0609020204030204" pitchFamily="49" charset="0"/>
-              </a:rPr>
-              <a:t>water_consumption</a:t>
-            </a:r>
-            <a:r>
-              <a:rPr lang="en-GB" sz="1200" dirty="0">
-                <a:latin typeface="Consolas" panose="020B0609020204030204" pitchFamily="49" charset="0"/>
-                <a:cs typeface="Consolas" panose="020B0609020204030204" pitchFamily="49" charset="0"/>
-              </a:rPr>
-              <a:t> |</a:t>
-            </a:r>
-          </a:p>
-          <a:p>
-            <a:pPr marL="0" indent="0">
-              <a:spcBef>
-                <a:spcPts val="300"/>
-              </a:spcBef>
-              <a:buNone/>
-            </a:pPr>
-            <a:r>
-              <a:rPr lang="en-GB" sz="1200" dirty="0">
-                <a:latin typeface="Consolas" panose="020B0609020204030204" pitchFamily="49" charset="0"/>
-                <a:cs typeface="Consolas" panose="020B0609020204030204" pitchFamily="49" charset="0"/>
-              </a:rPr>
-              <a:t>+------+----------+-------------------+</a:t>
-            </a:r>
-          </a:p>
-          <a:p>
-            <a:pPr marL="0" indent="0">
-              <a:spcBef>
-                <a:spcPts val="300"/>
-              </a:spcBef>
-              <a:buNone/>
-            </a:pPr>
-            <a:r>
-              <a:rPr lang="en-GB" sz="1200" dirty="0">
-                <a:latin typeface="Consolas" panose="020B0609020204030204" pitchFamily="49" charset="0"/>
-                <a:cs typeface="Consolas" panose="020B0609020204030204" pitchFamily="49" charset="0"/>
-              </a:rPr>
-              <a:t>| C-1  | tomato   | 10                |</a:t>
-            </a:r>
-          </a:p>
-          <a:p>
-            <a:pPr marL="0" indent="0">
-              <a:spcBef>
-                <a:spcPts val="300"/>
-              </a:spcBef>
-              <a:buNone/>
-            </a:pPr>
-            <a:r>
-              <a:rPr lang="en-GB" sz="1200" dirty="0">
-                <a:latin typeface="Consolas" panose="020B0609020204030204" pitchFamily="49" charset="0"/>
-                <a:cs typeface="Consolas" panose="020B0609020204030204" pitchFamily="49" charset="0"/>
-              </a:rPr>
-              <a:t>+------+----------+-------------------+</a:t>
-            </a:r>
-          </a:p>
-          <a:p>
-            <a:pPr marL="0" indent="0">
-              <a:spcBef>
-                <a:spcPts val="300"/>
-              </a:spcBef>
-              <a:buNone/>
-            </a:pPr>
-            <a:r>
-              <a:rPr lang="en-GB" sz="1200" dirty="0">
-                <a:latin typeface="Consolas" panose="020B0609020204030204" pitchFamily="49" charset="0"/>
-                <a:cs typeface="Consolas" panose="020B0609020204030204" pitchFamily="49" charset="0"/>
-              </a:rPr>
-              <a:t>| C-2  | cucumber | 15                |</a:t>
-            </a:r>
-          </a:p>
-          <a:p>
-            <a:pPr marL="0" indent="0">
-              <a:spcBef>
-                <a:spcPts val="300"/>
-              </a:spcBef>
-              <a:buNone/>
-            </a:pPr>
-            <a:r>
-              <a:rPr lang="en-GB" sz="1200" dirty="0">
-                <a:latin typeface="Consolas" panose="020B0609020204030204" pitchFamily="49" charset="0"/>
-                <a:cs typeface="Consolas" panose="020B0609020204030204" pitchFamily="49" charset="0"/>
-              </a:rPr>
-              <a:t>+------+----------+-------------------+</a:t>
-            </a:r>
-          </a:p>
-          <a:p>
-            <a:pPr marL="0" indent="0">
-              <a:spcBef>
-                <a:spcPts val="300"/>
-              </a:spcBef>
-              <a:buNone/>
-            </a:pPr>
-            <a:endParaRPr lang="en-GB" sz="1200" dirty="0">
-              <a:latin typeface="Consolas" panose="020B0609020204030204" pitchFamily="49" charset="0"/>
-              <a:cs typeface="Consolas" panose="020B0609020204030204" pitchFamily="49" charset="0"/>
-            </a:endParaRPr>
-          </a:p>
-          <a:p>
-            <a:pPr marL="0" indent="0">
-              <a:spcBef>
-                <a:spcPts val="300"/>
-              </a:spcBef>
-              <a:buNone/>
-            </a:pPr>
-            <a:r>
-              <a:rPr lang="en-GB" sz="1200" dirty="0">
-                <a:latin typeface="Consolas" panose="020B0609020204030204" pitchFamily="49" charset="0"/>
-                <a:cs typeface="Consolas" panose="020B0609020204030204" pitchFamily="49" charset="0"/>
-              </a:rPr>
-              <a:t>fields:</a:t>
-            </a:r>
-          </a:p>
-          <a:p>
-            <a:pPr marL="0" indent="0">
-              <a:spcBef>
-                <a:spcPts val="300"/>
-              </a:spcBef>
-              <a:buNone/>
-            </a:pPr>
-            <a:r>
-              <a:rPr lang="en-GB" sz="1200" dirty="0">
-                <a:latin typeface="Consolas" panose="020B0609020204030204" pitchFamily="49" charset="0"/>
-                <a:cs typeface="Consolas" panose="020B0609020204030204" pitchFamily="49" charset="0"/>
-              </a:rPr>
-              <a:t>+------+-------+----------+</a:t>
-            </a:r>
-          </a:p>
-          <a:p>
-            <a:pPr marL="0" indent="0">
-              <a:spcBef>
-                <a:spcPts val="300"/>
-              </a:spcBef>
-              <a:buNone/>
-            </a:pPr>
-            <a:r>
-              <a:rPr lang="en-GB" sz="1200" dirty="0">
-                <a:latin typeface="Consolas" panose="020B0609020204030204" pitchFamily="49" charset="0"/>
-                <a:cs typeface="Consolas" panose="020B0609020204030204" pitchFamily="49" charset="0"/>
-              </a:rPr>
-              <a:t>| id   | field | </a:t>
-            </a:r>
-            <a:r>
-              <a:rPr lang="en-GB" sz="1200" dirty="0" err="1">
-                <a:latin typeface="Consolas" panose="020B0609020204030204" pitchFamily="49" charset="0"/>
-                <a:cs typeface="Consolas" panose="020B0609020204030204" pitchFamily="49" charset="0"/>
-              </a:rPr>
-              <a:t>crop_id</a:t>
-            </a:r>
-            <a:r>
-              <a:rPr lang="en-GB" sz="1200" dirty="0">
-                <a:latin typeface="Consolas" panose="020B0609020204030204" pitchFamily="49" charset="0"/>
-                <a:cs typeface="Consolas" panose="020B0609020204030204" pitchFamily="49" charset="0"/>
-              </a:rPr>
-              <a:t>  |</a:t>
-            </a:r>
-          </a:p>
-          <a:p>
-            <a:pPr marL="0" indent="0">
-              <a:spcBef>
-                <a:spcPts val="300"/>
-              </a:spcBef>
-              <a:buNone/>
-            </a:pPr>
-            <a:r>
-              <a:rPr lang="en-GB" sz="1200" dirty="0">
-                <a:latin typeface="Consolas" panose="020B0609020204030204" pitchFamily="49" charset="0"/>
-                <a:cs typeface="Consolas" panose="020B0609020204030204" pitchFamily="49" charset="0"/>
-              </a:rPr>
-              <a:t>+------+-------+----------+</a:t>
-            </a:r>
-          </a:p>
-          <a:p>
-            <a:pPr marL="0" indent="0">
-              <a:spcBef>
-                <a:spcPts val="300"/>
-              </a:spcBef>
-              <a:buNone/>
-            </a:pPr>
-            <a:r>
-              <a:rPr lang="en-GB" sz="1200" dirty="0">
-                <a:latin typeface="Consolas" panose="020B0609020204030204" pitchFamily="49" charset="0"/>
-                <a:cs typeface="Consolas" panose="020B0609020204030204" pitchFamily="49" charset="0"/>
-              </a:rPr>
-              <a:t>| F-5  | small | 2        |</a:t>
-            </a:r>
-          </a:p>
-          <a:p>
-            <a:pPr marL="0" indent="0">
-              <a:spcBef>
-                <a:spcPts val="300"/>
-              </a:spcBef>
-              <a:buNone/>
-            </a:pPr>
-            <a:r>
-              <a:rPr lang="en-GB" sz="1200" dirty="0">
-                <a:latin typeface="Consolas" panose="020B0609020204030204" pitchFamily="49" charset="0"/>
-                <a:cs typeface="Consolas" panose="020B0609020204030204" pitchFamily="49" charset="0"/>
-              </a:rPr>
-              <a:t>+------+-------+----------+</a:t>
-            </a:r>
-          </a:p>
-          <a:p>
-            <a:pPr marL="0" indent="0">
-              <a:spcBef>
-                <a:spcPts val="300"/>
-              </a:spcBef>
-              <a:buNone/>
-            </a:pPr>
-            <a:r>
-              <a:rPr lang="en-GB" sz="1200" dirty="0">
-                <a:latin typeface="Consolas" panose="020B0609020204030204" pitchFamily="49" charset="0"/>
-                <a:cs typeface="Consolas" panose="020B0609020204030204" pitchFamily="49" charset="0"/>
-              </a:rPr>
-              <a:t>| F-6  | big   | 1        |</a:t>
-            </a:r>
-          </a:p>
-          <a:p>
-            <a:pPr marL="0" indent="0">
-              <a:spcBef>
-                <a:spcPts val="300"/>
-              </a:spcBef>
-              <a:buNone/>
-            </a:pPr>
-            <a:r>
-              <a:rPr lang="en-GB" sz="1200" dirty="0">
-                <a:latin typeface="Consolas" panose="020B0609020204030204" pitchFamily="49" charset="0"/>
-                <a:cs typeface="Consolas" panose="020B0609020204030204" pitchFamily="49" charset="0"/>
-              </a:rPr>
-              <a:t>+------+-------+----------+</a:t>
-            </a:r>
-            <a:endParaRPr lang="en-DE" sz="1200" dirty="0">
-              <a:latin typeface="Consolas" panose="020B0609020204030204" pitchFamily="49" charset="0"/>
-              <a:cs typeface="Consolas" panose="020B0609020204030204" pitchFamily="49" charset="0"/>
-            </a:endParaRPr>
-          </a:p>
-        </p:txBody>
-      </p:sp>
-      <p:sp>
-        <p:nvSpPr>
-          <p:cNvPr id="4" name="Slide Number Placeholder 3">
-            <a:extLst>
-              <a:ext uri="{FF2B5EF4-FFF2-40B4-BE49-F238E27FC236}">
-                <a16:creationId xmlns:a16="http://schemas.microsoft.com/office/drawing/2014/main" id="{C80BB05B-FEE3-4D8C-8E10-856797D53C68}"/>
-              </a:ext>
-            </a:extLst>
-          </p:cNvPr>
-          <p:cNvSpPr>
-            <a:spLocks noGrp="1"/>
-          </p:cNvSpPr>
-          <p:nvPr>
-            <p:ph type="sldNum" sz="quarter" idx="12"/>
-          </p:nvPr>
-        </p:nvSpPr>
-        <p:spPr/>
-        <p:txBody>
-          <a:bodyPr/>
-          <a:lstStyle/>
-          <a:p>
-            <a:fld id="{9D4AEF59-F28E-467C-9EA3-92D1CFAD475A}" type="slidenum">
-              <a:rPr lang="en-US" smtClean="0"/>
-              <a:t>5</a:t>
-            </a:fld>
-            <a:endParaRPr lang="en-US" dirty="0"/>
-          </a:p>
-        </p:txBody>
-      </p:sp>
-      <p:sp>
-        <p:nvSpPr>
-          <p:cNvPr id="5" name="TextBox 4">
-            <a:extLst>
-              <a:ext uri="{FF2B5EF4-FFF2-40B4-BE49-F238E27FC236}">
-                <a16:creationId xmlns:a16="http://schemas.microsoft.com/office/drawing/2014/main" id="{6AD89E97-E40C-DC86-FE63-C2AAFA62B7FE}"/>
-              </a:ext>
-            </a:extLst>
-          </p:cNvPr>
-          <p:cNvSpPr txBox="1"/>
-          <p:nvPr/>
-        </p:nvSpPr>
-        <p:spPr>
-          <a:xfrm>
-            <a:off x="6375400" y="2025650"/>
-            <a:ext cx="4203700" cy="1754326"/>
-          </a:xfrm>
-          <a:prstGeom prst="rect">
-            <a:avLst/>
-          </a:prstGeom>
-          <a:noFill/>
-        </p:spPr>
-        <p:txBody>
-          <a:bodyPr wrap="square" rtlCol="0">
-            <a:spAutoFit/>
-          </a:bodyPr>
-          <a:lstStyle/>
-          <a:p>
-            <a:r>
-              <a:rPr lang="en-DE" dirty="0"/>
-              <a:t>Tomatos now have a water consumption of 12 liters/day.</a:t>
-            </a:r>
-          </a:p>
-          <a:p>
-            <a:endParaRPr lang="en-DE" dirty="0"/>
-          </a:p>
-          <a:p>
-            <a:r>
-              <a:rPr lang="en-DE" dirty="0"/>
-              <a:t>How can we communicate our stakeholders that yesterdays analysis contained a different value?</a:t>
-            </a:r>
-          </a:p>
-        </p:txBody>
-      </p:sp>
-      <p:cxnSp>
-        <p:nvCxnSpPr>
-          <p:cNvPr id="7" name="Straight Arrow Connector 6">
-            <a:extLst>
-              <a:ext uri="{FF2B5EF4-FFF2-40B4-BE49-F238E27FC236}">
-                <a16:creationId xmlns:a16="http://schemas.microsoft.com/office/drawing/2014/main" id="{3214DECE-B9D6-2525-6DA0-6EB527B1E933}"/>
-              </a:ext>
-            </a:extLst>
-          </p:cNvPr>
-          <p:cNvCxnSpPr>
-            <a:cxnSpLocks/>
-            <a:stCxn id="5" idx="1"/>
-          </p:cNvCxnSpPr>
-          <p:nvPr/>
-        </p:nvCxnSpPr>
-        <p:spPr>
-          <a:xfrm flipH="1">
-            <a:off x="5003800" y="2902813"/>
-            <a:ext cx="1371600" cy="0"/>
-          </a:xfrm>
-          <a:prstGeom prst="straightConnector1">
-            <a:avLst/>
-          </a:prstGeom>
-          <a:ln w="76200">
-            <a:tailEnd type="triangle"/>
-          </a:ln>
-        </p:spPr>
-        <p:style>
-          <a:lnRef idx="1">
-            <a:schemeClr val="accent1"/>
-          </a:lnRef>
-          <a:fillRef idx="0">
-            <a:schemeClr val="accent1"/>
-          </a:fillRef>
-          <a:effectRef idx="0">
-            <a:schemeClr val="accent1"/>
-          </a:effectRef>
-          <a:fontRef idx="minor">
-            <a:schemeClr val="tx1"/>
-          </a:fontRef>
-        </p:style>
-      </p:cxnSp>
-    </p:spTree>
-    <p:extLst>
-      <p:ext uri="{BB962C8B-B14F-4D97-AF65-F5344CB8AC3E}">
-        <p14:creationId xmlns:p14="http://schemas.microsoft.com/office/powerpoint/2010/main" val="2742393770"/>
-      </p:ext>
-    </p:extLst>
-  </p:cSld>
-  <p:clrMapOvr>
-    <a:masterClrMapping/>
-  </p:clrMapOvr>
-  <p:timing>
-    <p:tnLst>
-      <p:par>
-        <p:cTn id="1" dur="indefinite" restart="never" nodeType="tmRoot">
-          <p:childTnLst>
-            <p:seq concurrent="1" nextAc="seek">
-              <p:cTn id="2" dur="indefinite" nodeType="mainSeq">
-                <p:childTnLst>
-                  <p:par>
-                    <p:cTn id="3" fill="hold">
-                      <p:stCondLst>
-                        <p:cond delay="indefinite"/>
-                      </p:stCondLst>
-                      <p:childTnLst>
-                        <p:par>
-                          <p:cTn id="4" fill="hold">
-                            <p:stCondLst>
-                              <p:cond delay="0"/>
-                            </p:stCondLst>
-                            <p:childTnLst>
-                              <p:par>
-                                <p:cTn id="5" presetID="1" presetClass="entr" presetSubtype="0" fill="hold" nodeType="clickEffect">
-                                  <p:stCondLst>
-                                    <p:cond delay="0"/>
-                                  </p:stCondLst>
-                                  <p:childTnLst>
-                                    <p:set>
-                                      <p:cBhvr>
-                                        <p:cTn id="6" dur="1" fill="hold">
-                                          <p:stCondLst>
-                                            <p:cond delay="0"/>
-                                          </p:stCondLst>
-                                        </p:cTn>
-                                        <p:tgtEl>
-                                          <p:spTgt spid="7"/>
-                                        </p:tgtEl>
-                                        <p:attrNameLst>
-                                          <p:attrName>style.visibility</p:attrName>
-                                        </p:attrNameLst>
-                                      </p:cBhvr>
-                                      <p:to>
-                                        <p:strVal val="visible"/>
-                                      </p:to>
-                                    </p:set>
-                                  </p:childTnLst>
-                                </p:cTn>
-                              </p:par>
-                              <p:par>
-                                <p:cTn id="7" presetID="1" presetClass="entr" presetSubtype="0" fill="hold" grpId="0" nodeType="withEffect">
-                                  <p:stCondLst>
-                                    <p:cond delay="0"/>
-                                  </p:stCondLst>
-                                  <p:childTnLst>
-                                    <p:set>
-                                      <p:cBhvr>
-                                        <p:cTn id="8" dur="1" fill="hold">
-                                          <p:stCondLst>
-                                            <p:cond delay="0"/>
-                                          </p:stCondLst>
-                                        </p:cTn>
-                                        <p:tgtEl>
-                                          <p:spTgt spid="5"/>
-                                        </p:tgtEl>
-                                        <p:attrNameLst>
-                                          <p:attrName>style.visibility</p:attrName>
-                                        </p:attrNameLst>
-                                      </p:cBhvr>
-                                      <p:to>
-                                        <p:strVal val="visible"/>
-                                      </p:to>
-                                    </p:set>
-                                  </p:childTnLst>
-                                </p:cTn>
-                              </p:par>
-                            </p:childTnLst>
-                          </p:cTn>
-                        </p:par>
-                      </p:childTnLst>
-                    </p:cTn>
-                  </p:par>
-                </p:childTnLst>
-              </p:cTn>
-              <p:prevCondLst>
-                <p:cond evt="onPrev" delay="0">
-                  <p:tgtEl>
-                    <p:sldTgt/>
-                  </p:tgtEl>
-                </p:cond>
-              </p:prevCondLst>
-              <p:nextCondLst>
-                <p:cond evt="onNext" delay="0">
-                  <p:tgtEl>
-                    <p:sldTgt/>
-                  </p:tgtEl>
-                </p:cond>
-              </p:nextCondLst>
-            </p:seq>
-          </p:childTnLst>
-        </p:cTn>
-      </p:par>
-    </p:tnLst>
-    <p:bldLst>
-      <p:bldP spid="5" grpId="0"/>
-    </p:bldLst>
-  </p:timing>
-</p:sld>
-</file>
-
-<file path=ppt/slides/slide6.xml><?xml version="1.0" encoding="utf-8"?>
-<p:sld xmlns:a="http://schemas.openxmlformats.org/drawingml/2006/main" xmlns:r="http://schemas.openxmlformats.org/officeDocument/2006/relationships" xmlns:p="http://schemas.openxmlformats.org/presentationml/2006/main">
-  <p:cSld>
-    <p:spTree>
-      <p:nvGrpSpPr>
-        <p:cNvPr id="1" name=""/>
-        <p:cNvGrpSpPr/>
-        <p:nvPr/>
-      </p:nvGrpSpPr>
-      <p:grpSpPr>
-        <a:xfrm>
-          <a:off x="0" y="0"/>
-          <a:ext cx="0" cy="0"/>
-          <a:chOff x="0" y="0"/>
-          <a:chExt cx="0" cy="0"/>
-        </a:xfrm>
-      </p:grpSpPr>
-      <p:sp>
-        <p:nvSpPr>
-          <p:cNvPr id="2" name="Title 1">
-            <a:extLst>
-              <a:ext uri="{FF2B5EF4-FFF2-40B4-BE49-F238E27FC236}">
-                <a16:creationId xmlns:a16="http://schemas.microsoft.com/office/drawing/2014/main" id="{A253CA53-1EA1-D634-85D0-463E848F8E1E}"/>
-              </a:ext>
-            </a:extLst>
-          </p:cNvPr>
-          <p:cNvSpPr>
-            <a:spLocks noGrp="1"/>
-          </p:cNvSpPr>
-          <p:nvPr>
-            <p:ph type="title"/>
-          </p:nvPr>
-        </p:nvSpPr>
-        <p:spPr/>
-        <p:txBody>
-          <a:bodyPr/>
-          <a:lstStyle/>
-          <a:p>
-            <a:r>
-              <a:rPr lang="en-DE" dirty="0"/>
-              <a:t>Satelite</a:t>
-            </a:r>
-          </a:p>
-        </p:txBody>
-      </p:sp>
-      <p:sp>
-        <p:nvSpPr>
-          <p:cNvPr id="3" name="Content Placeholder 2">
-            <a:extLst>
-              <a:ext uri="{FF2B5EF4-FFF2-40B4-BE49-F238E27FC236}">
-                <a16:creationId xmlns:a16="http://schemas.microsoft.com/office/drawing/2014/main" id="{108D48BA-4AFC-2A5C-214B-673090FF462C}"/>
-              </a:ext>
-            </a:extLst>
-          </p:cNvPr>
-          <p:cNvSpPr>
-            <a:spLocks noGrp="1"/>
-          </p:cNvSpPr>
-          <p:nvPr>
-            <p:ph idx="1"/>
-          </p:nvPr>
-        </p:nvSpPr>
-        <p:spPr/>
-        <p:txBody>
-          <a:bodyPr>
-            <a:noAutofit/>
-          </a:bodyPr>
-          <a:lstStyle/>
-          <a:p>
-            <a:pPr marL="0" indent="0">
-              <a:buNone/>
-            </a:pPr>
-            <a:r>
-              <a:rPr lang="en-GB" sz="1200" dirty="0">
-                <a:latin typeface="Consolas" panose="020B0609020204030204" pitchFamily="49" charset="0"/>
-                <a:cs typeface="Consolas" panose="020B0609020204030204" pitchFamily="49" charset="0"/>
-              </a:rPr>
-              <a:t>crops </a:t>
-            </a:r>
-            <a:r>
-              <a:rPr lang="en-GB" sz="1200" dirty="0" err="1">
-                <a:latin typeface="Consolas" panose="020B0609020204030204" pitchFamily="49" charset="0"/>
-                <a:cs typeface="Consolas" panose="020B0609020204030204" pitchFamily="49" charset="0"/>
-              </a:rPr>
-              <a:t>satelite</a:t>
-            </a:r>
-            <a:r>
-              <a:rPr lang="en-GB" sz="1200" dirty="0">
-                <a:latin typeface="Consolas" panose="020B0609020204030204" pitchFamily="49" charset="0"/>
-                <a:cs typeface="Consolas" panose="020B0609020204030204" pitchFamily="49" charset="0"/>
-              </a:rPr>
-              <a:t>:</a:t>
-            </a:r>
-          </a:p>
-          <a:p>
-            <a:pPr marL="0" indent="0">
-              <a:buNone/>
-            </a:pPr>
-            <a:r>
-              <a:rPr lang="en-GB" sz="1200" dirty="0">
-                <a:latin typeface="Consolas" panose="020B0609020204030204" pitchFamily="49" charset="0"/>
-                <a:cs typeface="Consolas" panose="020B0609020204030204" pitchFamily="49" charset="0"/>
-              </a:rPr>
-              <a:t>+---------------+----------+-------------------+------------+----------+---------------+-----------+</a:t>
-            </a:r>
-          </a:p>
-          <a:p>
-            <a:pPr marL="0" indent="0">
-              <a:buNone/>
-            </a:pPr>
-            <a:r>
-              <a:rPr lang="en-GB" sz="1200" dirty="0">
-                <a:latin typeface="Consolas" panose="020B0609020204030204" pitchFamily="49" charset="0"/>
-                <a:cs typeface="Consolas" panose="020B0609020204030204" pitchFamily="49" charset="0"/>
-              </a:rPr>
-              <a:t>| </a:t>
-            </a:r>
-            <a:r>
-              <a:rPr lang="en-GB" sz="1200" dirty="0" err="1">
-                <a:latin typeface="Consolas" panose="020B0609020204030204" pitchFamily="49" charset="0"/>
-                <a:cs typeface="Consolas" panose="020B0609020204030204" pitchFamily="49" charset="0"/>
-              </a:rPr>
-              <a:t>crop_hash_key</a:t>
-            </a:r>
-            <a:r>
-              <a:rPr lang="en-GB" sz="1200" dirty="0">
-                <a:latin typeface="Consolas" panose="020B0609020204030204" pitchFamily="49" charset="0"/>
-                <a:cs typeface="Consolas" panose="020B0609020204030204" pitchFamily="49" charset="0"/>
-              </a:rPr>
-              <a:t> | crop     | </a:t>
-            </a:r>
-            <a:r>
-              <a:rPr lang="en-GB" sz="1200" dirty="0" err="1">
-                <a:latin typeface="Consolas" panose="020B0609020204030204" pitchFamily="49" charset="0"/>
-                <a:cs typeface="Consolas" panose="020B0609020204030204" pitchFamily="49" charset="0"/>
-              </a:rPr>
-              <a:t>water_consumption</a:t>
-            </a:r>
-            <a:r>
-              <a:rPr lang="en-GB" sz="1200" dirty="0">
-                <a:latin typeface="Consolas" panose="020B0609020204030204" pitchFamily="49" charset="0"/>
-                <a:cs typeface="Consolas" panose="020B0609020204030204" pitchFamily="49" charset="0"/>
-              </a:rPr>
-              <a:t> | </a:t>
-            </a:r>
-            <a:r>
-              <a:rPr lang="en-GB" sz="1200" dirty="0" err="1">
-                <a:latin typeface="Consolas" panose="020B0609020204030204" pitchFamily="49" charset="0"/>
-                <a:cs typeface="Consolas" panose="020B0609020204030204" pitchFamily="49" charset="0"/>
-              </a:rPr>
-              <a:t>load_date</a:t>
-            </a:r>
-            <a:r>
-              <a:rPr lang="en-GB" sz="1200" dirty="0">
-                <a:latin typeface="Consolas" panose="020B0609020204030204" pitchFamily="49" charset="0"/>
-                <a:cs typeface="Consolas" panose="020B0609020204030204" pitchFamily="49" charset="0"/>
-              </a:rPr>
-              <a:t>  | </a:t>
-            </a:r>
-            <a:r>
-              <a:rPr lang="en-GB" sz="1200" dirty="0" err="1">
-                <a:latin typeface="Consolas" panose="020B0609020204030204" pitchFamily="49" charset="0"/>
-                <a:cs typeface="Consolas" panose="020B0609020204030204" pitchFamily="49" charset="0"/>
-              </a:rPr>
-              <a:t>end_date</a:t>
-            </a:r>
-            <a:r>
-              <a:rPr lang="en-GB" sz="1200" dirty="0">
-                <a:latin typeface="Consolas" panose="020B0609020204030204" pitchFamily="49" charset="0"/>
-                <a:cs typeface="Consolas" panose="020B0609020204030204" pitchFamily="49" charset="0"/>
-              </a:rPr>
-              <a:t> | </a:t>
-            </a:r>
-            <a:r>
-              <a:rPr lang="en-GB" sz="1200" dirty="0" err="1">
-                <a:latin typeface="Consolas" panose="020B0609020204030204" pitchFamily="49" charset="0"/>
-                <a:cs typeface="Consolas" panose="020B0609020204030204" pitchFamily="49" charset="0"/>
-              </a:rPr>
-              <a:t>record_source</a:t>
-            </a:r>
-            <a:r>
-              <a:rPr lang="en-GB" sz="1200" dirty="0">
-                <a:latin typeface="Consolas" panose="020B0609020204030204" pitchFamily="49" charset="0"/>
-                <a:cs typeface="Consolas" panose="020B0609020204030204" pitchFamily="49" charset="0"/>
-              </a:rPr>
-              <a:t> | </a:t>
-            </a:r>
-            <a:r>
-              <a:rPr lang="en-GB" sz="1200" dirty="0" err="1">
-                <a:latin typeface="Consolas" panose="020B0609020204030204" pitchFamily="49" charset="0"/>
-                <a:cs typeface="Consolas" panose="020B0609020204030204" pitchFamily="49" charset="0"/>
-              </a:rPr>
-              <a:t>hash_diff</a:t>
-            </a:r>
-            <a:r>
-              <a:rPr lang="en-GB" sz="1200" dirty="0">
-                <a:latin typeface="Consolas" panose="020B0609020204030204" pitchFamily="49" charset="0"/>
-                <a:cs typeface="Consolas" panose="020B0609020204030204" pitchFamily="49" charset="0"/>
-              </a:rPr>
-              <a:t> |</a:t>
-            </a:r>
-          </a:p>
-          <a:p>
-            <a:pPr marL="0" indent="0">
-              <a:buNone/>
-            </a:pPr>
-            <a:r>
-              <a:rPr lang="en-GB" sz="1200" dirty="0">
-                <a:latin typeface="Consolas" panose="020B0609020204030204" pitchFamily="49" charset="0"/>
-                <a:cs typeface="Consolas" panose="020B0609020204030204" pitchFamily="49" charset="0"/>
-              </a:rPr>
-              <a:t>+---------------+----------+-------------------+------------+----------+---------------+-----------+</a:t>
-            </a:r>
-          </a:p>
-          <a:p>
-            <a:pPr marL="0" indent="0">
-              <a:buNone/>
-            </a:pPr>
-            <a:r>
-              <a:rPr lang="en-GB" sz="1200" dirty="0">
-                <a:latin typeface="Consolas" panose="020B0609020204030204" pitchFamily="49" charset="0"/>
-                <a:cs typeface="Consolas" panose="020B0609020204030204" pitchFamily="49" charset="0"/>
-              </a:rPr>
-              <a:t>| b519e         | </a:t>
-            </a:r>
-            <a:r>
-              <a:rPr lang="en-GB" sz="1200" dirty="0" err="1">
-                <a:latin typeface="Consolas" panose="020B0609020204030204" pitchFamily="49" charset="0"/>
-                <a:cs typeface="Consolas" panose="020B0609020204030204" pitchFamily="49" charset="0"/>
-              </a:rPr>
-              <a:t>tomate</a:t>
-            </a:r>
-            <a:r>
-              <a:rPr lang="en-GB" sz="1200" dirty="0">
-                <a:latin typeface="Consolas" panose="020B0609020204030204" pitchFamily="49" charset="0"/>
-                <a:cs typeface="Consolas" panose="020B0609020204030204" pitchFamily="49" charset="0"/>
-              </a:rPr>
-              <a:t>   | 10                | 2022-05-01 | NULL     | ERP           | 8a3f0     |</a:t>
-            </a:r>
-          </a:p>
-          <a:p>
-            <a:pPr marL="0" indent="0">
-              <a:buNone/>
-            </a:pPr>
-            <a:r>
-              <a:rPr lang="en-GB" sz="1200" dirty="0">
-                <a:latin typeface="Consolas" panose="020B0609020204030204" pitchFamily="49" charset="0"/>
-                <a:cs typeface="Consolas" panose="020B0609020204030204" pitchFamily="49" charset="0"/>
-              </a:rPr>
-              <a:t>+---------------+----------+-------------------+------------+----------+---------------+-----------+</a:t>
-            </a:r>
-          </a:p>
-          <a:p>
-            <a:pPr marL="0" indent="0">
-              <a:buNone/>
-            </a:pPr>
-            <a:r>
-              <a:rPr lang="en-GB" sz="1200" dirty="0">
-                <a:latin typeface="Consolas" panose="020B0609020204030204" pitchFamily="49" charset="0"/>
-                <a:cs typeface="Consolas" panose="020B0609020204030204" pitchFamily="49" charset="0"/>
-              </a:rPr>
-              <a:t>| 5f763         | cucumber | 15                | 2022-05-01 | NULL     | ERP           | c345a     |</a:t>
-            </a:r>
-          </a:p>
-          <a:p>
-            <a:pPr marL="0" indent="0">
-              <a:buNone/>
-            </a:pPr>
-            <a:r>
-              <a:rPr lang="en-GB" sz="1200" dirty="0">
-                <a:latin typeface="Consolas" panose="020B0609020204030204" pitchFamily="49" charset="0"/>
-                <a:cs typeface="Consolas" panose="020B0609020204030204" pitchFamily="49" charset="0"/>
-              </a:rPr>
-              <a:t>+---------------+----------+-------------------+------------+----------+---------------+-----------+</a:t>
-            </a:r>
-          </a:p>
-          <a:p>
-            <a:pPr marL="0" indent="0">
-              <a:buNone/>
-            </a:pPr>
-            <a:endParaRPr lang="en-GB" sz="1200" dirty="0">
-              <a:latin typeface="Consolas" panose="020B0609020204030204" pitchFamily="49" charset="0"/>
-              <a:cs typeface="Consolas" panose="020B0609020204030204" pitchFamily="49" charset="0"/>
-            </a:endParaRPr>
-          </a:p>
-          <a:p>
-            <a:pPr marL="0" indent="0">
-              <a:buNone/>
-            </a:pPr>
-            <a:r>
-              <a:rPr lang="en-GB" sz="1200" dirty="0">
-                <a:solidFill>
-                  <a:schemeClr val="bg1">
-                    <a:lumMod val="65000"/>
-                  </a:schemeClr>
-                </a:solidFill>
-                <a:latin typeface="Consolas" panose="020B0609020204030204" pitchFamily="49" charset="0"/>
-                <a:cs typeface="Consolas" panose="020B0609020204030204" pitchFamily="49" charset="0"/>
-              </a:rPr>
-              <a:t>crops:</a:t>
-            </a:r>
-          </a:p>
-          <a:p>
-            <a:pPr marL="0" indent="0">
-              <a:buNone/>
-            </a:pPr>
-            <a:r>
-              <a:rPr lang="en-GB" sz="1200" dirty="0">
-                <a:solidFill>
-                  <a:schemeClr val="bg1">
-                    <a:lumMod val="65000"/>
-                  </a:schemeClr>
-                </a:solidFill>
-                <a:latin typeface="Consolas" panose="020B0609020204030204" pitchFamily="49" charset="0"/>
-                <a:cs typeface="Consolas" panose="020B0609020204030204" pitchFamily="49" charset="0"/>
-              </a:rPr>
-              <a:t>+------+----------+-------------------+</a:t>
-            </a:r>
-          </a:p>
-          <a:p>
-            <a:pPr marL="0" indent="0">
-              <a:buNone/>
-            </a:pPr>
-            <a:r>
-              <a:rPr lang="en-GB" sz="1200" dirty="0">
-                <a:solidFill>
-                  <a:schemeClr val="bg1">
-                    <a:lumMod val="65000"/>
-                  </a:schemeClr>
-                </a:solidFill>
-                <a:latin typeface="Consolas" panose="020B0609020204030204" pitchFamily="49" charset="0"/>
-                <a:cs typeface="Consolas" panose="020B0609020204030204" pitchFamily="49" charset="0"/>
-              </a:rPr>
-              <a:t>| id   | crop     | </a:t>
-            </a:r>
-            <a:r>
-              <a:rPr lang="en-GB" sz="1200" dirty="0" err="1">
-                <a:solidFill>
-                  <a:schemeClr val="bg1">
-                    <a:lumMod val="65000"/>
-                  </a:schemeClr>
-                </a:solidFill>
-                <a:latin typeface="Consolas" panose="020B0609020204030204" pitchFamily="49" charset="0"/>
-                <a:cs typeface="Consolas" panose="020B0609020204030204" pitchFamily="49" charset="0"/>
-              </a:rPr>
-              <a:t>water_consumption</a:t>
-            </a:r>
-            <a:r>
-              <a:rPr lang="en-GB" sz="1200" dirty="0">
-                <a:solidFill>
-                  <a:schemeClr val="bg1">
-                    <a:lumMod val="65000"/>
-                  </a:schemeClr>
-                </a:solidFill>
-                <a:latin typeface="Consolas" panose="020B0609020204030204" pitchFamily="49" charset="0"/>
-                <a:cs typeface="Consolas" panose="020B0609020204030204" pitchFamily="49" charset="0"/>
-              </a:rPr>
-              <a:t> |</a:t>
-            </a:r>
-          </a:p>
-          <a:p>
-            <a:pPr marL="0" indent="0">
-              <a:buNone/>
-            </a:pPr>
-            <a:r>
-              <a:rPr lang="en-GB" sz="1200" dirty="0">
-                <a:solidFill>
-                  <a:schemeClr val="bg1">
-                    <a:lumMod val="65000"/>
-                  </a:schemeClr>
-                </a:solidFill>
-                <a:latin typeface="Consolas" panose="020B0609020204030204" pitchFamily="49" charset="0"/>
-                <a:cs typeface="Consolas" panose="020B0609020204030204" pitchFamily="49" charset="0"/>
-              </a:rPr>
-              <a:t>+------+----------+-------------------+</a:t>
-            </a:r>
-          </a:p>
-          <a:p>
-            <a:pPr marL="0" indent="0">
-              <a:buNone/>
-            </a:pPr>
-            <a:r>
-              <a:rPr lang="en-GB" sz="1200" dirty="0">
-                <a:solidFill>
-                  <a:schemeClr val="bg1">
-                    <a:lumMod val="65000"/>
-                  </a:schemeClr>
-                </a:solidFill>
-                <a:latin typeface="Consolas" panose="020B0609020204030204" pitchFamily="49" charset="0"/>
-                <a:cs typeface="Consolas" panose="020B0609020204030204" pitchFamily="49" charset="0"/>
-              </a:rPr>
-              <a:t>...</a:t>
-            </a:r>
-          </a:p>
-          <a:p>
-            <a:pPr marL="0" indent="0">
-              <a:buNone/>
-            </a:pPr>
-            <a:r>
-              <a:rPr lang="en-GB" sz="1200" dirty="0">
-                <a:solidFill>
-                  <a:schemeClr val="bg1">
-                    <a:lumMod val="65000"/>
-                  </a:schemeClr>
-                </a:solidFill>
-                <a:latin typeface="Consolas" panose="020B0609020204030204" pitchFamily="49" charset="0"/>
-                <a:cs typeface="Consolas" panose="020B0609020204030204" pitchFamily="49" charset="0"/>
-              </a:rPr>
-              <a:t>+------+----------+-------------------+</a:t>
-            </a:r>
-          </a:p>
-          <a:p>
-            <a:pPr marL="0" indent="0">
-              <a:buNone/>
-            </a:pPr>
-            <a:endParaRPr lang="en-DE" sz="1200" dirty="0">
-              <a:latin typeface="Consolas" panose="020B0609020204030204" pitchFamily="49" charset="0"/>
-              <a:cs typeface="Consolas" panose="020B0609020204030204" pitchFamily="49" charset="0"/>
-            </a:endParaRPr>
-          </a:p>
-        </p:txBody>
-      </p:sp>
-      <p:sp>
-        <p:nvSpPr>
-          <p:cNvPr id="4" name="Slide Number Placeholder 3">
-            <a:extLst>
-              <a:ext uri="{FF2B5EF4-FFF2-40B4-BE49-F238E27FC236}">
-                <a16:creationId xmlns:a16="http://schemas.microsoft.com/office/drawing/2014/main" id="{2A8B2F59-0AB3-6770-DBA3-506875D2D8DE}"/>
-              </a:ext>
-            </a:extLst>
-          </p:cNvPr>
-          <p:cNvSpPr>
-            <a:spLocks noGrp="1"/>
-          </p:cNvSpPr>
-          <p:nvPr>
-            <p:ph type="sldNum" sz="quarter" idx="12"/>
-          </p:nvPr>
-        </p:nvSpPr>
-        <p:spPr/>
-        <p:txBody>
-          <a:bodyPr/>
-          <a:lstStyle/>
-          <a:p>
-            <a:fld id="{9D4AEF59-F28E-467C-9EA3-92D1CFAD475A}" type="slidenum">
-              <a:rPr lang="en-US" smtClean="0"/>
-              <a:t>6</a:t>
-            </a:fld>
-            <a:endParaRPr lang="en-US" dirty="0"/>
-          </a:p>
-        </p:txBody>
-      </p:sp>
-    </p:spTree>
-    <p:extLst>
-      <p:ext uri="{BB962C8B-B14F-4D97-AF65-F5344CB8AC3E}">
-        <p14:creationId xmlns:p14="http://schemas.microsoft.com/office/powerpoint/2010/main" val="3869940865"/>
-      </p:ext>
-    </p:extLst>
-  </p:cSld>
-  <p:clrMapOvr>
-    <a:masterClrMapping/>
-  </p:clrMapOvr>
-</p:sld>
-</file>
-
-<file path=ppt/slides/slide7.xml><?xml version="1.0" encoding="utf-8"?>
-<p:sld xmlns:a="http://schemas.openxmlformats.org/drawingml/2006/main" xmlns:r="http://schemas.openxmlformats.org/officeDocument/2006/relationships" xmlns:p="http://schemas.openxmlformats.org/presentationml/2006/main">
-  <p:cSld>
-    <p:spTree>
-      <p:nvGrpSpPr>
-        <p:cNvPr id="1" name=""/>
-        <p:cNvGrpSpPr/>
-        <p:nvPr/>
-      </p:nvGrpSpPr>
-      <p:grpSpPr>
-        <a:xfrm>
-          <a:off x="0" y="0"/>
-          <a:ext cx="0" cy="0"/>
-          <a:chOff x="0" y="0"/>
-          <a:chExt cx="0" cy="0"/>
-        </a:xfrm>
-      </p:grpSpPr>
-      <p:sp>
-        <p:nvSpPr>
-          <p:cNvPr id="2" name="Title 1">
-            <a:extLst>
-              <a:ext uri="{FF2B5EF4-FFF2-40B4-BE49-F238E27FC236}">
-                <a16:creationId xmlns:a16="http://schemas.microsoft.com/office/drawing/2014/main" id="{A253CA53-1EA1-D634-85D0-463E848F8E1E}"/>
-              </a:ext>
-            </a:extLst>
-          </p:cNvPr>
-          <p:cNvSpPr>
-            <a:spLocks noGrp="1"/>
-          </p:cNvSpPr>
-          <p:nvPr>
-            <p:ph type="title"/>
-          </p:nvPr>
-        </p:nvSpPr>
-        <p:spPr/>
-        <p:txBody>
-          <a:bodyPr/>
-          <a:lstStyle/>
-          <a:p>
-            <a:r>
-              <a:rPr lang="en-DE" dirty="0"/>
-              <a:t>Alter data</a:t>
-            </a:r>
-          </a:p>
-        </p:txBody>
-      </p:sp>
-      <p:sp>
-        <p:nvSpPr>
-          <p:cNvPr id="3" name="Content Placeholder 2">
-            <a:extLst>
-              <a:ext uri="{FF2B5EF4-FFF2-40B4-BE49-F238E27FC236}">
-                <a16:creationId xmlns:a16="http://schemas.microsoft.com/office/drawing/2014/main" id="{108D48BA-4AFC-2A5C-214B-673090FF462C}"/>
-              </a:ext>
-            </a:extLst>
-          </p:cNvPr>
-          <p:cNvSpPr>
-            <a:spLocks noGrp="1"/>
-          </p:cNvSpPr>
-          <p:nvPr>
-            <p:ph idx="1"/>
-          </p:nvPr>
-        </p:nvSpPr>
-        <p:spPr/>
-        <p:txBody>
-          <a:bodyPr>
-            <a:noAutofit/>
-          </a:bodyPr>
-          <a:lstStyle/>
-          <a:p>
-            <a:pPr marL="0" indent="0">
-              <a:buNone/>
-            </a:pPr>
-            <a:r>
-              <a:rPr lang="en-GB" sz="1200" dirty="0">
-                <a:latin typeface="Consolas" panose="020B0609020204030204" pitchFamily="49" charset="0"/>
-                <a:cs typeface="Consolas" panose="020B0609020204030204" pitchFamily="49" charset="0"/>
-              </a:rPr>
-              <a:t>crops </a:t>
-            </a:r>
-            <a:r>
-              <a:rPr lang="en-GB" sz="1200" dirty="0" err="1">
-                <a:latin typeface="Consolas" panose="020B0609020204030204" pitchFamily="49" charset="0"/>
-                <a:cs typeface="Consolas" panose="020B0609020204030204" pitchFamily="49" charset="0"/>
-              </a:rPr>
-              <a:t>satelite</a:t>
-            </a:r>
-            <a:r>
-              <a:rPr lang="en-GB" sz="1200" dirty="0">
-                <a:latin typeface="Consolas" panose="020B0609020204030204" pitchFamily="49" charset="0"/>
-                <a:cs typeface="Consolas" panose="020B0609020204030204" pitchFamily="49" charset="0"/>
-              </a:rPr>
-              <a:t>:</a:t>
-            </a:r>
-          </a:p>
-          <a:p>
-            <a:pPr marL="0" indent="0">
-              <a:buNone/>
-            </a:pPr>
-            <a:r>
-              <a:rPr lang="en-GB" sz="1200" dirty="0">
-                <a:latin typeface="Consolas" panose="020B0609020204030204" pitchFamily="49" charset="0"/>
-                <a:cs typeface="Consolas" panose="020B0609020204030204" pitchFamily="49" charset="0"/>
-              </a:rPr>
-              <a:t>+---------------+----------+-------------------+------------+------------+---------------+-----------+</a:t>
-            </a:r>
-          </a:p>
-          <a:p>
-            <a:pPr marL="0" indent="0">
-              <a:buNone/>
-            </a:pPr>
-            <a:r>
-              <a:rPr lang="en-GB" sz="1200" dirty="0">
-                <a:latin typeface="Consolas" panose="020B0609020204030204" pitchFamily="49" charset="0"/>
-                <a:cs typeface="Consolas" panose="020B0609020204030204" pitchFamily="49" charset="0"/>
-              </a:rPr>
-              <a:t>| </a:t>
-            </a:r>
-            <a:r>
-              <a:rPr lang="en-GB" sz="1200" dirty="0" err="1">
-                <a:latin typeface="Consolas" panose="020B0609020204030204" pitchFamily="49" charset="0"/>
-                <a:cs typeface="Consolas" panose="020B0609020204030204" pitchFamily="49" charset="0"/>
-              </a:rPr>
-              <a:t>crop_hash_key</a:t>
-            </a:r>
-            <a:r>
-              <a:rPr lang="en-GB" sz="1200" dirty="0">
-                <a:latin typeface="Consolas" panose="020B0609020204030204" pitchFamily="49" charset="0"/>
-                <a:cs typeface="Consolas" panose="020B0609020204030204" pitchFamily="49" charset="0"/>
-              </a:rPr>
-              <a:t> | crop     | </a:t>
-            </a:r>
-            <a:r>
-              <a:rPr lang="en-GB" sz="1200" dirty="0" err="1">
-                <a:latin typeface="Consolas" panose="020B0609020204030204" pitchFamily="49" charset="0"/>
-                <a:cs typeface="Consolas" panose="020B0609020204030204" pitchFamily="49" charset="0"/>
-              </a:rPr>
-              <a:t>water_consumption</a:t>
-            </a:r>
-            <a:r>
-              <a:rPr lang="en-GB" sz="1200" dirty="0">
-                <a:latin typeface="Consolas" panose="020B0609020204030204" pitchFamily="49" charset="0"/>
-                <a:cs typeface="Consolas" panose="020B0609020204030204" pitchFamily="49" charset="0"/>
-              </a:rPr>
-              <a:t> | </a:t>
-            </a:r>
-            <a:r>
-              <a:rPr lang="en-GB" sz="1200" dirty="0" err="1">
-                <a:latin typeface="Consolas" panose="020B0609020204030204" pitchFamily="49" charset="0"/>
-                <a:cs typeface="Consolas" panose="020B0609020204030204" pitchFamily="49" charset="0"/>
-              </a:rPr>
-              <a:t>load_date</a:t>
-            </a:r>
-            <a:r>
-              <a:rPr lang="en-GB" sz="1200" dirty="0">
-                <a:latin typeface="Consolas" panose="020B0609020204030204" pitchFamily="49" charset="0"/>
-                <a:cs typeface="Consolas" panose="020B0609020204030204" pitchFamily="49" charset="0"/>
-              </a:rPr>
-              <a:t>  | </a:t>
-            </a:r>
-            <a:r>
-              <a:rPr lang="en-GB" sz="1200" dirty="0" err="1">
-                <a:latin typeface="Consolas" panose="020B0609020204030204" pitchFamily="49" charset="0"/>
-                <a:cs typeface="Consolas" panose="020B0609020204030204" pitchFamily="49" charset="0"/>
-              </a:rPr>
-              <a:t>end_date</a:t>
-            </a:r>
-            <a:r>
-              <a:rPr lang="en-GB" sz="1200" dirty="0">
-                <a:latin typeface="Consolas" panose="020B0609020204030204" pitchFamily="49" charset="0"/>
-                <a:cs typeface="Consolas" panose="020B0609020204030204" pitchFamily="49" charset="0"/>
-              </a:rPr>
-              <a:t>   | </a:t>
-            </a:r>
-            <a:r>
-              <a:rPr lang="en-GB" sz="1200" dirty="0" err="1">
-                <a:latin typeface="Consolas" panose="020B0609020204030204" pitchFamily="49" charset="0"/>
-                <a:cs typeface="Consolas" panose="020B0609020204030204" pitchFamily="49" charset="0"/>
-              </a:rPr>
-              <a:t>record_source</a:t>
-            </a:r>
-            <a:r>
-              <a:rPr lang="en-GB" sz="1200" dirty="0">
-                <a:latin typeface="Consolas" panose="020B0609020204030204" pitchFamily="49" charset="0"/>
-                <a:cs typeface="Consolas" panose="020B0609020204030204" pitchFamily="49" charset="0"/>
-              </a:rPr>
-              <a:t> | </a:t>
-            </a:r>
-            <a:r>
-              <a:rPr lang="en-GB" sz="1200" dirty="0" err="1">
-                <a:latin typeface="Consolas" panose="020B0609020204030204" pitchFamily="49" charset="0"/>
-                <a:cs typeface="Consolas" panose="020B0609020204030204" pitchFamily="49" charset="0"/>
-              </a:rPr>
-              <a:t>hash_diff</a:t>
-            </a:r>
-            <a:r>
-              <a:rPr lang="en-GB" sz="1200" dirty="0">
-                <a:latin typeface="Consolas" panose="020B0609020204030204" pitchFamily="49" charset="0"/>
-                <a:cs typeface="Consolas" panose="020B0609020204030204" pitchFamily="49" charset="0"/>
-              </a:rPr>
-              <a:t> |</a:t>
-            </a:r>
-          </a:p>
-          <a:p>
-            <a:pPr marL="0" indent="0">
-              <a:buNone/>
-            </a:pPr>
-            <a:r>
-              <a:rPr lang="en-GB" sz="1200" dirty="0">
-                <a:latin typeface="Consolas" panose="020B0609020204030204" pitchFamily="49" charset="0"/>
-                <a:cs typeface="Consolas" panose="020B0609020204030204" pitchFamily="49" charset="0"/>
-              </a:rPr>
-              <a:t>+---------------+----------+-------------------+------------+------------+---------------+-----------+</a:t>
-            </a:r>
-          </a:p>
-          <a:p>
-            <a:pPr marL="0" indent="0">
-              <a:buNone/>
-            </a:pPr>
-            <a:r>
-              <a:rPr lang="en-GB" sz="1200" dirty="0">
-                <a:latin typeface="Consolas" panose="020B0609020204030204" pitchFamily="49" charset="0"/>
-                <a:cs typeface="Consolas" panose="020B0609020204030204" pitchFamily="49" charset="0"/>
-              </a:rPr>
-              <a:t>| b519e         | </a:t>
-            </a:r>
-            <a:r>
-              <a:rPr lang="en-GB" sz="1200" dirty="0" err="1">
-                <a:latin typeface="Consolas" panose="020B0609020204030204" pitchFamily="49" charset="0"/>
-                <a:cs typeface="Consolas" panose="020B0609020204030204" pitchFamily="49" charset="0"/>
-              </a:rPr>
-              <a:t>tomate</a:t>
-            </a:r>
-            <a:r>
-              <a:rPr lang="en-GB" sz="1200" dirty="0">
-                <a:latin typeface="Consolas" panose="020B0609020204030204" pitchFamily="49" charset="0"/>
-                <a:cs typeface="Consolas" panose="020B0609020204030204" pitchFamily="49" charset="0"/>
-              </a:rPr>
-              <a:t>   | 10                | 2022-05-01 | 2022-05-02 | ERP           | 8a3f0     |</a:t>
-            </a:r>
-          </a:p>
-          <a:p>
-            <a:pPr marL="0" indent="0">
-              <a:buNone/>
-            </a:pPr>
-            <a:r>
-              <a:rPr lang="en-GB" sz="1200" dirty="0">
-                <a:latin typeface="Consolas" panose="020B0609020204030204" pitchFamily="49" charset="0"/>
-                <a:cs typeface="Consolas" panose="020B0609020204030204" pitchFamily="49" charset="0"/>
-              </a:rPr>
-              <a:t>+---------------+----------+-------------------+------------+------------+---------------+-----------+</a:t>
-            </a:r>
-          </a:p>
-          <a:p>
-            <a:pPr marL="0" indent="0">
-              <a:buNone/>
-            </a:pPr>
-            <a:r>
-              <a:rPr lang="en-GB" sz="1200" dirty="0">
-                <a:latin typeface="Consolas" panose="020B0609020204030204" pitchFamily="49" charset="0"/>
-                <a:cs typeface="Consolas" panose="020B0609020204030204" pitchFamily="49" charset="0"/>
-              </a:rPr>
-              <a:t>...</a:t>
-            </a:r>
-          </a:p>
-          <a:p>
-            <a:pPr marL="0" indent="0">
-              <a:buNone/>
-            </a:pPr>
-            <a:r>
-              <a:rPr lang="en-GB" sz="1200" dirty="0">
-                <a:latin typeface="Consolas" panose="020B0609020204030204" pitchFamily="49" charset="0"/>
-                <a:cs typeface="Consolas" panose="020B0609020204030204" pitchFamily="49" charset="0"/>
-              </a:rPr>
-              <a:t>+---------------+----------+-------------------+------------+------------+---------------+-----------+</a:t>
-            </a:r>
-          </a:p>
-          <a:p>
-            <a:pPr marL="0" indent="0">
-              <a:buNone/>
-            </a:pPr>
-            <a:r>
-              <a:rPr lang="en-GB" sz="1200" dirty="0">
-                <a:latin typeface="Consolas" panose="020B0609020204030204" pitchFamily="49" charset="0"/>
-                <a:cs typeface="Consolas" panose="020B0609020204030204" pitchFamily="49" charset="0"/>
-              </a:rPr>
-              <a:t>| b519e         | </a:t>
-            </a:r>
-            <a:r>
-              <a:rPr lang="en-GB" sz="1200" dirty="0" err="1">
-                <a:latin typeface="Consolas" panose="020B0609020204030204" pitchFamily="49" charset="0"/>
-                <a:cs typeface="Consolas" panose="020B0609020204030204" pitchFamily="49" charset="0"/>
-              </a:rPr>
-              <a:t>tomate</a:t>
-            </a:r>
-            <a:r>
-              <a:rPr lang="en-GB" sz="1200" dirty="0">
-                <a:latin typeface="Consolas" panose="020B0609020204030204" pitchFamily="49" charset="0"/>
-                <a:cs typeface="Consolas" panose="020B0609020204030204" pitchFamily="49" charset="0"/>
-              </a:rPr>
-              <a:t>   | 12                | 2022-05-02 | NULL       | ERP           | 8a3f0     |</a:t>
-            </a:r>
-          </a:p>
-          <a:p>
-            <a:pPr marL="0" indent="0">
-              <a:buNone/>
-            </a:pPr>
-            <a:r>
-              <a:rPr lang="en-GB" sz="1200" dirty="0">
-                <a:latin typeface="Consolas" panose="020B0609020204030204" pitchFamily="49" charset="0"/>
-                <a:cs typeface="Consolas" panose="020B0609020204030204" pitchFamily="49" charset="0"/>
-              </a:rPr>
-              <a:t>+---------------+----------+-------------------+------------+------------+---------------+-----------+</a:t>
-            </a:r>
-          </a:p>
-          <a:p>
-            <a:pPr marL="0" indent="0">
-              <a:buNone/>
-            </a:pPr>
-            <a:endParaRPr lang="en-DE" sz="1200" dirty="0">
-              <a:latin typeface="Consolas" panose="020B0609020204030204" pitchFamily="49" charset="0"/>
-              <a:cs typeface="Consolas" panose="020B0609020204030204" pitchFamily="49" charset="0"/>
-            </a:endParaRPr>
-          </a:p>
-          <a:p>
-            <a:r>
-              <a:rPr lang="en-DE" sz="1200" dirty="0">
-                <a:latin typeface="Consolas" panose="020B0609020204030204" pitchFamily="49" charset="0"/>
-                <a:cs typeface="Consolas" panose="020B0609020204030204" pitchFamily="49" charset="0"/>
-              </a:rPr>
-              <a:t>✅ </a:t>
-            </a:r>
-            <a:r>
-              <a:rPr lang="en-GB" sz="1200" dirty="0">
-                <a:latin typeface="Consolas" panose="020B0609020204030204" pitchFamily="49" charset="0"/>
-                <a:cs typeface="Consolas" panose="020B0609020204030204" pitchFamily="49" charset="0"/>
-              </a:rPr>
-              <a:t>Tracking data changes</a:t>
-            </a:r>
-          </a:p>
-          <a:p>
-            <a:r>
-              <a:rPr lang="en-DE" sz="1200" dirty="0">
-                <a:latin typeface="Consolas" panose="020B0609020204030204" pitchFamily="49" charset="0"/>
-                <a:cs typeface="Consolas" panose="020B0609020204030204" pitchFamily="49" charset="0"/>
-              </a:rPr>
-              <a:t>✅ </a:t>
-            </a:r>
-            <a:r>
-              <a:rPr lang="en-GB" sz="1200" dirty="0">
-                <a:latin typeface="Consolas" panose="020B0609020204030204" pitchFamily="49" charset="0"/>
-                <a:cs typeface="Consolas" panose="020B0609020204030204" pitchFamily="49" charset="0"/>
-              </a:rPr>
-              <a:t>Only import differences</a:t>
-            </a:r>
-          </a:p>
-          <a:p>
-            <a:pPr marL="0" indent="0">
-              <a:buNone/>
-            </a:pPr>
-            <a:endParaRPr lang="en-DE" sz="1200" dirty="0">
-              <a:latin typeface="Consolas" panose="020B0609020204030204" pitchFamily="49" charset="0"/>
-              <a:cs typeface="Consolas" panose="020B0609020204030204" pitchFamily="49" charset="0"/>
-            </a:endParaRPr>
-          </a:p>
-        </p:txBody>
-      </p:sp>
-      <p:sp>
-        <p:nvSpPr>
-          <p:cNvPr id="4" name="Slide Number Placeholder 3">
-            <a:extLst>
-              <a:ext uri="{FF2B5EF4-FFF2-40B4-BE49-F238E27FC236}">
-                <a16:creationId xmlns:a16="http://schemas.microsoft.com/office/drawing/2014/main" id="{2A8B2F59-0AB3-6770-DBA3-506875D2D8DE}"/>
-              </a:ext>
-            </a:extLst>
-          </p:cNvPr>
-          <p:cNvSpPr>
-            <a:spLocks noGrp="1"/>
-          </p:cNvSpPr>
-          <p:nvPr>
-            <p:ph type="sldNum" sz="quarter" idx="12"/>
-          </p:nvPr>
-        </p:nvSpPr>
-        <p:spPr/>
-        <p:txBody>
-          <a:bodyPr/>
-          <a:lstStyle/>
-          <a:p>
-            <a:fld id="{9D4AEF59-F28E-467C-9EA3-92D1CFAD475A}" type="slidenum">
-              <a:rPr lang="en-US" smtClean="0"/>
-              <a:t>7</a:t>
             </a:fld>
             <a:endParaRPr lang="en-US" dirty="0"/>
           </a:p>
@@ -7863,7 +5314,7 @@
 </p:sld>
 </file>
 
-<file path=ppt/slides/slide8.xml><?xml version="1.0" encoding="utf-8"?>
+<file path=ppt/slides/slide11.xml><?xml version="1.0" encoding="utf-8"?>
 <p:sld xmlns:a="http://schemas.openxmlformats.org/drawingml/2006/main" xmlns:r="http://schemas.openxmlformats.org/officeDocument/2006/relationships" xmlns:p="http://schemas.openxmlformats.org/presentationml/2006/main">
   <p:cSld>
     <p:spTree>
@@ -8433,7 +5884,7 @@
           <a:p>
             <a:fld id="{9D4AEF59-F28E-467C-9EA3-92D1CFAD475A}" type="slidenum">
               <a:rPr lang="en-US" smtClean="0"/>
-              <a:t>8</a:t>
+              <a:t>11</a:t>
             </a:fld>
             <a:endParaRPr lang="en-US" dirty="0"/>
           </a:p>
@@ -9112,7 +6563,7 @@
 </p:sld>
 </file>
 
-<file path=ppt/slides/slide9.xml><?xml version="1.0" encoding="utf-8"?>
+<file path=ppt/slides/slide12.xml><?xml version="1.0" encoding="utf-8"?>
 <p:sld xmlns:a="http://schemas.openxmlformats.org/drawingml/2006/main" xmlns:r="http://schemas.openxmlformats.org/officeDocument/2006/relationships" xmlns:p="http://schemas.openxmlformats.org/presentationml/2006/main">
   <p:cSld>
     <p:spTree>
@@ -9214,7 +6665,7 @@
           <a:p>
             <a:fld id="{9D4AEF59-F28E-467C-9EA3-92D1CFAD475A}" type="slidenum">
               <a:rPr lang="en-US" smtClean="0"/>
-              <a:t>9</a:t>
+              <a:t>12</a:t>
             </a:fld>
             <a:endParaRPr lang="en-US" dirty="0"/>
           </a:p>
@@ -9358,6 +6809,4603 @@
       </p:par>
     </p:tnLst>
   </p:timing>
+</p:sld>
+</file>
+
+<file path=ppt/slides/slide13.xml><?xml version="1.0" encoding="utf-8"?>
+<p:sld xmlns:a="http://schemas.openxmlformats.org/drawingml/2006/main" xmlns:r="http://schemas.openxmlformats.org/officeDocument/2006/relationships" xmlns:p="http://schemas.openxmlformats.org/presentationml/2006/main">
+  <p:cSld>
+    <p:spTree>
+      <p:nvGrpSpPr>
+        <p:cNvPr id="1" name=""/>
+        <p:cNvGrpSpPr/>
+        <p:nvPr/>
+      </p:nvGrpSpPr>
+      <p:grpSpPr>
+        <a:xfrm>
+          <a:off x="0" y="0"/>
+          <a:ext cx="0" cy="0"/>
+          <a:chOff x="0" y="0"/>
+          <a:chExt cx="0" cy="0"/>
+        </a:xfrm>
+      </p:grpSpPr>
+      <p:sp>
+        <p:nvSpPr>
+          <p:cNvPr id="2" name="Title 1">
+            <a:extLst>
+              <a:ext uri="{FF2B5EF4-FFF2-40B4-BE49-F238E27FC236}">
+                <a16:creationId xmlns:a16="http://schemas.microsoft.com/office/drawing/2014/main" id="{16F7B72A-C2ED-291D-CBBF-2BE1B04F3959}"/>
+              </a:ext>
+            </a:extLst>
+          </p:cNvPr>
+          <p:cNvSpPr>
+            <a:spLocks noGrp="1"/>
+          </p:cNvSpPr>
+          <p:nvPr>
+            <p:ph type="title"/>
+          </p:nvPr>
+        </p:nvSpPr>
+        <p:spPr/>
+        <p:txBody>
+          <a:bodyPr/>
+          <a:lstStyle/>
+          <a:p>
+            <a:r>
+              <a:rPr lang="en-DE" dirty="0"/>
+              <a:t>Pros &amp; cons of a DataVault</a:t>
+            </a:r>
+          </a:p>
+        </p:txBody>
+      </p:sp>
+      <p:sp>
+        <p:nvSpPr>
+          <p:cNvPr id="3" name="Content Placeholder 2">
+            <a:extLst>
+              <a:ext uri="{FF2B5EF4-FFF2-40B4-BE49-F238E27FC236}">
+                <a16:creationId xmlns:a16="http://schemas.microsoft.com/office/drawing/2014/main" id="{02771C8F-14A2-77FE-7D82-AB01DD53C99A}"/>
+              </a:ext>
+            </a:extLst>
+          </p:cNvPr>
+          <p:cNvSpPr>
+            <a:spLocks noGrp="1"/>
+          </p:cNvSpPr>
+          <p:nvPr>
+            <p:ph idx="1"/>
+          </p:nvPr>
+        </p:nvSpPr>
+        <p:spPr/>
+        <p:txBody>
+          <a:bodyPr>
+            <a:normAutofit/>
+          </a:bodyPr>
+          <a:lstStyle/>
+          <a:p>
+            <a:pPr marL="0" indent="0">
+              <a:buNone/>
+            </a:pPr>
+            <a:r>
+              <a:rPr lang="en-GB" b="1" dirty="0"/>
+              <a:t>Pros:</a:t>
+            </a:r>
+          </a:p>
+          <a:p>
+            <a:r>
+              <a:rPr lang="en-GB" dirty="0"/>
+              <a:t>Long-term storage of data</a:t>
+            </a:r>
+          </a:p>
+          <a:p>
+            <a:r>
+              <a:rPr lang="en-GB" dirty="0"/>
+              <a:t>Tracking data changes</a:t>
+            </a:r>
+          </a:p>
+          <a:p>
+            <a:r>
+              <a:rPr lang="en-GB" dirty="0"/>
+              <a:t>Fast import of data</a:t>
+            </a:r>
+          </a:p>
+          <a:p>
+            <a:r>
+              <a:rPr lang="en-GB" dirty="0"/>
+              <a:t>Changes in data schemas do not necessarily required downstream ETL and analysis processes to be adjusted</a:t>
+            </a:r>
+          </a:p>
+          <a:p>
+            <a:pPr marL="0" indent="0">
+              <a:buNone/>
+            </a:pPr>
+            <a:endParaRPr lang="en-GB" dirty="0"/>
+          </a:p>
+          <a:p>
+            <a:pPr marL="0" indent="0">
+              <a:buNone/>
+            </a:pPr>
+            <a:r>
+              <a:rPr lang="en-GB" b="1" dirty="0"/>
+              <a:t>Cons:</a:t>
+            </a:r>
+          </a:p>
+          <a:p>
+            <a:r>
+              <a:rPr lang="en-GB" dirty="0"/>
+              <a:t>Not easy to query</a:t>
+            </a:r>
+          </a:p>
+          <a:p>
+            <a:r>
+              <a:rPr lang="en-GB" dirty="0"/>
+              <a:t>Large overhead</a:t>
+            </a:r>
+          </a:p>
+        </p:txBody>
+      </p:sp>
+      <p:sp>
+        <p:nvSpPr>
+          <p:cNvPr id="4" name="Slide Number Placeholder 3">
+            <a:extLst>
+              <a:ext uri="{FF2B5EF4-FFF2-40B4-BE49-F238E27FC236}">
+                <a16:creationId xmlns:a16="http://schemas.microsoft.com/office/drawing/2014/main" id="{E4488B3D-13DD-F1C4-DAFA-C1B57C0D5E34}"/>
+              </a:ext>
+            </a:extLst>
+          </p:cNvPr>
+          <p:cNvSpPr>
+            <a:spLocks noGrp="1"/>
+          </p:cNvSpPr>
+          <p:nvPr>
+            <p:ph type="sldNum" sz="quarter" idx="12"/>
+          </p:nvPr>
+        </p:nvSpPr>
+        <p:spPr/>
+        <p:txBody>
+          <a:bodyPr/>
+          <a:lstStyle/>
+          <a:p>
+            <a:fld id="{9D4AEF59-F28E-467C-9EA3-92D1CFAD475A}" type="slidenum">
+              <a:rPr lang="en-US" smtClean="0"/>
+              <a:t>13</a:t>
+            </a:fld>
+            <a:endParaRPr lang="en-US" dirty="0"/>
+          </a:p>
+        </p:txBody>
+      </p:sp>
+    </p:spTree>
+    <p:extLst>
+      <p:ext uri="{BB962C8B-B14F-4D97-AF65-F5344CB8AC3E}">
+        <p14:creationId xmlns:p14="http://schemas.microsoft.com/office/powerpoint/2010/main" val="642313845"/>
+      </p:ext>
+    </p:extLst>
+  </p:cSld>
+  <p:clrMapOvr>
+    <a:masterClrMapping/>
+  </p:clrMapOvr>
+  <p:timing>
+    <p:tnLst>
+      <p:par>
+        <p:cTn id="1" dur="indefinite" restart="never" nodeType="tmRoot">
+          <p:childTnLst>
+            <p:seq concurrent="1" nextAc="seek">
+              <p:cTn id="2" dur="indefinite" nodeType="mainSeq">
+                <p:childTnLst>
+                  <p:par>
+                    <p:cTn id="3" fill="hold">
+                      <p:stCondLst>
+                        <p:cond delay="indefinite"/>
+                      </p:stCondLst>
+                      <p:childTnLst>
+                        <p:par>
+                          <p:cTn id="4" fill="hold">
+                            <p:stCondLst>
+                              <p:cond delay="0"/>
+                            </p:stCondLst>
+                            <p:childTnLst>
+                              <p:par>
+                                <p:cTn id="5" presetID="1" presetClass="entr" presetSubtype="0" fill="hold" nodeType="clickEffect">
+                                  <p:stCondLst>
+                                    <p:cond delay="0"/>
+                                  </p:stCondLst>
+                                  <p:childTnLst>
+                                    <p:set>
+                                      <p:cBhvr>
+                                        <p:cTn id="6" dur="1" fill="hold">
+                                          <p:stCondLst>
+                                            <p:cond delay="0"/>
+                                          </p:stCondLst>
+                                        </p:cTn>
+                                        <p:tgtEl>
+                                          <p:spTgt spid="3">
+                                            <p:txEl>
+                                              <p:pRg st="1" end="1"/>
+                                            </p:txEl>
+                                          </p:spTgt>
+                                        </p:tgtEl>
+                                        <p:attrNameLst>
+                                          <p:attrName>style.visibility</p:attrName>
+                                        </p:attrNameLst>
+                                      </p:cBhvr>
+                                      <p:to>
+                                        <p:strVal val="visible"/>
+                                      </p:to>
+                                    </p:set>
+                                  </p:childTnLst>
+                                </p:cTn>
+                              </p:par>
+                            </p:childTnLst>
+                          </p:cTn>
+                        </p:par>
+                      </p:childTnLst>
+                    </p:cTn>
+                  </p:par>
+                  <p:par>
+                    <p:cTn id="7" fill="hold">
+                      <p:stCondLst>
+                        <p:cond delay="indefinite"/>
+                      </p:stCondLst>
+                      <p:childTnLst>
+                        <p:par>
+                          <p:cTn id="8" fill="hold">
+                            <p:stCondLst>
+                              <p:cond delay="0"/>
+                            </p:stCondLst>
+                            <p:childTnLst>
+                              <p:par>
+                                <p:cTn id="9" presetID="1" presetClass="entr" presetSubtype="0" fill="hold" nodeType="clickEffect">
+                                  <p:stCondLst>
+                                    <p:cond delay="0"/>
+                                  </p:stCondLst>
+                                  <p:childTnLst>
+                                    <p:set>
+                                      <p:cBhvr>
+                                        <p:cTn id="10" dur="1" fill="hold">
+                                          <p:stCondLst>
+                                            <p:cond delay="0"/>
+                                          </p:stCondLst>
+                                        </p:cTn>
+                                        <p:tgtEl>
+                                          <p:spTgt spid="3">
+                                            <p:txEl>
+                                              <p:pRg st="2" end="2"/>
+                                            </p:txEl>
+                                          </p:spTgt>
+                                        </p:tgtEl>
+                                        <p:attrNameLst>
+                                          <p:attrName>style.visibility</p:attrName>
+                                        </p:attrNameLst>
+                                      </p:cBhvr>
+                                      <p:to>
+                                        <p:strVal val="visible"/>
+                                      </p:to>
+                                    </p:set>
+                                  </p:childTnLst>
+                                </p:cTn>
+                              </p:par>
+                            </p:childTnLst>
+                          </p:cTn>
+                        </p:par>
+                      </p:childTnLst>
+                    </p:cTn>
+                  </p:par>
+                  <p:par>
+                    <p:cTn id="11" fill="hold">
+                      <p:stCondLst>
+                        <p:cond delay="indefinite"/>
+                      </p:stCondLst>
+                      <p:childTnLst>
+                        <p:par>
+                          <p:cTn id="12" fill="hold">
+                            <p:stCondLst>
+                              <p:cond delay="0"/>
+                            </p:stCondLst>
+                            <p:childTnLst>
+                              <p:par>
+                                <p:cTn id="13" presetID="1" presetClass="entr" presetSubtype="0" fill="hold" nodeType="clickEffect">
+                                  <p:stCondLst>
+                                    <p:cond delay="0"/>
+                                  </p:stCondLst>
+                                  <p:childTnLst>
+                                    <p:set>
+                                      <p:cBhvr>
+                                        <p:cTn id="14" dur="1" fill="hold">
+                                          <p:stCondLst>
+                                            <p:cond delay="0"/>
+                                          </p:stCondLst>
+                                        </p:cTn>
+                                        <p:tgtEl>
+                                          <p:spTgt spid="3">
+                                            <p:txEl>
+                                              <p:pRg st="3" end="3"/>
+                                            </p:txEl>
+                                          </p:spTgt>
+                                        </p:tgtEl>
+                                        <p:attrNameLst>
+                                          <p:attrName>style.visibility</p:attrName>
+                                        </p:attrNameLst>
+                                      </p:cBhvr>
+                                      <p:to>
+                                        <p:strVal val="visible"/>
+                                      </p:to>
+                                    </p:set>
+                                  </p:childTnLst>
+                                </p:cTn>
+                              </p:par>
+                            </p:childTnLst>
+                          </p:cTn>
+                        </p:par>
+                      </p:childTnLst>
+                    </p:cTn>
+                  </p:par>
+                  <p:par>
+                    <p:cTn id="15" fill="hold">
+                      <p:stCondLst>
+                        <p:cond delay="indefinite"/>
+                      </p:stCondLst>
+                      <p:childTnLst>
+                        <p:par>
+                          <p:cTn id="16" fill="hold">
+                            <p:stCondLst>
+                              <p:cond delay="0"/>
+                            </p:stCondLst>
+                            <p:childTnLst>
+                              <p:par>
+                                <p:cTn id="17" presetID="1" presetClass="entr" presetSubtype="0" fill="hold" nodeType="clickEffect">
+                                  <p:stCondLst>
+                                    <p:cond delay="0"/>
+                                  </p:stCondLst>
+                                  <p:childTnLst>
+                                    <p:set>
+                                      <p:cBhvr>
+                                        <p:cTn id="18" dur="1" fill="hold">
+                                          <p:stCondLst>
+                                            <p:cond delay="0"/>
+                                          </p:stCondLst>
+                                        </p:cTn>
+                                        <p:tgtEl>
+                                          <p:spTgt spid="3">
+                                            <p:txEl>
+                                              <p:pRg st="4" end="4"/>
+                                            </p:txEl>
+                                          </p:spTgt>
+                                        </p:tgtEl>
+                                        <p:attrNameLst>
+                                          <p:attrName>style.visibility</p:attrName>
+                                        </p:attrNameLst>
+                                      </p:cBhvr>
+                                      <p:to>
+                                        <p:strVal val="visible"/>
+                                      </p:to>
+                                    </p:set>
+                                  </p:childTnLst>
+                                </p:cTn>
+                              </p:par>
+                            </p:childTnLst>
+                          </p:cTn>
+                        </p:par>
+                      </p:childTnLst>
+                    </p:cTn>
+                  </p:par>
+                  <p:par>
+                    <p:cTn id="19" fill="hold">
+                      <p:stCondLst>
+                        <p:cond delay="indefinite"/>
+                      </p:stCondLst>
+                      <p:childTnLst>
+                        <p:par>
+                          <p:cTn id="20" fill="hold">
+                            <p:stCondLst>
+                              <p:cond delay="0"/>
+                            </p:stCondLst>
+                            <p:childTnLst>
+                              <p:par>
+                                <p:cTn id="21" presetID="1" presetClass="entr" presetSubtype="0" fill="hold" nodeType="clickEffect">
+                                  <p:stCondLst>
+                                    <p:cond delay="0"/>
+                                  </p:stCondLst>
+                                  <p:childTnLst>
+                                    <p:set>
+                                      <p:cBhvr>
+                                        <p:cTn id="22" dur="1" fill="hold">
+                                          <p:stCondLst>
+                                            <p:cond delay="0"/>
+                                          </p:stCondLst>
+                                        </p:cTn>
+                                        <p:tgtEl>
+                                          <p:spTgt spid="3">
+                                            <p:txEl>
+                                              <p:pRg st="7" end="7"/>
+                                            </p:txEl>
+                                          </p:spTgt>
+                                        </p:tgtEl>
+                                        <p:attrNameLst>
+                                          <p:attrName>style.visibility</p:attrName>
+                                        </p:attrNameLst>
+                                      </p:cBhvr>
+                                      <p:to>
+                                        <p:strVal val="visible"/>
+                                      </p:to>
+                                    </p:set>
+                                  </p:childTnLst>
+                                </p:cTn>
+                              </p:par>
+                            </p:childTnLst>
+                          </p:cTn>
+                        </p:par>
+                      </p:childTnLst>
+                    </p:cTn>
+                  </p:par>
+                  <p:par>
+                    <p:cTn id="23" fill="hold">
+                      <p:stCondLst>
+                        <p:cond delay="indefinite"/>
+                      </p:stCondLst>
+                      <p:childTnLst>
+                        <p:par>
+                          <p:cTn id="24" fill="hold">
+                            <p:stCondLst>
+                              <p:cond delay="0"/>
+                            </p:stCondLst>
+                            <p:childTnLst>
+                              <p:par>
+                                <p:cTn id="25" presetID="1" presetClass="entr" presetSubtype="0" fill="hold" nodeType="clickEffect">
+                                  <p:stCondLst>
+                                    <p:cond delay="0"/>
+                                  </p:stCondLst>
+                                  <p:childTnLst>
+                                    <p:set>
+                                      <p:cBhvr>
+                                        <p:cTn id="26" dur="1" fill="hold">
+                                          <p:stCondLst>
+                                            <p:cond delay="0"/>
+                                          </p:stCondLst>
+                                        </p:cTn>
+                                        <p:tgtEl>
+                                          <p:spTgt spid="3">
+                                            <p:txEl>
+                                              <p:pRg st="8" end="8"/>
+                                            </p:txEl>
+                                          </p:spTgt>
+                                        </p:tgtEl>
+                                        <p:attrNameLst>
+                                          <p:attrName>style.visibility</p:attrName>
+                                        </p:attrNameLst>
+                                      </p:cBhvr>
+                                      <p:to>
+                                        <p:strVal val="visible"/>
+                                      </p:to>
+                                    </p:set>
+                                  </p:childTnLst>
+                                </p:cTn>
+                              </p:par>
+                            </p:childTnLst>
+                          </p:cTn>
+                        </p:par>
+                      </p:childTnLst>
+                    </p:cTn>
+                  </p:par>
+                </p:childTnLst>
+              </p:cTn>
+              <p:prevCondLst>
+                <p:cond evt="onPrev" delay="0">
+                  <p:tgtEl>
+                    <p:sldTgt/>
+                  </p:tgtEl>
+                </p:cond>
+              </p:prevCondLst>
+              <p:nextCondLst>
+                <p:cond evt="onNext" delay="0">
+                  <p:tgtEl>
+                    <p:sldTgt/>
+                  </p:tgtEl>
+                </p:cond>
+              </p:nextCondLst>
+            </p:seq>
+          </p:childTnLst>
+        </p:cTn>
+      </p:par>
+    </p:tnLst>
+  </p:timing>
+</p:sld>
+</file>
+
+<file path=ppt/slides/slide14.xml><?xml version="1.0" encoding="utf-8"?>
+<p:sld xmlns:a="http://schemas.openxmlformats.org/drawingml/2006/main" xmlns:r="http://schemas.openxmlformats.org/officeDocument/2006/relationships" xmlns:p="http://schemas.openxmlformats.org/presentationml/2006/main">
+  <p:cSld>
+    <p:spTree>
+      <p:nvGrpSpPr>
+        <p:cNvPr id="1" name=""/>
+        <p:cNvGrpSpPr/>
+        <p:nvPr/>
+      </p:nvGrpSpPr>
+      <p:grpSpPr>
+        <a:xfrm>
+          <a:off x="0" y="0"/>
+          <a:ext cx="0" cy="0"/>
+          <a:chOff x="0" y="0"/>
+          <a:chExt cx="0" cy="0"/>
+        </a:xfrm>
+      </p:grpSpPr>
+      <p:sp>
+        <p:nvSpPr>
+          <p:cNvPr id="2" name="Titel 1">
+            <a:extLst>
+              <a:ext uri="{FF2B5EF4-FFF2-40B4-BE49-F238E27FC236}">
+                <a16:creationId xmlns:a16="http://schemas.microsoft.com/office/drawing/2014/main" id="{F7C40B21-2CD5-5ADA-ACE5-D0DA6BDCF744}"/>
+              </a:ext>
+            </a:extLst>
+          </p:cNvPr>
+          <p:cNvSpPr>
+            <a:spLocks noGrp="1"/>
+          </p:cNvSpPr>
+          <p:nvPr>
+            <p:ph type="title"/>
+          </p:nvPr>
+        </p:nvSpPr>
+        <p:spPr>
+          <a:xfrm>
+            <a:off x="815929" y="2820988"/>
+            <a:ext cx="9810604" cy="1216024"/>
+          </a:xfrm>
+        </p:spPr>
+        <p:txBody>
+          <a:bodyPr/>
+          <a:lstStyle/>
+          <a:p>
+            <a:r>
+              <a:rPr lang="de-DE" dirty="0"/>
+              <a:t>HOW DO WE TRACK CHANGES </a:t>
+            </a:r>
+            <a:r>
+              <a:rPr lang="de-DE" dirty="0" err="1"/>
+              <a:t>of</a:t>
+            </a:r>
+            <a:r>
+              <a:rPr lang="de-DE" dirty="0"/>
+              <a:t> </a:t>
+            </a:r>
+            <a:r>
+              <a:rPr lang="de-DE" dirty="0" err="1"/>
+              <a:t>our</a:t>
+            </a:r>
+            <a:r>
+              <a:rPr lang="de-DE" dirty="0"/>
+              <a:t> source </a:t>
+            </a:r>
+            <a:r>
+              <a:rPr lang="de-DE" dirty="0" err="1"/>
+              <a:t>data</a:t>
+            </a:r>
+            <a:r>
+              <a:rPr lang="de-DE" dirty="0"/>
+              <a:t> </a:t>
+            </a:r>
+            <a:r>
+              <a:rPr lang="de-DE" dirty="0" err="1"/>
+              <a:t>over</a:t>
+            </a:r>
+            <a:r>
+              <a:rPr lang="de-DE" dirty="0"/>
+              <a:t> time?</a:t>
+            </a:r>
+          </a:p>
+        </p:txBody>
+      </p:sp>
+      <p:sp>
+        <p:nvSpPr>
+          <p:cNvPr id="5" name="Foliennummernplatzhalter 4">
+            <a:extLst>
+              <a:ext uri="{FF2B5EF4-FFF2-40B4-BE49-F238E27FC236}">
+                <a16:creationId xmlns:a16="http://schemas.microsoft.com/office/drawing/2014/main" id="{5D4F889F-FC74-0388-F08F-091050383C02}"/>
+              </a:ext>
+            </a:extLst>
+          </p:cNvPr>
+          <p:cNvSpPr>
+            <a:spLocks noGrp="1"/>
+          </p:cNvSpPr>
+          <p:nvPr>
+            <p:ph type="sldNum" sz="quarter" idx="12"/>
+          </p:nvPr>
+        </p:nvSpPr>
+        <p:spPr/>
+        <p:txBody>
+          <a:bodyPr/>
+          <a:lstStyle/>
+          <a:p>
+            <a:fld id="{9D4AEF59-F28E-467C-9EA3-92D1CFAD475A}" type="slidenum">
+              <a:rPr lang="en-US" smtClean="0"/>
+              <a:t>14</a:t>
+            </a:fld>
+            <a:endParaRPr lang="en-US" dirty="0"/>
+          </a:p>
+        </p:txBody>
+      </p:sp>
+    </p:spTree>
+    <p:extLst>
+      <p:ext uri="{BB962C8B-B14F-4D97-AF65-F5344CB8AC3E}">
+        <p14:creationId xmlns:p14="http://schemas.microsoft.com/office/powerpoint/2010/main" val="1562482602"/>
+      </p:ext>
+    </p:extLst>
+  </p:cSld>
+  <p:clrMapOvr>
+    <a:masterClrMapping/>
+  </p:clrMapOvr>
+</p:sld>
+</file>
+
+<file path=ppt/slides/slide15.xml><?xml version="1.0" encoding="utf-8"?>
+<p:sld xmlns:a="http://schemas.openxmlformats.org/drawingml/2006/main" xmlns:r="http://schemas.openxmlformats.org/officeDocument/2006/relationships" xmlns:p="http://schemas.openxmlformats.org/presentationml/2006/main">
+  <p:cSld>
+    <p:spTree>
+      <p:nvGrpSpPr>
+        <p:cNvPr id="1" name=""/>
+        <p:cNvGrpSpPr/>
+        <p:nvPr/>
+      </p:nvGrpSpPr>
+      <p:grpSpPr>
+        <a:xfrm>
+          <a:off x="0" y="0"/>
+          <a:ext cx="0" cy="0"/>
+          <a:chOff x="0" y="0"/>
+          <a:chExt cx="0" cy="0"/>
+        </a:xfrm>
+      </p:grpSpPr>
+      <p:sp>
+        <p:nvSpPr>
+          <p:cNvPr id="2" name="Title 1">
+            <a:extLst>
+              <a:ext uri="{FF2B5EF4-FFF2-40B4-BE49-F238E27FC236}">
+                <a16:creationId xmlns:a16="http://schemas.microsoft.com/office/drawing/2014/main" id="{705D09EE-055F-6A87-4B56-7B5953608B72}"/>
+              </a:ext>
+            </a:extLst>
+          </p:cNvPr>
+          <p:cNvSpPr>
+            <a:spLocks noGrp="1"/>
+          </p:cNvSpPr>
+          <p:nvPr>
+            <p:ph type="ctrTitle"/>
+          </p:nvPr>
+        </p:nvSpPr>
+        <p:spPr/>
+        <p:txBody>
+          <a:bodyPr/>
+          <a:lstStyle/>
+          <a:p>
+            <a:r>
+              <a:rPr lang="en-DE" dirty="0"/>
+              <a:t>Thank You For your Attention</a:t>
+            </a:r>
+          </a:p>
+        </p:txBody>
+      </p:sp>
+      <p:sp>
+        <p:nvSpPr>
+          <p:cNvPr id="3" name="Subtitle 2">
+            <a:extLst>
+              <a:ext uri="{FF2B5EF4-FFF2-40B4-BE49-F238E27FC236}">
+                <a16:creationId xmlns:a16="http://schemas.microsoft.com/office/drawing/2014/main" id="{973F4440-2040-B59A-CFCF-7D877ECAF014}"/>
+              </a:ext>
+            </a:extLst>
+          </p:cNvPr>
+          <p:cNvSpPr>
+            <a:spLocks noGrp="1"/>
+          </p:cNvSpPr>
+          <p:nvPr>
+            <p:ph type="subTitle" idx="1"/>
+          </p:nvPr>
+        </p:nvSpPr>
+        <p:spPr/>
+        <p:txBody>
+          <a:bodyPr/>
+          <a:lstStyle/>
+          <a:p>
+            <a:endParaRPr lang="en-DE" dirty="0"/>
+          </a:p>
+        </p:txBody>
+      </p:sp>
+    </p:spTree>
+    <p:extLst>
+      <p:ext uri="{BB962C8B-B14F-4D97-AF65-F5344CB8AC3E}">
+        <p14:creationId xmlns:p14="http://schemas.microsoft.com/office/powerpoint/2010/main" val="2496082543"/>
+      </p:ext>
+    </p:extLst>
+  </p:cSld>
+  <p:clrMapOvr>
+    <a:masterClrMapping/>
+  </p:clrMapOvr>
+</p:sld>
+</file>
+
+<file path=ppt/slides/slide2.xml><?xml version="1.0" encoding="utf-8"?>
+<p:sld xmlns:a="http://schemas.openxmlformats.org/drawingml/2006/main" xmlns:r="http://schemas.openxmlformats.org/officeDocument/2006/relationships" xmlns:p="http://schemas.openxmlformats.org/presentationml/2006/main">
+  <p:cSld>
+    <p:spTree>
+      <p:nvGrpSpPr>
+        <p:cNvPr id="1" name=""/>
+        <p:cNvGrpSpPr/>
+        <p:nvPr/>
+      </p:nvGrpSpPr>
+      <p:grpSpPr>
+        <a:xfrm>
+          <a:off x="0" y="0"/>
+          <a:ext cx="0" cy="0"/>
+          <a:chOff x="0" y="0"/>
+          <a:chExt cx="0" cy="0"/>
+        </a:xfrm>
+      </p:grpSpPr>
+      <p:sp>
+        <p:nvSpPr>
+          <p:cNvPr id="2" name="Titel 1">
+            <a:extLst>
+              <a:ext uri="{FF2B5EF4-FFF2-40B4-BE49-F238E27FC236}">
+                <a16:creationId xmlns:a16="http://schemas.microsoft.com/office/drawing/2014/main" id="{F7C40B21-2CD5-5ADA-ACE5-D0DA6BDCF744}"/>
+              </a:ext>
+            </a:extLst>
+          </p:cNvPr>
+          <p:cNvSpPr>
+            <a:spLocks noGrp="1"/>
+          </p:cNvSpPr>
+          <p:nvPr>
+            <p:ph type="title"/>
+          </p:nvPr>
+        </p:nvSpPr>
+        <p:spPr/>
+        <p:txBody>
+          <a:bodyPr/>
+          <a:lstStyle/>
+          <a:p>
+            <a:r>
+              <a:rPr lang="de-DE" dirty="0" err="1"/>
+              <a:t>What</a:t>
+            </a:r>
+            <a:r>
+              <a:rPr lang="de-DE" dirty="0"/>
+              <a:t> </a:t>
+            </a:r>
+            <a:r>
+              <a:rPr lang="de-DE" dirty="0" err="1"/>
+              <a:t>is</a:t>
+            </a:r>
+            <a:r>
+              <a:rPr lang="de-DE" dirty="0"/>
+              <a:t> ETL ?</a:t>
+            </a:r>
+          </a:p>
+        </p:txBody>
+      </p:sp>
+      <p:sp>
+        <p:nvSpPr>
+          <p:cNvPr id="5" name="Foliennummernplatzhalter 4">
+            <a:extLst>
+              <a:ext uri="{FF2B5EF4-FFF2-40B4-BE49-F238E27FC236}">
+                <a16:creationId xmlns:a16="http://schemas.microsoft.com/office/drawing/2014/main" id="{5D4F889F-FC74-0388-F08F-091050383C02}"/>
+              </a:ext>
+            </a:extLst>
+          </p:cNvPr>
+          <p:cNvSpPr>
+            <a:spLocks noGrp="1"/>
+          </p:cNvSpPr>
+          <p:nvPr>
+            <p:ph type="sldNum" sz="quarter" idx="12"/>
+          </p:nvPr>
+        </p:nvSpPr>
+        <p:spPr/>
+        <p:txBody>
+          <a:bodyPr/>
+          <a:lstStyle/>
+          <a:p>
+            <a:fld id="{9D4AEF59-F28E-467C-9EA3-92D1CFAD475A}" type="slidenum">
+              <a:rPr lang="en-US" smtClean="0"/>
+              <a:t>2</a:t>
+            </a:fld>
+            <a:endParaRPr lang="en-US" dirty="0"/>
+          </a:p>
+        </p:txBody>
+      </p:sp>
+      <p:pic>
+        <p:nvPicPr>
+          <p:cNvPr id="12" name="Grafik 11">
+            <a:extLst>
+              <a:ext uri="{FF2B5EF4-FFF2-40B4-BE49-F238E27FC236}">
+                <a16:creationId xmlns:a16="http://schemas.microsoft.com/office/drawing/2014/main" id="{CF4F7C16-390D-CE0B-3B40-A21D34950F3F}"/>
+              </a:ext>
+            </a:extLst>
+          </p:cNvPr>
+          <p:cNvPicPr>
+            <a:picLocks noChangeAspect="1"/>
+          </p:cNvPicPr>
+          <p:nvPr/>
+        </p:nvPicPr>
+        <p:blipFill>
+          <a:blip r:embed="rId2">
+            <a:extLst>
+              <a:ext uri="{28A0092B-C50C-407E-A947-70E740481C1C}">
+                <a14:useLocalDpi xmlns:a14="http://schemas.microsoft.com/office/drawing/2010/main" val="0"/>
+              </a:ext>
+            </a:extLst>
+          </a:blip>
+          <a:stretch>
+            <a:fillRect/>
+          </a:stretch>
+        </p:blipFill>
+        <p:spPr>
+          <a:xfrm>
+            <a:off x="2161389" y="1495803"/>
+            <a:ext cx="7869221" cy="4752596"/>
+          </a:xfrm>
+          <a:prstGeom prst="rect">
+            <a:avLst/>
+          </a:prstGeom>
+        </p:spPr>
+      </p:pic>
+      <p:sp>
+        <p:nvSpPr>
+          <p:cNvPr id="3" name="Rectangle 2">
+            <a:extLst>
+              <a:ext uri="{FF2B5EF4-FFF2-40B4-BE49-F238E27FC236}">
+                <a16:creationId xmlns:a16="http://schemas.microsoft.com/office/drawing/2014/main" id="{C2FF1AAA-D704-0298-536A-CF4AEFC7CFFF}"/>
+              </a:ext>
+            </a:extLst>
+          </p:cNvPr>
+          <p:cNvSpPr/>
+          <p:nvPr/>
+        </p:nvSpPr>
+        <p:spPr>
+          <a:xfrm>
+            <a:off x="1869850" y="3043100"/>
+            <a:ext cx="5896800" cy="3446221"/>
+          </a:xfrm>
+          <a:prstGeom prst="rect">
+            <a:avLst/>
+          </a:prstGeom>
+          <a:noFill/>
+          <a:ln w="76200">
+            <a:solidFill>
+              <a:schemeClr val="accent1"/>
+            </a:solidFill>
+          </a:ln>
+        </p:spPr>
+        <p:style>
+          <a:lnRef idx="2">
+            <a:schemeClr val="accent1">
+              <a:shade val="50000"/>
+            </a:schemeClr>
+          </a:lnRef>
+          <a:fillRef idx="1">
+            <a:schemeClr val="accent1"/>
+          </a:fillRef>
+          <a:effectRef idx="0">
+            <a:schemeClr val="accent1"/>
+          </a:effectRef>
+          <a:fontRef idx="minor">
+            <a:schemeClr val="lt1"/>
+          </a:fontRef>
+        </p:style>
+        <p:txBody>
+          <a:bodyPr rtlCol="0" anchor="ctr"/>
+          <a:lstStyle/>
+          <a:p>
+            <a:pPr algn="ctr"/>
+            <a:endParaRPr lang="en-DE"/>
+          </a:p>
+        </p:txBody>
+      </p:sp>
+    </p:spTree>
+    <p:extLst>
+      <p:ext uri="{BB962C8B-B14F-4D97-AF65-F5344CB8AC3E}">
+        <p14:creationId xmlns:p14="http://schemas.microsoft.com/office/powerpoint/2010/main" val="3087161205"/>
+      </p:ext>
+    </p:extLst>
+  </p:cSld>
+  <p:clrMapOvr>
+    <a:masterClrMapping/>
+  </p:clrMapOvr>
+</p:sld>
+</file>
+
+<file path=ppt/slides/slide3.xml><?xml version="1.0" encoding="utf-8"?>
+<p:sld xmlns:a="http://schemas.openxmlformats.org/drawingml/2006/main" xmlns:r="http://schemas.openxmlformats.org/officeDocument/2006/relationships" xmlns:p="http://schemas.openxmlformats.org/presentationml/2006/main">
+  <p:cSld>
+    <p:spTree>
+      <p:nvGrpSpPr>
+        <p:cNvPr id="1" name=""/>
+        <p:cNvGrpSpPr/>
+        <p:nvPr/>
+      </p:nvGrpSpPr>
+      <p:grpSpPr>
+        <a:xfrm>
+          <a:off x="0" y="0"/>
+          <a:ext cx="0" cy="0"/>
+          <a:chOff x="0" y="0"/>
+          <a:chExt cx="0" cy="0"/>
+        </a:xfrm>
+      </p:grpSpPr>
+      <p:sp>
+        <p:nvSpPr>
+          <p:cNvPr id="2" name="Slide Number Placeholder 1">
+            <a:extLst>
+              <a:ext uri="{FF2B5EF4-FFF2-40B4-BE49-F238E27FC236}">
+                <a16:creationId xmlns:a16="http://schemas.microsoft.com/office/drawing/2014/main" id="{5D36EF98-DE04-793E-777E-6FBBA3ADE9C5}"/>
+              </a:ext>
+            </a:extLst>
+          </p:cNvPr>
+          <p:cNvSpPr>
+            <a:spLocks noGrp="1"/>
+          </p:cNvSpPr>
+          <p:nvPr>
+            <p:ph type="sldNum" sz="quarter" idx="12"/>
+          </p:nvPr>
+        </p:nvSpPr>
+        <p:spPr/>
+        <p:txBody>
+          <a:bodyPr/>
+          <a:lstStyle/>
+          <a:p>
+            <a:fld id="{9D4AEF59-F28E-467C-9EA3-92D1CFAD475A}" type="slidenum">
+              <a:rPr lang="en-US" smtClean="0"/>
+              <a:t>3</a:t>
+            </a:fld>
+            <a:endParaRPr lang="en-US"/>
+          </a:p>
+        </p:txBody>
+      </p:sp>
+      <p:sp>
+        <p:nvSpPr>
+          <p:cNvPr id="3" name="Title 2">
+            <a:extLst>
+              <a:ext uri="{FF2B5EF4-FFF2-40B4-BE49-F238E27FC236}">
+                <a16:creationId xmlns:a16="http://schemas.microsoft.com/office/drawing/2014/main" id="{70D161C4-7919-2987-26BD-5C6DFB4A08EB}"/>
+              </a:ext>
+            </a:extLst>
+          </p:cNvPr>
+          <p:cNvSpPr>
+            <a:spLocks noGrp="1"/>
+          </p:cNvSpPr>
+          <p:nvPr>
+            <p:ph type="title"/>
+          </p:nvPr>
+        </p:nvSpPr>
+        <p:spPr/>
+        <p:txBody>
+          <a:bodyPr/>
+          <a:lstStyle/>
+          <a:p>
+            <a:r>
+              <a:rPr lang="en-DE" dirty="0"/>
+              <a:t>Revenue by Country</a:t>
+            </a:r>
+          </a:p>
+        </p:txBody>
+      </p:sp>
+      <p:graphicFrame>
+        <p:nvGraphicFramePr>
+          <p:cNvPr id="4" name="Table 4">
+            <a:extLst>
+              <a:ext uri="{FF2B5EF4-FFF2-40B4-BE49-F238E27FC236}">
+                <a16:creationId xmlns:a16="http://schemas.microsoft.com/office/drawing/2014/main" id="{BCD44526-CDC1-1B01-9AD0-48EDB53C1A86}"/>
+              </a:ext>
+            </a:extLst>
+          </p:cNvPr>
+          <p:cNvGraphicFramePr>
+            <a:graphicFrameLocks noGrp="1"/>
+          </p:cNvGraphicFramePr>
+          <p:nvPr>
+            <p:extLst>
+              <p:ext uri="{D42A27DB-BD31-4B8C-83A1-F6EECF244321}">
+                <p14:modId xmlns:p14="http://schemas.microsoft.com/office/powerpoint/2010/main" val="2733292418"/>
+              </p:ext>
+            </p:extLst>
+          </p:nvPr>
+        </p:nvGraphicFramePr>
+        <p:xfrm>
+          <a:off x="1050879" y="2337504"/>
+          <a:ext cx="5601700" cy="1112520"/>
+        </p:xfrm>
+        <a:graphic>
+          <a:graphicData uri="http://schemas.openxmlformats.org/drawingml/2006/table">
+            <a:tbl>
+              <a:tblPr firstRow="1" bandRow="1">
+                <a:tableStyleId>{5C22544A-7EE6-4342-B048-85BDC9FD1C3A}</a:tableStyleId>
+              </a:tblPr>
+              <a:tblGrid>
+                <a:gridCol w="2800850">
+                  <a:extLst>
+                    <a:ext uri="{9D8B030D-6E8A-4147-A177-3AD203B41FA5}">
+                      <a16:colId xmlns:a16="http://schemas.microsoft.com/office/drawing/2014/main" val="3757808192"/>
+                    </a:ext>
+                  </a:extLst>
+                </a:gridCol>
+                <a:gridCol w="2800850">
+                  <a:extLst>
+                    <a:ext uri="{9D8B030D-6E8A-4147-A177-3AD203B41FA5}">
+                      <a16:colId xmlns:a16="http://schemas.microsoft.com/office/drawing/2014/main" val="3719978967"/>
+                    </a:ext>
+                  </a:extLst>
+                </a:gridCol>
+              </a:tblGrid>
+              <a:tr h="370840">
+                <a:tc>
+                  <a:txBody>
+                    <a:bodyPr/>
+                    <a:lstStyle/>
+                    <a:p>
+                      <a:r>
+                        <a:rPr lang="en-DE" dirty="0"/>
+                        <a:t>Country</a:t>
+                      </a:r>
+                    </a:p>
+                  </a:txBody>
+                  <a:tcPr/>
+                </a:tc>
+                <a:tc>
+                  <a:txBody>
+                    <a:bodyPr/>
+                    <a:lstStyle/>
+                    <a:p>
+                      <a:r>
+                        <a:rPr lang="en-DE" dirty="0"/>
+                        <a:t>Revenue (%)</a:t>
+                      </a:r>
+                    </a:p>
+                  </a:txBody>
+                  <a:tcPr/>
+                </a:tc>
+                <a:extLst>
+                  <a:ext uri="{0D108BD9-81ED-4DB2-BD59-A6C34878D82A}">
+                    <a16:rowId xmlns:a16="http://schemas.microsoft.com/office/drawing/2014/main" val="3012578484"/>
+                  </a:ext>
+                </a:extLst>
+              </a:tr>
+              <a:tr h="370840">
+                <a:tc>
+                  <a:txBody>
+                    <a:bodyPr/>
+                    <a:lstStyle/>
+                    <a:p>
+                      <a:r>
+                        <a:rPr lang="en-DE" dirty="0"/>
+                        <a:t>Germany</a:t>
+                      </a:r>
+                    </a:p>
+                  </a:txBody>
+                  <a:tcPr/>
+                </a:tc>
+                <a:tc>
+                  <a:txBody>
+                    <a:bodyPr/>
+                    <a:lstStyle/>
+                    <a:p>
+                      <a:r>
+                        <a:rPr lang="en-DE" dirty="0"/>
+                        <a:t>50%</a:t>
+                      </a:r>
+                    </a:p>
+                  </a:txBody>
+                  <a:tcPr/>
+                </a:tc>
+                <a:extLst>
+                  <a:ext uri="{0D108BD9-81ED-4DB2-BD59-A6C34878D82A}">
+                    <a16:rowId xmlns:a16="http://schemas.microsoft.com/office/drawing/2014/main" val="2939693813"/>
+                  </a:ext>
+                </a:extLst>
+              </a:tr>
+              <a:tr h="370840">
+                <a:tc>
+                  <a:txBody>
+                    <a:bodyPr/>
+                    <a:lstStyle/>
+                    <a:p>
+                      <a:r>
+                        <a:rPr lang="en-DE" dirty="0"/>
+                        <a:t>France</a:t>
+                      </a:r>
+                    </a:p>
+                  </a:txBody>
+                  <a:tcPr/>
+                </a:tc>
+                <a:tc>
+                  <a:txBody>
+                    <a:bodyPr/>
+                    <a:lstStyle/>
+                    <a:p>
+                      <a:r>
+                        <a:rPr lang="en-DE" dirty="0"/>
+                        <a:t>10%</a:t>
+                      </a:r>
+                    </a:p>
+                  </a:txBody>
+                  <a:tcPr/>
+                </a:tc>
+                <a:extLst>
+                  <a:ext uri="{0D108BD9-81ED-4DB2-BD59-A6C34878D82A}">
+                    <a16:rowId xmlns:a16="http://schemas.microsoft.com/office/drawing/2014/main" val="154582868"/>
+                  </a:ext>
+                </a:extLst>
+              </a:tr>
+            </a:tbl>
+          </a:graphicData>
+        </a:graphic>
+      </p:graphicFrame>
+      <p:graphicFrame>
+        <p:nvGraphicFramePr>
+          <p:cNvPr id="6" name="Table 4">
+            <a:extLst>
+              <a:ext uri="{FF2B5EF4-FFF2-40B4-BE49-F238E27FC236}">
+                <a16:creationId xmlns:a16="http://schemas.microsoft.com/office/drawing/2014/main" id="{95F489A5-37EE-C81E-68EB-69CF25AF8483}"/>
+              </a:ext>
+            </a:extLst>
+          </p:cNvPr>
+          <p:cNvGraphicFramePr>
+            <a:graphicFrameLocks noGrp="1"/>
+          </p:cNvGraphicFramePr>
+          <p:nvPr>
+            <p:extLst>
+              <p:ext uri="{D42A27DB-BD31-4B8C-83A1-F6EECF244321}">
+                <p14:modId xmlns:p14="http://schemas.microsoft.com/office/powerpoint/2010/main" val="1283352062"/>
+              </p:ext>
+            </p:extLst>
+          </p:nvPr>
+        </p:nvGraphicFramePr>
+        <p:xfrm>
+          <a:off x="4705564" y="4548035"/>
+          <a:ext cx="6227838" cy="1112520"/>
+        </p:xfrm>
+        <a:graphic>
+          <a:graphicData uri="http://schemas.openxmlformats.org/drawingml/2006/table">
+            <a:tbl>
+              <a:tblPr firstRow="1" bandRow="1">
+                <a:tableStyleId>{5C22544A-7EE6-4342-B048-85BDC9FD1C3A}</a:tableStyleId>
+              </a:tblPr>
+              <a:tblGrid>
+                <a:gridCol w="3113919">
+                  <a:extLst>
+                    <a:ext uri="{9D8B030D-6E8A-4147-A177-3AD203B41FA5}">
+                      <a16:colId xmlns:a16="http://schemas.microsoft.com/office/drawing/2014/main" val="3757808192"/>
+                    </a:ext>
+                  </a:extLst>
+                </a:gridCol>
+                <a:gridCol w="3113919">
+                  <a:extLst>
+                    <a:ext uri="{9D8B030D-6E8A-4147-A177-3AD203B41FA5}">
+                      <a16:colId xmlns:a16="http://schemas.microsoft.com/office/drawing/2014/main" val="3719978967"/>
+                    </a:ext>
+                  </a:extLst>
+                </a:gridCol>
+              </a:tblGrid>
+              <a:tr h="370840">
+                <a:tc>
+                  <a:txBody>
+                    <a:bodyPr/>
+                    <a:lstStyle/>
+                    <a:p>
+                      <a:r>
+                        <a:rPr lang="en-DE" dirty="0"/>
+                        <a:t>Country</a:t>
+                      </a:r>
+                    </a:p>
+                  </a:txBody>
+                  <a:tcPr/>
+                </a:tc>
+                <a:tc>
+                  <a:txBody>
+                    <a:bodyPr/>
+                    <a:lstStyle/>
+                    <a:p>
+                      <a:r>
+                        <a:rPr lang="en-DE" dirty="0"/>
+                        <a:t>Revenue (%)</a:t>
+                      </a:r>
+                    </a:p>
+                  </a:txBody>
+                  <a:tcPr/>
+                </a:tc>
+                <a:extLst>
+                  <a:ext uri="{0D108BD9-81ED-4DB2-BD59-A6C34878D82A}">
+                    <a16:rowId xmlns:a16="http://schemas.microsoft.com/office/drawing/2014/main" val="3012578484"/>
+                  </a:ext>
+                </a:extLst>
+              </a:tr>
+              <a:tr h="370840">
+                <a:tc>
+                  <a:txBody>
+                    <a:bodyPr/>
+                    <a:lstStyle/>
+                    <a:p>
+                      <a:r>
+                        <a:rPr lang="en-DE" dirty="0"/>
+                        <a:t>Germany</a:t>
+                      </a:r>
+                    </a:p>
+                  </a:txBody>
+                  <a:tcPr/>
+                </a:tc>
+                <a:tc>
+                  <a:txBody>
+                    <a:bodyPr/>
+                    <a:lstStyle/>
+                    <a:p>
+                      <a:r>
+                        <a:rPr lang="en-DE" dirty="0"/>
+                        <a:t>0%</a:t>
+                      </a:r>
+                    </a:p>
+                  </a:txBody>
+                  <a:tcPr/>
+                </a:tc>
+                <a:extLst>
+                  <a:ext uri="{0D108BD9-81ED-4DB2-BD59-A6C34878D82A}">
+                    <a16:rowId xmlns:a16="http://schemas.microsoft.com/office/drawing/2014/main" val="2939693813"/>
+                  </a:ext>
+                </a:extLst>
+              </a:tr>
+              <a:tr h="370840">
+                <a:tc>
+                  <a:txBody>
+                    <a:bodyPr/>
+                    <a:lstStyle/>
+                    <a:p>
+                      <a:r>
+                        <a:rPr lang="en-DE" dirty="0"/>
+                        <a:t>France</a:t>
+                      </a:r>
+                    </a:p>
+                  </a:txBody>
+                  <a:tcPr/>
+                </a:tc>
+                <a:tc>
+                  <a:txBody>
+                    <a:bodyPr/>
+                    <a:lstStyle/>
+                    <a:p>
+                      <a:r>
+                        <a:rPr lang="en-DE" dirty="0"/>
+                        <a:t>60%</a:t>
+                      </a:r>
+                    </a:p>
+                  </a:txBody>
+                  <a:tcPr/>
+                </a:tc>
+                <a:extLst>
+                  <a:ext uri="{0D108BD9-81ED-4DB2-BD59-A6C34878D82A}">
+                    <a16:rowId xmlns:a16="http://schemas.microsoft.com/office/drawing/2014/main" val="154582868"/>
+                  </a:ext>
+                </a:extLst>
+              </a:tr>
+            </a:tbl>
+          </a:graphicData>
+        </a:graphic>
+      </p:graphicFrame>
+      <p:sp>
+        <p:nvSpPr>
+          <p:cNvPr id="7" name="TextBox 6">
+            <a:extLst>
+              <a:ext uri="{FF2B5EF4-FFF2-40B4-BE49-F238E27FC236}">
+                <a16:creationId xmlns:a16="http://schemas.microsoft.com/office/drawing/2014/main" id="{7D6E78C9-0A22-0603-2166-86B4031144B9}"/>
+              </a:ext>
+            </a:extLst>
+          </p:cNvPr>
+          <p:cNvSpPr txBox="1"/>
+          <p:nvPr/>
+        </p:nvSpPr>
+        <p:spPr>
+          <a:xfrm>
+            <a:off x="1050879" y="1825625"/>
+            <a:ext cx="734688" cy="369332"/>
+          </a:xfrm>
+          <a:prstGeom prst="rect">
+            <a:avLst/>
+          </a:prstGeom>
+          <a:noFill/>
+        </p:spPr>
+        <p:txBody>
+          <a:bodyPr wrap="none" rtlCol="0">
+            <a:spAutoFit/>
+          </a:bodyPr>
+          <a:lstStyle/>
+          <a:p>
+            <a:r>
+              <a:rPr lang="en-DE" dirty="0"/>
+              <a:t>Today</a:t>
+            </a:r>
+          </a:p>
+        </p:txBody>
+      </p:sp>
+      <p:sp>
+        <p:nvSpPr>
+          <p:cNvPr id="8" name="TextBox 7">
+            <a:extLst>
+              <a:ext uri="{FF2B5EF4-FFF2-40B4-BE49-F238E27FC236}">
+                <a16:creationId xmlns:a16="http://schemas.microsoft.com/office/drawing/2014/main" id="{65B84252-0F42-2855-78A5-425C09BAC38E}"/>
+              </a:ext>
+            </a:extLst>
+          </p:cNvPr>
+          <p:cNvSpPr txBox="1"/>
+          <p:nvPr/>
+        </p:nvSpPr>
+        <p:spPr>
+          <a:xfrm>
+            <a:off x="4705564" y="4174237"/>
+            <a:ext cx="1167499" cy="369332"/>
+          </a:xfrm>
+          <a:prstGeom prst="rect">
+            <a:avLst/>
+          </a:prstGeom>
+          <a:noFill/>
+        </p:spPr>
+        <p:txBody>
+          <a:bodyPr wrap="none" rtlCol="0">
+            <a:spAutoFit/>
+          </a:bodyPr>
+          <a:lstStyle/>
+          <a:p>
+            <a:r>
+              <a:rPr lang="en-DE" dirty="0"/>
+              <a:t>Tomorrow</a:t>
+            </a:r>
+          </a:p>
+        </p:txBody>
+      </p:sp>
+      <p:sp>
+        <p:nvSpPr>
+          <p:cNvPr id="9" name="TextBox 8">
+            <a:extLst>
+              <a:ext uri="{FF2B5EF4-FFF2-40B4-BE49-F238E27FC236}">
+                <a16:creationId xmlns:a16="http://schemas.microsoft.com/office/drawing/2014/main" id="{DEA0CED0-5DF2-20DF-3650-5650119046FC}"/>
+              </a:ext>
+            </a:extLst>
+          </p:cNvPr>
+          <p:cNvSpPr txBox="1"/>
+          <p:nvPr/>
+        </p:nvSpPr>
+        <p:spPr>
+          <a:xfrm>
+            <a:off x="1050879" y="4737225"/>
+            <a:ext cx="2644442" cy="369332"/>
+          </a:xfrm>
+          <a:prstGeom prst="rect">
+            <a:avLst/>
+          </a:prstGeom>
+          <a:noFill/>
+        </p:spPr>
+        <p:txBody>
+          <a:bodyPr wrap="none" rtlCol="0">
+            <a:spAutoFit/>
+          </a:bodyPr>
+          <a:lstStyle/>
+          <a:p>
+            <a:r>
+              <a:rPr lang="en-DE" dirty="0"/>
+              <a:t>Customer moves to France</a:t>
+            </a:r>
+          </a:p>
+        </p:txBody>
+      </p:sp>
+      <p:cxnSp>
+        <p:nvCxnSpPr>
+          <p:cNvPr id="12" name="Straight Arrow Connector 11">
+            <a:extLst>
+              <a:ext uri="{FF2B5EF4-FFF2-40B4-BE49-F238E27FC236}">
+                <a16:creationId xmlns:a16="http://schemas.microsoft.com/office/drawing/2014/main" id="{6291B8E5-81FA-6A41-D638-BD2AD45D4350}"/>
+              </a:ext>
+            </a:extLst>
+          </p:cNvPr>
+          <p:cNvCxnSpPr/>
+          <p:nvPr/>
+        </p:nvCxnSpPr>
+        <p:spPr>
+          <a:xfrm>
+            <a:off x="3328827" y="3592571"/>
+            <a:ext cx="1047964" cy="950998"/>
+          </a:xfrm>
+          <a:prstGeom prst="straightConnector1">
+            <a:avLst/>
+          </a:prstGeom>
+          <a:ln w="76200">
+            <a:tailEnd type="triangle"/>
+          </a:ln>
+        </p:spPr>
+        <p:style>
+          <a:lnRef idx="1">
+            <a:schemeClr val="accent1"/>
+          </a:lnRef>
+          <a:fillRef idx="0">
+            <a:schemeClr val="accent1"/>
+          </a:fillRef>
+          <a:effectRef idx="0">
+            <a:schemeClr val="accent1"/>
+          </a:effectRef>
+          <a:fontRef idx="minor">
+            <a:schemeClr val="tx1"/>
+          </a:fontRef>
+        </p:style>
+      </p:cxnSp>
+    </p:spTree>
+    <p:extLst>
+      <p:ext uri="{BB962C8B-B14F-4D97-AF65-F5344CB8AC3E}">
+        <p14:creationId xmlns:p14="http://schemas.microsoft.com/office/powerpoint/2010/main" val="4211738734"/>
+      </p:ext>
+    </p:extLst>
+  </p:cSld>
+  <p:clrMapOvr>
+    <a:masterClrMapping/>
+  </p:clrMapOvr>
+  <p:timing>
+    <p:tnLst>
+      <p:par>
+        <p:cTn id="1" dur="indefinite" restart="never" nodeType="tmRoot">
+          <p:childTnLst>
+            <p:seq concurrent="1" nextAc="seek">
+              <p:cTn id="2" dur="indefinite" nodeType="mainSeq">
+                <p:childTnLst>
+                  <p:par>
+                    <p:cTn id="3" fill="hold">
+                      <p:stCondLst>
+                        <p:cond delay="indefinite"/>
+                      </p:stCondLst>
+                      <p:childTnLst>
+                        <p:par>
+                          <p:cTn id="4" fill="hold">
+                            <p:stCondLst>
+                              <p:cond delay="0"/>
+                            </p:stCondLst>
+                            <p:childTnLst>
+                              <p:par>
+                                <p:cTn id="5" presetID="1" presetClass="entr" presetSubtype="0" fill="hold" grpId="0" nodeType="clickEffect">
+                                  <p:stCondLst>
+                                    <p:cond delay="0"/>
+                                  </p:stCondLst>
+                                  <p:childTnLst>
+                                    <p:set>
+                                      <p:cBhvr>
+                                        <p:cTn id="6" dur="1" fill="hold">
+                                          <p:stCondLst>
+                                            <p:cond delay="0"/>
+                                          </p:stCondLst>
+                                        </p:cTn>
+                                        <p:tgtEl>
+                                          <p:spTgt spid="9"/>
+                                        </p:tgtEl>
+                                        <p:attrNameLst>
+                                          <p:attrName>style.visibility</p:attrName>
+                                        </p:attrNameLst>
+                                      </p:cBhvr>
+                                      <p:to>
+                                        <p:strVal val="visible"/>
+                                      </p:to>
+                                    </p:set>
+                                  </p:childTnLst>
+                                </p:cTn>
+                              </p:par>
+                            </p:childTnLst>
+                          </p:cTn>
+                        </p:par>
+                      </p:childTnLst>
+                    </p:cTn>
+                  </p:par>
+                  <p:par>
+                    <p:cTn id="7" fill="hold">
+                      <p:stCondLst>
+                        <p:cond delay="indefinite"/>
+                      </p:stCondLst>
+                      <p:childTnLst>
+                        <p:par>
+                          <p:cTn id="8" fill="hold">
+                            <p:stCondLst>
+                              <p:cond delay="0"/>
+                            </p:stCondLst>
+                            <p:childTnLst>
+                              <p:par>
+                                <p:cTn id="9" presetID="1" presetClass="entr" presetSubtype="0" fill="hold" nodeType="clickEffect">
+                                  <p:stCondLst>
+                                    <p:cond delay="0"/>
+                                  </p:stCondLst>
+                                  <p:childTnLst>
+                                    <p:set>
+                                      <p:cBhvr>
+                                        <p:cTn id="10" dur="1" fill="hold">
+                                          <p:stCondLst>
+                                            <p:cond delay="0"/>
+                                          </p:stCondLst>
+                                        </p:cTn>
+                                        <p:tgtEl>
+                                          <p:spTgt spid="12"/>
+                                        </p:tgtEl>
+                                        <p:attrNameLst>
+                                          <p:attrName>style.visibility</p:attrName>
+                                        </p:attrNameLst>
+                                      </p:cBhvr>
+                                      <p:to>
+                                        <p:strVal val="visible"/>
+                                      </p:to>
+                                    </p:set>
+                                  </p:childTnLst>
+                                </p:cTn>
+                              </p:par>
+                              <p:par>
+                                <p:cTn id="11" presetID="1" presetClass="entr" presetSubtype="0" fill="hold" nodeType="withEffect">
+                                  <p:stCondLst>
+                                    <p:cond delay="0"/>
+                                  </p:stCondLst>
+                                  <p:childTnLst>
+                                    <p:set>
+                                      <p:cBhvr>
+                                        <p:cTn id="12" dur="1" fill="hold">
+                                          <p:stCondLst>
+                                            <p:cond delay="0"/>
+                                          </p:stCondLst>
+                                        </p:cTn>
+                                        <p:tgtEl>
+                                          <p:spTgt spid="6"/>
+                                        </p:tgtEl>
+                                        <p:attrNameLst>
+                                          <p:attrName>style.visibility</p:attrName>
+                                        </p:attrNameLst>
+                                      </p:cBhvr>
+                                      <p:to>
+                                        <p:strVal val="visible"/>
+                                      </p:to>
+                                    </p:set>
+                                  </p:childTnLst>
+                                </p:cTn>
+                              </p:par>
+                              <p:par>
+                                <p:cTn id="13" presetID="1" presetClass="entr" presetSubtype="0" fill="hold" grpId="0" nodeType="withEffect">
+                                  <p:stCondLst>
+                                    <p:cond delay="0"/>
+                                  </p:stCondLst>
+                                  <p:childTnLst>
+                                    <p:set>
+                                      <p:cBhvr>
+                                        <p:cTn id="14" dur="1" fill="hold">
+                                          <p:stCondLst>
+                                            <p:cond delay="0"/>
+                                          </p:stCondLst>
+                                        </p:cTn>
+                                        <p:tgtEl>
+                                          <p:spTgt spid="8"/>
+                                        </p:tgtEl>
+                                        <p:attrNameLst>
+                                          <p:attrName>style.visibility</p:attrName>
+                                        </p:attrNameLst>
+                                      </p:cBhvr>
+                                      <p:to>
+                                        <p:strVal val="visible"/>
+                                      </p:to>
+                                    </p:set>
+                                  </p:childTnLst>
+                                </p:cTn>
+                              </p:par>
+                            </p:childTnLst>
+                          </p:cTn>
+                        </p:par>
+                      </p:childTnLst>
+                    </p:cTn>
+                  </p:par>
+                </p:childTnLst>
+              </p:cTn>
+              <p:prevCondLst>
+                <p:cond evt="onPrev" delay="0">
+                  <p:tgtEl>
+                    <p:sldTgt/>
+                  </p:tgtEl>
+                </p:cond>
+              </p:prevCondLst>
+              <p:nextCondLst>
+                <p:cond evt="onNext" delay="0">
+                  <p:tgtEl>
+                    <p:sldTgt/>
+                  </p:tgtEl>
+                </p:cond>
+              </p:nextCondLst>
+            </p:seq>
+          </p:childTnLst>
+        </p:cTn>
+      </p:par>
+    </p:tnLst>
+    <p:bldLst>
+      <p:bldP spid="8" grpId="0"/>
+      <p:bldP spid="9" grpId="0"/>
+    </p:bldLst>
+  </p:timing>
+</p:sld>
+</file>
+
+<file path=ppt/slides/slide4.xml><?xml version="1.0" encoding="utf-8"?>
+<p:sld xmlns:a="http://schemas.openxmlformats.org/drawingml/2006/main" xmlns:r="http://schemas.openxmlformats.org/officeDocument/2006/relationships" xmlns:p="http://schemas.openxmlformats.org/presentationml/2006/main">
+  <p:cSld>
+    <p:spTree>
+      <p:nvGrpSpPr>
+        <p:cNvPr id="1" name=""/>
+        <p:cNvGrpSpPr/>
+        <p:nvPr/>
+      </p:nvGrpSpPr>
+      <p:grpSpPr>
+        <a:xfrm>
+          <a:off x="0" y="0"/>
+          <a:ext cx="0" cy="0"/>
+          <a:chOff x="0" y="0"/>
+          <a:chExt cx="0" cy="0"/>
+        </a:xfrm>
+      </p:grpSpPr>
+      <p:sp>
+        <p:nvSpPr>
+          <p:cNvPr id="2" name="Slide Number Placeholder 1">
+            <a:extLst>
+              <a:ext uri="{FF2B5EF4-FFF2-40B4-BE49-F238E27FC236}">
+                <a16:creationId xmlns:a16="http://schemas.microsoft.com/office/drawing/2014/main" id="{5D36EF98-DE04-793E-777E-6FBBA3ADE9C5}"/>
+              </a:ext>
+            </a:extLst>
+          </p:cNvPr>
+          <p:cNvSpPr>
+            <a:spLocks noGrp="1"/>
+          </p:cNvSpPr>
+          <p:nvPr>
+            <p:ph type="sldNum" sz="quarter" idx="12"/>
+          </p:nvPr>
+        </p:nvSpPr>
+        <p:spPr/>
+        <p:txBody>
+          <a:bodyPr/>
+          <a:lstStyle/>
+          <a:p>
+            <a:fld id="{9D4AEF59-F28E-467C-9EA3-92D1CFAD475A}" type="slidenum">
+              <a:rPr lang="en-US" smtClean="0"/>
+              <a:t>4</a:t>
+            </a:fld>
+            <a:endParaRPr lang="en-US"/>
+          </a:p>
+        </p:txBody>
+      </p:sp>
+      <p:sp>
+        <p:nvSpPr>
+          <p:cNvPr id="3" name="Title 2">
+            <a:extLst>
+              <a:ext uri="{FF2B5EF4-FFF2-40B4-BE49-F238E27FC236}">
+                <a16:creationId xmlns:a16="http://schemas.microsoft.com/office/drawing/2014/main" id="{70D161C4-7919-2987-26BD-5C6DFB4A08EB}"/>
+              </a:ext>
+            </a:extLst>
+          </p:cNvPr>
+          <p:cNvSpPr>
+            <a:spLocks noGrp="1"/>
+          </p:cNvSpPr>
+          <p:nvPr>
+            <p:ph type="title"/>
+          </p:nvPr>
+        </p:nvSpPr>
+        <p:spPr/>
+        <p:txBody>
+          <a:bodyPr/>
+          <a:lstStyle/>
+          <a:p>
+            <a:r>
+              <a:rPr lang="en-DE" dirty="0"/>
+              <a:t>Forecast Water Consumption</a:t>
+            </a:r>
+          </a:p>
+        </p:txBody>
+      </p:sp>
+      <p:graphicFrame>
+        <p:nvGraphicFramePr>
+          <p:cNvPr id="4" name="Table 4">
+            <a:extLst>
+              <a:ext uri="{FF2B5EF4-FFF2-40B4-BE49-F238E27FC236}">
+                <a16:creationId xmlns:a16="http://schemas.microsoft.com/office/drawing/2014/main" id="{BCD44526-CDC1-1B01-9AD0-48EDB53C1A86}"/>
+              </a:ext>
+            </a:extLst>
+          </p:cNvPr>
+          <p:cNvGraphicFramePr>
+            <a:graphicFrameLocks noGrp="1"/>
+          </p:cNvGraphicFramePr>
+          <p:nvPr>
+            <p:extLst>
+              <p:ext uri="{D42A27DB-BD31-4B8C-83A1-F6EECF244321}">
+                <p14:modId xmlns:p14="http://schemas.microsoft.com/office/powerpoint/2010/main" val="1148856846"/>
+              </p:ext>
+            </p:extLst>
+          </p:nvPr>
+        </p:nvGraphicFramePr>
+        <p:xfrm>
+          <a:off x="1050878" y="2337504"/>
+          <a:ext cx="6227838" cy="810682"/>
+        </p:xfrm>
+        <a:graphic>
+          <a:graphicData uri="http://schemas.openxmlformats.org/drawingml/2006/table">
+            <a:tbl>
+              <a:tblPr firstRow="1" bandRow="1">
+                <a:tableStyleId>{5C22544A-7EE6-4342-B048-85BDC9FD1C3A}</a:tableStyleId>
+              </a:tblPr>
+              <a:tblGrid>
+                <a:gridCol w="3113919">
+                  <a:extLst>
+                    <a:ext uri="{9D8B030D-6E8A-4147-A177-3AD203B41FA5}">
+                      <a16:colId xmlns:a16="http://schemas.microsoft.com/office/drawing/2014/main" val="3757808192"/>
+                    </a:ext>
+                  </a:extLst>
+                </a:gridCol>
+                <a:gridCol w="3113919">
+                  <a:extLst>
+                    <a:ext uri="{9D8B030D-6E8A-4147-A177-3AD203B41FA5}">
+                      <a16:colId xmlns:a16="http://schemas.microsoft.com/office/drawing/2014/main" val="3719978967"/>
+                    </a:ext>
+                  </a:extLst>
+                </a:gridCol>
+              </a:tblGrid>
+              <a:tr h="405341">
+                <a:tc>
+                  <a:txBody>
+                    <a:bodyPr/>
+                    <a:lstStyle/>
+                    <a:p>
+                      <a:r>
+                        <a:rPr lang="en-DE" dirty="0"/>
+                        <a:t>Plant</a:t>
+                      </a:r>
+                    </a:p>
+                  </a:txBody>
+                  <a:tcPr/>
+                </a:tc>
+                <a:tc>
+                  <a:txBody>
+                    <a:bodyPr/>
+                    <a:lstStyle/>
+                    <a:p>
+                      <a:r>
+                        <a:rPr lang="en-DE" dirty="0"/>
+                        <a:t>Water consumption until grown</a:t>
+                      </a:r>
+                    </a:p>
+                  </a:txBody>
+                  <a:tcPr/>
+                </a:tc>
+                <a:extLst>
+                  <a:ext uri="{0D108BD9-81ED-4DB2-BD59-A6C34878D82A}">
+                    <a16:rowId xmlns:a16="http://schemas.microsoft.com/office/drawing/2014/main" val="3012578484"/>
+                  </a:ext>
+                </a:extLst>
+              </a:tr>
+              <a:tr h="405341">
+                <a:tc>
+                  <a:txBody>
+                    <a:bodyPr/>
+                    <a:lstStyle/>
+                    <a:p>
+                      <a:r>
+                        <a:rPr lang="en-DE" dirty="0"/>
+                        <a:t>Tomato</a:t>
+                      </a:r>
+                    </a:p>
+                  </a:txBody>
+                  <a:tcPr/>
+                </a:tc>
+                <a:tc>
+                  <a:txBody>
+                    <a:bodyPr/>
+                    <a:lstStyle/>
+                    <a:p>
+                      <a:r>
+                        <a:rPr lang="en-DE" dirty="0"/>
+                        <a:t>50L</a:t>
+                      </a:r>
+                    </a:p>
+                  </a:txBody>
+                  <a:tcPr/>
+                </a:tc>
+                <a:extLst>
+                  <a:ext uri="{0D108BD9-81ED-4DB2-BD59-A6C34878D82A}">
+                    <a16:rowId xmlns:a16="http://schemas.microsoft.com/office/drawing/2014/main" val="2939693813"/>
+                  </a:ext>
+                </a:extLst>
+              </a:tr>
+            </a:tbl>
+          </a:graphicData>
+        </a:graphic>
+      </p:graphicFrame>
+      <p:sp>
+        <p:nvSpPr>
+          <p:cNvPr id="7" name="TextBox 6">
+            <a:extLst>
+              <a:ext uri="{FF2B5EF4-FFF2-40B4-BE49-F238E27FC236}">
+                <a16:creationId xmlns:a16="http://schemas.microsoft.com/office/drawing/2014/main" id="{7D6E78C9-0A22-0603-2166-86B4031144B9}"/>
+              </a:ext>
+            </a:extLst>
+          </p:cNvPr>
+          <p:cNvSpPr txBox="1"/>
+          <p:nvPr/>
+        </p:nvSpPr>
+        <p:spPr>
+          <a:xfrm>
+            <a:off x="1050879" y="1825625"/>
+            <a:ext cx="734688" cy="369332"/>
+          </a:xfrm>
+          <a:prstGeom prst="rect">
+            <a:avLst/>
+          </a:prstGeom>
+          <a:noFill/>
+        </p:spPr>
+        <p:txBody>
+          <a:bodyPr wrap="none" rtlCol="0">
+            <a:spAutoFit/>
+          </a:bodyPr>
+          <a:lstStyle/>
+          <a:p>
+            <a:r>
+              <a:rPr lang="en-DE" dirty="0"/>
+              <a:t>Today</a:t>
+            </a:r>
+          </a:p>
+        </p:txBody>
+      </p:sp>
+      <p:sp>
+        <p:nvSpPr>
+          <p:cNvPr id="8" name="TextBox 7">
+            <a:extLst>
+              <a:ext uri="{FF2B5EF4-FFF2-40B4-BE49-F238E27FC236}">
+                <a16:creationId xmlns:a16="http://schemas.microsoft.com/office/drawing/2014/main" id="{65B84252-0F42-2855-78A5-425C09BAC38E}"/>
+              </a:ext>
+            </a:extLst>
+          </p:cNvPr>
+          <p:cNvSpPr txBox="1"/>
+          <p:nvPr/>
+        </p:nvSpPr>
+        <p:spPr>
+          <a:xfrm>
+            <a:off x="4705564" y="4174237"/>
+            <a:ext cx="1167499" cy="369332"/>
+          </a:xfrm>
+          <a:prstGeom prst="rect">
+            <a:avLst/>
+          </a:prstGeom>
+          <a:noFill/>
+        </p:spPr>
+        <p:txBody>
+          <a:bodyPr wrap="none" rtlCol="0">
+            <a:spAutoFit/>
+          </a:bodyPr>
+          <a:lstStyle/>
+          <a:p>
+            <a:r>
+              <a:rPr lang="en-DE" dirty="0"/>
+              <a:t>Tomorrow</a:t>
+            </a:r>
+          </a:p>
+        </p:txBody>
+      </p:sp>
+      <p:sp>
+        <p:nvSpPr>
+          <p:cNvPr id="9" name="TextBox 8">
+            <a:extLst>
+              <a:ext uri="{FF2B5EF4-FFF2-40B4-BE49-F238E27FC236}">
+                <a16:creationId xmlns:a16="http://schemas.microsoft.com/office/drawing/2014/main" id="{DEA0CED0-5DF2-20DF-3650-5650119046FC}"/>
+              </a:ext>
+            </a:extLst>
+          </p:cNvPr>
+          <p:cNvSpPr txBox="1"/>
+          <p:nvPr/>
+        </p:nvSpPr>
+        <p:spPr>
+          <a:xfrm>
+            <a:off x="670735" y="4457964"/>
+            <a:ext cx="3257558" cy="646331"/>
+          </a:xfrm>
+          <a:prstGeom prst="rect">
+            <a:avLst/>
+          </a:prstGeom>
+          <a:noFill/>
+        </p:spPr>
+        <p:txBody>
+          <a:bodyPr wrap="none" rtlCol="0">
+            <a:spAutoFit/>
+          </a:bodyPr>
+          <a:lstStyle/>
+          <a:p>
+            <a:r>
+              <a:rPr lang="en-DE" dirty="0"/>
+              <a:t>New tomato type arrvies</a:t>
+            </a:r>
+          </a:p>
+          <a:p>
+            <a:r>
+              <a:rPr lang="en-GB" dirty="0"/>
+              <a:t>w</a:t>
+            </a:r>
+            <a:r>
+              <a:rPr lang="en-DE" dirty="0"/>
+              <a:t>hich needs 12L to grow per day</a:t>
+            </a:r>
+          </a:p>
+        </p:txBody>
+      </p:sp>
+      <p:cxnSp>
+        <p:nvCxnSpPr>
+          <p:cNvPr id="12" name="Straight Arrow Connector 11">
+            <a:extLst>
+              <a:ext uri="{FF2B5EF4-FFF2-40B4-BE49-F238E27FC236}">
+                <a16:creationId xmlns:a16="http://schemas.microsoft.com/office/drawing/2014/main" id="{6291B8E5-81FA-6A41-D638-BD2AD45D4350}"/>
+              </a:ext>
+            </a:extLst>
+          </p:cNvPr>
+          <p:cNvCxnSpPr/>
+          <p:nvPr/>
+        </p:nvCxnSpPr>
+        <p:spPr>
+          <a:xfrm>
+            <a:off x="3328827" y="3592571"/>
+            <a:ext cx="1047964" cy="950998"/>
+          </a:xfrm>
+          <a:prstGeom prst="straightConnector1">
+            <a:avLst/>
+          </a:prstGeom>
+          <a:ln w="76200">
+            <a:tailEnd type="triangle"/>
+          </a:ln>
+        </p:spPr>
+        <p:style>
+          <a:lnRef idx="1">
+            <a:schemeClr val="accent1"/>
+          </a:lnRef>
+          <a:fillRef idx="0">
+            <a:schemeClr val="accent1"/>
+          </a:fillRef>
+          <a:effectRef idx="0">
+            <a:schemeClr val="accent1"/>
+          </a:effectRef>
+          <a:fontRef idx="minor">
+            <a:schemeClr val="tx1"/>
+          </a:fontRef>
+        </p:style>
+      </p:cxnSp>
+      <p:graphicFrame>
+        <p:nvGraphicFramePr>
+          <p:cNvPr id="10" name="Table 4">
+            <a:extLst>
+              <a:ext uri="{FF2B5EF4-FFF2-40B4-BE49-F238E27FC236}">
+                <a16:creationId xmlns:a16="http://schemas.microsoft.com/office/drawing/2014/main" id="{E6FECAAF-C63C-294E-1670-4FFBD26DB196}"/>
+              </a:ext>
+            </a:extLst>
+          </p:cNvPr>
+          <p:cNvGraphicFramePr>
+            <a:graphicFrameLocks noGrp="1"/>
+          </p:cNvGraphicFramePr>
+          <p:nvPr>
+            <p:extLst>
+              <p:ext uri="{D42A27DB-BD31-4B8C-83A1-F6EECF244321}">
+                <p14:modId xmlns:p14="http://schemas.microsoft.com/office/powerpoint/2010/main" val="998970496"/>
+              </p:ext>
+            </p:extLst>
+          </p:nvPr>
+        </p:nvGraphicFramePr>
+        <p:xfrm>
+          <a:off x="4778684" y="4543569"/>
+          <a:ext cx="6227838" cy="810682"/>
+        </p:xfrm>
+        <a:graphic>
+          <a:graphicData uri="http://schemas.openxmlformats.org/drawingml/2006/table">
+            <a:tbl>
+              <a:tblPr firstRow="1" bandRow="1">
+                <a:tableStyleId>{5C22544A-7EE6-4342-B048-85BDC9FD1C3A}</a:tableStyleId>
+              </a:tblPr>
+              <a:tblGrid>
+                <a:gridCol w="3113919">
+                  <a:extLst>
+                    <a:ext uri="{9D8B030D-6E8A-4147-A177-3AD203B41FA5}">
+                      <a16:colId xmlns:a16="http://schemas.microsoft.com/office/drawing/2014/main" val="3757808192"/>
+                    </a:ext>
+                  </a:extLst>
+                </a:gridCol>
+                <a:gridCol w="3113919">
+                  <a:extLst>
+                    <a:ext uri="{9D8B030D-6E8A-4147-A177-3AD203B41FA5}">
+                      <a16:colId xmlns:a16="http://schemas.microsoft.com/office/drawing/2014/main" val="3719978967"/>
+                    </a:ext>
+                  </a:extLst>
+                </a:gridCol>
+              </a:tblGrid>
+              <a:tr h="405341">
+                <a:tc>
+                  <a:txBody>
+                    <a:bodyPr/>
+                    <a:lstStyle/>
+                    <a:p>
+                      <a:r>
+                        <a:rPr lang="en-DE" dirty="0"/>
+                        <a:t>Plant</a:t>
+                      </a:r>
+                    </a:p>
+                  </a:txBody>
+                  <a:tcPr/>
+                </a:tc>
+                <a:tc>
+                  <a:txBody>
+                    <a:bodyPr/>
+                    <a:lstStyle/>
+                    <a:p>
+                      <a:r>
+                        <a:rPr lang="en-DE" dirty="0"/>
+                        <a:t>Water consumption until grown</a:t>
+                      </a:r>
+                    </a:p>
+                  </a:txBody>
+                  <a:tcPr/>
+                </a:tc>
+                <a:extLst>
+                  <a:ext uri="{0D108BD9-81ED-4DB2-BD59-A6C34878D82A}">
+                    <a16:rowId xmlns:a16="http://schemas.microsoft.com/office/drawing/2014/main" val="3012578484"/>
+                  </a:ext>
+                </a:extLst>
+              </a:tr>
+              <a:tr h="405341">
+                <a:tc>
+                  <a:txBody>
+                    <a:bodyPr/>
+                    <a:lstStyle/>
+                    <a:p>
+                      <a:r>
+                        <a:rPr lang="en-DE" dirty="0"/>
+                        <a:t>Tomato</a:t>
+                      </a:r>
+                    </a:p>
+                  </a:txBody>
+                  <a:tcPr/>
+                </a:tc>
+                <a:tc>
+                  <a:txBody>
+                    <a:bodyPr/>
+                    <a:lstStyle/>
+                    <a:p>
+                      <a:r>
+                        <a:rPr lang="en-DE" dirty="0"/>
+                        <a:t>60L</a:t>
+                      </a:r>
+                    </a:p>
+                  </a:txBody>
+                  <a:tcPr/>
+                </a:tc>
+                <a:extLst>
+                  <a:ext uri="{0D108BD9-81ED-4DB2-BD59-A6C34878D82A}">
+                    <a16:rowId xmlns:a16="http://schemas.microsoft.com/office/drawing/2014/main" val="2939693813"/>
+                  </a:ext>
+                </a:extLst>
+              </a:tr>
+            </a:tbl>
+          </a:graphicData>
+        </a:graphic>
+      </p:graphicFrame>
+    </p:spTree>
+    <p:extLst>
+      <p:ext uri="{BB962C8B-B14F-4D97-AF65-F5344CB8AC3E}">
+        <p14:creationId xmlns:p14="http://schemas.microsoft.com/office/powerpoint/2010/main" val="967144406"/>
+      </p:ext>
+    </p:extLst>
+  </p:cSld>
+  <p:clrMapOvr>
+    <a:masterClrMapping/>
+  </p:clrMapOvr>
+  <p:timing>
+    <p:tnLst>
+      <p:par>
+        <p:cTn id="1" dur="indefinite" restart="never" nodeType="tmRoot">
+          <p:childTnLst>
+            <p:seq concurrent="1" nextAc="seek">
+              <p:cTn id="2" dur="indefinite" nodeType="mainSeq">
+                <p:childTnLst>
+                  <p:par>
+                    <p:cTn id="3" fill="hold">
+                      <p:stCondLst>
+                        <p:cond delay="indefinite"/>
+                      </p:stCondLst>
+                      <p:childTnLst>
+                        <p:par>
+                          <p:cTn id="4" fill="hold">
+                            <p:stCondLst>
+                              <p:cond delay="0"/>
+                            </p:stCondLst>
+                            <p:childTnLst>
+                              <p:par>
+                                <p:cTn id="5" presetID="1" presetClass="entr" presetSubtype="0" fill="hold" grpId="0" nodeType="clickEffect">
+                                  <p:stCondLst>
+                                    <p:cond delay="0"/>
+                                  </p:stCondLst>
+                                  <p:childTnLst>
+                                    <p:set>
+                                      <p:cBhvr>
+                                        <p:cTn id="6" dur="1" fill="hold">
+                                          <p:stCondLst>
+                                            <p:cond delay="0"/>
+                                          </p:stCondLst>
+                                        </p:cTn>
+                                        <p:tgtEl>
+                                          <p:spTgt spid="9"/>
+                                        </p:tgtEl>
+                                        <p:attrNameLst>
+                                          <p:attrName>style.visibility</p:attrName>
+                                        </p:attrNameLst>
+                                      </p:cBhvr>
+                                      <p:to>
+                                        <p:strVal val="visible"/>
+                                      </p:to>
+                                    </p:set>
+                                  </p:childTnLst>
+                                </p:cTn>
+                              </p:par>
+                            </p:childTnLst>
+                          </p:cTn>
+                        </p:par>
+                      </p:childTnLst>
+                    </p:cTn>
+                  </p:par>
+                  <p:par>
+                    <p:cTn id="7" fill="hold">
+                      <p:stCondLst>
+                        <p:cond delay="indefinite"/>
+                      </p:stCondLst>
+                      <p:childTnLst>
+                        <p:par>
+                          <p:cTn id="8" fill="hold">
+                            <p:stCondLst>
+                              <p:cond delay="0"/>
+                            </p:stCondLst>
+                            <p:childTnLst>
+                              <p:par>
+                                <p:cTn id="9" presetID="1" presetClass="entr" presetSubtype="0" fill="hold" nodeType="clickEffect">
+                                  <p:stCondLst>
+                                    <p:cond delay="0"/>
+                                  </p:stCondLst>
+                                  <p:childTnLst>
+                                    <p:set>
+                                      <p:cBhvr>
+                                        <p:cTn id="10" dur="1" fill="hold">
+                                          <p:stCondLst>
+                                            <p:cond delay="0"/>
+                                          </p:stCondLst>
+                                        </p:cTn>
+                                        <p:tgtEl>
+                                          <p:spTgt spid="12"/>
+                                        </p:tgtEl>
+                                        <p:attrNameLst>
+                                          <p:attrName>style.visibility</p:attrName>
+                                        </p:attrNameLst>
+                                      </p:cBhvr>
+                                      <p:to>
+                                        <p:strVal val="visible"/>
+                                      </p:to>
+                                    </p:set>
+                                  </p:childTnLst>
+                                </p:cTn>
+                              </p:par>
+                              <p:par>
+                                <p:cTn id="11" presetID="1" presetClass="entr" presetSubtype="0" fill="hold" grpId="0" nodeType="withEffect">
+                                  <p:stCondLst>
+                                    <p:cond delay="0"/>
+                                  </p:stCondLst>
+                                  <p:childTnLst>
+                                    <p:set>
+                                      <p:cBhvr>
+                                        <p:cTn id="12" dur="1" fill="hold">
+                                          <p:stCondLst>
+                                            <p:cond delay="0"/>
+                                          </p:stCondLst>
+                                        </p:cTn>
+                                        <p:tgtEl>
+                                          <p:spTgt spid="8"/>
+                                        </p:tgtEl>
+                                        <p:attrNameLst>
+                                          <p:attrName>style.visibility</p:attrName>
+                                        </p:attrNameLst>
+                                      </p:cBhvr>
+                                      <p:to>
+                                        <p:strVal val="visible"/>
+                                      </p:to>
+                                    </p:set>
+                                  </p:childTnLst>
+                                </p:cTn>
+                              </p:par>
+                              <p:par>
+                                <p:cTn id="13" presetID="1" presetClass="entr" presetSubtype="0" fill="hold" nodeType="withEffect">
+                                  <p:stCondLst>
+                                    <p:cond delay="0"/>
+                                  </p:stCondLst>
+                                  <p:childTnLst>
+                                    <p:set>
+                                      <p:cBhvr>
+                                        <p:cTn id="14" dur="1" fill="hold">
+                                          <p:stCondLst>
+                                            <p:cond delay="0"/>
+                                          </p:stCondLst>
+                                        </p:cTn>
+                                        <p:tgtEl>
+                                          <p:spTgt spid="10"/>
+                                        </p:tgtEl>
+                                        <p:attrNameLst>
+                                          <p:attrName>style.visibility</p:attrName>
+                                        </p:attrNameLst>
+                                      </p:cBhvr>
+                                      <p:to>
+                                        <p:strVal val="visible"/>
+                                      </p:to>
+                                    </p:set>
+                                  </p:childTnLst>
+                                </p:cTn>
+                              </p:par>
+                            </p:childTnLst>
+                          </p:cTn>
+                        </p:par>
+                      </p:childTnLst>
+                    </p:cTn>
+                  </p:par>
+                </p:childTnLst>
+              </p:cTn>
+              <p:prevCondLst>
+                <p:cond evt="onPrev" delay="0">
+                  <p:tgtEl>
+                    <p:sldTgt/>
+                  </p:tgtEl>
+                </p:cond>
+              </p:prevCondLst>
+              <p:nextCondLst>
+                <p:cond evt="onNext" delay="0">
+                  <p:tgtEl>
+                    <p:sldTgt/>
+                  </p:tgtEl>
+                </p:cond>
+              </p:nextCondLst>
+            </p:seq>
+          </p:childTnLst>
+        </p:cTn>
+      </p:par>
+    </p:tnLst>
+    <p:bldLst>
+      <p:bldP spid="8" grpId="0"/>
+      <p:bldP spid="9" grpId="0"/>
+    </p:bldLst>
+  </p:timing>
+</p:sld>
+</file>
+
+<file path=ppt/slides/slide5.xml><?xml version="1.0" encoding="utf-8"?>
+<p:sld xmlns:a="http://schemas.openxmlformats.org/drawingml/2006/main" xmlns:r="http://schemas.openxmlformats.org/officeDocument/2006/relationships" xmlns:p="http://schemas.openxmlformats.org/presentationml/2006/main">
+  <p:cSld>
+    <p:spTree>
+      <p:nvGrpSpPr>
+        <p:cNvPr id="1" name=""/>
+        <p:cNvGrpSpPr/>
+        <p:nvPr/>
+      </p:nvGrpSpPr>
+      <p:grpSpPr>
+        <a:xfrm>
+          <a:off x="0" y="0"/>
+          <a:ext cx="0" cy="0"/>
+          <a:chOff x="0" y="0"/>
+          <a:chExt cx="0" cy="0"/>
+        </a:xfrm>
+      </p:grpSpPr>
+      <p:sp>
+        <p:nvSpPr>
+          <p:cNvPr id="2" name="Titel 1">
+            <a:extLst>
+              <a:ext uri="{FF2B5EF4-FFF2-40B4-BE49-F238E27FC236}">
+                <a16:creationId xmlns:a16="http://schemas.microsoft.com/office/drawing/2014/main" id="{F7C40B21-2CD5-5ADA-ACE5-D0DA6BDCF744}"/>
+              </a:ext>
+            </a:extLst>
+          </p:cNvPr>
+          <p:cNvSpPr>
+            <a:spLocks noGrp="1"/>
+          </p:cNvSpPr>
+          <p:nvPr>
+            <p:ph type="title"/>
+          </p:nvPr>
+        </p:nvSpPr>
+        <p:spPr>
+          <a:xfrm>
+            <a:off x="815929" y="2820988"/>
+            <a:ext cx="9810604" cy="1216024"/>
+          </a:xfrm>
+        </p:spPr>
+        <p:txBody>
+          <a:bodyPr/>
+          <a:lstStyle/>
+          <a:p>
+            <a:r>
+              <a:rPr lang="de-DE" dirty="0"/>
+              <a:t>HOW DO WE TRACK CHANGES </a:t>
+            </a:r>
+            <a:r>
+              <a:rPr lang="de-DE" dirty="0" err="1"/>
+              <a:t>of</a:t>
+            </a:r>
+            <a:r>
+              <a:rPr lang="de-DE" dirty="0"/>
+              <a:t> </a:t>
+            </a:r>
+            <a:r>
+              <a:rPr lang="de-DE" dirty="0" err="1"/>
+              <a:t>our</a:t>
+            </a:r>
+            <a:r>
+              <a:rPr lang="de-DE" dirty="0"/>
+              <a:t> source </a:t>
+            </a:r>
+            <a:r>
+              <a:rPr lang="de-DE" dirty="0" err="1"/>
+              <a:t>datA</a:t>
+            </a:r>
+            <a:r>
+              <a:rPr lang="de-DE" dirty="0"/>
+              <a:t> Over time?</a:t>
+            </a:r>
+          </a:p>
+        </p:txBody>
+      </p:sp>
+      <p:sp>
+        <p:nvSpPr>
+          <p:cNvPr id="5" name="Foliennummernplatzhalter 4">
+            <a:extLst>
+              <a:ext uri="{FF2B5EF4-FFF2-40B4-BE49-F238E27FC236}">
+                <a16:creationId xmlns:a16="http://schemas.microsoft.com/office/drawing/2014/main" id="{5D4F889F-FC74-0388-F08F-091050383C02}"/>
+              </a:ext>
+            </a:extLst>
+          </p:cNvPr>
+          <p:cNvSpPr>
+            <a:spLocks noGrp="1"/>
+          </p:cNvSpPr>
+          <p:nvPr>
+            <p:ph type="sldNum" sz="quarter" idx="12"/>
+          </p:nvPr>
+        </p:nvSpPr>
+        <p:spPr/>
+        <p:txBody>
+          <a:bodyPr/>
+          <a:lstStyle/>
+          <a:p>
+            <a:fld id="{9D4AEF59-F28E-467C-9EA3-92D1CFAD475A}" type="slidenum">
+              <a:rPr lang="en-US" smtClean="0"/>
+              <a:t>5</a:t>
+            </a:fld>
+            <a:endParaRPr lang="en-US" dirty="0"/>
+          </a:p>
+        </p:txBody>
+      </p:sp>
+    </p:spTree>
+    <p:extLst>
+      <p:ext uri="{BB962C8B-B14F-4D97-AF65-F5344CB8AC3E}">
+        <p14:creationId xmlns:p14="http://schemas.microsoft.com/office/powerpoint/2010/main" val="3393222124"/>
+      </p:ext>
+    </p:extLst>
+  </p:cSld>
+  <p:clrMapOvr>
+    <a:masterClrMapping/>
+  </p:clrMapOvr>
+</p:sld>
+</file>
+
+<file path=ppt/slides/slide6.xml><?xml version="1.0" encoding="utf-8"?>
+<p:sld xmlns:a="http://schemas.openxmlformats.org/drawingml/2006/main" xmlns:r="http://schemas.openxmlformats.org/officeDocument/2006/relationships" xmlns:p="http://schemas.openxmlformats.org/presentationml/2006/main">
+  <p:cSld>
+    <p:spTree>
+      <p:nvGrpSpPr>
+        <p:cNvPr id="1" name=""/>
+        <p:cNvGrpSpPr/>
+        <p:nvPr/>
+      </p:nvGrpSpPr>
+      <p:grpSpPr>
+        <a:xfrm>
+          <a:off x="0" y="0"/>
+          <a:ext cx="0" cy="0"/>
+          <a:chOff x="0" y="0"/>
+          <a:chExt cx="0" cy="0"/>
+        </a:xfrm>
+      </p:grpSpPr>
+      <p:pic>
+        <p:nvPicPr>
+          <p:cNvPr id="34" name="Picture 3" descr="Personen, die an Ideen arbeiten">
+            <a:extLst>
+              <a:ext uri="{FF2B5EF4-FFF2-40B4-BE49-F238E27FC236}">
+                <a16:creationId xmlns:a16="http://schemas.microsoft.com/office/drawing/2014/main" id="{7B6B69A5-A372-4FF2-0435-7C422CC1F0E0}"/>
+              </a:ext>
+            </a:extLst>
+          </p:cNvPr>
+          <p:cNvPicPr>
+            <a:picLocks noChangeAspect="1"/>
+          </p:cNvPicPr>
+          <p:nvPr/>
+        </p:nvPicPr>
+        <p:blipFill rotWithShape="1">
+          <a:blip r:embed="rId3"/>
+          <a:srcRect l="24454" r="32063" b="-1"/>
+          <a:stretch/>
+        </p:blipFill>
+        <p:spPr>
+          <a:xfrm>
+            <a:off x="7616215" y="10886"/>
+            <a:ext cx="4575785" cy="6858000"/>
+          </a:xfrm>
+          <a:custGeom>
+            <a:avLst/>
+            <a:gdLst/>
+            <a:ahLst/>
+            <a:cxnLst/>
+            <a:rect l="l" t="t" r="r" b="b"/>
+            <a:pathLst>
+              <a:path w="4575785" h="6857999">
+                <a:moveTo>
+                  <a:pt x="517468" y="0"/>
+                </a:moveTo>
+                <a:lnTo>
+                  <a:pt x="4575785" y="0"/>
+                </a:lnTo>
+                <a:lnTo>
+                  <a:pt x="4575785" y="6857999"/>
+                </a:lnTo>
+                <a:lnTo>
+                  <a:pt x="960511" y="6857999"/>
+                </a:lnTo>
+                <a:lnTo>
+                  <a:pt x="942694" y="6843617"/>
+                </a:lnTo>
+                <a:cubicBezTo>
+                  <a:pt x="964945" y="6792705"/>
+                  <a:pt x="892574" y="6836929"/>
+                  <a:pt x="865960" y="6827318"/>
+                </a:cubicBezTo>
+                <a:lnTo>
+                  <a:pt x="861487" y="6823037"/>
+                </a:lnTo>
+                <a:lnTo>
+                  <a:pt x="859513" y="6806858"/>
+                </a:lnTo>
+                <a:lnTo>
+                  <a:pt x="860461" y="6800037"/>
+                </a:lnTo>
+                <a:cubicBezTo>
+                  <a:pt x="860484" y="6795612"/>
+                  <a:pt x="859691" y="6793024"/>
+                  <a:pt x="858251" y="6791626"/>
+                </a:cubicBezTo>
+                <a:lnTo>
+                  <a:pt x="857660" y="6791654"/>
+                </a:lnTo>
+                <a:lnTo>
+                  <a:pt x="856643" y="6783314"/>
+                </a:lnTo>
+                <a:cubicBezTo>
+                  <a:pt x="856157" y="6768705"/>
+                  <a:pt x="856848" y="6753980"/>
+                  <a:pt x="858459" y="6739543"/>
+                </a:cubicBezTo>
+                <a:cubicBezTo>
+                  <a:pt x="825704" y="6742272"/>
+                  <a:pt x="849542" y="6681110"/>
+                  <a:pt x="794118" y="6710916"/>
+                </a:cubicBezTo>
+                <a:cubicBezTo>
+                  <a:pt x="794610" y="6692179"/>
+                  <a:pt x="815573" y="6671806"/>
+                  <a:pt x="779817" y="6693690"/>
+                </a:cubicBezTo>
+                <a:cubicBezTo>
+                  <a:pt x="778915" y="6687990"/>
+                  <a:pt x="774885" y="6685995"/>
+                  <a:pt x="769310" y="6685745"/>
+                </a:cubicBezTo>
+                <a:lnTo>
+                  <a:pt x="766802" y="6686064"/>
+                </a:lnTo>
+                <a:cubicBezTo>
+                  <a:pt x="767473" y="6672038"/>
+                  <a:pt x="768145" y="6658011"/>
+                  <a:pt x="768816" y="6643985"/>
+                </a:cubicBezTo>
+                <a:lnTo>
+                  <a:pt x="764758" y="6640288"/>
+                </a:lnTo>
+                <a:lnTo>
+                  <a:pt x="771603" y="6610439"/>
+                </a:lnTo>
+                <a:cubicBezTo>
+                  <a:pt x="771799" y="6605729"/>
+                  <a:pt x="776328" y="6505678"/>
+                  <a:pt x="776524" y="6500968"/>
+                </a:cubicBezTo>
+                <a:lnTo>
+                  <a:pt x="716862" y="6252242"/>
+                </a:lnTo>
+                <a:cubicBezTo>
+                  <a:pt x="710358" y="6209033"/>
+                  <a:pt x="712158" y="6177416"/>
+                  <a:pt x="706006" y="6116988"/>
+                </a:cubicBezTo>
+                <a:cubicBezTo>
+                  <a:pt x="664744" y="6009788"/>
+                  <a:pt x="669134" y="5997889"/>
+                  <a:pt x="675681" y="5921438"/>
+                </a:cubicBezTo>
+                <a:cubicBezTo>
+                  <a:pt x="609567" y="5910253"/>
+                  <a:pt x="667197" y="5880778"/>
+                  <a:pt x="646967" y="5848021"/>
+                </a:cubicBezTo>
+                <a:cubicBezTo>
+                  <a:pt x="633539" y="5819166"/>
+                  <a:pt x="610193" y="5775630"/>
+                  <a:pt x="595120" y="5722308"/>
+                </a:cubicBezTo>
+                <a:cubicBezTo>
+                  <a:pt x="587517" y="5685814"/>
+                  <a:pt x="566330" y="5564010"/>
+                  <a:pt x="556522" y="5528087"/>
+                </a:cubicBezTo>
+                <a:cubicBezTo>
+                  <a:pt x="551310" y="5519174"/>
+                  <a:pt x="556171" y="5505252"/>
+                  <a:pt x="536270" y="5506770"/>
+                </a:cubicBezTo>
+                <a:cubicBezTo>
+                  <a:pt x="512052" y="5506489"/>
+                  <a:pt x="543356" y="5459435"/>
+                  <a:pt x="516612" y="5473320"/>
+                </a:cubicBezTo>
+                <a:cubicBezTo>
+                  <a:pt x="537947" y="5440196"/>
+                  <a:pt x="486731" y="5435838"/>
+                  <a:pt x="471989" y="5418523"/>
+                </a:cubicBezTo>
+                <a:cubicBezTo>
+                  <a:pt x="493820" y="5390817"/>
+                  <a:pt x="454363" y="5377479"/>
+                  <a:pt x="442299" y="5333204"/>
+                </a:cubicBezTo>
+                <a:cubicBezTo>
+                  <a:pt x="467689" y="5302287"/>
+                  <a:pt x="420786" y="5307848"/>
+                  <a:pt x="452960" y="5255192"/>
+                </a:cubicBezTo>
+                <a:cubicBezTo>
+                  <a:pt x="453300" y="5233631"/>
+                  <a:pt x="429983" y="5195187"/>
+                  <a:pt x="431339" y="5156169"/>
+                </a:cubicBezTo>
+                <a:cubicBezTo>
+                  <a:pt x="398945" y="5067566"/>
+                  <a:pt x="403718" y="5079988"/>
+                  <a:pt x="404757" y="5025421"/>
+                </a:cubicBezTo>
+                <a:cubicBezTo>
+                  <a:pt x="400018" y="4966103"/>
+                  <a:pt x="402758" y="4976631"/>
+                  <a:pt x="395660" y="4924394"/>
+                </a:cubicBezTo>
+                <a:cubicBezTo>
+                  <a:pt x="383838" y="4897752"/>
+                  <a:pt x="406451" y="4876973"/>
+                  <a:pt x="390158" y="4861232"/>
+                </a:cubicBezTo>
+                <a:cubicBezTo>
+                  <a:pt x="362582" y="4877952"/>
+                  <a:pt x="368360" y="4813711"/>
+                  <a:pt x="341238" y="4838615"/>
+                </a:cubicBezTo>
+                <a:cubicBezTo>
+                  <a:pt x="311503" y="4831441"/>
+                  <a:pt x="352577" y="4804970"/>
+                  <a:pt x="326273" y="4796524"/>
+                </a:cubicBezTo>
+                <a:lnTo>
+                  <a:pt x="284996" y="4672372"/>
+                </a:lnTo>
+                <a:cubicBezTo>
+                  <a:pt x="298118" y="4649489"/>
+                  <a:pt x="287003" y="4640074"/>
+                  <a:pt x="267970" y="4634255"/>
+                </a:cubicBezTo>
+                <a:cubicBezTo>
+                  <a:pt x="263754" y="4595383"/>
+                  <a:pt x="222766" y="4593405"/>
+                  <a:pt x="203275" y="4555830"/>
+                </a:cubicBezTo>
+                <a:cubicBezTo>
+                  <a:pt x="181514" y="4524570"/>
+                  <a:pt x="154438" y="4520149"/>
+                  <a:pt x="133797" y="4479914"/>
+                </a:cubicBezTo>
+                <a:cubicBezTo>
+                  <a:pt x="124082" y="4457346"/>
+                  <a:pt x="105185" y="4427564"/>
+                  <a:pt x="84156" y="4415916"/>
+                </a:cubicBezTo>
+                <a:lnTo>
+                  <a:pt x="83303" y="4414752"/>
+                </a:lnTo>
+                <a:lnTo>
+                  <a:pt x="72062" y="4388525"/>
+                </a:lnTo>
+                <a:lnTo>
+                  <a:pt x="75315" y="4375182"/>
+                </a:lnTo>
+                <a:cubicBezTo>
+                  <a:pt x="75941" y="4370194"/>
+                  <a:pt x="75530" y="4367154"/>
+                  <a:pt x="74333" y="4365355"/>
+                </a:cubicBezTo>
+                <a:lnTo>
+                  <a:pt x="68893" y="4364787"/>
+                </a:lnTo>
+                <a:cubicBezTo>
+                  <a:pt x="68887" y="4364737"/>
+                  <a:pt x="68881" y="4364686"/>
+                  <a:pt x="68875" y="4364636"/>
+                </a:cubicBezTo>
+                <a:cubicBezTo>
+                  <a:pt x="68620" y="4351507"/>
+                  <a:pt x="69309" y="4337030"/>
+                  <a:pt x="58168" y="4323582"/>
+                </a:cubicBezTo>
+                <a:cubicBezTo>
+                  <a:pt x="61811" y="4263350"/>
+                  <a:pt x="99263" y="4233013"/>
+                  <a:pt x="79972" y="4208494"/>
+                </a:cubicBezTo>
+                <a:cubicBezTo>
+                  <a:pt x="88758" y="4180446"/>
+                  <a:pt x="125844" y="4152085"/>
+                  <a:pt x="106280" y="4120638"/>
+                </a:cubicBezTo>
+                <a:cubicBezTo>
+                  <a:pt x="111598" y="4121936"/>
+                  <a:pt x="113804" y="4120147"/>
+                  <a:pt x="114398" y="4116558"/>
+                </a:cubicBezTo>
+                <a:cubicBezTo>
+                  <a:pt x="114157" y="4114248"/>
+                  <a:pt x="113917" y="4111937"/>
+                  <a:pt x="113677" y="4109627"/>
+                </a:cubicBezTo>
+                <a:lnTo>
+                  <a:pt x="105699" y="4105626"/>
+                </a:lnTo>
+                <a:cubicBezTo>
+                  <a:pt x="77890" y="4088880"/>
+                  <a:pt x="108987" y="4082598"/>
+                  <a:pt x="106408" y="4051443"/>
+                </a:cubicBezTo>
+                <a:cubicBezTo>
+                  <a:pt x="106858" y="4036630"/>
+                  <a:pt x="97032" y="3985550"/>
+                  <a:pt x="103822" y="3988496"/>
+                </a:cubicBezTo>
+                <a:lnTo>
+                  <a:pt x="75372" y="3857059"/>
+                </a:lnTo>
+                <a:cubicBezTo>
+                  <a:pt x="82817" y="3836376"/>
+                  <a:pt x="81742" y="3824520"/>
+                  <a:pt x="64937" y="3815652"/>
+                </a:cubicBezTo>
+                <a:cubicBezTo>
+                  <a:pt x="102287" y="3718925"/>
+                  <a:pt x="55573" y="3772320"/>
+                  <a:pt x="59080" y="3696747"/>
+                </a:cubicBezTo>
+                <a:cubicBezTo>
+                  <a:pt x="66269" y="3629648"/>
+                  <a:pt x="63240" y="3571908"/>
+                  <a:pt x="85623" y="3491441"/>
+                </a:cubicBezTo>
+                <a:cubicBezTo>
+                  <a:pt x="98410" y="3474059"/>
+                  <a:pt x="99525" y="3431012"/>
+                  <a:pt x="100691" y="3417526"/>
+                </a:cubicBezTo>
+                <a:cubicBezTo>
+                  <a:pt x="101857" y="3404040"/>
+                  <a:pt x="95556" y="3412369"/>
+                  <a:pt x="92620" y="3410525"/>
+                </a:cubicBezTo>
+                <a:cubicBezTo>
+                  <a:pt x="92153" y="3374230"/>
+                  <a:pt x="83244" y="3285268"/>
+                  <a:pt x="79737" y="3235496"/>
+                </a:cubicBezTo>
+                <a:cubicBezTo>
+                  <a:pt x="70953" y="3207448"/>
+                  <a:pt x="52012" y="3143347"/>
+                  <a:pt x="71576" y="3111898"/>
+                </a:cubicBezTo>
+                <a:cubicBezTo>
+                  <a:pt x="66408" y="3077014"/>
+                  <a:pt x="53542" y="3056489"/>
+                  <a:pt x="48725" y="3026189"/>
+                </a:cubicBezTo>
+                <a:cubicBezTo>
+                  <a:pt x="35029" y="3013335"/>
+                  <a:pt x="35295" y="2950066"/>
+                  <a:pt x="42673" y="2930099"/>
+                </a:cubicBezTo>
+                <a:cubicBezTo>
+                  <a:pt x="72765" y="2876461"/>
+                  <a:pt x="20837" y="2811743"/>
+                  <a:pt x="43260" y="2768401"/>
+                </a:cubicBezTo>
+                <a:cubicBezTo>
+                  <a:pt x="44784" y="2755816"/>
+                  <a:pt x="43709" y="2744724"/>
+                  <a:pt x="41022" y="2734617"/>
+                </a:cubicBezTo>
+                <a:lnTo>
+                  <a:pt x="29707" y="2708118"/>
+                </a:lnTo>
+                <a:lnTo>
+                  <a:pt x="18896" y="2704187"/>
+                </a:lnTo>
+                <a:lnTo>
+                  <a:pt x="16157" y="2686013"/>
+                </a:lnTo>
+                <a:lnTo>
+                  <a:pt x="0" y="2656506"/>
+                </a:lnTo>
+                <a:cubicBezTo>
+                  <a:pt x="46275" y="2648213"/>
+                  <a:pt x="-21852" y="2580542"/>
+                  <a:pt x="20000" y="2589495"/>
+                </a:cubicBezTo>
+                <a:cubicBezTo>
+                  <a:pt x="9004" y="2539865"/>
+                  <a:pt x="51725" y="2561406"/>
+                  <a:pt x="4503" y="2517909"/>
+                </a:cubicBezTo>
+                <a:cubicBezTo>
+                  <a:pt x="18312" y="2426183"/>
+                  <a:pt x="2043" y="2320005"/>
+                  <a:pt x="38580" y="2235940"/>
+                </a:cubicBezTo>
+                <a:cubicBezTo>
+                  <a:pt x="39530" y="2131535"/>
+                  <a:pt x="31342" y="1983035"/>
+                  <a:pt x="28357" y="1891475"/>
+                </a:cubicBezTo>
+                <a:cubicBezTo>
+                  <a:pt x="18536" y="1816240"/>
+                  <a:pt x="53985" y="1820215"/>
+                  <a:pt x="16422" y="1754299"/>
+                </a:cubicBezTo>
+                <a:cubicBezTo>
+                  <a:pt x="22523" y="1748800"/>
+                  <a:pt x="14115" y="1712020"/>
+                  <a:pt x="17619" y="1704948"/>
+                </a:cubicBezTo>
+                <a:lnTo>
+                  <a:pt x="11875" y="1640075"/>
+                </a:lnTo>
+                <a:lnTo>
+                  <a:pt x="10148" y="1637400"/>
+                </a:lnTo>
+                <a:cubicBezTo>
+                  <a:pt x="6571" y="1625366"/>
+                  <a:pt x="7662" y="1617809"/>
+                  <a:pt x="10809" y="1612250"/>
+                </a:cubicBezTo>
+                <a:lnTo>
+                  <a:pt x="30710" y="1498099"/>
+                </a:lnTo>
+                <a:lnTo>
+                  <a:pt x="28832" y="1497366"/>
+                </a:lnTo>
+                <a:lnTo>
+                  <a:pt x="25420" y="1490044"/>
+                </a:lnTo>
+                <a:lnTo>
+                  <a:pt x="36357" y="1429750"/>
+                </a:lnTo>
+                <a:cubicBezTo>
+                  <a:pt x="56105" y="1395764"/>
+                  <a:pt x="51096" y="1348657"/>
+                  <a:pt x="63323" y="1316453"/>
+                </a:cubicBezTo>
+                <a:cubicBezTo>
+                  <a:pt x="113953" y="1206017"/>
+                  <a:pt x="97314" y="1160971"/>
+                  <a:pt x="167299" y="1100758"/>
+                </a:cubicBezTo>
+                <a:cubicBezTo>
+                  <a:pt x="183322" y="1066821"/>
+                  <a:pt x="207320" y="1013057"/>
+                  <a:pt x="218971" y="997428"/>
+                </a:cubicBezTo>
+                <a:cubicBezTo>
+                  <a:pt x="225661" y="983599"/>
+                  <a:pt x="245059" y="996998"/>
+                  <a:pt x="249304" y="969068"/>
+                </a:cubicBezTo>
+                <a:cubicBezTo>
+                  <a:pt x="273910" y="912445"/>
+                  <a:pt x="257335" y="876944"/>
+                  <a:pt x="307518" y="815816"/>
+                </a:cubicBezTo>
+                <a:cubicBezTo>
+                  <a:pt x="319844" y="734499"/>
+                  <a:pt x="427269" y="648257"/>
+                  <a:pt x="438631" y="588216"/>
+                </a:cubicBezTo>
+                <a:cubicBezTo>
+                  <a:pt x="468336" y="534577"/>
+                  <a:pt x="480025" y="521047"/>
+                  <a:pt x="494548" y="466832"/>
+                </a:cubicBezTo>
+                <a:cubicBezTo>
+                  <a:pt x="513994" y="444023"/>
+                  <a:pt x="469014" y="421695"/>
+                  <a:pt x="512985" y="406165"/>
+                </a:cubicBezTo>
+                <a:cubicBezTo>
+                  <a:pt x="519819" y="312467"/>
+                  <a:pt x="496295" y="285415"/>
+                  <a:pt x="499246" y="226337"/>
+                </a:cubicBezTo>
+                <a:cubicBezTo>
+                  <a:pt x="511217" y="180655"/>
+                  <a:pt x="525793" y="85726"/>
+                  <a:pt x="530694" y="51692"/>
+                </a:cubicBezTo>
+                <a:cubicBezTo>
+                  <a:pt x="512001" y="39736"/>
+                  <a:pt x="522977" y="34428"/>
+                  <a:pt x="528655" y="22135"/>
+                </a:cubicBezTo>
+                <a:cubicBezTo>
+                  <a:pt x="511506" y="14446"/>
+                  <a:pt x="513258" y="7722"/>
+                  <a:pt x="516964" y="1039"/>
+                </a:cubicBezTo>
+                <a:close/>
+              </a:path>
+            </a:pathLst>
+          </a:custGeom>
+        </p:spPr>
+      </p:pic>
+      <p:sp>
+        <p:nvSpPr>
+          <p:cNvPr id="3" name="Foliennummernplatzhalter 2">
+            <a:extLst>
+              <a:ext uri="{FF2B5EF4-FFF2-40B4-BE49-F238E27FC236}">
+                <a16:creationId xmlns:a16="http://schemas.microsoft.com/office/drawing/2014/main" id="{632C2AA6-737B-5A45-5369-5FCA90710BFE}"/>
+              </a:ext>
+            </a:extLst>
+          </p:cNvPr>
+          <p:cNvSpPr>
+            <a:spLocks noGrp="1"/>
+          </p:cNvSpPr>
+          <p:nvPr>
+            <p:ph type="sldNum" sz="quarter" idx="12"/>
+          </p:nvPr>
+        </p:nvSpPr>
+        <p:spPr/>
+        <p:txBody>
+          <a:bodyPr/>
+          <a:lstStyle/>
+          <a:p>
+            <a:fld id="{9D4AEF59-F28E-467C-9EA3-92D1CFAD475A}" type="slidenum">
+              <a:rPr lang="en-US" smtClean="0"/>
+              <a:t>6</a:t>
+            </a:fld>
+            <a:endParaRPr lang="en-US"/>
+          </a:p>
+        </p:txBody>
+      </p:sp>
+      <p:sp>
+        <p:nvSpPr>
+          <p:cNvPr id="11" name="Titel 10">
+            <a:extLst>
+              <a:ext uri="{FF2B5EF4-FFF2-40B4-BE49-F238E27FC236}">
+                <a16:creationId xmlns:a16="http://schemas.microsoft.com/office/drawing/2014/main" id="{17F22C30-2D44-65DE-384C-06E243A6996A}"/>
+              </a:ext>
+            </a:extLst>
+          </p:cNvPr>
+          <p:cNvSpPr txBox="1">
+            <a:spLocks noGrp="1"/>
+          </p:cNvSpPr>
+          <p:nvPr>
+            <p:ph type="title"/>
+          </p:nvPr>
+        </p:nvSpPr>
+        <p:spPr>
+          <a:xfrm>
+            <a:off x="288924" y="2817871"/>
+            <a:ext cx="7112137" cy="1222258"/>
+          </a:xfrm>
+          <a:prstGeom prst="rect">
+            <a:avLst/>
+          </a:prstGeom>
+          <a:noFill/>
+        </p:spPr>
+        <p:txBody>
+          <a:bodyPr wrap="square" rtlCol="0">
+            <a:spAutoFit/>
+          </a:bodyPr>
+          <a:lstStyle/>
+          <a:p>
+            <a:r>
+              <a:rPr lang="de-DE" sz="4800" dirty="0" err="1">
+                <a:solidFill>
+                  <a:schemeClr val="tx1">
+                    <a:lumMod val="85000"/>
+                    <a:lumOff val="15000"/>
+                  </a:schemeClr>
+                </a:solidFill>
+              </a:rPr>
+              <a:t>DataVault</a:t>
+            </a:r>
+            <a:endParaRPr lang="de-DE" sz="4800" dirty="0">
+              <a:solidFill>
+                <a:schemeClr val="tx1">
+                  <a:lumMod val="85000"/>
+                  <a:lumOff val="15000"/>
+                </a:schemeClr>
+              </a:solidFill>
+            </a:endParaRPr>
+          </a:p>
+          <a:p>
+            <a:r>
+              <a:rPr lang="de-DE" sz="1800" dirty="0">
+                <a:solidFill>
+                  <a:schemeClr val="tx1">
+                    <a:lumMod val="85000"/>
+                    <a:lumOff val="15000"/>
+                  </a:schemeClr>
+                </a:solidFill>
+              </a:rPr>
+              <a:t>Data Engineering Bootcamp</a:t>
+            </a:r>
+            <a:endParaRPr lang="en-US" sz="1800" dirty="0">
+              <a:solidFill>
+                <a:schemeClr val="tx1">
+                  <a:lumMod val="85000"/>
+                  <a:lumOff val="15000"/>
+                </a:schemeClr>
+              </a:solidFill>
+            </a:endParaRPr>
+          </a:p>
+        </p:txBody>
+      </p:sp>
+    </p:spTree>
+    <p:extLst>
+      <p:ext uri="{BB962C8B-B14F-4D97-AF65-F5344CB8AC3E}">
+        <p14:creationId xmlns:p14="http://schemas.microsoft.com/office/powerpoint/2010/main" val="826882351"/>
+      </p:ext>
+    </p:extLst>
+  </p:cSld>
+  <p:clrMapOvr>
+    <a:masterClrMapping/>
+  </p:clrMapOvr>
+</p:sld>
+</file>
+
+<file path=ppt/slides/slide7.xml><?xml version="1.0" encoding="utf-8"?>
+<p:sld xmlns:a="http://schemas.openxmlformats.org/drawingml/2006/main" xmlns:r="http://schemas.openxmlformats.org/officeDocument/2006/relationships" xmlns:p="http://schemas.openxmlformats.org/presentationml/2006/main">
+  <p:cSld>
+    <p:spTree>
+      <p:nvGrpSpPr>
+        <p:cNvPr id="1" name=""/>
+        <p:cNvGrpSpPr/>
+        <p:nvPr/>
+      </p:nvGrpSpPr>
+      <p:grpSpPr>
+        <a:xfrm>
+          <a:off x="0" y="0"/>
+          <a:ext cx="0" cy="0"/>
+          <a:chOff x="0" y="0"/>
+          <a:chExt cx="0" cy="0"/>
+        </a:xfrm>
+      </p:grpSpPr>
+      <p:sp>
+        <p:nvSpPr>
+          <p:cNvPr id="2" name="Titel 1">
+            <a:extLst>
+              <a:ext uri="{FF2B5EF4-FFF2-40B4-BE49-F238E27FC236}">
+                <a16:creationId xmlns:a16="http://schemas.microsoft.com/office/drawing/2014/main" id="{F7C40B21-2CD5-5ADA-ACE5-D0DA6BDCF744}"/>
+              </a:ext>
+            </a:extLst>
+          </p:cNvPr>
+          <p:cNvSpPr>
+            <a:spLocks noGrp="1"/>
+          </p:cNvSpPr>
+          <p:nvPr>
+            <p:ph type="title"/>
+          </p:nvPr>
+        </p:nvSpPr>
+        <p:spPr/>
+        <p:txBody>
+          <a:bodyPr/>
+          <a:lstStyle/>
+          <a:p>
+            <a:r>
+              <a:rPr lang="de-DE" dirty="0" err="1"/>
+              <a:t>What</a:t>
+            </a:r>
+            <a:r>
+              <a:rPr lang="de-DE" dirty="0"/>
+              <a:t> </a:t>
+            </a:r>
+            <a:r>
+              <a:rPr lang="de-DE" dirty="0" err="1"/>
+              <a:t>is</a:t>
+            </a:r>
+            <a:r>
+              <a:rPr lang="de-DE" dirty="0"/>
+              <a:t> A </a:t>
+            </a:r>
+            <a:r>
+              <a:rPr lang="de-DE" dirty="0" err="1"/>
+              <a:t>Datavault</a:t>
+            </a:r>
+            <a:r>
+              <a:rPr lang="de-DE" dirty="0"/>
+              <a:t> ?</a:t>
+            </a:r>
+          </a:p>
+        </p:txBody>
+      </p:sp>
+      <p:sp>
+        <p:nvSpPr>
+          <p:cNvPr id="5" name="Foliennummernplatzhalter 4">
+            <a:extLst>
+              <a:ext uri="{FF2B5EF4-FFF2-40B4-BE49-F238E27FC236}">
+                <a16:creationId xmlns:a16="http://schemas.microsoft.com/office/drawing/2014/main" id="{5D4F889F-FC74-0388-F08F-091050383C02}"/>
+              </a:ext>
+            </a:extLst>
+          </p:cNvPr>
+          <p:cNvSpPr>
+            <a:spLocks noGrp="1"/>
+          </p:cNvSpPr>
+          <p:nvPr>
+            <p:ph type="sldNum" sz="quarter" idx="12"/>
+          </p:nvPr>
+        </p:nvSpPr>
+        <p:spPr/>
+        <p:txBody>
+          <a:bodyPr/>
+          <a:lstStyle/>
+          <a:p>
+            <a:fld id="{9D4AEF59-F28E-467C-9EA3-92D1CFAD475A}" type="slidenum">
+              <a:rPr lang="en-US" smtClean="0"/>
+              <a:t>7</a:t>
+            </a:fld>
+            <a:endParaRPr lang="en-US" dirty="0"/>
+          </a:p>
+        </p:txBody>
+      </p:sp>
+      <p:pic>
+        <p:nvPicPr>
+          <p:cNvPr id="12" name="Grafik 11">
+            <a:extLst>
+              <a:ext uri="{FF2B5EF4-FFF2-40B4-BE49-F238E27FC236}">
+                <a16:creationId xmlns:a16="http://schemas.microsoft.com/office/drawing/2014/main" id="{CF4F7C16-390D-CE0B-3B40-A21D34950F3F}"/>
+              </a:ext>
+            </a:extLst>
+          </p:cNvPr>
+          <p:cNvPicPr>
+            <a:picLocks noChangeAspect="1"/>
+          </p:cNvPicPr>
+          <p:nvPr/>
+        </p:nvPicPr>
+        <p:blipFill rotWithShape="1">
+          <a:blip r:embed="rId2">
+            <a:extLst>
+              <a:ext uri="{28A0092B-C50C-407E-A947-70E740481C1C}">
+                <a14:useLocalDpi xmlns:a14="http://schemas.microsoft.com/office/drawing/2010/main" val="0"/>
+              </a:ext>
+            </a:extLst>
+          </a:blip>
+          <a:srcRect t="35599" r="28697"/>
+          <a:stretch/>
+        </p:blipFill>
+        <p:spPr>
+          <a:xfrm>
+            <a:off x="7988833" y="609601"/>
+            <a:ext cx="2677451" cy="1460498"/>
+          </a:xfrm>
+          <a:prstGeom prst="rect">
+            <a:avLst/>
+          </a:prstGeom>
+        </p:spPr>
+      </p:pic>
+      <p:sp>
+        <p:nvSpPr>
+          <p:cNvPr id="4" name="Rectangle 3">
+            <a:extLst>
+              <a:ext uri="{FF2B5EF4-FFF2-40B4-BE49-F238E27FC236}">
+                <a16:creationId xmlns:a16="http://schemas.microsoft.com/office/drawing/2014/main" id="{60A11645-0EDA-2643-C054-690CAC81BADB}"/>
+              </a:ext>
+            </a:extLst>
+          </p:cNvPr>
+          <p:cNvSpPr/>
+          <p:nvPr/>
+        </p:nvSpPr>
+        <p:spPr>
+          <a:xfrm rot="3022554">
+            <a:off x="9680711" y="387392"/>
+            <a:ext cx="435887" cy="342399"/>
+          </a:xfrm>
+          <a:prstGeom prst="rect">
+            <a:avLst/>
+          </a:prstGeom>
+          <a:solidFill>
+            <a:schemeClr val="bg1"/>
+          </a:solidFill>
+          <a:ln>
+            <a:noFill/>
+          </a:ln>
+        </p:spPr>
+        <p:style>
+          <a:lnRef idx="2">
+            <a:schemeClr val="accent1">
+              <a:shade val="50000"/>
+            </a:schemeClr>
+          </a:lnRef>
+          <a:fillRef idx="1">
+            <a:schemeClr val="accent1"/>
+          </a:fillRef>
+          <a:effectRef idx="0">
+            <a:schemeClr val="accent1"/>
+          </a:effectRef>
+          <a:fontRef idx="minor">
+            <a:schemeClr val="lt1"/>
+          </a:fontRef>
+        </p:style>
+        <p:txBody>
+          <a:bodyPr rtlCol="0" anchor="ctr"/>
+          <a:lstStyle/>
+          <a:p>
+            <a:pPr algn="ctr"/>
+            <a:endParaRPr lang="en-DE" dirty="0"/>
+          </a:p>
+        </p:txBody>
+      </p:sp>
+      <p:sp>
+        <p:nvSpPr>
+          <p:cNvPr id="7" name="Rectangle 6">
+            <a:extLst>
+              <a:ext uri="{FF2B5EF4-FFF2-40B4-BE49-F238E27FC236}">
+                <a16:creationId xmlns:a16="http://schemas.microsoft.com/office/drawing/2014/main" id="{58FCB3CC-291A-CF84-955F-53FFA6F022A9}"/>
+              </a:ext>
+            </a:extLst>
+          </p:cNvPr>
+          <p:cNvSpPr/>
+          <p:nvPr/>
+        </p:nvSpPr>
+        <p:spPr>
+          <a:xfrm rot="2522694">
+            <a:off x="10179997" y="496476"/>
+            <a:ext cx="579591" cy="342399"/>
+          </a:xfrm>
+          <a:prstGeom prst="rect">
+            <a:avLst/>
+          </a:prstGeom>
+          <a:solidFill>
+            <a:schemeClr val="bg1"/>
+          </a:solidFill>
+          <a:ln>
+            <a:noFill/>
+          </a:ln>
+        </p:spPr>
+        <p:style>
+          <a:lnRef idx="2">
+            <a:schemeClr val="accent1">
+              <a:shade val="50000"/>
+            </a:schemeClr>
+          </a:lnRef>
+          <a:fillRef idx="1">
+            <a:schemeClr val="accent1"/>
+          </a:fillRef>
+          <a:effectRef idx="0">
+            <a:schemeClr val="accent1"/>
+          </a:effectRef>
+          <a:fontRef idx="minor">
+            <a:schemeClr val="lt1"/>
+          </a:fontRef>
+        </p:style>
+        <p:txBody>
+          <a:bodyPr rtlCol="0" anchor="ctr"/>
+          <a:lstStyle/>
+          <a:p>
+            <a:pPr algn="ctr"/>
+            <a:endParaRPr lang="en-DE" dirty="0"/>
+          </a:p>
+        </p:txBody>
+      </p:sp>
+      <p:sp>
+        <p:nvSpPr>
+          <p:cNvPr id="8" name="Rectangle 7">
+            <a:extLst>
+              <a:ext uri="{FF2B5EF4-FFF2-40B4-BE49-F238E27FC236}">
+                <a16:creationId xmlns:a16="http://schemas.microsoft.com/office/drawing/2014/main" id="{755A2FAF-18C4-EF2C-9BB1-0F5DB4CCCEB1}"/>
+              </a:ext>
+            </a:extLst>
+          </p:cNvPr>
+          <p:cNvSpPr/>
+          <p:nvPr/>
+        </p:nvSpPr>
+        <p:spPr>
+          <a:xfrm>
+            <a:off x="10443174" y="957842"/>
+            <a:ext cx="289795" cy="261595"/>
+          </a:xfrm>
+          <a:prstGeom prst="rect">
+            <a:avLst/>
+          </a:prstGeom>
+          <a:solidFill>
+            <a:schemeClr val="bg1"/>
+          </a:solidFill>
+          <a:ln>
+            <a:noFill/>
+          </a:ln>
+        </p:spPr>
+        <p:style>
+          <a:lnRef idx="2">
+            <a:schemeClr val="accent1">
+              <a:shade val="50000"/>
+            </a:schemeClr>
+          </a:lnRef>
+          <a:fillRef idx="1">
+            <a:schemeClr val="accent1"/>
+          </a:fillRef>
+          <a:effectRef idx="0">
+            <a:schemeClr val="accent1"/>
+          </a:effectRef>
+          <a:fontRef idx="minor">
+            <a:schemeClr val="lt1"/>
+          </a:fontRef>
+        </p:style>
+        <p:txBody>
+          <a:bodyPr rtlCol="0" anchor="ctr"/>
+          <a:lstStyle/>
+          <a:p>
+            <a:pPr algn="ctr"/>
+            <a:endParaRPr lang="en-DE" dirty="0"/>
+          </a:p>
+        </p:txBody>
+      </p:sp>
+      <p:sp>
+        <p:nvSpPr>
+          <p:cNvPr id="9" name="Rectangle 8">
+            <a:extLst>
+              <a:ext uri="{FF2B5EF4-FFF2-40B4-BE49-F238E27FC236}">
+                <a16:creationId xmlns:a16="http://schemas.microsoft.com/office/drawing/2014/main" id="{9CC206AE-B2CF-2A7C-48F9-8127583AAF21}"/>
+              </a:ext>
+            </a:extLst>
+          </p:cNvPr>
+          <p:cNvSpPr/>
+          <p:nvPr/>
+        </p:nvSpPr>
+        <p:spPr>
+          <a:xfrm rot="19086268">
+            <a:off x="10521386" y="957843"/>
+            <a:ext cx="289795" cy="261595"/>
+          </a:xfrm>
+          <a:prstGeom prst="rect">
+            <a:avLst/>
+          </a:prstGeom>
+          <a:solidFill>
+            <a:schemeClr val="bg1"/>
+          </a:solidFill>
+          <a:ln>
+            <a:noFill/>
+          </a:ln>
+        </p:spPr>
+        <p:style>
+          <a:lnRef idx="2">
+            <a:schemeClr val="accent1">
+              <a:shade val="50000"/>
+            </a:schemeClr>
+          </a:lnRef>
+          <a:fillRef idx="1">
+            <a:schemeClr val="accent1"/>
+          </a:fillRef>
+          <a:effectRef idx="0">
+            <a:schemeClr val="accent1"/>
+          </a:effectRef>
+          <a:fontRef idx="minor">
+            <a:schemeClr val="lt1"/>
+          </a:fontRef>
+        </p:style>
+        <p:txBody>
+          <a:bodyPr rtlCol="0" anchor="ctr"/>
+          <a:lstStyle/>
+          <a:p>
+            <a:pPr algn="ctr"/>
+            <a:endParaRPr lang="en-DE" dirty="0"/>
+          </a:p>
+        </p:txBody>
+      </p:sp>
+      <p:pic>
+        <p:nvPicPr>
+          <p:cNvPr id="2050" name="Picture 2" descr="3 Ways to Build An ETL Process with Examples | Panoply">
+            <a:extLst>
+              <a:ext uri="{FF2B5EF4-FFF2-40B4-BE49-F238E27FC236}">
+                <a16:creationId xmlns:a16="http://schemas.microsoft.com/office/drawing/2014/main" id="{DDB3D72E-4B5F-40DD-1AC4-0FFE19BA92B3}"/>
+              </a:ext>
+            </a:extLst>
+          </p:cNvPr>
+          <p:cNvPicPr>
+            <a:picLocks noChangeAspect="1" noChangeArrowheads="1"/>
+          </p:cNvPicPr>
+          <p:nvPr/>
+        </p:nvPicPr>
+        <p:blipFill rotWithShape="1">
+          <a:blip r:embed="rId3">
+            <a:extLst>
+              <a:ext uri="{28A0092B-C50C-407E-A947-70E740481C1C}">
+                <a14:useLocalDpi xmlns:a14="http://schemas.microsoft.com/office/drawing/2010/main" val="0"/>
+              </a:ext>
+            </a:extLst>
+          </a:blip>
+          <a:srcRect r="55304"/>
+          <a:stretch/>
+        </p:blipFill>
+        <p:spPr bwMode="auto">
+          <a:xfrm>
+            <a:off x="1446536" y="2952750"/>
+            <a:ext cx="2183039" cy="1673161"/>
+          </a:xfrm>
+          <a:prstGeom prst="rect">
+            <a:avLst/>
+          </a:prstGeom>
+          <a:noFill/>
+          <a:extLst>
+            <a:ext uri="{909E8E84-426E-40DD-AFC4-6F175D3DCCD1}">
+              <a14:hiddenFill xmlns:a14="http://schemas.microsoft.com/office/drawing/2010/main">
+                <a:solidFill>
+                  <a:srgbClr val="FFFFFF"/>
+                </a:solidFill>
+              </a14:hiddenFill>
+            </a:ext>
+          </a:extLst>
+        </p:spPr>
+      </p:pic>
+      <p:pic>
+        <p:nvPicPr>
+          <p:cNvPr id="13" name="Picture 2" descr="3 Ways to Build An ETL Process with Examples | Panoply">
+            <a:extLst>
+              <a:ext uri="{FF2B5EF4-FFF2-40B4-BE49-F238E27FC236}">
+                <a16:creationId xmlns:a16="http://schemas.microsoft.com/office/drawing/2014/main" id="{19AD32B9-2353-4EED-B2E9-C5729A48D9E1}"/>
+              </a:ext>
+            </a:extLst>
+          </p:cNvPr>
+          <p:cNvPicPr>
+            <a:picLocks noChangeAspect="1" noChangeArrowheads="1"/>
+          </p:cNvPicPr>
+          <p:nvPr/>
+        </p:nvPicPr>
+        <p:blipFill rotWithShape="1">
+          <a:blip r:embed="rId3">
+            <a:extLst>
+              <a:ext uri="{28A0092B-C50C-407E-A947-70E740481C1C}">
+                <a14:useLocalDpi xmlns:a14="http://schemas.microsoft.com/office/drawing/2010/main" val="0"/>
+              </a:ext>
+            </a:extLst>
+          </a:blip>
+          <a:srcRect l="74588"/>
+          <a:stretch/>
+        </p:blipFill>
+        <p:spPr bwMode="auto">
+          <a:xfrm>
+            <a:off x="3788882" y="2952750"/>
+            <a:ext cx="1311823" cy="1768411"/>
+          </a:xfrm>
+          <a:prstGeom prst="rect">
+            <a:avLst/>
+          </a:prstGeom>
+          <a:noFill/>
+          <a:extLst>
+            <a:ext uri="{909E8E84-426E-40DD-AFC4-6F175D3DCCD1}">
+              <a14:hiddenFill xmlns:a14="http://schemas.microsoft.com/office/drawing/2010/main">
+                <a:solidFill>
+                  <a:srgbClr val="FFFFFF"/>
+                </a:solidFill>
+              </a14:hiddenFill>
+            </a:ext>
+          </a:extLst>
+        </p:spPr>
+      </p:pic>
+      <p:sp>
+        <p:nvSpPr>
+          <p:cNvPr id="14" name="Rectangle 13">
+            <a:extLst>
+              <a:ext uri="{FF2B5EF4-FFF2-40B4-BE49-F238E27FC236}">
+                <a16:creationId xmlns:a16="http://schemas.microsoft.com/office/drawing/2014/main" id="{3CF4B695-324C-3B8F-0F32-798F54F06F28}"/>
+              </a:ext>
+            </a:extLst>
+          </p:cNvPr>
+          <p:cNvSpPr/>
+          <p:nvPr/>
+        </p:nvSpPr>
+        <p:spPr>
+          <a:xfrm>
+            <a:off x="2917666" y="2742192"/>
+            <a:ext cx="805297" cy="559808"/>
+          </a:xfrm>
+          <a:prstGeom prst="rect">
+            <a:avLst/>
+          </a:prstGeom>
+          <a:solidFill>
+            <a:schemeClr val="bg1"/>
+          </a:solidFill>
+          <a:ln>
+            <a:noFill/>
+          </a:ln>
+        </p:spPr>
+        <p:style>
+          <a:lnRef idx="2">
+            <a:schemeClr val="accent1">
+              <a:shade val="50000"/>
+            </a:schemeClr>
+          </a:lnRef>
+          <a:fillRef idx="1">
+            <a:schemeClr val="accent1"/>
+          </a:fillRef>
+          <a:effectRef idx="0">
+            <a:schemeClr val="accent1"/>
+          </a:effectRef>
+          <a:fontRef idx="minor">
+            <a:schemeClr val="lt1"/>
+          </a:fontRef>
+        </p:style>
+        <p:txBody>
+          <a:bodyPr rtlCol="0" anchor="ctr"/>
+          <a:lstStyle/>
+          <a:p>
+            <a:pPr algn="ctr"/>
+            <a:endParaRPr lang="en-DE" dirty="0"/>
+          </a:p>
+        </p:txBody>
+      </p:sp>
+      <p:pic>
+        <p:nvPicPr>
+          <p:cNvPr id="15" name="Picture 2" descr="3 Ways to Build An ETL Process with Examples | Panoply">
+            <a:extLst>
+              <a:ext uri="{FF2B5EF4-FFF2-40B4-BE49-F238E27FC236}">
+                <a16:creationId xmlns:a16="http://schemas.microsoft.com/office/drawing/2014/main" id="{87810C14-4581-201B-9F5F-73E698FBF5BE}"/>
+              </a:ext>
+            </a:extLst>
+          </p:cNvPr>
+          <p:cNvPicPr>
+            <a:picLocks noChangeAspect="1" noChangeArrowheads="1"/>
+          </p:cNvPicPr>
+          <p:nvPr/>
+        </p:nvPicPr>
+        <p:blipFill rotWithShape="1">
+          <a:blip r:embed="rId3">
+            <a:extLst>
+              <a:ext uri="{28A0092B-C50C-407E-A947-70E740481C1C}">
+                <a14:useLocalDpi xmlns:a14="http://schemas.microsoft.com/office/drawing/2010/main" val="0"/>
+              </a:ext>
+            </a:extLst>
+          </a:blip>
+          <a:srcRect l="16519"/>
+          <a:stretch/>
+        </p:blipFill>
+        <p:spPr bwMode="auto">
+          <a:xfrm>
+            <a:off x="5260012" y="2952750"/>
+            <a:ext cx="4254500" cy="1768411"/>
+          </a:xfrm>
+          <a:prstGeom prst="rect">
+            <a:avLst/>
+          </a:prstGeom>
+          <a:noFill/>
+          <a:extLst>
+            <a:ext uri="{909E8E84-426E-40DD-AFC4-6F175D3DCCD1}">
+              <a14:hiddenFill xmlns:a14="http://schemas.microsoft.com/office/drawing/2010/main">
+                <a:solidFill>
+                  <a:srgbClr val="FFFFFF"/>
+                </a:solidFill>
+              </a14:hiddenFill>
+            </a:ext>
+          </a:extLst>
+        </p:spPr>
+      </p:pic>
+      <p:sp>
+        <p:nvSpPr>
+          <p:cNvPr id="16" name="TextBox 15">
+            <a:extLst>
+              <a:ext uri="{FF2B5EF4-FFF2-40B4-BE49-F238E27FC236}">
+                <a16:creationId xmlns:a16="http://schemas.microsoft.com/office/drawing/2014/main" id="{2C7EF62F-8527-4E13-5EBA-E92D6869DCCD}"/>
+              </a:ext>
+            </a:extLst>
+          </p:cNvPr>
+          <p:cNvSpPr txBox="1"/>
+          <p:nvPr/>
+        </p:nvSpPr>
+        <p:spPr>
+          <a:xfrm>
+            <a:off x="190500" y="6439721"/>
+            <a:ext cx="2880725" cy="276999"/>
+          </a:xfrm>
+          <a:prstGeom prst="rect">
+            <a:avLst/>
+          </a:prstGeom>
+          <a:noFill/>
+        </p:spPr>
+        <p:txBody>
+          <a:bodyPr wrap="none" rtlCol="0">
+            <a:spAutoFit/>
+          </a:bodyPr>
+          <a:lstStyle/>
+          <a:p>
+            <a:r>
+              <a:rPr lang="en-DE" sz="1200" dirty="0"/>
+              <a:t>Image: </a:t>
+            </a:r>
+            <a:r>
+              <a:rPr lang="en-GB" sz="1200" dirty="0"/>
+              <a:t>https://</a:t>
+            </a:r>
+            <a:r>
+              <a:rPr lang="en-GB" sz="1200" dirty="0" err="1"/>
+              <a:t>panoply.io</a:t>
+            </a:r>
+            <a:r>
+              <a:rPr lang="en-GB" sz="1200" dirty="0"/>
+              <a:t>/uploads/etl-1.png</a:t>
+            </a:r>
+            <a:endParaRPr lang="en-DE" sz="1200" dirty="0"/>
+          </a:p>
+        </p:txBody>
+      </p:sp>
+    </p:spTree>
+    <p:extLst>
+      <p:ext uri="{BB962C8B-B14F-4D97-AF65-F5344CB8AC3E}">
+        <p14:creationId xmlns:p14="http://schemas.microsoft.com/office/powerpoint/2010/main" val="2763938427"/>
+      </p:ext>
+    </p:extLst>
+  </p:cSld>
+  <p:clrMapOvr>
+    <a:masterClrMapping/>
+  </p:clrMapOvr>
+</p:sld>
+</file>
+
+<file path=ppt/slides/slide8.xml><?xml version="1.0" encoding="utf-8"?>
+<p:sld xmlns:a="http://schemas.openxmlformats.org/drawingml/2006/main" xmlns:r="http://schemas.openxmlformats.org/officeDocument/2006/relationships" xmlns:p="http://schemas.openxmlformats.org/presentationml/2006/main">
+  <p:cSld>
+    <p:spTree>
+      <p:nvGrpSpPr>
+        <p:cNvPr id="1" name=""/>
+        <p:cNvGrpSpPr/>
+        <p:nvPr/>
+      </p:nvGrpSpPr>
+      <p:grpSpPr>
+        <a:xfrm>
+          <a:off x="0" y="0"/>
+          <a:ext cx="0" cy="0"/>
+          <a:chOff x="0" y="0"/>
+          <a:chExt cx="0" cy="0"/>
+        </a:xfrm>
+      </p:grpSpPr>
+      <p:sp>
+        <p:nvSpPr>
+          <p:cNvPr id="2" name="Title 1">
+            <a:extLst>
+              <a:ext uri="{FF2B5EF4-FFF2-40B4-BE49-F238E27FC236}">
+                <a16:creationId xmlns:a16="http://schemas.microsoft.com/office/drawing/2014/main" id="{958FB1EE-1163-C220-C2C4-EDC8965ED894}"/>
+              </a:ext>
+            </a:extLst>
+          </p:cNvPr>
+          <p:cNvSpPr>
+            <a:spLocks noGrp="1"/>
+          </p:cNvSpPr>
+          <p:nvPr>
+            <p:ph type="title"/>
+          </p:nvPr>
+        </p:nvSpPr>
+        <p:spPr/>
+        <p:txBody>
+          <a:bodyPr/>
+          <a:lstStyle/>
+          <a:p>
+            <a:r>
+              <a:rPr lang="en-DE" dirty="0"/>
+              <a:t>Model</a:t>
+            </a:r>
+          </a:p>
+        </p:txBody>
+      </p:sp>
+      <p:sp>
+        <p:nvSpPr>
+          <p:cNvPr id="3" name="Content Placeholder 2">
+            <a:extLst>
+              <a:ext uri="{FF2B5EF4-FFF2-40B4-BE49-F238E27FC236}">
+                <a16:creationId xmlns:a16="http://schemas.microsoft.com/office/drawing/2014/main" id="{D8B320F9-A6E9-9162-102B-CCC5BB9C2922}"/>
+              </a:ext>
+            </a:extLst>
+          </p:cNvPr>
+          <p:cNvSpPr>
+            <a:spLocks noGrp="1"/>
+          </p:cNvSpPr>
+          <p:nvPr>
+            <p:ph idx="1"/>
+          </p:nvPr>
+        </p:nvSpPr>
+        <p:spPr/>
+        <p:txBody>
+          <a:bodyPr>
+            <a:normAutofit/>
+          </a:bodyPr>
+          <a:lstStyle/>
+          <a:p>
+            <a:pPr marL="0" indent="0">
+              <a:spcBef>
+                <a:spcPts val="300"/>
+              </a:spcBef>
+              <a:buNone/>
+            </a:pPr>
+            <a:r>
+              <a:rPr lang="en-GB" sz="1200" dirty="0">
+                <a:latin typeface="Consolas" panose="020B0609020204030204" pitchFamily="49" charset="0"/>
+                <a:cs typeface="Consolas" panose="020B0609020204030204" pitchFamily="49" charset="0"/>
+              </a:rPr>
+              <a:t>crops:</a:t>
+            </a:r>
+          </a:p>
+          <a:p>
+            <a:pPr marL="0" indent="0">
+              <a:spcBef>
+                <a:spcPts val="300"/>
+              </a:spcBef>
+              <a:buNone/>
+            </a:pPr>
+            <a:r>
+              <a:rPr lang="en-GB" sz="1200" dirty="0">
+                <a:latin typeface="Consolas" panose="020B0609020204030204" pitchFamily="49" charset="0"/>
+                <a:cs typeface="Consolas" panose="020B0609020204030204" pitchFamily="49" charset="0"/>
+              </a:rPr>
+              <a:t>+------+----------+-------------------+</a:t>
+            </a:r>
+          </a:p>
+          <a:p>
+            <a:pPr marL="0" indent="0">
+              <a:spcBef>
+                <a:spcPts val="300"/>
+              </a:spcBef>
+              <a:buNone/>
+            </a:pPr>
+            <a:r>
+              <a:rPr lang="en-GB" sz="1200" dirty="0">
+                <a:latin typeface="Consolas" panose="020B0609020204030204" pitchFamily="49" charset="0"/>
+                <a:cs typeface="Consolas" panose="020B0609020204030204" pitchFamily="49" charset="0"/>
+              </a:rPr>
+              <a:t>| id   | crop     | </a:t>
+            </a:r>
+            <a:r>
+              <a:rPr lang="en-GB" sz="1200" dirty="0" err="1">
+                <a:latin typeface="Consolas" panose="020B0609020204030204" pitchFamily="49" charset="0"/>
+                <a:cs typeface="Consolas" panose="020B0609020204030204" pitchFamily="49" charset="0"/>
+              </a:rPr>
+              <a:t>water_consumption</a:t>
+            </a:r>
+            <a:r>
+              <a:rPr lang="en-GB" sz="1200" dirty="0">
+                <a:latin typeface="Consolas" panose="020B0609020204030204" pitchFamily="49" charset="0"/>
+                <a:cs typeface="Consolas" panose="020B0609020204030204" pitchFamily="49" charset="0"/>
+              </a:rPr>
+              <a:t> |</a:t>
+            </a:r>
+          </a:p>
+          <a:p>
+            <a:pPr marL="0" indent="0">
+              <a:spcBef>
+                <a:spcPts val="300"/>
+              </a:spcBef>
+              <a:buNone/>
+            </a:pPr>
+            <a:r>
+              <a:rPr lang="en-GB" sz="1200" dirty="0">
+                <a:latin typeface="Consolas" panose="020B0609020204030204" pitchFamily="49" charset="0"/>
+                <a:cs typeface="Consolas" panose="020B0609020204030204" pitchFamily="49" charset="0"/>
+              </a:rPr>
+              <a:t>+------+----------+-------------------+</a:t>
+            </a:r>
+          </a:p>
+          <a:p>
+            <a:pPr marL="0" indent="0">
+              <a:spcBef>
+                <a:spcPts val="300"/>
+              </a:spcBef>
+              <a:buNone/>
+            </a:pPr>
+            <a:r>
+              <a:rPr lang="en-GB" sz="1200" dirty="0">
+                <a:latin typeface="Consolas" panose="020B0609020204030204" pitchFamily="49" charset="0"/>
+                <a:cs typeface="Consolas" panose="020B0609020204030204" pitchFamily="49" charset="0"/>
+              </a:rPr>
+              <a:t>| C-1  | tomato   | 10                |</a:t>
+            </a:r>
+          </a:p>
+          <a:p>
+            <a:pPr marL="0" indent="0">
+              <a:spcBef>
+                <a:spcPts val="300"/>
+              </a:spcBef>
+              <a:buNone/>
+            </a:pPr>
+            <a:r>
+              <a:rPr lang="en-GB" sz="1200" dirty="0">
+                <a:latin typeface="Consolas" panose="020B0609020204030204" pitchFamily="49" charset="0"/>
+                <a:cs typeface="Consolas" panose="020B0609020204030204" pitchFamily="49" charset="0"/>
+              </a:rPr>
+              <a:t>+------+----------+-------------------+</a:t>
+            </a:r>
+          </a:p>
+          <a:p>
+            <a:pPr marL="0" indent="0">
+              <a:spcBef>
+                <a:spcPts val="300"/>
+              </a:spcBef>
+              <a:buNone/>
+            </a:pPr>
+            <a:r>
+              <a:rPr lang="en-GB" sz="1200" dirty="0">
+                <a:latin typeface="Consolas" panose="020B0609020204030204" pitchFamily="49" charset="0"/>
+                <a:cs typeface="Consolas" panose="020B0609020204030204" pitchFamily="49" charset="0"/>
+              </a:rPr>
+              <a:t>| C-2  | cucumber | 15                |</a:t>
+            </a:r>
+          </a:p>
+          <a:p>
+            <a:pPr marL="0" indent="0">
+              <a:spcBef>
+                <a:spcPts val="300"/>
+              </a:spcBef>
+              <a:buNone/>
+            </a:pPr>
+            <a:r>
+              <a:rPr lang="en-GB" sz="1200" dirty="0">
+                <a:latin typeface="Consolas" panose="020B0609020204030204" pitchFamily="49" charset="0"/>
+                <a:cs typeface="Consolas" panose="020B0609020204030204" pitchFamily="49" charset="0"/>
+              </a:rPr>
+              <a:t>+------+----------+-------------------+</a:t>
+            </a:r>
+          </a:p>
+          <a:p>
+            <a:pPr marL="0" indent="0">
+              <a:spcBef>
+                <a:spcPts val="300"/>
+              </a:spcBef>
+              <a:buNone/>
+            </a:pPr>
+            <a:endParaRPr lang="en-GB" sz="1200" dirty="0">
+              <a:latin typeface="Consolas" panose="020B0609020204030204" pitchFamily="49" charset="0"/>
+              <a:cs typeface="Consolas" panose="020B0609020204030204" pitchFamily="49" charset="0"/>
+            </a:endParaRPr>
+          </a:p>
+          <a:p>
+            <a:pPr marL="0" indent="0">
+              <a:spcBef>
+                <a:spcPts val="300"/>
+              </a:spcBef>
+              <a:buNone/>
+            </a:pPr>
+            <a:r>
+              <a:rPr lang="en-GB" sz="1200" dirty="0">
+                <a:latin typeface="Consolas" panose="020B0609020204030204" pitchFamily="49" charset="0"/>
+                <a:cs typeface="Consolas" panose="020B0609020204030204" pitchFamily="49" charset="0"/>
+              </a:rPr>
+              <a:t>fields:</a:t>
+            </a:r>
+          </a:p>
+          <a:p>
+            <a:pPr marL="0" indent="0">
+              <a:spcBef>
+                <a:spcPts val="300"/>
+              </a:spcBef>
+              <a:buNone/>
+            </a:pPr>
+            <a:r>
+              <a:rPr lang="en-GB" sz="1200" dirty="0">
+                <a:latin typeface="Consolas" panose="020B0609020204030204" pitchFamily="49" charset="0"/>
+                <a:cs typeface="Consolas" panose="020B0609020204030204" pitchFamily="49" charset="0"/>
+              </a:rPr>
+              <a:t>+------+-------+----------+</a:t>
+            </a:r>
+          </a:p>
+          <a:p>
+            <a:pPr marL="0" indent="0">
+              <a:spcBef>
+                <a:spcPts val="300"/>
+              </a:spcBef>
+              <a:buNone/>
+            </a:pPr>
+            <a:r>
+              <a:rPr lang="en-GB" sz="1200" dirty="0">
+                <a:latin typeface="Consolas" panose="020B0609020204030204" pitchFamily="49" charset="0"/>
+                <a:cs typeface="Consolas" panose="020B0609020204030204" pitchFamily="49" charset="0"/>
+              </a:rPr>
+              <a:t>| id   | field | </a:t>
+            </a:r>
+            <a:r>
+              <a:rPr lang="en-GB" sz="1200" dirty="0" err="1">
+                <a:latin typeface="Consolas" panose="020B0609020204030204" pitchFamily="49" charset="0"/>
+                <a:cs typeface="Consolas" panose="020B0609020204030204" pitchFamily="49" charset="0"/>
+              </a:rPr>
+              <a:t>crop_id</a:t>
+            </a:r>
+            <a:r>
+              <a:rPr lang="en-GB" sz="1200" dirty="0">
+                <a:latin typeface="Consolas" panose="020B0609020204030204" pitchFamily="49" charset="0"/>
+                <a:cs typeface="Consolas" panose="020B0609020204030204" pitchFamily="49" charset="0"/>
+              </a:rPr>
+              <a:t>  |</a:t>
+            </a:r>
+          </a:p>
+          <a:p>
+            <a:pPr marL="0" indent="0">
+              <a:spcBef>
+                <a:spcPts val="300"/>
+              </a:spcBef>
+              <a:buNone/>
+            </a:pPr>
+            <a:r>
+              <a:rPr lang="en-GB" sz="1200" dirty="0">
+                <a:latin typeface="Consolas" panose="020B0609020204030204" pitchFamily="49" charset="0"/>
+                <a:cs typeface="Consolas" panose="020B0609020204030204" pitchFamily="49" charset="0"/>
+              </a:rPr>
+              <a:t>+------+-------+----------+</a:t>
+            </a:r>
+          </a:p>
+          <a:p>
+            <a:pPr marL="0" indent="0">
+              <a:spcBef>
+                <a:spcPts val="300"/>
+              </a:spcBef>
+              <a:buNone/>
+            </a:pPr>
+            <a:r>
+              <a:rPr lang="en-GB" sz="1200" dirty="0">
+                <a:latin typeface="Consolas" panose="020B0609020204030204" pitchFamily="49" charset="0"/>
+                <a:cs typeface="Consolas" panose="020B0609020204030204" pitchFamily="49" charset="0"/>
+              </a:rPr>
+              <a:t>| F-5  | small | 2        |</a:t>
+            </a:r>
+          </a:p>
+          <a:p>
+            <a:pPr marL="0" indent="0">
+              <a:spcBef>
+                <a:spcPts val="300"/>
+              </a:spcBef>
+              <a:buNone/>
+            </a:pPr>
+            <a:r>
+              <a:rPr lang="en-GB" sz="1200" dirty="0">
+                <a:latin typeface="Consolas" panose="020B0609020204030204" pitchFamily="49" charset="0"/>
+                <a:cs typeface="Consolas" panose="020B0609020204030204" pitchFamily="49" charset="0"/>
+              </a:rPr>
+              <a:t>+------+-------+----------+</a:t>
+            </a:r>
+          </a:p>
+          <a:p>
+            <a:pPr marL="0" indent="0">
+              <a:spcBef>
+                <a:spcPts val="300"/>
+              </a:spcBef>
+              <a:buNone/>
+            </a:pPr>
+            <a:r>
+              <a:rPr lang="en-GB" sz="1200" dirty="0">
+                <a:latin typeface="Consolas" panose="020B0609020204030204" pitchFamily="49" charset="0"/>
+                <a:cs typeface="Consolas" panose="020B0609020204030204" pitchFamily="49" charset="0"/>
+              </a:rPr>
+              <a:t>| F-6  | big   | 1        |</a:t>
+            </a:r>
+          </a:p>
+          <a:p>
+            <a:pPr marL="0" indent="0">
+              <a:spcBef>
+                <a:spcPts val="300"/>
+              </a:spcBef>
+              <a:buNone/>
+            </a:pPr>
+            <a:r>
+              <a:rPr lang="en-GB" sz="1200" dirty="0">
+                <a:latin typeface="Consolas" panose="020B0609020204030204" pitchFamily="49" charset="0"/>
+                <a:cs typeface="Consolas" panose="020B0609020204030204" pitchFamily="49" charset="0"/>
+              </a:rPr>
+              <a:t>+------+-------+----------+</a:t>
+            </a:r>
+            <a:endParaRPr lang="en-DE" sz="1200" dirty="0">
+              <a:latin typeface="Consolas" panose="020B0609020204030204" pitchFamily="49" charset="0"/>
+              <a:cs typeface="Consolas" panose="020B0609020204030204" pitchFamily="49" charset="0"/>
+            </a:endParaRPr>
+          </a:p>
+        </p:txBody>
+      </p:sp>
+      <p:sp>
+        <p:nvSpPr>
+          <p:cNvPr id="4" name="Slide Number Placeholder 3">
+            <a:extLst>
+              <a:ext uri="{FF2B5EF4-FFF2-40B4-BE49-F238E27FC236}">
+                <a16:creationId xmlns:a16="http://schemas.microsoft.com/office/drawing/2014/main" id="{C80BB05B-FEE3-4D8C-8E10-856797D53C68}"/>
+              </a:ext>
+            </a:extLst>
+          </p:cNvPr>
+          <p:cNvSpPr>
+            <a:spLocks noGrp="1"/>
+          </p:cNvSpPr>
+          <p:nvPr>
+            <p:ph type="sldNum" sz="quarter" idx="12"/>
+          </p:nvPr>
+        </p:nvSpPr>
+        <p:spPr/>
+        <p:txBody>
+          <a:bodyPr/>
+          <a:lstStyle/>
+          <a:p>
+            <a:fld id="{9D4AEF59-F28E-467C-9EA3-92D1CFAD475A}" type="slidenum">
+              <a:rPr lang="en-US" smtClean="0"/>
+              <a:t>8</a:t>
+            </a:fld>
+            <a:endParaRPr lang="en-US" dirty="0"/>
+          </a:p>
+        </p:txBody>
+      </p:sp>
+      <p:sp>
+        <p:nvSpPr>
+          <p:cNvPr id="5" name="TextBox 4">
+            <a:extLst>
+              <a:ext uri="{FF2B5EF4-FFF2-40B4-BE49-F238E27FC236}">
+                <a16:creationId xmlns:a16="http://schemas.microsoft.com/office/drawing/2014/main" id="{6AD89E97-E40C-DC86-FE63-C2AAFA62B7FE}"/>
+              </a:ext>
+            </a:extLst>
+          </p:cNvPr>
+          <p:cNvSpPr txBox="1"/>
+          <p:nvPr/>
+        </p:nvSpPr>
+        <p:spPr>
+          <a:xfrm>
+            <a:off x="6375400" y="2025650"/>
+            <a:ext cx="4203700" cy="1754326"/>
+          </a:xfrm>
+          <a:prstGeom prst="rect">
+            <a:avLst/>
+          </a:prstGeom>
+          <a:noFill/>
+        </p:spPr>
+        <p:txBody>
+          <a:bodyPr wrap="square" rtlCol="0">
+            <a:spAutoFit/>
+          </a:bodyPr>
+          <a:lstStyle/>
+          <a:p>
+            <a:r>
+              <a:rPr lang="en-DE" dirty="0"/>
+              <a:t>Tomatos now have a water consumption of 12 liters/day.</a:t>
+            </a:r>
+          </a:p>
+          <a:p>
+            <a:endParaRPr lang="en-DE" dirty="0"/>
+          </a:p>
+          <a:p>
+            <a:r>
+              <a:rPr lang="en-DE" dirty="0"/>
+              <a:t>How can we communicate our stakeholders that yesterdays analysis contained a different value?</a:t>
+            </a:r>
+          </a:p>
+        </p:txBody>
+      </p:sp>
+      <p:cxnSp>
+        <p:nvCxnSpPr>
+          <p:cNvPr id="7" name="Straight Arrow Connector 6">
+            <a:extLst>
+              <a:ext uri="{FF2B5EF4-FFF2-40B4-BE49-F238E27FC236}">
+                <a16:creationId xmlns:a16="http://schemas.microsoft.com/office/drawing/2014/main" id="{3214DECE-B9D6-2525-6DA0-6EB527B1E933}"/>
+              </a:ext>
+            </a:extLst>
+          </p:cNvPr>
+          <p:cNvCxnSpPr>
+            <a:cxnSpLocks/>
+            <a:stCxn id="5" idx="1"/>
+          </p:cNvCxnSpPr>
+          <p:nvPr/>
+        </p:nvCxnSpPr>
+        <p:spPr>
+          <a:xfrm flipH="1">
+            <a:off x="5003800" y="2902813"/>
+            <a:ext cx="1371600" cy="0"/>
+          </a:xfrm>
+          <a:prstGeom prst="straightConnector1">
+            <a:avLst/>
+          </a:prstGeom>
+          <a:ln w="76200">
+            <a:tailEnd type="triangle"/>
+          </a:ln>
+        </p:spPr>
+        <p:style>
+          <a:lnRef idx="1">
+            <a:schemeClr val="accent1"/>
+          </a:lnRef>
+          <a:fillRef idx="0">
+            <a:schemeClr val="accent1"/>
+          </a:fillRef>
+          <a:effectRef idx="0">
+            <a:schemeClr val="accent1"/>
+          </a:effectRef>
+          <a:fontRef idx="minor">
+            <a:schemeClr val="tx1"/>
+          </a:fontRef>
+        </p:style>
+      </p:cxnSp>
+    </p:spTree>
+    <p:extLst>
+      <p:ext uri="{BB962C8B-B14F-4D97-AF65-F5344CB8AC3E}">
+        <p14:creationId xmlns:p14="http://schemas.microsoft.com/office/powerpoint/2010/main" val="2742393770"/>
+      </p:ext>
+    </p:extLst>
+  </p:cSld>
+  <p:clrMapOvr>
+    <a:masterClrMapping/>
+  </p:clrMapOvr>
+  <p:timing>
+    <p:tnLst>
+      <p:par>
+        <p:cTn id="1" dur="indefinite" restart="never" nodeType="tmRoot">
+          <p:childTnLst>
+            <p:seq concurrent="1" nextAc="seek">
+              <p:cTn id="2" dur="indefinite" nodeType="mainSeq">
+                <p:childTnLst>
+                  <p:par>
+                    <p:cTn id="3" fill="hold">
+                      <p:stCondLst>
+                        <p:cond delay="indefinite"/>
+                      </p:stCondLst>
+                      <p:childTnLst>
+                        <p:par>
+                          <p:cTn id="4" fill="hold">
+                            <p:stCondLst>
+                              <p:cond delay="0"/>
+                            </p:stCondLst>
+                            <p:childTnLst>
+                              <p:par>
+                                <p:cTn id="5" presetID="1" presetClass="entr" presetSubtype="0" fill="hold" nodeType="clickEffect">
+                                  <p:stCondLst>
+                                    <p:cond delay="0"/>
+                                  </p:stCondLst>
+                                  <p:childTnLst>
+                                    <p:set>
+                                      <p:cBhvr>
+                                        <p:cTn id="6" dur="1" fill="hold">
+                                          <p:stCondLst>
+                                            <p:cond delay="0"/>
+                                          </p:stCondLst>
+                                        </p:cTn>
+                                        <p:tgtEl>
+                                          <p:spTgt spid="7"/>
+                                        </p:tgtEl>
+                                        <p:attrNameLst>
+                                          <p:attrName>style.visibility</p:attrName>
+                                        </p:attrNameLst>
+                                      </p:cBhvr>
+                                      <p:to>
+                                        <p:strVal val="visible"/>
+                                      </p:to>
+                                    </p:set>
+                                  </p:childTnLst>
+                                </p:cTn>
+                              </p:par>
+                              <p:par>
+                                <p:cTn id="7" presetID="1" presetClass="entr" presetSubtype="0" fill="hold" grpId="0" nodeType="withEffect">
+                                  <p:stCondLst>
+                                    <p:cond delay="0"/>
+                                  </p:stCondLst>
+                                  <p:childTnLst>
+                                    <p:set>
+                                      <p:cBhvr>
+                                        <p:cTn id="8" dur="1" fill="hold">
+                                          <p:stCondLst>
+                                            <p:cond delay="0"/>
+                                          </p:stCondLst>
+                                        </p:cTn>
+                                        <p:tgtEl>
+                                          <p:spTgt spid="5"/>
+                                        </p:tgtEl>
+                                        <p:attrNameLst>
+                                          <p:attrName>style.visibility</p:attrName>
+                                        </p:attrNameLst>
+                                      </p:cBhvr>
+                                      <p:to>
+                                        <p:strVal val="visible"/>
+                                      </p:to>
+                                    </p:set>
+                                  </p:childTnLst>
+                                </p:cTn>
+                              </p:par>
+                            </p:childTnLst>
+                          </p:cTn>
+                        </p:par>
+                      </p:childTnLst>
+                    </p:cTn>
+                  </p:par>
+                </p:childTnLst>
+              </p:cTn>
+              <p:prevCondLst>
+                <p:cond evt="onPrev" delay="0">
+                  <p:tgtEl>
+                    <p:sldTgt/>
+                  </p:tgtEl>
+                </p:cond>
+              </p:prevCondLst>
+              <p:nextCondLst>
+                <p:cond evt="onNext" delay="0">
+                  <p:tgtEl>
+                    <p:sldTgt/>
+                  </p:tgtEl>
+                </p:cond>
+              </p:nextCondLst>
+            </p:seq>
+          </p:childTnLst>
+        </p:cTn>
+      </p:par>
+    </p:tnLst>
+    <p:bldLst>
+      <p:bldP spid="5" grpId="0"/>
+    </p:bldLst>
+  </p:timing>
+</p:sld>
+</file>
+
+<file path=ppt/slides/slide9.xml><?xml version="1.0" encoding="utf-8"?>
+<p:sld xmlns:a="http://schemas.openxmlformats.org/drawingml/2006/main" xmlns:r="http://schemas.openxmlformats.org/officeDocument/2006/relationships" xmlns:p="http://schemas.openxmlformats.org/presentationml/2006/main">
+  <p:cSld>
+    <p:spTree>
+      <p:nvGrpSpPr>
+        <p:cNvPr id="1" name=""/>
+        <p:cNvGrpSpPr/>
+        <p:nvPr/>
+      </p:nvGrpSpPr>
+      <p:grpSpPr>
+        <a:xfrm>
+          <a:off x="0" y="0"/>
+          <a:ext cx="0" cy="0"/>
+          <a:chOff x="0" y="0"/>
+          <a:chExt cx="0" cy="0"/>
+        </a:xfrm>
+      </p:grpSpPr>
+      <p:sp>
+        <p:nvSpPr>
+          <p:cNvPr id="2" name="Title 1">
+            <a:extLst>
+              <a:ext uri="{FF2B5EF4-FFF2-40B4-BE49-F238E27FC236}">
+                <a16:creationId xmlns:a16="http://schemas.microsoft.com/office/drawing/2014/main" id="{A253CA53-1EA1-D634-85D0-463E848F8E1E}"/>
+              </a:ext>
+            </a:extLst>
+          </p:cNvPr>
+          <p:cNvSpPr>
+            <a:spLocks noGrp="1"/>
+          </p:cNvSpPr>
+          <p:nvPr>
+            <p:ph type="title"/>
+          </p:nvPr>
+        </p:nvSpPr>
+        <p:spPr/>
+        <p:txBody>
+          <a:bodyPr/>
+          <a:lstStyle/>
+          <a:p>
+            <a:r>
+              <a:rPr lang="en-DE" dirty="0"/>
+              <a:t>Satelite</a:t>
+            </a:r>
+          </a:p>
+        </p:txBody>
+      </p:sp>
+      <p:sp>
+        <p:nvSpPr>
+          <p:cNvPr id="3" name="Content Placeholder 2">
+            <a:extLst>
+              <a:ext uri="{FF2B5EF4-FFF2-40B4-BE49-F238E27FC236}">
+                <a16:creationId xmlns:a16="http://schemas.microsoft.com/office/drawing/2014/main" id="{108D48BA-4AFC-2A5C-214B-673090FF462C}"/>
+              </a:ext>
+            </a:extLst>
+          </p:cNvPr>
+          <p:cNvSpPr>
+            <a:spLocks noGrp="1"/>
+          </p:cNvSpPr>
+          <p:nvPr>
+            <p:ph idx="1"/>
+          </p:nvPr>
+        </p:nvSpPr>
+        <p:spPr/>
+        <p:txBody>
+          <a:bodyPr>
+            <a:noAutofit/>
+          </a:bodyPr>
+          <a:lstStyle/>
+          <a:p>
+            <a:pPr marL="0" indent="0">
+              <a:buNone/>
+            </a:pPr>
+            <a:r>
+              <a:rPr lang="en-GB" sz="1200" dirty="0">
+                <a:latin typeface="Consolas" panose="020B0609020204030204" pitchFamily="49" charset="0"/>
+                <a:cs typeface="Consolas" panose="020B0609020204030204" pitchFamily="49" charset="0"/>
+              </a:rPr>
+              <a:t>crops </a:t>
+            </a:r>
+            <a:r>
+              <a:rPr lang="en-GB" sz="1200" dirty="0" err="1">
+                <a:latin typeface="Consolas" panose="020B0609020204030204" pitchFamily="49" charset="0"/>
+                <a:cs typeface="Consolas" panose="020B0609020204030204" pitchFamily="49" charset="0"/>
+              </a:rPr>
+              <a:t>satelite</a:t>
+            </a:r>
+            <a:r>
+              <a:rPr lang="en-GB" sz="1200" dirty="0">
+                <a:latin typeface="Consolas" panose="020B0609020204030204" pitchFamily="49" charset="0"/>
+                <a:cs typeface="Consolas" panose="020B0609020204030204" pitchFamily="49" charset="0"/>
+              </a:rPr>
+              <a:t>:</a:t>
+            </a:r>
+          </a:p>
+          <a:p>
+            <a:pPr marL="0" indent="0">
+              <a:buNone/>
+            </a:pPr>
+            <a:r>
+              <a:rPr lang="en-GB" sz="1200" dirty="0">
+                <a:latin typeface="Consolas" panose="020B0609020204030204" pitchFamily="49" charset="0"/>
+                <a:cs typeface="Consolas" panose="020B0609020204030204" pitchFamily="49" charset="0"/>
+              </a:rPr>
+              <a:t>+---------------+----------+-------------------+------------+----------+---------------+-----------+</a:t>
+            </a:r>
+          </a:p>
+          <a:p>
+            <a:pPr marL="0" indent="0">
+              <a:buNone/>
+            </a:pPr>
+            <a:r>
+              <a:rPr lang="en-GB" sz="1200" dirty="0">
+                <a:latin typeface="Consolas" panose="020B0609020204030204" pitchFamily="49" charset="0"/>
+                <a:cs typeface="Consolas" panose="020B0609020204030204" pitchFamily="49" charset="0"/>
+              </a:rPr>
+              <a:t>| </a:t>
+            </a:r>
+            <a:r>
+              <a:rPr lang="en-GB" sz="1200" dirty="0" err="1">
+                <a:latin typeface="Consolas" panose="020B0609020204030204" pitchFamily="49" charset="0"/>
+                <a:cs typeface="Consolas" panose="020B0609020204030204" pitchFamily="49" charset="0"/>
+              </a:rPr>
+              <a:t>crop_hash_key</a:t>
+            </a:r>
+            <a:r>
+              <a:rPr lang="en-GB" sz="1200" dirty="0">
+                <a:latin typeface="Consolas" panose="020B0609020204030204" pitchFamily="49" charset="0"/>
+                <a:cs typeface="Consolas" panose="020B0609020204030204" pitchFamily="49" charset="0"/>
+              </a:rPr>
+              <a:t> | crop     | </a:t>
+            </a:r>
+            <a:r>
+              <a:rPr lang="en-GB" sz="1200" dirty="0" err="1">
+                <a:latin typeface="Consolas" panose="020B0609020204030204" pitchFamily="49" charset="0"/>
+                <a:cs typeface="Consolas" panose="020B0609020204030204" pitchFamily="49" charset="0"/>
+              </a:rPr>
+              <a:t>water_consumption</a:t>
+            </a:r>
+            <a:r>
+              <a:rPr lang="en-GB" sz="1200" dirty="0">
+                <a:latin typeface="Consolas" panose="020B0609020204030204" pitchFamily="49" charset="0"/>
+                <a:cs typeface="Consolas" panose="020B0609020204030204" pitchFamily="49" charset="0"/>
+              </a:rPr>
+              <a:t> | </a:t>
+            </a:r>
+            <a:r>
+              <a:rPr lang="en-GB" sz="1200" dirty="0" err="1">
+                <a:latin typeface="Consolas" panose="020B0609020204030204" pitchFamily="49" charset="0"/>
+                <a:cs typeface="Consolas" panose="020B0609020204030204" pitchFamily="49" charset="0"/>
+              </a:rPr>
+              <a:t>load_date</a:t>
+            </a:r>
+            <a:r>
+              <a:rPr lang="en-GB" sz="1200" dirty="0">
+                <a:latin typeface="Consolas" panose="020B0609020204030204" pitchFamily="49" charset="0"/>
+                <a:cs typeface="Consolas" panose="020B0609020204030204" pitchFamily="49" charset="0"/>
+              </a:rPr>
+              <a:t>  | </a:t>
+            </a:r>
+            <a:r>
+              <a:rPr lang="en-GB" sz="1200" dirty="0" err="1">
+                <a:latin typeface="Consolas" panose="020B0609020204030204" pitchFamily="49" charset="0"/>
+                <a:cs typeface="Consolas" panose="020B0609020204030204" pitchFamily="49" charset="0"/>
+              </a:rPr>
+              <a:t>end_date</a:t>
+            </a:r>
+            <a:r>
+              <a:rPr lang="en-GB" sz="1200" dirty="0">
+                <a:latin typeface="Consolas" panose="020B0609020204030204" pitchFamily="49" charset="0"/>
+                <a:cs typeface="Consolas" panose="020B0609020204030204" pitchFamily="49" charset="0"/>
+              </a:rPr>
+              <a:t> | </a:t>
+            </a:r>
+            <a:r>
+              <a:rPr lang="en-GB" sz="1200" dirty="0" err="1">
+                <a:latin typeface="Consolas" panose="020B0609020204030204" pitchFamily="49" charset="0"/>
+                <a:cs typeface="Consolas" panose="020B0609020204030204" pitchFamily="49" charset="0"/>
+              </a:rPr>
+              <a:t>record_source</a:t>
+            </a:r>
+            <a:r>
+              <a:rPr lang="en-GB" sz="1200" dirty="0">
+                <a:latin typeface="Consolas" panose="020B0609020204030204" pitchFamily="49" charset="0"/>
+                <a:cs typeface="Consolas" panose="020B0609020204030204" pitchFamily="49" charset="0"/>
+              </a:rPr>
+              <a:t> | </a:t>
+            </a:r>
+            <a:r>
+              <a:rPr lang="en-GB" sz="1200" dirty="0" err="1">
+                <a:latin typeface="Consolas" panose="020B0609020204030204" pitchFamily="49" charset="0"/>
+                <a:cs typeface="Consolas" panose="020B0609020204030204" pitchFamily="49" charset="0"/>
+              </a:rPr>
+              <a:t>hash_diff</a:t>
+            </a:r>
+            <a:r>
+              <a:rPr lang="en-GB" sz="1200" dirty="0">
+                <a:latin typeface="Consolas" panose="020B0609020204030204" pitchFamily="49" charset="0"/>
+                <a:cs typeface="Consolas" panose="020B0609020204030204" pitchFamily="49" charset="0"/>
+              </a:rPr>
+              <a:t> |</a:t>
+            </a:r>
+          </a:p>
+          <a:p>
+            <a:pPr marL="0" indent="0">
+              <a:buNone/>
+            </a:pPr>
+            <a:r>
+              <a:rPr lang="en-GB" sz="1200" dirty="0">
+                <a:latin typeface="Consolas" panose="020B0609020204030204" pitchFamily="49" charset="0"/>
+                <a:cs typeface="Consolas" panose="020B0609020204030204" pitchFamily="49" charset="0"/>
+              </a:rPr>
+              <a:t>+---------------+----------+-------------------+------------+----------+---------------+-----------+</a:t>
+            </a:r>
+          </a:p>
+          <a:p>
+            <a:pPr marL="0" indent="0">
+              <a:buNone/>
+            </a:pPr>
+            <a:r>
+              <a:rPr lang="en-GB" sz="1200" dirty="0">
+                <a:latin typeface="Consolas" panose="020B0609020204030204" pitchFamily="49" charset="0"/>
+                <a:cs typeface="Consolas" panose="020B0609020204030204" pitchFamily="49" charset="0"/>
+              </a:rPr>
+              <a:t>| b519e         | </a:t>
+            </a:r>
+            <a:r>
+              <a:rPr lang="en-GB" sz="1200" dirty="0" err="1">
+                <a:latin typeface="Consolas" panose="020B0609020204030204" pitchFamily="49" charset="0"/>
+                <a:cs typeface="Consolas" panose="020B0609020204030204" pitchFamily="49" charset="0"/>
+              </a:rPr>
+              <a:t>tomate</a:t>
+            </a:r>
+            <a:r>
+              <a:rPr lang="en-GB" sz="1200" dirty="0">
+                <a:latin typeface="Consolas" panose="020B0609020204030204" pitchFamily="49" charset="0"/>
+                <a:cs typeface="Consolas" panose="020B0609020204030204" pitchFamily="49" charset="0"/>
+              </a:rPr>
+              <a:t>   | 10                | 2022-05-01 | NULL     | ERP           | 8a3f0     |</a:t>
+            </a:r>
+          </a:p>
+          <a:p>
+            <a:pPr marL="0" indent="0">
+              <a:buNone/>
+            </a:pPr>
+            <a:r>
+              <a:rPr lang="en-GB" sz="1200" dirty="0">
+                <a:latin typeface="Consolas" panose="020B0609020204030204" pitchFamily="49" charset="0"/>
+                <a:cs typeface="Consolas" panose="020B0609020204030204" pitchFamily="49" charset="0"/>
+              </a:rPr>
+              <a:t>+---------------+----------+-------------------+------------+----------+---------------+-----------+</a:t>
+            </a:r>
+          </a:p>
+          <a:p>
+            <a:pPr marL="0" indent="0">
+              <a:buNone/>
+            </a:pPr>
+            <a:r>
+              <a:rPr lang="en-GB" sz="1200" dirty="0">
+                <a:latin typeface="Consolas" panose="020B0609020204030204" pitchFamily="49" charset="0"/>
+                <a:cs typeface="Consolas" panose="020B0609020204030204" pitchFamily="49" charset="0"/>
+              </a:rPr>
+              <a:t>| 5f763         | cucumber | 15                | 2022-05-01 | NULL     | ERP           | c345a     |</a:t>
+            </a:r>
+          </a:p>
+          <a:p>
+            <a:pPr marL="0" indent="0">
+              <a:buNone/>
+            </a:pPr>
+            <a:r>
+              <a:rPr lang="en-GB" sz="1200" dirty="0">
+                <a:latin typeface="Consolas" panose="020B0609020204030204" pitchFamily="49" charset="0"/>
+                <a:cs typeface="Consolas" panose="020B0609020204030204" pitchFamily="49" charset="0"/>
+              </a:rPr>
+              <a:t>+---------------+----------+-------------------+------------+----------+---------------+-----------+</a:t>
+            </a:r>
+          </a:p>
+          <a:p>
+            <a:pPr marL="0" indent="0">
+              <a:buNone/>
+            </a:pPr>
+            <a:endParaRPr lang="en-GB" sz="1200" dirty="0">
+              <a:latin typeface="Consolas" panose="020B0609020204030204" pitchFamily="49" charset="0"/>
+              <a:cs typeface="Consolas" panose="020B0609020204030204" pitchFamily="49" charset="0"/>
+            </a:endParaRPr>
+          </a:p>
+          <a:p>
+            <a:pPr marL="0" indent="0">
+              <a:buNone/>
+            </a:pPr>
+            <a:r>
+              <a:rPr lang="en-GB" sz="1200" dirty="0">
+                <a:solidFill>
+                  <a:schemeClr val="bg1">
+                    <a:lumMod val="65000"/>
+                  </a:schemeClr>
+                </a:solidFill>
+                <a:latin typeface="Consolas" panose="020B0609020204030204" pitchFamily="49" charset="0"/>
+                <a:cs typeface="Consolas" panose="020B0609020204030204" pitchFamily="49" charset="0"/>
+              </a:rPr>
+              <a:t>crops:</a:t>
+            </a:r>
+          </a:p>
+          <a:p>
+            <a:pPr marL="0" indent="0">
+              <a:buNone/>
+            </a:pPr>
+            <a:r>
+              <a:rPr lang="en-GB" sz="1200" dirty="0">
+                <a:solidFill>
+                  <a:schemeClr val="bg1">
+                    <a:lumMod val="65000"/>
+                  </a:schemeClr>
+                </a:solidFill>
+                <a:latin typeface="Consolas" panose="020B0609020204030204" pitchFamily="49" charset="0"/>
+                <a:cs typeface="Consolas" panose="020B0609020204030204" pitchFamily="49" charset="0"/>
+              </a:rPr>
+              <a:t>+------+----------+-------------------+</a:t>
+            </a:r>
+          </a:p>
+          <a:p>
+            <a:pPr marL="0" indent="0">
+              <a:buNone/>
+            </a:pPr>
+            <a:r>
+              <a:rPr lang="en-GB" sz="1200" dirty="0">
+                <a:solidFill>
+                  <a:schemeClr val="bg1">
+                    <a:lumMod val="65000"/>
+                  </a:schemeClr>
+                </a:solidFill>
+                <a:latin typeface="Consolas" panose="020B0609020204030204" pitchFamily="49" charset="0"/>
+                <a:cs typeface="Consolas" panose="020B0609020204030204" pitchFamily="49" charset="0"/>
+              </a:rPr>
+              <a:t>| id   | crop     | </a:t>
+            </a:r>
+            <a:r>
+              <a:rPr lang="en-GB" sz="1200" dirty="0" err="1">
+                <a:solidFill>
+                  <a:schemeClr val="bg1">
+                    <a:lumMod val="65000"/>
+                  </a:schemeClr>
+                </a:solidFill>
+                <a:latin typeface="Consolas" panose="020B0609020204030204" pitchFamily="49" charset="0"/>
+                <a:cs typeface="Consolas" panose="020B0609020204030204" pitchFamily="49" charset="0"/>
+              </a:rPr>
+              <a:t>water_consumption</a:t>
+            </a:r>
+            <a:r>
+              <a:rPr lang="en-GB" sz="1200" dirty="0">
+                <a:solidFill>
+                  <a:schemeClr val="bg1">
+                    <a:lumMod val="65000"/>
+                  </a:schemeClr>
+                </a:solidFill>
+                <a:latin typeface="Consolas" panose="020B0609020204030204" pitchFamily="49" charset="0"/>
+                <a:cs typeface="Consolas" panose="020B0609020204030204" pitchFamily="49" charset="0"/>
+              </a:rPr>
+              <a:t> |</a:t>
+            </a:r>
+          </a:p>
+          <a:p>
+            <a:pPr marL="0" indent="0">
+              <a:buNone/>
+            </a:pPr>
+            <a:r>
+              <a:rPr lang="en-GB" sz="1200" dirty="0">
+                <a:solidFill>
+                  <a:schemeClr val="bg1">
+                    <a:lumMod val="65000"/>
+                  </a:schemeClr>
+                </a:solidFill>
+                <a:latin typeface="Consolas" panose="020B0609020204030204" pitchFamily="49" charset="0"/>
+                <a:cs typeface="Consolas" panose="020B0609020204030204" pitchFamily="49" charset="0"/>
+              </a:rPr>
+              <a:t>+------+----------+-------------------+</a:t>
+            </a:r>
+          </a:p>
+          <a:p>
+            <a:pPr marL="0" indent="0">
+              <a:buNone/>
+            </a:pPr>
+            <a:r>
+              <a:rPr lang="en-GB" sz="1200" dirty="0">
+                <a:solidFill>
+                  <a:schemeClr val="bg1">
+                    <a:lumMod val="65000"/>
+                  </a:schemeClr>
+                </a:solidFill>
+                <a:latin typeface="Consolas" panose="020B0609020204030204" pitchFamily="49" charset="0"/>
+                <a:cs typeface="Consolas" panose="020B0609020204030204" pitchFamily="49" charset="0"/>
+              </a:rPr>
+              <a:t>...</a:t>
+            </a:r>
+          </a:p>
+          <a:p>
+            <a:pPr marL="0" indent="0">
+              <a:buNone/>
+            </a:pPr>
+            <a:r>
+              <a:rPr lang="en-GB" sz="1200" dirty="0">
+                <a:solidFill>
+                  <a:schemeClr val="bg1">
+                    <a:lumMod val="65000"/>
+                  </a:schemeClr>
+                </a:solidFill>
+                <a:latin typeface="Consolas" panose="020B0609020204030204" pitchFamily="49" charset="0"/>
+                <a:cs typeface="Consolas" panose="020B0609020204030204" pitchFamily="49" charset="0"/>
+              </a:rPr>
+              <a:t>+------+----------+-------------------+</a:t>
+            </a:r>
+          </a:p>
+          <a:p>
+            <a:pPr marL="0" indent="0">
+              <a:buNone/>
+            </a:pPr>
+            <a:endParaRPr lang="en-DE" sz="1200" dirty="0">
+              <a:latin typeface="Consolas" panose="020B0609020204030204" pitchFamily="49" charset="0"/>
+              <a:cs typeface="Consolas" panose="020B0609020204030204" pitchFamily="49" charset="0"/>
+            </a:endParaRPr>
+          </a:p>
+        </p:txBody>
+      </p:sp>
+      <p:sp>
+        <p:nvSpPr>
+          <p:cNvPr id="4" name="Slide Number Placeholder 3">
+            <a:extLst>
+              <a:ext uri="{FF2B5EF4-FFF2-40B4-BE49-F238E27FC236}">
+                <a16:creationId xmlns:a16="http://schemas.microsoft.com/office/drawing/2014/main" id="{2A8B2F59-0AB3-6770-DBA3-506875D2D8DE}"/>
+              </a:ext>
+            </a:extLst>
+          </p:cNvPr>
+          <p:cNvSpPr>
+            <a:spLocks noGrp="1"/>
+          </p:cNvSpPr>
+          <p:nvPr>
+            <p:ph type="sldNum" sz="quarter" idx="12"/>
+          </p:nvPr>
+        </p:nvSpPr>
+        <p:spPr/>
+        <p:txBody>
+          <a:bodyPr/>
+          <a:lstStyle/>
+          <a:p>
+            <a:fld id="{9D4AEF59-F28E-467C-9EA3-92D1CFAD475A}" type="slidenum">
+              <a:rPr lang="en-US" smtClean="0"/>
+              <a:t>9</a:t>
+            </a:fld>
+            <a:endParaRPr lang="en-US" dirty="0"/>
+          </a:p>
+        </p:txBody>
+      </p:sp>
+    </p:spTree>
+    <p:extLst>
+      <p:ext uri="{BB962C8B-B14F-4D97-AF65-F5344CB8AC3E}">
+        <p14:creationId xmlns:p14="http://schemas.microsoft.com/office/powerpoint/2010/main" val="3869940865"/>
+      </p:ext>
+    </p:extLst>
+  </p:cSld>
+  <p:clrMapOvr>
+    <a:masterClrMapping/>
+  </p:clrMapOvr>
 </p:sld>
 </file>
 
